--- a/FFT of imgs/planets_h16.pptx
+++ b/FFT of imgs/planets_h16.pptx
@@ -7,7 +7,8 @@
   <p:sldIdLst>
     <p:sldId id="256" r:id="rId2"/>
     <p:sldId id="257" r:id="rId3"/>
-    <p:sldId id="258" r:id="rId4"/>
+    <p:sldId id="259" r:id="rId4"/>
+    <p:sldId id="258" r:id="rId5"/>
   </p:sldIdLst>
   <p:sldSz cx="18288000" cy="18288000"/>
   <p:notesSz cx="6858000" cy="9144000"/>
@@ -256,7 +257,7 @@
           <a:p>
             <a:fld id="{52ED90DB-C377-4650-A7C6-CE3C48B67D95}" type="datetimeFigureOut">
               <a:rPr lang="en-US" smtClean="0"/>
-              <a:t>11/8/2024</a:t>
+              <a:t>11/11/2024</a:t>
             </a:fld>
             <a:endParaRPr lang="en-US"/>
           </a:p>
@@ -426,7 +427,7 @@
           <a:p>
             <a:fld id="{52ED90DB-C377-4650-A7C6-CE3C48B67D95}" type="datetimeFigureOut">
               <a:rPr lang="en-US" smtClean="0"/>
-              <a:t>11/8/2024</a:t>
+              <a:t>11/11/2024</a:t>
             </a:fld>
             <a:endParaRPr lang="en-US"/>
           </a:p>
@@ -606,7 +607,7 @@
           <a:p>
             <a:fld id="{52ED90DB-C377-4650-A7C6-CE3C48B67D95}" type="datetimeFigureOut">
               <a:rPr lang="en-US" smtClean="0"/>
-              <a:t>11/8/2024</a:t>
+              <a:t>11/11/2024</a:t>
             </a:fld>
             <a:endParaRPr lang="en-US"/>
           </a:p>
@@ -776,7 +777,7 @@
           <a:p>
             <a:fld id="{52ED90DB-C377-4650-A7C6-CE3C48B67D95}" type="datetimeFigureOut">
               <a:rPr lang="en-US" smtClean="0"/>
-              <a:t>11/8/2024</a:t>
+              <a:t>11/11/2024</a:t>
             </a:fld>
             <a:endParaRPr lang="en-US"/>
           </a:p>
@@ -1022,7 +1023,7 @@
           <a:p>
             <a:fld id="{52ED90DB-C377-4650-A7C6-CE3C48B67D95}" type="datetimeFigureOut">
               <a:rPr lang="en-US" smtClean="0"/>
-              <a:t>11/8/2024</a:t>
+              <a:t>11/11/2024</a:t>
             </a:fld>
             <a:endParaRPr lang="en-US"/>
           </a:p>
@@ -1254,7 +1255,7 @@
           <a:p>
             <a:fld id="{52ED90DB-C377-4650-A7C6-CE3C48B67D95}" type="datetimeFigureOut">
               <a:rPr lang="en-US" smtClean="0"/>
-              <a:t>11/8/2024</a:t>
+              <a:t>11/11/2024</a:t>
             </a:fld>
             <a:endParaRPr lang="en-US"/>
           </a:p>
@@ -1621,7 +1622,7 @@
           <a:p>
             <a:fld id="{52ED90DB-C377-4650-A7C6-CE3C48B67D95}" type="datetimeFigureOut">
               <a:rPr lang="en-US" smtClean="0"/>
-              <a:t>11/8/2024</a:t>
+              <a:t>11/11/2024</a:t>
             </a:fld>
             <a:endParaRPr lang="en-US"/>
           </a:p>
@@ -1739,7 +1740,7 @@
           <a:p>
             <a:fld id="{52ED90DB-C377-4650-A7C6-CE3C48B67D95}" type="datetimeFigureOut">
               <a:rPr lang="en-US" smtClean="0"/>
-              <a:t>11/8/2024</a:t>
+              <a:t>11/11/2024</a:t>
             </a:fld>
             <a:endParaRPr lang="en-US"/>
           </a:p>
@@ -1834,7 +1835,7 @@
           <a:p>
             <a:fld id="{52ED90DB-C377-4650-A7C6-CE3C48B67D95}" type="datetimeFigureOut">
               <a:rPr lang="en-US" smtClean="0"/>
-              <a:t>11/8/2024</a:t>
+              <a:t>11/11/2024</a:t>
             </a:fld>
             <a:endParaRPr lang="en-US"/>
           </a:p>
@@ -2111,7 +2112,7 @@
           <a:p>
             <a:fld id="{52ED90DB-C377-4650-A7C6-CE3C48B67D95}" type="datetimeFigureOut">
               <a:rPr lang="en-US" smtClean="0"/>
-              <a:t>11/8/2024</a:t>
+              <a:t>11/11/2024</a:t>
             </a:fld>
             <a:endParaRPr lang="en-US"/>
           </a:p>
@@ -2368,7 +2369,7 @@
           <a:p>
             <a:fld id="{52ED90DB-C377-4650-A7C6-CE3C48B67D95}" type="datetimeFigureOut">
               <a:rPr lang="en-US" smtClean="0"/>
-              <a:t>11/8/2024</a:t>
+              <a:t>11/11/2024</a:t>
             </a:fld>
             <a:endParaRPr lang="en-US"/>
           </a:p>
@@ -2581,7 +2582,7 @@
           <a:p>
             <a:fld id="{52ED90DB-C377-4650-A7C6-CE3C48B67D95}" type="datetimeFigureOut">
               <a:rPr lang="en-US" smtClean="0"/>
-              <a:t>11/8/2024</a:t>
+              <a:t>11/11/2024</a:t>
             </a:fld>
             <a:endParaRPr lang="en-US"/>
           </a:p>
@@ -6361,6 +6362,114 @@
           </p:txBody>
         </p:sp>
       </p:grpSp>
+      <p:pic>
+        <p:nvPicPr>
+          <p:cNvPr id="3" name="Graphic 2" descr="Uranus outline">
+            <a:extLst>
+              <a:ext uri="{FF2B5EF4-FFF2-40B4-BE49-F238E27FC236}">
+                <a16:creationId xmlns:a16="http://schemas.microsoft.com/office/drawing/2014/main" id="{D7F6E236-E36E-64C6-B033-BE9CA8EE1D85}"/>
+              </a:ext>
+            </a:extLst>
+          </p:cNvPr>
+          <p:cNvPicPr>
+            <a:picLocks noChangeAspect="1"/>
+          </p:cNvPicPr>
+          <p:nvPr/>
+        </p:nvPicPr>
+        <p:blipFill>
+          <a:blip r:embed="rId3">
+            <a:extLst>
+              <a:ext uri="{96DAC541-7B7A-43D3-8B79-37D633B846F1}">
+                <asvg:svgBlip xmlns:asvg="http://schemas.microsoft.com/office/drawing/2016/SVG/main" r:embed="rId4"/>
+              </a:ext>
+            </a:extLst>
+          </a:blip>
+          <a:stretch>
+            <a:fillRect/>
+          </a:stretch>
+        </p:blipFill>
+        <p:spPr>
+          <a:xfrm>
+            <a:off x="8686800" y="8686800"/>
+            <a:ext cx="914400" cy="914400"/>
+          </a:xfrm>
+          <a:prstGeom prst="rect">
+            <a:avLst/>
+          </a:prstGeom>
+        </p:spPr>
+      </p:pic>
+      <p:pic>
+        <p:nvPicPr>
+          <p:cNvPr id="25" name="Graphic 24" descr="Mercury outline">
+            <a:extLst>
+              <a:ext uri="{FF2B5EF4-FFF2-40B4-BE49-F238E27FC236}">
+                <a16:creationId xmlns:a16="http://schemas.microsoft.com/office/drawing/2014/main" id="{A8858AC7-F5B6-9D22-613B-3B1D61262C49}"/>
+              </a:ext>
+            </a:extLst>
+          </p:cNvPr>
+          <p:cNvPicPr>
+            <a:picLocks noChangeAspect="1"/>
+          </p:cNvPicPr>
+          <p:nvPr/>
+        </p:nvPicPr>
+        <p:blipFill>
+          <a:blip r:embed="rId5">
+            <a:extLst>
+              <a:ext uri="{96DAC541-7B7A-43D3-8B79-37D633B846F1}">
+                <asvg:svgBlip xmlns:asvg="http://schemas.microsoft.com/office/drawing/2016/SVG/main" r:embed="rId6"/>
+              </a:ext>
+            </a:extLst>
+          </a:blip>
+          <a:stretch>
+            <a:fillRect/>
+          </a:stretch>
+        </p:blipFill>
+        <p:spPr>
+          <a:xfrm>
+            <a:off x="8836800" y="8836800"/>
+            <a:ext cx="914400" cy="914400"/>
+          </a:xfrm>
+          <a:prstGeom prst="rect">
+            <a:avLst/>
+          </a:prstGeom>
+        </p:spPr>
+      </p:pic>
+      <p:pic>
+        <p:nvPicPr>
+          <p:cNvPr id="27" name="Graphic 26" descr="Mars outline">
+            <a:extLst>
+              <a:ext uri="{FF2B5EF4-FFF2-40B4-BE49-F238E27FC236}">
+                <a16:creationId xmlns:a16="http://schemas.microsoft.com/office/drawing/2014/main" id="{33313522-2855-C628-1D39-DF0F049104D0}"/>
+              </a:ext>
+            </a:extLst>
+          </p:cNvPr>
+          <p:cNvPicPr>
+            <a:picLocks noChangeAspect="1"/>
+          </p:cNvPicPr>
+          <p:nvPr/>
+        </p:nvPicPr>
+        <p:blipFill>
+          <a:blip r:embed="rId7">
+            <a:extLst>
+              <a:ext uri="{96DAC541-7B7A-43D3-8B79-37D633B846F1}">
+                <asvg:svgBlip xmlns:asvg="http://schemas.microsoft.com/office/drawing/2016/SVG/main" r:embed="rId8"/>
+              </a:ext>
+            </a:extLst>
+          </a:blip>
+          <a:stretch>
+            <a:fillRect/>
+          </a:stretch>
+        </p:blipFill>
+        <p:spPr>
+          <a:xfrm>
+            <a:off x="8986800" y="8986800"/>
+            <a:ext cx="914400" cy="914400"/>
+          </a:xfrm>
+          <a:prstGeom prst="rect">
+            <a:avLst/>
+          </a:prstGeom>
+        </p:spPr>
+      </p:pic>
     </p:spTree>
     <p:extLst>
       <p:ext uri="{BB962C8B-B14F-4D97-AF65-F5344CB8AC3E}">
@@ -6375,6 +6484,3414 @@
 </file>
 
 <file path=ppt/slides/slide3.xml><?xml version="1.0" encoding="utf-8"?>
+<p:sld xmlns:a="http://schemas.openxmlformats.org/drawingml/2006/main" xmlns:r="http://schemas.openxmlformats.org/officeDocument/2006/relationships" xmlns:p="http://schemas.openxmlformats.org/presentationml/2006/main">
+  <p:cSld>
+    <p:bg>
+      <p:bgPr>
+        <a:solidFill>
+          <a:schemeClr val="tx1"/>
+        </a:solidFill>
+        <a:effectLst/>
+      </p:bgPr>
+    </p:bg>
+    <p:spTree>
+      <p:nvGrpSpPr>
+        <p:cNvPr id="1" name="">
+          <a:extLst>
+            <a:ext uri="{FF2B5EF4-FFF2-40B4-BE49-F238E27FC236}">
+              <a16:creationId xmlns:a16="http://schemas.microsoft.com/office/drawing/2014/main" id="{9C76AA62-9263-A8FF-7D44-0DB88DC3BFCD}"/>
+            </a:ext>
+          </a:extLst>
+        </p:cNvPr>
+        <p:cNvGrpSpPr/>
+        <p:nvPr/>
+      </p:nvGrpSpPr>
+      <p:grpSpPr>
+        <a:xfrm>
+          <a:off x="0" y="0"/>
+          <a:ext cx="0" cy="0"/>
+          <a:chOff x="0" y="0"/>
+          <a:chExt cx="0" cy="0"/>
+        </a:xfrm>
+      </p:grpSpPr>
+      <p:grpSp>
+        <p:nvGrpSpPr>
+          <p:cNvPr id="67" name="Group 66">
+            <a:extLst>
+              <a:ext uri="{FF2B5EF4-FFF2-40B4-BE49-F238E27FC236}">
+                <a16:creationId xmlns:a16="http://schemas.microsoft.com/office/drawing/2014/main" id="{FF091ED6-4F80-6064-7194-6E8CF2DC4378}"/>
+              </a:ext>
+            </a:extLst>
+          </p:cNvPr>
+          <p:cNvGrpSpPr>
+            <a:grpSpLocks noChangeAspect="1"/>
+          </p:cNvGrpSpPr>
+          <p:nvPr/>
+        </p:nvGrpSpPr>
+        <p:grpSpPr>
+          <a:xfrm>
+            <a:off x="5104685" y="6327088"/>
+            <a:ext cx="7572881" cy="7200000"/>
+            <a:chOff x="5706264" y="6712098"/>
+            <a:chExt cx="6437290" cy="6120324"/>
+          </a:xfrm>
+        </p:grpSpPr>
+        <p:pic>
+          <p:nvPicPr>
+            <p:cNvPr id="3" name="Graphic 2" descr="Uranus outline">
+              <a:extLst>
+                <a:ext uri="{FF2B5EF4-FFF2-40B4-BE49-F238E27FC236}">
+                  <a16:creationId xmlns:a16="http://schemas.microsoft.com/office/drawing/2014/main" id="{A1C2B1F6-A20A-BFAD-F10A-C3C3BEA00477}"/>
+                </a:ext>
+              </a:extLst>
+            </p:cNvPr>
+            <p:cNvPicPr>
+              <a:picLocks noChangeAspect="1"/>
+            </p:cNvPicPr>
+            <p:nvPr/>
+          </p:nvPicPr>
+          <p:blipFill>
+            <a:blip r:embed="rId2">
+              <a:extLst>
+                <a:ext uri="{96DAC541-7B7A-43D3-8B79-37D633B846F1}">
+                  <asvg:svgBlip xmlns:asvg="http://schemas.microsoft.com/office/drawing/2016/SVG/main" r:embed="rId3"/>
+                </a:ext>
+              </a:extLst>
+            </a:blip>
+            <a:stretch>
+              <a:fillRect/>
+            </a:stretch>
+          </p:blipFill>
+          <p:spPr>
+            <a:xfrm rot="691476">
+              <a:off x="8147554" y="8836422"/>
+              <a:ext cx="3996000" cy="3996000"/>
+            </a:xfrm>
+            <a:prstGeom prst="rect">
+              <a:avLst/>
+            </a:prstGeom>
+          </p:spPr>
+        </p:pic>
+        <p:grpSp>
+          <p:nvGrpSpPr>
+            <p:cNvPr id="48" name="Graphic 24" descr="Mercury outline">
+              <a:extLst>
+                <a:ext uri="{FF2B5EF4-FFF2-40B4-BE49-F238E27FC236}">
+                  <a16:creationId xmlns:a16="http://schemas.microsoft.com/office/drawing/2014/main" id="{B4F4314F-26CC-191E-5EF3-3E01BFC7C93C}"/>
+                </a:ext>
+              </a:extLst>
+            </p:cNvPr>
+            <p:cNvGrpSpPr/>
+            <p:nvPr/>
+          </p:nvGrpSpPr>
+          <p:grpSpPr>
+            <a:xfrm>
+              <a:off x="9577139" y="6712098"/>
+              <a:ext cx="2337172" cy="2337172"/>
+              <a:chOff x="9496185" y="6584541"/>
+              <a:chExt cx="2295000" cy="2295000"/>
+            </a:xfrm>
+            <a:solidFill>
+              <a:srgbClr val="000000"/>
+            </a:solidFill>
+          </p:grpSpPr>
+          <p:sp>
+            <p:nvSpPr>
+              <p:cNvPr id="49" name="Freeform: Shape 48">
+                <a:extLst>
+                  <a:ext uri="{FF2B5EF4-FFF2-40B4-BE49-F238E27FC236}">
+                    <a16:creationId xmlns:a16="http://schemas.microsoft.com/office/drawing/2014/main" id="{11C63C25-6A9B-90F6-7D7E-56E90CC76DA6}"/>
+                  </a:ext>
+                </a:extLst>
+              </p:cNvPr>
+              <p:cNvSpPr/>
+              <p:nvPr/>
+            </p:nvSpPr>
+            <p:spPr>
+              <a:xfrm>
+                <a:off x="9496185" y="6584541"/>
+                <a:ext cx="2295000" cy="2295000"/>
+              </a:xfrm>
+              <a:custGeom>
+                <a:avLst/>
+                <a:gdLst>
+                  <a:gd name="connsiteX0" fmla="*/ 1147500 w 2295000"/>
+                  <a:gd name="connsiteY0" fmla="*/ 67500 h 2295000"/>
+                  <a:gd name="connsiteX1" fmla="*/ 2227500 w 2295000"/>
+                  <a:gd name="connsiteY1" fmla="*/ 1147500 h 2295000"/>
+                  <a:gd name="connsiteX2" fmla="*/ 1147500 w 2295000"/>
+                  <a:gd name="connsiteY2" fmla="*/ 2227500 h 2295000"/>
+                  <a:gd name="connsiteX3" fmla="*/ 67500 w 2295000"/>
+                  <a:gd name="connsiteY3" fmla="*/ 1147500 h 2295000"/>
+                  <a:gd name="connsiteX4" fmla="*/ 1147500 w 2295000"/>
+                  <a:gd name="connsiteY4" fmla="*/ 67500 h 2295000"/>
+                  <a:gd name="connsiteX5" fmla="*/ 1147500 w 2295000"/>
+                  <a:gd name="connsiteY5" fmla="*/ 0 h 2295000"/>
+                  <a:gd name="connsiteX6" fmla="*/ 0 w 2295000"/>
+                  <a:gd name="connsiteY6" fmla="*/ 1147500 h 2295000"/>
+                  <a:gd name="connsiteX7" fmla="*/ 1147500 w 2295000"/>
+                  <a:gd name="connsiteY7" fmla="*/ 2295000 h 2295000"/>
+                  <a:gd name="connsiteX8" fmla="*/ 2295000 w 2295000"/>
+                  <a:gd name="connsiteY8" fmla="*/ 1147500 h 2295000"/>
+                  <a:gd name="connsiteX9" fmla="*/ 1147500 w 2295000"/>
+                  <a:gd name="connsiteY9" fmla="*/ 0 h 2295000"/>
+                </a:gdLst>
+                <a:ahLst/>
+                <a:cxnLst>
+                  <a:cxn ang="0">
+                    <a:pos x="connsiteX0" y="connsiteY0"/>
+                  </a:cxn>
+                  <a:cxn ang="0">
+                    <a:pos x="connsiteX1" y="connsiteY1"/>
+                  </a:cxn>
+                  <a:cxn ang="0">
+                    <a:pos x="connsiteX2" y="connsiteY2"/>
+                  </a:cxn>
+                  <a:cxn ang="0">
+                    <a:pos x="connsiteX3" y="connsiteY3"/>
+                  </a:cxn>
+                  <a:cxn ang="0">
+                    <a:pos x="connsiteX4" y="connsiteY4"/>
+                  </a:cxn>
+                  <a:cxn ang="0">
+                    <a:pos x="connsiteX5" y="connsiteY5"/>
+                  </a:cxn>
+                  <a:cxn ang="0">
+                    <a:pos x="connsiteX6" y="connsiteY6"/>
+                  </a:cxn>
+                  <a:cxn ang="0">
+                    <a:pos x="connsiteX7" y="connsiteY7"/>
+                  </a:cxn>
+                  <a:cxn ang="0">
+                    <a:pos x="connsiteX8" y="connsiteY8"/>
+                  </a:cxn>
+                  <a:cxn ang="0">
+                    <a:pos x="connsiteX9" y="connsiteY9"/>
+                  </a:cxn>
+                </a:cxnLst>
+                <a:rect l="l" t="t" r="r" b="b"/>
+                <a:pathLst>
+                  <a:path w="2295000" h="2295000">
+                    <a:moveTo>
+                      <a:pt x="1147500" y="67500"/>
+                    </a:moveTo>
+                    <a:cubicBezTo>
+                      <a:pt x="1743967" y="67500"/>
+                      <a:pt x="2227500" y="551033"/>
+                      <a:pt x="2227500" y="1147500"/>
+                    </a:cubicBezTo>
+                    <a:cubicBezTo>
+                      <a:pt x="2227500" y="1743967"/>
+                      <a:pt x="1743967" y="2227500"/>
+                      <a:pt x="1147500" y="2227500"/>
+                    </a:cubicBezTo>
+                    <a:cubicBezTo>
+                      <a:pt x="551033" y="2227500"/>
+                      <a:pt x="67500" y="1743967"/>
+                      <a:pt x="67500" y="1147500"/>
+                    </a:cubicBezTo>
+                    <a:cubicBezTo>
+                      <a:pt x="68168" y="551310"/>
+                      <a:pt x="551310" y="68168"/>
+                      <a:pt x="1147500" y="67500"/>
+                    </a:cubicBezTo>
+                    <a:moveTo>
+                      <a:pt x="1147500" y="0"/>
+                    </a:moveTo>
+                    <a:cubicBezTo>
+                      <a:pt x="513753" y="0"/>
+                      <a:pt x="0" y="513753"/>
+                      <a:pt x="0" y="1147500"/>
+                    </a:cubicBezTo>
+                    <a:cubicBezTo>
+                      <a:pt x="0" y="1781248"/>
+                      <a:pt x="513753" y="2295000"/>
+                      <a:pt x="1147500" y="2295000"/>
+                    </a:cubicBezTo>
+                    <a:cubicBezTo>
+                      <a:pt x="1781248" y="2295000"/>
+                      <a:pt x="2295000" y="1781248"/>
+                      <a:pt x="2295000" y="1147500"/>
+                    </a:cubicBezTo>
+                    <a:cubicBezTo>
+                      <a:pt x="2294295" y="514046"/>
+                      <a:pt x="1780954" y="705"/>
+                      <a:pt x="1147500" y="0"/>
+                    </a:cubicBezTo>
+                    <a:close/>
+                  </a:path>
+                </a:pathLst>
+              </a:custGeom>
+              <a:solidFill>
+                <a:srgbClr val="000000"/>
+              </a:solidFill>
+              <a:ln w="19050" cap="flat">
+                <a:solidFill>
+                  <a:srgbClr val="00FF00"/>
+                </a:solidFill>
+                <a:prstDash val="solid"/>
+                <a:miter/>
+              </a:ln>
+            </p:spPr>
+            <p:txBody>
+              <a:bodyPr rtlCol="0" anchor="ctr"/>
+              <a:lstStyle/>
+              <a:p>
+                <a:endParaRPr lang="es-ES"/>
+              </a:p>
+            </p:txBody>
+          </p:sp>
+          <p:sp>
+            <p:nvSpPr>
+              <p:cNvPr id="50" name="Freeform: Shape 49">
+                <a:extLst>
+                  <a:ext uri="{FF2B5EF4-FFF2-40B4-BE49-F238E27FC236}">
+                    <a16:creationId xmlns:a16="http://schemas.microsoft.com/office/drawing/2014/main" id="{0D83AC28-BEF2-69EB-A1F9-4DECD1F22656}"/>
+                  </a:ext>
+                </a:extLst>
+              </p:cNvPr>
+              <p:cNvSpPr/>
+              <p:nvPr/>
+            </p:nvSpPr>
+            <p:spPr>
+              <a:xfrm>
+                <a:off x="9884310" y="7166627"/>
+                <a:ext cx="405000" cy="405000"/>
+              </a:xfrm>
+              <a:custGeom>
+                <a:avLst/>
+                <a:gdLst>
+                  <a:gd name="connsiteX0" fmla="*/ 202500 w 405000"/>
+                  <a:gd name="connsiteY0" fmla="*/ 405000 h 405000"/>
+                  <a:gd name="connsiteX1" fmla="*/ 0 w 405000"/>
+                  <a:gd name="connsiteY1" fmla="*/ 202500 h 405000"/>
+                  <a:gd name="connsiteX2" fmla="*/ 202500 w 405000"/>
+                  <a:gd name="connsiteY2" fmla="*/ 0 h 405000"/>
+                  <a:gd name="connsiteX3" fmla="*/ 405000 w 405000"/>
+                  <a:gd name="connsiteY3" fmla="*/ 202500 h 405000"/>
+                  <a:gd name="connsiteX4" fmla="*/ 202500 w 405000"/>
+                  <a:gd name="connsiteY4" fmla="*/ 405000 h 405000"/>
+                  <a:gd name="connsiteX5" fmla="*/ 202500 w 405000"/>
+                  <a:gd name="connsiteY5" fmla="*/ 67500 h 405000"/>
+                  <a:gd name="connsiteX6" fmla="*/ 67500 w 405000"/>
+                  <a:gd name="connsiteY6" fmla="*/ 202500 h 405000"/>
+                  <a:gd name="connsiteX7" fmla="*/ 202500 w 405000"/>
+                  <a:gd name="connsiteY7" fmla="*/ 337500 h 405000"/>
+                  <a:gd name="connsiteX8" fmla="*/ 337500 w 405000"/>
+                  <a:gd name="connsiteY8" fmla="*/ 202500 h 405000"/>
+                  <a:gd name="connsiteX9" fmla="*/ 202500 w 405000"/>
+                  <a:gd name="connsiteY9" fmla="*/ 67500 h 405000"/>
+                </a:gdLst>
+                <a:ahLst/>
+                <a:cxnLst>
+                  <a:cxn ang="0">
+                    <a:pos x="connsiteX0" y="connsiteY0"/>
+                  </a:cxn>
+                  <a:cxn ang="0">
+                    <a:pos x="connsiteX1" y="connsiteY1"/>
+                  </a:cxn>
+                  <a:cxn ang="0">
+                    <a:pos x="connsiteX2" y="connsiteY2"/>
+                  </a:cxn>
+                  <a:cxn ang="0">
+                    <a:pos x="connsiteX3" y="connsiteY3"/>
+                  </a:cxn>
+                  <a:cxn ang="0">
+                    <a:pos x="connsiteX4" y="connsiteY4"/>
+                  </a:cxn>
+                  <a:cxn ang="0">
+                    <a:pos x="connsiteX5" y="connsiteY5"/>
+                  </a:cxn>
+                  <a:cxn ang="0">
+                    <a:pos x="connsiteX6" y="connsiteY6"/>
+                  </a:cxn>
+                  <a:cxn ang="0">
+                    <a:pos x="connsiteX7" y="connsiteY7"/>
+                  </a:cxn>
+                  <a:cxn ang="0">
+                    <a:pos x="connsiteX8" y="connsiteY8"/>
+                  </a:cxn>
+                  <a:cxn ang="0">
+                    <a:pos x="connsiteX9" y="connsiteY9"/>
+                  </a:cxn>
+                </a:cxnLst>
+                <a:rect l="l" t="t" r="r" b="b"/>
+                <a:pathLst>
+                  <a:path w="405000" h="405000">
+                    <a:moveTo>
+                      <a:pt x="202500" y="405000"/>
+                    </a:moveTo>
+                    <a:cubicBezTo>
+                      <a:pt x="90663" y="405000"/>
+                      <a:pt x="0" y="314337"/>
+                      <a:pt x="0" y="202500"/>
+                    </a:cubicBezTo>
+                    <a:cubicBezTo>
+                      <a:pt x="0" y="90663"/>
+                      <a:pt x="90663" y="0"/>
+                      <a:pt x="202500" y="0"/>
+                    </a:cubicBezTo>
+                    <a:cubicBezTo>
+                      <a:pt x="314337" y="0"/>
+                      <a:pt x="405000" y="90663"/>
+                      <a:pt x="405000" y="202500"/>
+                    </a:cubicBezTo>
+                    <a:cubicBezTo>
+                      <a:pt x="404889" y="314290"/>
+                      <a:pt x="314290" y="404889"/>
+                      <a:pt x="202500" y="405000"/>
+                    </a:cubicBezTo>
+                    <a:close/>
+                    <a:moveTo>
+                      <a:pt x="202500" y="67500"/>
+                    </a:moveTo>
+                    <a:cubicBezTo>
+                      <a:pt x="127943" y="67500"/>
+                      <a:pt x="67500" y="127943"/>
+                      <a:pt x="67500" y="202500"/>
+                    </a:cubicBezTo>
+                    <a:cubicBezTo>
+                      <a:pt x="67500" y="277057"/>
+                      <a:pt x="127943" y="337500"/>
+                      <a:pt x="202500" y="337500"/>
+                    </a:cubicBezTo>
+                    <a:cubicBezTo>
+                      <a:pt x="277057" y="337500"/>
+                      <a:pt x="337500" y="277057"/>
+                      <a:pt x="337500" y="202500"/>
+                    </a:cubicBezTo>
+                    <a:cubicBezTo>
+                      <a:pt x="337500" y="127943"/>
+                      <a:pt x="277057" y="67500"/>
+                      <a:pt x="202500" y="67500"/>
+                    </a:cubicBezTo>
+                    <a:close/>
+                  </a:path>
+                </a:pathLst>
+              </a:custGeom>
+              <a:solidFill>
+                <a:srgbClr val="000000"/>
+              </a:solidFill>
+              <a:ln w="19050" cap="flat">
+                <a:solidFill>
+                  <a:srgbClr val="00FF00"/>
+                </a:solidFill>
+                <a:prstDash val="solid"/>
+                <a:miter/>
+              </a:ln>
+            </p:spPr>
+            <p:txBody>
+              <a:bodyPr rtlCol="0" anchor="ctr"/>
+              <a:lstStyle/>
+              <a:p>
+                <a:endParaRPr lang="es-ES"/>
+              </a:p>
+            </p:txBody>
+          </p:sp>
+          <p:sp>
+            <p:nvSpPr>
+              <p:cNvPr id="51" name="Freeform: Shape 50">
+                <a:extLst>
+                  <a:ext uri="{FF2B5EF4-FFF2-40B4-BE49-F238E27FC236}">
+                    <a16:creationId xmlns:a16="http://schemas.microsoft.com/office/drawing/2014/main" id="{F10F5846-DF0B-3F19-5E4E-E7DFF072616B}"/>
+                  </a:ext>
+                </a:extLst>
+              </p:cNvPr>
+              <p:cNvSpPr/>
+              <p:nvPr/>
+            </p:nvSpPr>
+            <p:spPr>
+              <a:xfrm>
+                <a:off x="10694310" y="8077911"/>
+                <a:ext cx="405000" cy="405000"/>
+              </a:xfrm>
+              <a:custGeom>
+                <a:avLst/>
+                <a:gdLst>
+                  <a:gd name="connsiteX0" fmla="*/ 202500 w 405000"/>
+                  <a:gd name="connsiteY0" fmla="*/ 405000 h 405000"/>
+                  <a:gd name="connsiteX1" fmla="*/ 0 w 405000"/>
+                  <a:gd name="connsiteY1" fmla="*/ 202500 h 405000"/>
+                  <a:gd name="connsiteX2" fmla="*/ 202500 w 405000"/>
+                  <a:gd name="connsiteY2" fmla="*/ 0 h 405000"/>
+                  <a:gd name="connsiteX3" fmla="*/ 405000 w 405000"/>
+                  <a:gd name="connsiteY3" fmla="*/ 202500 h 405000"/>
+                  <a:gd name="connsiteX4" fmla="*/ 202500 w 405000"/>
+                  <a:gd name="connsiteY4" fmla="*/ 405000 h 405000"/>
+                  <a:gd name="connsiteX5" fmla="*/ 202500 w 405000"/>
+                  <a:gd name="connsiteY5" fmla="*/ 67500 h 405000"/>
+                  <a:gd name="connsiteX6" fmla="*/ 67500 w 405000"/>
+                  <a:gd name="connsiteY6" fmla="*/ 202500 h 405000"/>
+                  <a:gd name="connsiteX7" fmla="*/ 202500 w 405000"/>
+                  <a:gd name="connsiteY7" fmla="*/ 337500 h 405000"/>
+                  <a:gd name="connsiteX8" fmla="*/ 337500 w 405000"/>
+                  <a:gd name="connsiteY8" fmla="*/ 202500 h 405000"/>
+                  <a:gd name="connsiteX9" fmla="*/ 202500 w 405000"/>
+                  <a:gd name="connsiteY9" fmla="*/ 67500 h 405000"/>
+                </a:gdLst>
+                <a:ahLst/>
+                <a:cxnLst>
+                  <a:cxn ang="0">
+                    <a:pos x="connsiteX0" y="connsiteY0"/>
+                  </a:cxn>
+                  <a:cxn ang="0">
+                    <a:pos x="connsiteX1" y="connsiteY1"/>
+                  </a:cxn>
+                  <a:cxn ang="0">
+                    <a:pos x="connsiteX2" y="connsiteY2"/>
+                  </a:cxn>
+                  <a:cxn ang="0">
+                    <a:pos x="connsiteX3" y="connsiteY3"/>
+                  </a:cxn>
+                  <a:cxn ang="0">
+                    <a:pos x="connsiteX4" y="connsiteY4"/>
+                  </a:cxn>
+                  <a:cxn ang="0">
+                    <a:pos x="connsiteX5" y="connsiteY5"/>
+                  </a:cxn>
+                  <a:cxn ang="0">
+                    <a:pos x="connsiteX6" y="connsiteY6"/>
+                  </a:cxn>
+                  <a:cxn ang="0">
+                    <a:pos x="connsiteX7" y="connsiteY7"/>
+                  </a:cxn>
+                  <a:cxn ang="0">
+                    <a:pos x="connsiteX8" y="connsiteY8"/>
+                  </a:cxn>
+                  <a:cxn ang="0">
+                    <a:pos x="connsiteX9" y="connsiteY9"/>
+                  </a:cxn>
+                </a:cxnLst>
+                <a:rect l="l" t="t" r="r" b="b"/>
+                <a:pathLst>
+                  <a:path w="405000" h="405000">
+                    <a:moveTo>
+                      <a:pt x="202500" y="405000"/>
+                    </a:moveTo>
+                    <a:cubicBezTo>
+                      <a:pt x="90663" y="405000"/>
+                      <a:pt x="0" y="314337"/>
+                      <a:pt x="0" y="202500"/>
+                    </a:cubicBezTo>
+                    <a:cubicBezTo>
+                      <a:pt x="0" y="90663"/>
+                      <a:pt x="90663" y="0"/>
+                      <a:pt x="202500" y="0"/>
+                    </a:cubicBezTo>
+                    <a:cubicBezTo>
+                      <a:pt x="314337" y="0"/>
+                      <a:pt x="405000" y="90663"/>
+                      <a:pt x="405000" y="202500"/>
+                    </a:cubicBezTo>
+                    <a:cubicBezTo>
+                      <a:pt x="404868" y="314283"/>
+                      <a:pt x="314283" y="404868"/>
+                      <a:pt x="202500" y="405000"/>
+                    </a:cubicBezTo>
+                    <a:close/>
+                    <a:moveTo>
+                      <a:pt x="202500" y="67500"/>
+                    </a:moveTo>
+                    <a:cubicBezTo>
+                      <a:pt x="127943" y="67500"/>
+                      <a:pt x="67500" y="127943"/>
+                      <a:pt x="67500" y="202500"/>
+                    </a:cubicBezTo>
+                    <a:cubicBezTo>
+                      <a:pt x="67500" y="277057"/>
+                      <a:pt x="127943" y="337500"/>
+                      <a:pt x="202500" y="337500"/>
+                    </a:cubicBezTo>
+                    <a:cubicBezTo>
+                      <a:pt x="277057" y="337500"/>
+                      <a:pt x="337500" y="277057"/>
+                      <a:pt x="337500" y="202500"/>
+                    </a:cubicBezTo>
+                    <a:cubicBezTo>
+                      <a:pt x="337500" y="127943"/>
+                      <a:pt x="277057" y="67500"/>
+                      <a:pt x="202500" y="67500"/>
+                    </a:cubicBezTo>
+                    <a:close/>
+                  </a:path>
+                </a:pathLst>
+              </a:custGeom>
+              <a:solidFill>
+                <a:srgbClr val="000000"/>
+              </a:solidFill>
+              <a:ln w="19050" cap="flat">
+                <a:solidFill>
+                  <a:srgbClr val="00FF00"/>
+                </a:solidFill>
+                <a:prstDash val="solid"/>
+                <a:miter/>
+              </a:ln>
+            </p:spPr>
+            <p:txBody>
+              <a:bodyPr rtlCol="0" anchor="ctr"/>
+              <a:lstStyle/>
+              <a:p>
+                <a:endParaRPr lang="es-ES"/>
+              </a:p>
+            </p:txBody>
+          </p:sp>
+          <p:sp>
+            <p:nvSpPr>
+              <p:cNvPr id="52" name="Freeform: Shape 51">
+                <a:extLst>
+                  <a:ext uri="{FF2B5EF4-FFF2-40B4-BE49-F238E27FC236}">
+                    <a16:creationId xmlns:a16="http://schemas.microsoft.com/office/drawing/2014/main" id="{6E4F6391-11E8-8690-16D1-D55C245A6D0A}"/>
+                  </a:ext>
+                </a:extLst>
+              </p:cNvPr>
+              <p:cNvSpPr/>
+              <p:nvPr/>
+            </p:nvSpPr>
+            <p:spPr>
+              <a:xfrm>
+                <a:off x="10930560" y="7526874"/>
+                <a:ext cx="270000" cy="270000"/>
+              </a:xfrm>
+              <a:custGeom>
+                <a:avLst/>
+                <a:gdLst>
+                  <a:gd name="connsiteX0" fmla="*/ 135000 w 270000"/>
+                  <a:gd name="connsiteY0" fmla="*/ 270000 h 270000"/>
+                  <a:gd name="connsiteX1" fmla="*/ 0 w 270000"/>
+                  <a:gd name="connsiteY1" fmla="*/ 135000 h 270000"/>
+                  <a:gd name="connsiteX2" fmla="*/ 135000 w 270000"/>
+                  <a:gd name="connsiteY2" fmla="*/ 0 h 270000"/>
+                  <a:gd name="connsiteX3" fmla="*/ 270000 w 270000"/>
+                  <a:gd name="connsiteY3" fmla="*/ 135000 h 270000"/>
+                  <a:gd name="connsiteX4" fmla="*/ 135000 w 270000"/>
+                  <a:gd name="connsiteY4" fmla="*/ 270000 h 270000"/>
+                  <a:gd name="connsiteX5" fmla="*/ 135000 w 270000"/>
+                  <a:gd name="connsiteY5" fmla="*/ 67500 h 270000"/>
+                  <a:gd name="connsiteX6" fmla="*/ 67500 w 270000"/>
+                  <a:gd name="connsiteY6" fmla="*/ 135000 h 270000"/>
+                  <a:gd name="connsiteX7" fmla="*/ 135000 w 270000"/>
+                  <a:gd name="connsiteY7" fmla="*/ 202500 h 270000"/>
+                  <a:gd name="connsiteX8" fmla="*/ 202500 w 270000"/>
+                  <a:gd name="connsiteY8" fmla="*/ 135000 h 270000"/>
+                  <a:gd name="connsiteX9" fmla="*/ 135000 w 270000"/>
+                  <a:gd name="connsiteY9" fmla="*/ 67500 h 270000"/>
+                </a:gdLst>
+                <a:ahLst/>
+                <a:cxnLst>
+                  <a:cxn ang="0">
+                    <a:pos x="connsiteX0" y="connsiteY0"/>
+                  </a:cxn>
+                  <a:cxn ang="0">
+                    <a:pos x="connsiteX1" y="connsiteY1"/>
+                  </a:cxn>
+                  <a:cxn ang="0">
+                    <a:pos x="connsiteX2" y="connsiteY2"/>
+                  </a:cxn>
+                  <a:cxn ang="0">
+                    <a:pos x="connsiteX3" y="connsiteY3"/>
+                  </a:cxn>
+                  <a:cxn ang="0">
+                    <a:pos x="connsiteX4" y="connsiteY4"/>
+                  </a:cxn>
+                  <a:cxn ang="0">
+                    <a:pos x="connsiteX5" y="connsiteY5"/>
+                  </a:cxn>
+                  <a:cxn ang="0">
+                    <a:pos x="connsiteX6" y="connsiteY6"/>
+                  </a:cxn>
+                  <a:cxn ang="0">
+                    <a:pos x="connsiteX7" y="connsiteY7"/>
+                  </a:cxn>
+                  <a:cxn ang="0">
+                    <a:pos x="connsiteX8" y="connsiteY8"/>
+                  </a:cxn>
+                  <a:cxn ang="0">
+                    <a:pos x="connsiteX9" y="connsiteY9"/>
+                  </a:cxn>
+                </a:cxnLst>
+                <a:rect l="l" t="t" r="r" b="b"/>
+                <a:pathLst>
+                  <a:path w="270000" h="270000">
+                    <a:moveTo>
+                      <a:pt x="135000" y="270000"/>
+                    </a:moveTo>
+                    <a:cubicBezTo>
+                      <a:pt x="60443" y="270000"/>
+                      <a:pt x="0" y="209557"/>
+                      <a:pt x="0" y="135000"/>
+                    </a:cubicBezTo>
+                    <a:cubicBezTo>
+                      <a:pt x="0" y="60443"/>
+                      <a:pt x="60443" y="0"/>
+                      <a:pt x="135000" y="0"/>
+                    </a:cubicBezTo>
+                    <a:cubicBezTo>
+                      <a:pt x="209557" y="0"/>
+                      <a:pt x="270000" y="60443"/>
+                      <a:pt x="270000" y="135000"/>
+                    </a:cubicBezTo>
+                    <a:cubicBezTo>
+                      <a:pt x="270000" y="209557"/>
+                      <a:pt x="209557" y="270000"/>
+                      <a:pt x="135000" y="270000"/>
+                    </a:cubicBezTo>
+                    <a:close/>
+                    <a:moveTo>
+                      <a:pt x="135000" y="67500"/>
+                    </a:moveTo>
+                    <a:cubicBezTo>
+                      <a:pt x="97720" y="67500"/>
+                      <a:pt x="67500" y="97720"/>
+                      <a:pt x="67500" y="135000"/>
+                    </a:cubicBezTo>
+                    <a:cubicBezTo>
+                      <a:pt x="67500" y="172280"/>
+                      <a:pt x="97720" y="202500"/>
+                      <a:pt x="135000" y="202500"/>
+                    </a:cubicBezTo>
+                    <a:cubicBezTo>
+                      <a:pt x="172280" y="202500"/>
+                      <a:pt x="202500" y="172280"/>
+                      <a:pt x="202500" y="135000"/>
+                    </a:cubicBezTo>
+                    <a:cubicBezTo>
+                      <a:pt x="202500" y="97720"/>
+                      <a:pt x="172280" y="67500"/>
+                      <a:pt x="135000" y="67500"/>
+                    </a:cubicBezTo>
+                    <a:close/>
+                  </a:path>
+                </a:pathLst>
+              </a:custGeom>
+              <a:solidFill>
+                <a:srgbClr val="000000"/>
+              </a:solidFill>
+              <a:ln w="19050" cap="flat">
+                <a:solidFill>
+                  <a:srgbClr val="00FF00"/>
+                </a:solidFill>
+                <a:prstDash val="solid"/>
+                <a:miter/>
+              </a:ln>
+            </p:spPr>
+            <p:txBody>
+              <a:bodyPr rtlCol="0" anchor="ctr"/>
+              <a:lstStyle/>
+              <a:p>
+                <a:endParaRPr lang="es-ES"/>
+              </a:p>
+            </p:txBody>
+          </p:sp>
+          <p:sp>
+            <p:nvSpPr>
+              <p:cNvPr id="53" name="Freeform: Shape 52">
+                <a:extLst>
+                  <a:ext uri="{FF2B5EF4-FFF2-40B4-BE49-F238E27FC236}">
+                    <a16:creationId xmlns:a16="http://schemas.microsoft.com/office/drawing/2014/main" id="{313EAD45-5D97-2372-1260-3C3E88DCB88D}"/>
+                  </a:ext>
+                </a:extLst>
+              </p:cNvPr>
+              <p:cNvSpPr/>
+              <p:nvPr/>
+            </p:nvSpPr>
+            <p:spPr>
+              <a:xfrm>
+                <a:off x="9783060" y="7841661"/>
+                <a:ext cx="270000" cy="270000"/>
+              </a:xfrm>
+              <a:custGeom>
+                <a:avLst/>
+                <a:gdLst>
+                  <a:gd name="connsiteX0" fmla="*/ 135000 w 270000"/>
+                  <a:gd name="connsiteY0" fmla="*/ 270000 h 270000"/>
+                  <a:gd name="connsiteX1" fmla="*/ 0 w 270000"/>
+                  <a:gd name="connsiteY1" fmla="*/ 135000 h 270000"/>
+                  <a:gd name="connsiteX2" fmla="*/ 135000 w 270000"/>
+                  <a:gd name="connsiteY2" fmla="*/ 0 h 270000"/>
+                  <a:gd name="connsiteX3" fmla="*/ 270000 w 270000"/>
+                  <a:gd name="connsiteY3" fmla="*/ 135000 h 270000"/>
+                  <a:gd name="connsiteX4" fmla="*/ 135000 w 270000"/>
+                  <a:gd name="connsiteY4" fmla="*/ 270000 h 270000"/>
+                  <a:gd name="connsiteX5" fmla="*/ 135000 w 270000"/>
+                  <a:gd name="connsiteY5" fmla="*/ 67500 h 270000"/>
+                  <a:gd name="connsiteX6" fmla="*/ 67500 w 270000"/>
+                  <a:gd name="connsiteY6" fmla="*/ 135000 h 270000"/>
+                  <a:gd name="connsiteX7" fmla="*/ 135000 w 270000"/>
+                  <a:gd name="connsiteY7" fmla="*/ 202500 h 270000"/>
+                  <a:gd name="connsiteX8" fmla="*/ 202500 w 270000"/>
+                  <a:gd name="connsiteY8" fmla="*/ 135000 h 270000"/>
+                  <a:gd name="connsiteX9" fmla="*/ 135000 w 270000"/>
+                  <a:gd name="connsiteY9" fmla="*/ 67500 h 270000"/>
+                </a:gdLst>
+                <a:ahLst/>
+                <a:cxnLst>
+                  <a:cxn ang="0">
+                    <a:pos x="connsiteX0" y="connsiteY0"/>
+                  </a:cxn>
+                  <a:cxn ang="0">
+                    <a:pos x="connsiteX1" y="connsiteY1"/>
+                  </a:cxn>
+                  <a:cxn ang="0">
+                    <a:pos x="connsiteX2" y="connsiteY2"/>
+                  </a:cxn>
+                  <a:cxn ang="0">
+                    <a:pos x="connsiteX3" y="connsiteY3"/>
+                  </a:cxn>
+                  <a:cxn ang="0">
+                    <a:pos x="connsiteX4" y="connsiteY4"/>
+                  </a:cxn>
+                  <a:cxn ang="0">
+                    <a:pos x="connsiteX5" y="connsiteY5"/>
+                  </a:cxn>
+                  <a:cxn ang="0">
+                    <a:pos x="connsiteX6" y="connsiteY6"/>
+                  </a:cxn>
+                  <a:cxn ang="0">
+                    <a:pos x="connsiteX7" y="connsiteY7"/>
+                  </a:cxn>
+                  <a:cxn ang="0">
+                    <a:pos x="connsiteX8" y="connsiteY8"/>
+                  </a:cxn>
+                  <a:cxn ang="0">
+                    <a:pos x="connsiteX9" y="connsiteY9"/>
+                  </a:cxn>
+                </a:cxnLst>
+                <a:rect l="l" t="t" r="r" b="b"/>
+                <a:pathLst>
+                  <a:path w="270000" h="270000">
+                    <a:moveTo>
+                      <a:pt x="135000" y="270000"/>
+                    </a:moveTo>
+                    <a:cubicBezTo>
+                      <a:pt x="60443" y="270000"/>
+                      <a:pt x="0" y="209557"/>
+                      <a:pt x="0" y="135000"/>
+                    </a:cubicBezTo>
+                    <a:cubicBezTo>
+                      <a:pt x="0" y="60443"/>
+                      <a:pt x="60443" y="0"/>
+                      <a:pt x="135000" y="0"/>
+                    </a:cubicBezTo>
+                    <a:cubicBezTo>
+                      <a:pt x="209557" y="0"/>
+                      <a:pt x="270000" y="60443"/>
+                      <a:pt x="270000" y="135000"/>
+                    </a:cubicBezTo>
+                    <a:cubicBezTo>
+                      <a:pt x="270000" y="209557"/>
+                      <a:pt x="209557" y="270000"/>
+                      <a:pt x="135000" y="270000"/>
+                    </a:cubicBezTo>
+                    <a:close/>
+                    <a:moveTo>
+                      <a:pt x="135000" y="67500"/>
+                    </a:moveTo>
+                    <a:cubicBezTo>
+                      <a:pt x="97720" y="67500"/>
+                      <a:pt x="67500" y="97720"/>
+                      <a:pt x="67500" y="135000"/>
+                    </a:cubicBezTo>
+                    <a:cubicBezTo>
+                      <a:pt x="67500" y="172280"/>
+                      <a:pt x="97720" y="202500"/>
+                      <a:pt x="135000" y="202500"/>
+                    </a:cubicBezTo>
+                    <a:cubicBezTo>
+                      <a:pt x="172280" y="202500"/>
+                      <a:pt x="202500" y="172280"/>
+                      <a:pt x="202500" y="135000"/>
+                    </a:cubicBezTo>
+                    <a:cubicBezTo>
+                      <a:pt x="202500" y="97720"/>
+                      <a:pt x="172280" y="67500"/>
+                      <a:pt x="135000" y="67500"/>
+                    </a:cubicBezTo>
+                    <a:close/>
+                  </a:path>
+                </a:pathLst>
+              </a:custGeom>
+              <a:solidFill>
+                <a:srgbClr val="000000"/>
+              </a:solidFill>
+              <a:ln w="19050" cap="flat">
+                <a:solidFill>
+                  <a:srgbClr val="00FF00"/>
+                </a:solidFill>
+                <a:prstDash val="solid"/>
+                <a:miter/>
+              </a:ln>
+            </p:spPr>
+            <p:txBody>
+              <a:bodyPr rtlCol="0" anchor="ctr"/>
+              <a:lstStyle/>
+              <a:p>
+                <a:endParaRPr lang="es-ES"/>
+              </a:p>
+            </p:txBody>
+          </p:sp>
+          <p:sp>
+            <p:nvSpPr>
+              <p:cNvPr id="54" name="Freeform: Shape 53">
+                <a:extLst>
+                  <a:ext uri="{FF2B5EF4-FFF2-40B4-BE49-F238E27FC236}">
+                    <a16:creationId xmlns:a16="http://schemas.microsoft.com/office/drawing/2014/main" id="{B7C48BE1-3490-CD10-4087-F035A542A70F}"/>
+                  </a:ext>
+                </a:extLst>
+              </p:cNvPr>
+              <p:cNvSpPr/>
+              <p:nvPr/>
+            </p:nvSpPr>
+            <p:spPr>
+              <a:xfrm>
+                <a:off x="10549590" y="6913333"/>
+                <a:ext cx="270000" cy="270000"/>
+              </a:xfrm>
+              <a:custGeom>
+                <a:avLst/>
+                <a:gdLst>
+                  <a:gd name="connsiteX0" fmla="*/ 135000 w 270000"/>
+                  <a:gd name="connsiteY0" fmla="*/ 270000 h 270000"/>
+                  <a:gd name="connsiteX1" fmla="*/ 0 w 270000"/>
+                  <a:gd name="connsiteY1" fmla="*/ 135000 h 270000"/>
+                  <a:gd name="connsiteX2" fmla="*/ 135000 w 270000"/>
+                  <a:gd name="connsiteY2" fmla="*/ 0 h 270000"/>
+                  <a:gd name="connsiteX3" fmla="*/ 270000 w 270000"/>
+                  <a:gd name="connsiteY3" fmla="*/ 135000 h 270000"/>
+                  <a:gd name="connsiteX4" fmla="*/ 135000 w 270000"/>
+                  <a:gd name="connsiteY4" fmla="*/ 270000 h 270000"/>
+                  <a:gd name="connsiteX5" fmla="*/ 135000 w 270000"/>
+                  <a:gd name="connsiteY5" fmla="*/ 67500 h 270000"/>
+                  <a:gd name="connsiteX6" fmla="*/ 67500 w 270000"/>
+                  <a:gd name="connsiteY6" fmla="*/ 135000 h 270000"/>
+                  <a:gd name="connsiteX7" fmla="*/ 135000 w 270000"/>
+                  <a:gd name="connsiteY7" fmla="*/ 202500 h 270000"/>
+                  <a:gd name="connsiteX8" fmla="*/ 202500 w 270000"/>
+                  <a:gd name="connsiteY8" fmla="*/ 135000 h 270000"/>
+                  <a:gd name="connsiteX9" fmla="*/ 135000 w 270000"/>
+                  <a:gd name="connsiteY9" fmla="*/ 67500 h 270000"/>
+                </a:gdLst>
+                <a:ahLst/>
+                <a:cxnLst>
+                  <a:cxn ang="0">
+                    <a:pos x="connsiteX0" y="connsiteY0"/>
+                  </a:cxn>
+                  <a:cxn ang="0">
+                    <a:pos x="connsiteX1" y="connsiteY1"/>
+                  </a:cxn>
+                  <a:cxn ang="0">
+                    <a:pos x="connsiteX2" y="connsiteY2"/>
+                  </a:cxn>
+                  <a:cxn ang="0">
+                    <a:pos x="connsiteX3" y="connsiteY3"/>
+                  </a:cxn>
+                  <a:cxn ang="0">
+                    <a:pos x="connsiteX4" y="connsiteY4"/>
+                  </a:cxn>
+                  <a:cxn ang="0">
+                    <a:pos x="connsiteX5" y="connsiteY5"/>
+                  </a:cxn>
+                  <a:cxn ang="0">
+                    <a:pos x="connsiteX6" y="connsiteY6"/>
+                  </a:cxn>
+                  <a:cxn ang="0">
+                    <a:pos x="connsiteX7" y="connsiteY7"/>
+                  </a:cxn>
+                  <a:cxn ang="0">
+                    <a:pos x="connsiteX8" y="connsiteY8"/>
+                  </a:cxn>
+                  <a:cxn ang="0">
+                    <a:pos x="connsiteX9" y="connsiteY9"/>
+                  </a:cxn>
+                </a:cxnLst>
+                <a:rect l="l" t="t" r="r" b="b"/>
+                <a:pathLst>
+                  <a:path w="270000" h="270000">
+                    <a:moveTo>
+                      <a:pt x="135000" y="270000"/>
+                    </a:moveTo>
+                    <a:cubicBezTo>
+                      <a:pt x="60443" y="270000"/>
+                      <a:pt x="0" y="209557"/>
+                      <a:pt x="0" y="135000"/>
+                    </a:cubicBezTo>
+                    <a:cubicBezTo>
+                      <a:pt x="0" y="60443"/>
+                      <a:pt x="60443" y="0"/>
+                      <a:pt x="135000" y="0"/>
+                    </a:cubicBezTo>
+                    <a:cubicBezTo>
+                      <a:pt x="209557" y="0"/>
+                      <a:pt x="270000" y="60443"/>
+                      <a:pt x="270000" y="135000"/>
+                    </a:cubicBezTo>
+                    <a:cubicBezTo>
+                      <a:pt x="270000" y="209557"/>
+                      <a:pt x="209557" y="270000"/>
+                      <a:pt x="135000" y="270000"/>
+                    </a:cubicBezTo>
+                    <a:close/>
+                    <a:moveTo>
+                      <a:pt x="135000" y="67500"/>
+                    </a:moveTo>
+                    <a:cubicBezTo>
+                      <a:pt x="97720" y="67500"/>
+                      <a:pt x="67500" y="97720"/>
+                      <a:pt x="67500" y="135000"/>
+                    </a:cubicBezTo>
+                    <a:cubicBezTo>
+                      <a:pt x="67500" y="172280"/>
+                      <a:pt x="97720" y="202500"/>
+                      <a:pt x="135000" y="202500"/>
+                    </a:cubicBezTo>
+                    <a:cubicBezTo>
+                      <a:pt x="172280" y="202500"/>
+                      <a:pt x="202500" y="172280"/>
+                      <a:pt x="202500" y="135000"/>
+                    </a:cubicBezTo>
+                    <a:cubicBezTo>
+                      <a:pt x="202500" y="97720"/>
+                      <a:pt x="172280" y="67500"/>
+                      <a:pt x="135000" y="67500"/>
+                    </a:cubicBezTo>
+                    <a:close/>
+                  </a:path>
+                </a:pathLst>
+              </a:custGeom>
+              <a:solidFill>
+                <a:srgbClr val="000000"/>
+              </a:solidFill>
+              <a:ln w="19050" cap="flat">
+                <a:solidFill>
+                  <a:srgbClr val="00FF00"/>
+                </a:solidFill>
+                <a:prstDash val="solid"/>
+                <a:miter/>
+              </a:ln>
+            </p:spPr>
+            <p:txBody>
+              <a:bodyPr rtlCol="0" anchor="ctr"/>
+              <a:lstStyle/>
+              <a:p>
+                <a:endParaRPr lang="es-ES"/>
+              </a:p>
+            </p:txBody>
+          </p:sp>
+          <p:sp>
+            <p:nvSpPr>
+              <p:cNvPr id="55" name="Freeform: Shape 54">
+                <a:extLst>
+                  <a:ext uri="{FF2B5EF4-FFF2-40B4-BE49-F238E27FC236}">
+                    <a16:creationId xmlns:a16="http://schemas.microsoft.com/office/drawing/2014/main" id="{33227D1C-329E-231A-2A11-15AA7736DC3F}"/>
+                  </a:ext>
+                </a:extLst>
+              </p:cNvPr>
+              <p:cNvSpPr/>
+              <p:nvPr/>
+            </p:nvSpPr>
+            <p:spPr>
+              <a:xfrm>
+                <a:off x="11099310" y="7132877"/>
+                <a:ext cx="202500" cy="202500"/>
+              </a:xfrm>
+              <a:custGeom>
+                <a:avLst/>
+                <a:gdLst>
+                  <a:gd name="connsiteX0" fmla="*/ 101250 w 202500"/>
+                  <a:gd name="connsiteY0" fmla="*/ 202500 h 202500"/>
+                  <a:gd name="connsiteX1" fmla="*/ 0 w 202500"/>
+                  <a:gd name="connsiteY1" fmla="*/ 101250 h 202500"/>
+                  <a:gd name="connsiteX2" fmla="*/ 101250 w 202500"/>
+                  <a:gd name="connsiteY2" fmla="*/ 0 h 202500"/>
+                  <a:gd name="connsiteX3" fmla="*/ 202500 w 202500"/>
+                  <a:gd name="connsiteY3" fmla="*/ 101250 h 202500"/>
+                  <a:gd name="connsiteX4" fmla="*/ 101250 w 202500"/>
+                  <a:gd name="connsiteY4" fmla="*/ 202500 h 202500"/>
+                  <a:gd name="connsiteX5" fmla="*/ 101250 w 202500"/>
+                  <a:gd name="connsiteY5" fmla="*/ 67500 h 202500"/>
+                  <a:gd name="connsiteX6" fmla="*/ 67500 w 202500"/>
+                  <a:gd name="connsiteY6" fmla="*/ 101250 h 202500"/>
+                  <a:gd name="connsiteX7" fmla="*/ 101250 w 202500"/>
+                  <a:gd name="connsiteY7" fmla="*/ 135000 h 202500"/>
+                  <a:gd name="connsiteX8" fmla="*/ 135000 w 202500"/>
+                  <a:gd name="connsiteY8" fmla="*/ 101250 h 202500"/>
+                  <a:gd name="connsiteX9" fmla="*/ 101250 w 202500"/>
+                  <a:gd name="connsiteY9" fmla="*/ 67500 h 202500"/>
+                </a:gdLst>
+                <a:ahLst/>
+                <a:cxnLst>
+                  <a:cxn ang="0">
+                    <a:pos x="connsiteX0" y="connsiteY0"/>
+                  </a:cxn>
+                  <a:cxn ang="0">
+                    <a:pos x="connsiteX1" y="connsiteY1"/>
+                  </a:cxn>
+                  <a:cxn ang="0">
+                    <a:pos x="connsiteX2" y="connsiteY2"/>
+                  </a:cxn>
+                  <a:cxn ang="0">
+                    <a:pos x="connsiteX3" y="connsiteY3"/>
+                  </a:cxn>
+                  <a:cxn ang="0">
+                    <a:pos x="connsiteX4" y="connsiteY4"/>
+                  </a:cxn>
+                  <a:cxn ang="0">
+                    <a:pos x="connsiteX5" y="connsiteY5"/>
+                  </a:cxn>
+                  <a:cxn ang="0">
+                    <a:pos x="connsiteX6" y="connsiteY6"/>
+                  </a:cxn>
+                  <a:cxn ang="0">
+                    <a:pos x="connsiteX7" y="connsiteY7"/>
+                  </a:cxn>
+                  <a:cxn ang="0">
+                    <a:pos x="connsiteX8" y="connsiteY8"/>
+                  </a:cxn>
+                  <a:cxn ang="0">
+                    <a:pos x="connsiteX9" y="connsiteY9"/>
+                  </a:cxn>
+                </a:cxnLst>
+                <a:rect l="l" t="t" r="r" b="b"/>
+                <a:pathLst>
+                  <a:path w="202500" h="202500">
+                    <a:moveTo>
+                      <a:pt x="101250" y="202500"/>
+                    </a:moveTo>
+                    <a:cubicBezTo>
+                      <a:pt x="45330" y="202500"/>
+                      <a:pt x="0" y="157170"/>
+                      <a:pt x="0" y="101250"/>
+                    </a:cubicBezTo>
+                    <a:cubicBezTo>
+                      <a:pt x="0" y="45330"/>
+                      <a:pt x="45330" y="0"/>
+                      <a:pt x="101250" y="0"/>
+                    </a:cubicBezTo>
+                    <a:cubicBezTo>
+                      <a:pt x="157170" y="0"/>
+                      <a:pt x="202500" y="45330"/>
+                      <a:pt x="202500" y="101250"/>
+                    </a:cubicBezTo>
+                    <a:cubicBezTo>
+                      <a:pt x="202500" y="157170"/>
+                      <a:pt x="157170" y="202500"/>
+                      <a:pt x="101250" y="202500"/>
+                    </a:cubicBezTo>
+                    <a:close/>
+                    <a:moveTo>
+                      <a:pt x="101250" y="67500"/>
+                    </a:moveTo>
+                    <a:cubicBezTo>
+                      <a:pt x="82610" y="67500"/>
+                      <a:pt x="67500" y="82610"/>
+                      <a:pt x="67500" y="101250"/>
+                    </a:cubicBezTo>
+                    <a:cubicBezTo>
+                      <a:pt x="67500" y="119890"/>
+                      <a:pt x="82610" y="135000"/>
+                      <a:pt x="101250" y="135000"/>
+                    </a:cubicBezTo>
+                    <a:cubicBezTo>
+                      <a:pt x="119890" y="135000"/>
+                      <a:pt x="135000" y="119890"/>
+                      <a:pt x="135000" y="101250"/>
+                    </a:cubicBezTo>
+                    <a:cubicBezTo>
+                      <a:pt x="135000" y="82610"/>
+                      <a:pt x="119890" y="67500"/>
+                      <a:pt x="101250" y="67500"/>
+                    </a:cubicBezTo>
+                    <a:close/>
+                  </a:path>
+                </a:pathLst>
+              </a:custGeom>
+              <a:solidFill>
+                <a:srgbClr val="000000"/>
+              </a:solidFill>
+              <a:ln w="19050" cap="flat">
+                <a:solidFill>
+                  <a:srgbClr val="00FF00"/>
+                </a:solidFill>
+                <a:prstDash val="solid"/>
+                <a:miter/>
+              </a:ln>
+            </p:spPr>
+            <p:txBody>
+              <a:bodyPr rtlCol="0" anchor="ctr"/>
+              <a:lstStyle/>
+              <a:p>
+                <a:endParaRPr lang="es-ES"/>
+              </a:p>
+            </p:txBody>
+          </p:sp>
+          <p:sp>
+            <p:nvSpPr>
+              <p:cNvPr id="56" name="Freeform: Shape 55">
+                <a:extLst>
+                  <a:ext uri="{FF2B5EF4-FFF2-40B4-BE49-F238E27FC236}">
+                    <a16:creationId xmlns:a16="http://schemas.microsoft.com/office/drawing/2014/main" id="{98296F55-29C2-AAA4-73B1-8038A3A0D1F9}"/>
+                  </a:ext>
+                </a:extLst>
+              </p:cNvPr>
+              <p:cNvSpPr/>
+              <p:nvPr/>
+            </p:nvSpPr>
+            <p:spPr>
+              <a:xfrm>
+                <a:off x="10424310" y="7661874"/>
+                <a:ext cx="202500" cy="202500"/>
+              </a:xfrm>
+              <a:custGeom>
+                <a:avLst/>
+                <a:gdLst>
+                  <a:gd name="connsiteX0" fmla="*/ 101250 w 202500"/>
+                  <a:gd name="connsiteY0" fmla="*/ 202500 h 202500"/>
+                  <a:gd name="connsiteX1" fmla="*/ 0 w 202500"/>
+                  <a:gd name="connsiteY1" fmla="*/ 101250 h 202500"/>
+                  <a:gd name="connsiteX2" fmla="*/ 101250 w 202500"/>
+                  <a:gd name="connsiteY2" fmla="*/ 0 h 202500"/>
+                  <a:gd name="connsiteX3" fmla="*/ 202500 w 202500"/>
+                  <a:gd name="connsiteY3" fmla="*/ 101250 h 202500"/>
+                  <a:gd name="connsiteX4" fmla="*/ 101250 w 202500"/>
+                  <a:gd name="connsiteY4" fmla="*/ 202500 h 202500"/>
+                  <a:gd name="connsiteX5" fmla="*/ 101250 w 202500"/>
+                  <a:gd name="connsiteY5" fmla="*/ 67500 h 202500"/>
+                  <a:gd name="connsiteX6" fmla="*/ 67500 w 202500"/>
+                  <a:gd name="connsiteY6" fmla="*/ 101250 h 202500"/>
+                  <a:gd name="connsiteX7" fmla="*/ 101250 w 202500"/>
+                  <a:gd name="connsiteY7" fmla="*/ 135000 h 202500"/>
+                  <a:gd name="connsiteX8" fmla="*/ 135000 w 202500"/>
+                  <a:gd name="connsiteY8" fmla="*/ 101250 h 202500"/>
+                  <a:gd name="connsiteX9" fmla="*/ 101250 w 202500"/>
+                  <a:gd name="connsiteY9" fmla="*/ 67500 h 202500"/>
+                </a:gdLst>
+                <a:ahLst/>
+                <a:cxnLst>
+                  <a:cxn ang="0">
+                    <a:pos x="connsiteX0" y="connsiteY0"/>
+                  </a:cxn>
+                  <a:cxn ang="0">
+                    <a:pos x="connsiteX1" y="connsiteY1"/>
+                  </a:cxn>
+                  <a:cxn ang="0">
+                    <a:pos x="connsiteX2" y="connsiteY2"/>
+                  </a:cxn>
+                  <a:cxn ang="0">
+                    <a:pos x="connsiteX3" y="connsiteY3"/>
+                  </a:cxn>
+                  <a:cxn ang="0">
+                    <a:pos x="connsiteX4" y="connsiteY4"/>
+                  </a:cxn>
+                  <a:cxn ang="0">
+                    <a:pos x="connsiteX5" y="connsiteY5"/>
+                  </a:cxn>
+                  <a:cxn ang="0">
+                    <a:pos x="connsiteX6" y="connsiteY6"/>
+                  </a:cxn>
+                  <a:cxn ang="0">
+                    <a:pos x="connsiteX7" y="connsiteY7"/>
+                  </a:cxn>
+                  <a:cxn ang="0">
+                    <a:pos x="connsiteX8" y="connsiteY8"/>
+                  </a:cxn>
+                  <a:cxn ang="0">
+                    <a:pos x="connsiteX9" y="connsiteY9"/>
+                  </a:cxn>
+                </a:cxnLst>
+                <a:rect l="l" t="t" r="r" b="b"/>
+                <a:pathLst>
+                  <a:path w="202500" h="202500">
+                    <a:moveTo>
+                      <a:pt x="101250" y="202500"/>
+                    </a:moveTo>
+                    <a:cubicBezTo>
+                      <a:pt x="45330" y="202500"/>
+                      <a:pt x="0" y="157170"/>
+                      <a:pt x="0" y="101250"/>
+                    </a:cubicBezTo>
+                    <a:cubicBezTo>
+                      <a:pt x="0" y="45330"/>
+                      <a:pt x="45330" y="0"/>
+                      <a:pt x="101250" y="0"/>
+                    </a:cubicBezTo>
+                    <a:cubicBezTo>
+                      <a:pt x="157170" y="0"/>
+                      <a:pt x="202500" y="45330"/>
+                      <a:pt x="202500" y="101250"/>
+                    </a:cubicBezTo>
+                    <a:cubicBezTo>
+                      <a:pt x="202500" y="157170"/>
+                      <a:pt x="157170" y="202500"/>
+                      <a:pt x="101250" y="202500"/>
+                    </a:cubicBezTo>
+                    <a:close/>
+                    <a:moveTo>
+                      <a:pt x="101250" y="67500"/>
+                    </a:moveTo>
+                    <a:cubicBezTo>
+                      <a:pt x="82610" y="67500"/>
+                      <a:pt x="67500" y="82610"/>
+                      <a:pt x="67500" y="101250"/>
+                    </a:cubicBezTo>
+                    <a:cubicBezTo>
+                      <a:pt x="67500" y="119890"/>
+                      <a:pt x="82610" y="135000"/>
+                      <a:pt x="101250" y="135000"/>
+                    </a:cubicBezTo>
+                    <a:cubicBezTo>
+                      <a:pt x="119890" y="135000"/>
+                      <a:pt x="135000" y="119890"/>
+                      <a:pt x="135000" y="101250"/>
+                    </a:cubicBezTo>
+                    <a:cubicBezTo>
+                      <a:pt x="135000" y="82610"/>
+                      <a:pt x="119890" y="67500"/>
+                      <a:pt x="101250" y="67500"/>
+                    </a:cubicBezTo>
+                    <a:close/>
+                  </a:path>
+                </a:pathLst>
+              </a:custGeom>
+              <a:solidFill>
+                <a:srgbClr val="000000"/>
+              </a:solidFill>
+              <a:ln w="19050" cap="flat">
+                <a:solidFill>
+                  <a:srgbClr val="00FF00"/>
+                </a:solidFill>
+                <a:prstDash val="solid"/>
+                <a:miter/>
+              </a:ln>
+            </p:spPr>
+            <p:txBody>
+              <a:bodyPr rtlCol="0" anchor="ctr"/>
+              <a:lstStyle/>
+              <a:p>
+                <a:endParaRPr lang="es-ES"/>
+              </a:p>
+            </p:txBody>
+          </p:sp>
+          <p:sp>
+            <p:nvSpPr>
+              <p:cNvPr id="57" name="Freeform: Shape 56">
+                <a:extLst>
+                  <a:ext uri="{FF2B5EF4-FFF2-40B4-BE49-F238E27FC236}">
+                    <a16:creationId xmlns:a16="http://schemas.microsoft.com/office/drawing/2014/main" id="{7666C76A-8AA6-E5A1-DA88-680731A371A1}"/>
+                  </a:ext>
+                </a:extLst>
+              </p:cNvPr>
+              <p:cNvSpPr/>
+              <p:nvPr/>
+            </p:nvSpPr>
+            <p:spPr>
+              <a:xfrm>
+                <a:off x="11403060" y="7841661"/>
+                <a:ext cx="202500" cy="202500"/>
+              </a:xfrm>
+              <a:custGeom>
+                <a:avLst/>
+                <a:gdLst>
+                  <a:gd name="connsiteX0" fmla="*/ 101250 w 202500"/>
+                  <a:gd name="connsiteY0" fmla="*/ 202500 h 202500"/>
+                  <a:gd name="connsiteX1" fmla="*/ 0 w 202500"/>
+                  <a:gd name="connsiteY1" fmla="*/ 101250 h 202500"/>
+                  <a:gd name="connsiteX2" fmla="*/ 101250 w 202500"/>
+                  <a:gd name="connsiteY2" fmla="*/ 0 h 202500"/>
+                  <a:gd name="connsiteX3" fmla="*/ 202500 w 202500"/>
+                  <a:gd name="connsiteY3" fmla="*/ 101250 h 202500"/>
+                  <a:gd name="connsiteX4" fmla="*/ 101250 w 202500"/>
+                  <a:gd name="connsiteY4" fmla="*/ 202500 h 202500"/>
+                  <a:gd name="connsiteX5" fmla="*/ 101250 w 202500"/>
+                  <a:gd name="connsiteY5" fmla="*/ 67500 h 202500"/>
+                  <a:gd name="connsiteX6" fmla="*/ 67500 w 202500"/>
+                  <a:gd name="connsiteY6" fmla="*/ 101250 h 202500"/>
+                  <a:gd name="connsiteX7" fmla="*/ 101250 w 202500"/>
+                  <a:gd name="connsiteY7" fmla="*/ 135000 h 202500"/>
+                  <a:gd name="connsiteX8" fmla="*/ 135000 w 202500"/>
+                  <a:gd name="connsiteY8" fmla="*/ 101250 h 202500"/>
+                  <a:gd name="connsiteX9" fmla="*/ 101250 w 202500"/>
+                  <a:gd name="connsiteY9" fmla="*/ 67500 h 202500"/>
+                </a:gdLst>
+                <a:ahLst/>
+                <a:cxnLst>
+                  <a:cxn ang="0">
+                    <a:pos x="connsiteX0" y="connsiteY0"/>
+                  </a:cxn>
+                  <a:cxn ang="0">
+                    <a:pos x="connsiteX1" y="connsiteY1"/>
+                  </a:cxn>
+                  <a:cxn ang="0">
+                    <a:pos x="connsiteX2" y="connsiteY2"/>
+                  </a:cxn>
+                  <a:cxn ang="0">
+                    <a:pos x="connsiteX3" y="connsiteY3"/>
+                  </a:cxn>
+                  <a:cxn ang="0">
+                    <a:pos x="connsiteX4" y="connsiteY4"/>
+                  </a:cxn>
+                  <a:cxn ang="0">
+                    <a:pos x="connsiteX5" y="connsiteY5"/>
+                  </a:cxn>
+                  <a:cxn ang="0">
+                    <a:pos x="connsiteX6" y="connsiteY6"/>
+                  </a:cxn>
+                  <a:cxn ang="0">
+                    <a:pos x="connsiteX7" y="connsiteY7"/>
+                  </a:cxn>
+                  <a:cxn ang="0">
+                    <a:pos x="connsiteX8" y="connsiteY8"/>
+                  </a:cxn>
+                  <a:cxn ang="0">
+                    <a:pos x="connsiteX9" y="connsiteY9"/>
+                  </a:cxn>
+                </a:cxnLst>
+                <a:rect l="l" t="t" r="r" b="b"/>
+                <a:pathLst>
+                  <a:path w="202500" h="202500">
+                    <a:moveTo>
+                      <a:pt x="101250" y="202500"/>
+                    </a:moveTo>
+                    <a:cubicBezTo>
+                      <a:pt x="45330" y="202500"/>
+                      <a:pt x="0" y="157170"/>
+                      <a:pt x="0" y="101250"/>
+                    </a:cubicBezTo>
+                    <a:cubicBezTo>
+                      <a:pt x="0" y="45330"/>
+                      <a:pt x="45330" y="0"/>
+                      <a:pt x="101250" y="0"/>
+                    </a:cubicBezTo>
+                    <a:cubicBezTo>
+                      <a:pt x="157170" y="0"/>
+                      <a:pt x="202500" y="45330"/>
+                      <a:pt x="202500" y="101250"/>
+                    </a:cubicBezTo>
+                    <a:cubicBezTo>
+                      <a:pt x="202500" y="157170"/>
+                      <a:pt x="157170" y="202500"/>
+                      <a:pt x="101250" y="202500"/>
+                    </a:cubicBezTo>
+                    <a:close/>
+                    <a:moveTo>
+                      <a:pt x="101250" y="67500"/>
+                    </a:moveTo>
+                    <a:cubicBezTo>
+                      <a:pt x="82610" y="67500"/>
+                      <a:pt x="67500" y="82610"/>
+                      <a:pt x="67500" y="101250"/>
+                    </a:cubicBezTo>
+                    <a:cubicBezTo>
+                      <a:pt x="67500" y="119890"/>
+                      <a:pt x="82610" y="135000"/>
+                      <a:pt x="101250" y="135000"/>
+                    </a:cubicBezTo>
+                    <a:cubicBezTo>
+                      <a:pt x="119890" y="135000"/>
+                      <a:pt x="135000" y="119890"/>
+                      <a:pt x="135000" y="101250"/>
+                    </a:cubicBezTo>
+                    <a:cubicBezTo>
+                      <a:pt x="135000" y="82610"/>
+                      <a:pt x="119890" y="67500"/>
+                      <a:pt x="101250" y="67500"/>
+                    </a:cubicBezTo>
+                    <a:close/>
+                  </a:path>
+                </a:pathLst>
+              </a:custGeom>
+              <a:solidFill>
+                <a:srgbClr val="000000"/>
+              </a:solidFill>
+              <a:ln w="19050" cap="flat">
+                <a:solidFill>
+                  <a:srgbClr val="00FF00"/>
+                </a:solidFill>
+                <a:prstDash val="solid"/>
+                <a:miter/>
+              </a:ln>
+            </p:spPr>
+            <p:txBody>
+              <a:bodyPr rtlCol="0" anchor="ctr"/>
+              <a:lstStyle/>
+              <a:p>
+                <a:endParaRPr lang="es-ES"/>
+              </a:p>
+            </p:txBody>
+          </p:sp>
+          <p:sp>
+            <p:nvSpPr>
+              <p:cNvPr id="58" name="Freeform: Shape 57">
+                <a:extLst>
+                  <a:ext uri="{FF2B5EF4-FFF2-40B4-BE49-F238E27FC236}">
+                    <a16:creationId xmlns:a16="http://schemas.microsoft.com/office/drawing/2014/main" id="{B944A902-2B6A-22D3-7035-4BB719C4E6F0}"/>
+                  </a:ext>
+                </a:extLst>
+              </p:cNvPr>
+              <p:cNvSpPr/>
+              <p:nvPr/>
+            </p:nvSpPr>
+            <p:spPr>
+              <a:xfrm>
+                <a:off x="10204935" y="8296779"/>
+                <a:ext cx="202500" cy="202500"/>
+              </a:xfrm>
+              <a:custGeom>
+                <a:avLst/>
+                <a:gdLst>
+                  <a:gd name="connsiteX0" fmla="*/ 101250 w 202500"/>
+                  <a:gd name="connsiteY0" fmla="*/ 202500 h 202500"/>
+                  <a:gd name="connsiteX1" fmla="*/ 0 w 202500"/>
+                  <a:gd name="connsiteY1" fmla="*/ 101250 h 202500"/>
+                  <a:gd name="connsiteX2" fmla="*/ 101250 w 202500"/>
+                  <a:gd name="connsiteY2" fmla="*/ 0 h 202500"/>
+                  <a:gd name="connsiteX3" fmla="*/ 202500 w 202500"/>
+                  <a:gd name="connsiteY3" fmla="*/ 101250 h 202500"/>
+                  <a:gd name="connsiteX4" fmla="*/ 101250 w 202500"/>
+                  <a:gd name="connsiteY4" fmla="*/ 202500 h 202500"/>
+                  <a:gd name="connsiteX5" fmla="*/ 101250 w 202500"/>
+                  <a:gd name="connsiteY5" fmla="*/ 67500 h 202500"/>
+                  <a:gd name="connsiteX6" fmla="*/ 67500 w 202500"/>
+                  <a:gd name="connsiteY6" fmla="*/ 101250 h 202500"/>
+                  <a:gd name="connsiteX7" fmla="*/ 101250 w 202500"/>
+                  <a:gd name="connsiteY7" fmla="*/ 135000 h 202500"/>
+                  <a:gd name="connsiteX8" fmla="*/ 135000 w 202500"/>
+                  <a:gd name="connsiteY8" fmla="*/ 101250 h 202500"/>
+                  <a:gd name="connsiteX9" fmla="*/ 101250 w 202500"/>
+                  <a:gd name="connsiteY9" fmla="*/ 67500 h 202500"/>
+                </a:gdLst>
+                <a:ahLst/>
+                <a:cxnLst>
+                  <a:cxn ang="0">
+                    <a:pos x="connsiteX0" y="connsiteY0"/>
+                  </a:cxn>
+                  <a:cxn ang="0">
+                    <a:pos x="connsiteX1" y="connsiteY1"/>
+                  </a:cxn>
+                  <a:cxn ang="0">
+                    <a:pos x="connsiteX2" y="connsiteY2"/>
+                  </a:cxn>
+                  <a:cxn ang="0">
+                    <a:pos x="connsiteX3" y="connsiteY3"/>
+                  </a:cxn>
+                  <a:cxn ang="0">
+                    <a:pos x="connsiteX4" y="connsiteY4"/>
+                  </a:cxn>
+                  <a:cxn ang="0">
+                    <a:pos x="connsiteX5" y="connsiteY5"/>
+                  </a:cxn>
+                  <a:cxn ang="0">
+                    <a:pos x="connsiteX6" y="connsiteY6"/>
+                  </a:cxn>
+                  <a:cxn ang="0">
+                    <a:pos x="connsiteX7" y="connsiteY7"/>
+                  </a:cxn>
+                  <a:cxn ang="0">
+                    <a:pos x="connsiteX8" y="connsiteY8"/>
+                  </a:cxn>
+                  <a:cxn ang="0">
+                    <a:pos x="connsiteX9" y="connsiteY9"/>
+                  </a:cxn>
+                </a:cxnLst>
+                <a:rect l="l" t="t" r="r" b="b"/>
+                <a:pathLst>
+                  <a:path w="202500" h="202500">
+                    <a:moveTo>
+                      <a:pt x="101250" y="202500"/>
+                    </a:moveTo>
+                    <a:cubicBezTo>
+                      <a:pt x="45330" y="202500"/>
+                      <a:pt x="0" y="157170"/>
+                      <a:pt x="0" y="101250"/>
+                    </a:cubicBezTo>
+                    <a:cubicBezTo>
+                      <a:pt x="0" y="45330"/>
+                      <a:pt x="45330" y="0"/>
+                      <a:pt x="101250" y="0"/>
+                    </a:cubicBezTo>
+                    <a:cubicBezTo>
+                      <a:pt x="157170" y="0"/>
+                      <a:pt x="202500" y="45330"/>
+                      <a:pt x="202500" y="101250"/>
+                    </a:cubicBezTo>
+                    <a:cubicBezTo>
+                      <a:pt x="202500" y="157170"/>
+                      <a:pt x="157170" y="202500"/>
+                      <a:pt x="101250" y="202500"/>
+                    </a:cubicBezTo>
+                    <a:close/>
+                    <a:moveTo>
+                      <a:pt x="101250" y="67500"/>
+                    </a:moveTo>
+                    <a:cubicBezTo>
+                      <a:pt x="82610" y="67500"/>
+                      <a:pt x="67500" y="82610"/>
+                      <a:pt x="67500" y="101250"/>
+                    </a:cubicBezTo>
+                    <a:cubicBezTo>
+                      <a:pt x="67500" y="119890"/>
+                      <a:pt x="82610" y="135000"/>
+                      <a:pt x="101250" y="135000"/>
+                    </a:cubicBezTo>
+                    <a:cubicBezTo>
+                      <a:pt x="119890" y="135000"/>
+                      <a:pt x="135000" y="119890"/>
+                      <a:pt x="135000" y="101250"/>
+                    </a:cubicBezTo>
+                    <a:cubicBezTo>
+                      <a:pt x="135000" y="82610"/>
+                      <a:pt x="119890" y="67500"/>
+                      <a:pt x="101250" y="67500"/>
+                    </a:cubicBezTo>
+                    <a:close/>
+                  </a:path>
+                </a:pathLst>
+              </a:custGeom>
+              <a:solidFill>
+                <a:srgbClr val="000000"/>
+              </a:solidFill>
+              <a:ln w="19050" cap="flat">
+                <a:solidFill>
+                  <a:srgbClr val="00FF00"/>
+                </a:solidFill>
+                <a:prstDash val="solid"/>
+                <a:miter/>
+              </a:ln>
+            </p:spPr>
+            <p:txBody>
+              <a:bodyPr rtlCol="0" anchor="ctr"/>
+              <a:lstStyle/>
+              <a:p>
+                <a:endParaRPr lang="es-ES"/>
+              </a:p>
+            </p:txBody>
+          </p:sp>
+        </p:grpSp>
+        <p:grpSp>
+          <p:nvGrpSpPr>
+            <p:cNvPr id="42" name="Graphic 26" descr="Mars outline">
+              <a:extLst>
+                <a:ext uri="{FF2B5EF4-FFF2-40B4-BE49-F238E27FC236}">
+                  <a16:creationId xmlns:a16="http://schemas.microsoft.com/office/drawing/2014/main" id="{09972D8D-E388-05F2-698B-1CF2E5EA2CD4}"/>
+                </a:ext>
+              </a:extLst>
+            </p:cNvPr>
+            <p:cNvGrpSpPr/>
+            <p:nvPr/>
+          </p:nvGrpSpPr>
+          <p:grpSpPr>
+            <a:xfrm>
+              <a:off x="6545871" y="7888301"/>
+              <a:ext cx="1817800" cy="1817800"/>
+              <a:chOff x="6392104" y="8078949"/>
+              <a:chExt cx="1785000" cy="1785000"/>
+            </a:xfrm>
+            <a:solidFill>
+              <a:srgbClr val="000000"/>
+            </a:solidFill>
+          </p:grpSpPr>
+          <p:sp>
+            <p:nvSpPr>
+              <p:cNvPr id="43" name="Freeform: Shape 42">
+                <a:extLst>
+                  <a:ext uri="{FF2B5EF4-FFF2-40B4-BE49-F238E27FC236}">
+                    <a16:creationId xmlns:a16="http://schemas.microsoft.com/office/drawing/2014/main" id="{ED495ACE-6DD9-F5A0-ED07-9E98063AD5CD}"/>
+                  </a:ext>
+                </a:extLst>
+              </p:cNvPr>
+              <p:cNvSpPr/>
+              <p:nvPr/>
+            </p:nvSpPr>
+            <p:spPr>
+              <a:xfrm>
+                <a:off x="6392104" y="8078949"/>
+                <a:ext cx="1785000" cy="1785000"/>
+              </a:xfrm>
+              <a:custGeom>
+                <a:avLst/>
+                <a:gdLst>
+                  <a:gd name="connsiteX0" fmla="*/ 892500 w 1785000"/>
+                  <a:gd name="connsiteY0" fmla="*/ 0 h 1785000"/>
+                  <a:gd name="connsiteX1" fmla="*/ 0 w 1785000"/>
+                  <a:gd name="connsiteY1" fmla="*/ 892500 h 1785000"/>
+                  <a:gd name="connsiteX2" fmla="*/ 892500 w 1785000"/>
+                  <a:gd name="connsiteY2" fmla="*/ 1785000 h 1785000"/>
+                  <a:gd name="connsiteX3" fmla="*/ 1785000 w 1785000"/>
+                  <a:gd name="connsiteY3" fmla="*/ 892500 h 1785000"/>
+                  <a:gd name="connsiteX4" fmla="*/ 892500 w 1785000"/>
+                  <a:gd name="connsiteY4" fmla="*/ 0 h 1785000"/>
+                  <a:gd name="connsiteX5" fmla="*/ 1727513 w 1785000"/>
+                  <a:gd name="connsiteY5" fmla="*/ 801728 h 1785000"/>
+                  <a:gd name="connsiteX6" fmla="*/ 1123290 w 1785000"/>
+                  <a:gd name="connsiteY6" fmla="*/ 722033 h 1785000"/>
+                  <a:gd name="connsiteX7" fmla="*/ 760672 w 1785000"/>
+                  <a:gd name="connsiteY7" fmla="*/ 758625 h 1785000"/>
+                  <a:gd name="connsiteX8" fmla="*/ 295838 w 1785000"/>
+                  <a:gd name="connsiteY8" fmla="*/ 802147 h 1785000"/>
+                  <a:gd name="connsiteX9" fmla="*/ 60532 w 1785000"/>
+                  <a:gd name="connsiteY9" fmla="*/ 778523 h 1785000"/>
+                  <a:gd name="connsiteX10" fmla="*/ 214672 w 1785000"/>
+                  <a:gd name="connsiteY10" fmla="*/ 397005 h 1785000"/>
+                  <a:gd name="connsiteX11" fmla="*/ 865358 w 1785000"/>
+                  <a:gd name="connsiteY11" fmla="*/ 432495 h 1785000"/>
+                  <a:gd name="connsiteX12" fmla="*/ 1565498 w 1785000"/>
+                  <a:gd name="connsiteY12" fmla="*/ 390495 h 1785000"/>
+                  <a:gd name="connsiteX13" fmla="*/ 1727513 w 1785000"/>
+                  <a:gd name="connsiteY13" fmla="*/ 801728 h 1785000"/>
+                  <a:gd name="connsiteX14" fmla="*/ 892500 w 1785000"/>
+                  <a:gd name="connsiteY14" fmla="*/ 52500 h 1785000"/>
+                  <a:gd name="connsiteX15" fmla="*/ 1526779 w 1785000"/>
+                  <a:gd name="connsiteY15" fmla="*/ 342720 h 1785000"/>
+                  <a:gd name="connsiteX16" fmla="*/ 865463 w 1785000"/>
+                  <a:gd name="connsiteY16" fmla="*/ 379995 h 1785000"/>
+                  <a:gd name="connsiteX17" fmla="*/ 253050 w 1785000"/>
+                  <a:gd name="connsiteY17" fmla="*/ 348679 h 1785000"/>
+                  <a:gd name="connsiteX18" fmla="*/ 892500 w 1785000"/>
+                  <a:gd name="connsiteY18" fmla="*/ 52500 h 1785000"/>
+                  <a:gd name="connsiteX19" fmla="*/ 892500 w 1785000"/>
+                  <a:gd name="connsiteY19" fmla="*/ 1732500 h 1785000"/>
+                  <a:gd name="connsiteX20" fmla="*/ 163459 w 1785000"/>
+                  <a:gd name="connsiteY20" fmla="*/ 1308930 h 1785000"/>
+                  <a:gd name="connsiteX21" fmla="*/ 225750 w 1785000"/>
+                  <a:gd name="connsiteY21" fmla="*/ 1321792 h 1785000"/>
+                  <a:gd name="connsiteX22" fmla="*/ 636983 w 1785000"/>
+                  <a:gd name="connsiteY22" fmla="*/ 1379752 h 1785000"/>
+                  <a:gd name="connsiteX23" fmla="*/ 1082340 w 1785000"/>
+                  <a:gd name="connsiteY23" fmla="*/ 1335390 h 1785000"/>
+                  <a:gd name="connsiteX24" fmla="*/ 1412040 w 1785000"/>
+                  <a:gd name="connsiteY24" fmla="*/ 1299533 h 1785000"/>
+                  <a:gd name="connsiteX25" fmla="*/ 1619783 w 1785000"/>
+                  <a:gd name="connsiteY25" fmla="*/ 1312001 h 1785000"/>
+                  <a:gd name="connsiteX26" fmla="*/ 892500 w 1785000"/>
+                  <a:gd name="connsiteY26" fmla="*/ 1732500 h 1785000"/>
+                  <a:gd name="connsiteX27" fmla="*/ 1646558 w 1785000"/>
+                  <a:gd name="connsiteY27" fmla="*/ 1262153 h 1785000"/>
+                  <a:gd name="connsiteX28" fmla="*/ 1412040 w 1785000"/>
+                  <a:gd name="connsiteY28" fmla="*/ 1247033 h 1785000"/>
+                  <a:gd name="connsiteX29" fmla="*/ 1072549 w 1785000"/>
+                  <a:gd name="connsiteY29" fmla="*/ 1283783 h 1785000"/>
+                  <a:gd name="connsiteX30" fmla="*/ 636983 w 1785000"/>
+                  <a:gd name="connsiteY30" fmla="*/ 1327226 h 1785000"/>
+                  <a:gd name="connsiteX31" fmla="*/ 236460 w 1785000"/>
+                  <a:gd name="connsiteY31" fmla="*/ 1270369 h 1785000"/>
+                  <a:gd name="connsiteX32" fmla="*/ 132326 w 1785000"/>
+                  <a:gd name="connsiteY32" fmla="*/ 1249369 h 1785000"/>
+                  <a:gd name="connsiteX33" fmla="*/ 52500 w 1785000"/>
+                  <a:gd name="connsiteY33" fmla="*/ 892500 h 1785000"/>
+                  <a:gd name="connsiteX34" fmla="*/ 54994 w 1785000"/>
+                  <a:gd name="connsiteY34" fmla="*/ 831023 h 1785000"/>
+                  <a:gd name="connsiteX35" fmla="*/ 295733 w 1785000"/>
+                  <a:gd name="connsiteY35" fmla="*/ 854647 h 1785000"/>
+                  <a:gd name="connsiteX36" fmla="*/ 769309 w 1785000"/>
+                  <a:gd name="connsiteY36" fmla="*/ 810364 h 1785000"/>
+                  <a:gd name="connsiteX37" fmla="*/ 1123290 w 1785000"/>
+                  <a:gd name="connsiteY37" fmla="*/ 774428 h 1785000"/>
+                  <a:gd name="connsiteX38" fmla="*/ 1731581 w 1785000"/>
+                  <a:gd name="connsiteY38" fmla="*/ 856538 h 1785000"/>
+                  <a:gd name="connsiteX39" fmla="*/ 1732500 w 1785000"/>
+                  <a:gd name="connsiteY39" fmla="*/ 892395 h 1785000"/>
+                  <a:gd name="connsiteX40" fmla="*/ 1646558 w 1785000"/>
+                  <a:gd name="connsiteY40" fmla="*/ 1262153 h 1785000"/>
+                </a:gdLst>
+                <a:ahLst/>
+                <a:cxnLst>
+                  <a:cxn ang="0">
+                    <a:pos x="connsiteX0" y="connsiteY0"/>
+                  </a:cxn>
+                  <a:cxn ang="0">
+                    <a:pos x="connsiteX1" y="connsiteY1"/>
+                  </a:cxn>
+                  <a:cxn ang="0">
+                    <a:pos x="connsiteX2" y="connsiteY2"/>
+                  </a:cxn>
+                  <a:cxn ang="0">
+                    <a:pos x="connsiteX3" y="connsiteY3"/>
+                  </a:cxn>
+                  <a:cxn ang="0">
+                    <a:pos x="connsiteX4" y="connsiteY4"/>
+                  </a:cxn>
+                  <a:cxn ang="0">
+                    <a:pos x="connsiteX5" y="connsiteY5"/>
+                  </a:cxn>
+                  <a:cxn ang="0">
+                    <a:pos x="connsiteX6" y="connsiteY6"/>
+                  </a:cxn>
+                  <a:cxn ang="0">
+                    <a:pos x="connsiteX7" y="connsiteY7"/>
+                  </a:cxn>
+                  <a:cxn ang="0">
+                    <a:pos x="connsiteX8" y="connsiteY8"/>
+                  </a:cxn>
+                  <a:cxn ang="0">
+                    <a:pos x="connsiteX9" y="connsiteY9"/>
+                  </a:cxn>
+                  <a:cxn ang="0">
+                    <a:pos x="connsiteX10" y="connsiteY10"/>
+                  </a:cxn>
+                  <a:cxn ang="0">
+                    <a:pos x="connsiteX11" y="connsiteY11"/>
+                  </a:cxn>
+                  <a:cxn ang="0">
+                    <a:pos x="connsiteX12" y="connsiteY12"/>
+                  </a:cxn>
+                  <a:cxn ang="0">
+                    <a:pos x="connsiteX13" y="connsiteY13"/>
+                  </a:cxn>
+                  <a:cxn ang="0">
+                    <a:pos x="connsiteX14" y="connsiteY14"/>
+                  </a:cxn>
+                  <a:cxn ang="0">
+                    <a:pos x="connsiteX15" y="connsiteY15"/>
+                  </a:cxn>
+                  <a:cxn ang="0">
+                    <a:pos x="connsiteX16" y="connsiteY16"/>
+                  </a:cxn>
+                  <a:cxn ang="0">
+                    <a:pos x="connsiteX17" y="connsiteY17"/>
+                  </a:cxn>
+                  <a:cxn ang="0">
+                    <a:pos x="connsiteX18" y="connsiteY18"/>
+                  </a:cxn>
+                  <a:cxn ang="0">
+                    <a:pos x="connsiteX19" y="connsiteY19"/>
+                  </a:cxn>
+                  <a:cxn ang="0">
+                    <a:pos x="connsiteX20" y="connsiteY20"/>
+                  </a:cxn>
+                  <a:cxn ang="0">
+                    <a:pos x="connsiteX21" y="connsiteY21"/>
+                  </a:cxn>
+                  <a:cxn ang="0">
+                    <a:pos x="connsiteX22" y="connsiteY22"/>
+                  </a:cxn>
+                  <a:cxn ang="0">
+                    <a:pos x="connsiteX23" y="connsiteY23"/>
+                  </a:cxn>
+                  <a:cxn ang="0">
+                    <a:pos x="connsiteX24" y="connsiteY24"/>
+                  </a:cxn>
+                  <a:cxn ang="0">
+                    <a:pos x="connsiteX25" y="connsiteY25"/>
+                  </a:cxn>
+                  <a:cxn ang="0">
+                    <a:pos x="connsiteX26" y="connsiteY26"/>
+                  </a:cxn>
+                  <a:cxn ang="0">
+                    <a:pos x="connsiteX27" y="connsiteY27"/>
+                  </a:cxn>
+                  <a:cxn ang="0">
+                    <a:pos x="connsiteX28" y="connsiteY28"/>
+                  </a:cxn>
+                  <a:cxn ang="0">
+                    <a:pos x="connsiteX29" y="connsiteY29"/>
+                  </a:cxn>
+                  <a:cxn ang="0">
+                    <a:pos x="connsiteX30" y="connsiteY30"/>
+                  </a:cxn>
+                  <a:cxn ang="0">
+                    <a:pos x="connsiteX31" y="connsiteY31"/>
+                  </a:cxn>
+                  <a:cxn ang="0">
+                    <a:pos x="connsiteX32" y="connsiteY32"/>
+                  </a:cxn>
+                  <a:cxn ang="0">
+                    <a:pos x="connsiteX33" y="connsiteY33"/>
+                  </a:cxn>
+                  <a:cxn ang="0">
+                    <a:pos x="connsiteX34" y="connsiteY34"/>
+                  </a:cxn>
+                  <a:cxn ang="0">
+                    <a:pos x="connsiteX35" y="connsiteY35"/>
+                  </a:cxn>
+                  <a:cxn ang="0">
+                    <a:pos x="connsiteX36" y="connsiteY36"/>
+                  </a:cxn>
+                  <a:cxn ang="0">
+                    <a:pos x="connsiteX37" y="connsiteY37"/>
+                  </a:cxn>
+                  <a:cxn ang="0">
+                    <a:pos x="connsiteX38" y="connsiteY38"/>
+                  </a:cxn>
+                  <a:cxn ang="0">
+                    <a:pos x="connsiteX39" y="connsiteY39"/>
+                  </a:cxn>
+                  <a:cxn ang="0">
+                    <a:pos x="connsiteX40" y="connsiteY40"/>
+                  </a:cxn>
+                </a:cxnLst>
+                <a:rect l="l" t="t" r="r" b="b"/>
+                <a:pathLst>
+                  <a:path w="1785000" h="1785000">
+                    <a:moveTo>
+                      <a:pt x="892500" y="0"/>
+                    </a:moveTo>
+                    <a:cubicBezTo>
+                      <a:pt x="399585" y="0"/>
+                      <a:pt x="0" y="399585"/>
+                      <a:pt x="0" y="892500"/>
+                    </a:cubicBezTo>
+                    <a:cubicBezTo>
+                      <a:pt x="0" y="1385415"/>
+                      <a:pt x="399585" y="1785000"/>
+                      <a:pt x="892500" y="1785000"/>
+                    </a:cubicBezTo>
+                    <a:cubicBezTo>
+                      <a:pt x="1385415" y="1785000"/>
+                      <a:pt x="1785000" y="1385415"/>
+                      <a:pt x="1785000" y="892500"/>
+                    </a:cubicBezTo>
+                    <a:cubicBezTo>
+                      <a:pt x="1784451" y="399814"/>
+                      <a:pt x="1385186" y="549"/>
+                      <a:pt x="892500" y="0"/>
+                    </a:cubicBezTo>
+                    <a:close/>
+                    <a:moveTo>
+                      <a:pt x="1727513" y="801728"/>
+                    </a:moveTo>
+                    <a:cubicBezTo>
+                      <a:pt x="1529551" y="753546"/>
+                      <a:pt x="1326974" y="726828"/>
+                      <a:pt x="1123290" y="722033"/>
+                    </a:cubicBezTo>
+                    <a:cubicBezTo>
+                      <a:pt x="1001553" y="723132"/>
+                      <a:pt x="880173" y="735381"/>
+                      <a:pt x="760672" y="758625"/>
+                    </a:cubicBezTo>
+                    <a:cubicBezTo>
+                      <a:pt x="607433" y="787660"/>
+                      <a:pt x="451804" y="802232"/>
+                      <a:pt x="295838" y="802147"/>
+                    </a:cubicBezTo>
+                    <a:cubicBezTo>
+                      <a:pt x="216833" y="801722"/>
+                      <a:pt x="138046" y="793810"/>
+                      <a:pt x="60532" y="778523"/>
+                    </a:cubicBezTo>
+                    <a:cubicBezTo>
+                      <a:pt x="79286" y="640484"/>
+                      <a:pt x="132274" y="509329"/>
+                      <a:pt x="214672" y="397005"/>
+                    </a:cubicBezTo>
+                    <a:cubicBezTo>
+                      <a:pt x="430678" y="421635"/>
+                      <a:pt x="647952" y="433485"/>
+                      <a:pt x="865358" y="432495"/>
+                    </a:cubicBezTo>
+                    <a:cubicBezTo>
+                      <a:pt x="1099410" y="434031"/>
+                      <a:pt x="1333306" y="420000"/>
+                      <a:pt x="1565498" y="390495"/>
+                    </a:cubicBezTo>
+                    <a:cubicBezTo>
+                      <a:pt x="1655433" y="510547"/>
+                      <a:pt x="1711395" y="652593"/>
+                      <a:pt x="1727513" y="801728"/>
+                    </a:cubicBezTo>
+                    <a:close/>
+                    <a:moveTo>
+                      <a:pt x="892500" y="52500"/>
+                    </a:moveTo>
+                    <a:cubicBezTo>
+                      <a:pt x="1136050" y="52490"/>
+                      <a:pt x="1367562" y="158419"/>
+                      <a:pt x="1526779" y="342720"/>
+                    </a:cubicBezTo>
+                    <a:cubicBezTo>
+                      <a:pt x="1307318" y="368765"/>
+                      <a:pt x="1086459" y="381213"/>
+                      <a:pt x="865463" y="379995"/>
+                    </a:cubicBezTo>
+                    <a:cubicBezTo>
+                      <a:pt x="660907" y="380764"/>
+                      <a:pt x="456461" y="370311"/>
+                      <a:pt x="253050" y="348679"/>
+                    </a:cubicBezTo>
+                    <a:cubicBezTo>
+                      <a:pt x="412340" y="160807"/>
+                      <a:pt x="646188" y="52492"/>
+                      <a:pt x="892500" y="52500"/>
+                    </a:cubicBezTo>
+                    <a:close/>
+                    <a:moveTo>
+                      <a:pt x="892500" y="1732500"/>
+                    </a:moveTo>
+                    <a:cubicBezTo>
+                      <a:pt x="591111" y="1732266"/>
+                      <a:pt x="312929" y="1570643"/>
+                      <a:pt x="163459" y="1308930"/>
+                    </a:cubicBezTo>
+                    <a:cubicBezTo>
+                      <a:pt x="183592" y="1312999"/>
+                      <a:pt x="204435" y="1317330"/>
+                      <a:pt x="225750" y="1321792"/>
+                    </a:cubicBezTo>
+                    <a:cubicBezTo>
+                      <a:pt x="356291" y="1348961"/>
+                      <a:pt x="504236" y="1379752"/>
+                      <a:pt x="636983" y="1379752"/>
+                    </a:cubicBezTo>
+                    <a:cubicBezTo>
+                      <a:pt x="786597" y="1380981"/>
+                      <a:pt x="935910" y="1366108"/>
+                      <a:pt x="1082340" y="1335390"/>
+                    </a:cubicBezTo>
+                    <a:cubicBezTo>
+                      <a:pt x="1190679" y="1311904"/>
+                      <a:pt x="1301186" y="1299884"/>
+                      <a:pt x="1412040" y="1299533"/>
+                    </a:cubicBezTo>
+                    <a:cubicBezTo>
+                      <a:pt x="1481463" y="1299916"/>
+                      <a:pt x="1550813" y="1304076"/>
+                      <a:pt x="1619783" y="1312001"/>
+                    </a:cubicBezTo>
+                    <a:cubicBezTo>
+                      <a:pt x="1469837" y="1571984"/>
+                      <a:pt x="1192624" y="1732264"/>
+                      <a:pt x="892500" y="1732500"/>
+                    </a:cubicBezTo>
+                    <a:close/>
+                    <a:moveTo>
+                      <a:pt x="1646558" y="1262153"/>
+                    </a:moveTo>
+                    <a:cubicBezTo>
+                      <a:pt x="1568750" y="1252516"/>
+                      <a:pt x="1490441" y="1247468"/>
+                      <a:pt x="1412040" y="1247033"/>
+                    </a:cubicBezTo>
+                    <a:cubicBezTo>
+                      <a:pt x="1297900" y="1247332"/>
+                      <a:pt x="1184109" y="1259648"/>
+                      <a:pt x="1072549" y="1283783"/>
+                    </a:cubicBezTo>
+                    <a:cubicBezTo>
+                      <a:pt x="929339" y="1313841"/>
+                      <a:pt x="783308" y="1328408"/>
+                      <a:pt x="636983" y="1327226"/>
+                    </a:cubicBezTo>
+                    <a:cubicBezTo>
+                      <a:pt x="509644" y="1327226"/>
+                      <a:pt x="364508" y="1297013"/>
+                      <a:pt x="236460" y="1270369"/>
+                    </a:cubicBezTo>
+                    <a:cubicBezTo>
+                      <a:pt x="199841" y="1262730"/>
+                      <a:pt x="165191" y="1255643"/>
+                      <a:pt x="132326" y="1249369"/>
+                    </a:cubicBezTo>
+                    <a:cubicBezTo>
+                      <a:pt x="79669" y="1137775"/>
+                      <a:pt x="52406" y="1015893"/>
+                      <a:pt x="52500" y="892500"/>
+                    </a:cubicBezTo>
+                    <a:cubicBezTo>
+                      <a:pt x="52500" y="871815"/>
+                      <a:pt x="53498" y="851366"/>
+                      <a:pt x="54994" y="831023"/>
+                    </a:cubicBezTo>
+                    <a:cubicBezTo>
+                      <a:pt x="134342" y="846287"/>
+                      <a:pt x="214930" y="854193"/>
+                      <a:pt x="295733" y="854647"/>
+                    </a:cubicBezTo>
+                    <a:cubicBezTo>
+                      <a:pt x="454632" y="854781"/>
+                      <a:pt x="613190" y="839955"/>
+                      <a:pt x="769309" y="810364"/>
+                    </a:cubicBezTo>
+                    <a:cubicBezTo>
+                      <a:pt x="885964" y="787634"/>
+                      <a:pt x="1004448" y="775606"/>
+                      <a:pt x="1123290" y="774428"/>
+                    </a:cubicBezTo>
+                    <a:cubicBezTo>
+                      <a:pt x="1349959" y="774428"/>
+                      <a:pt x="1595265" y="824040"/>
+                      <a:pt x="1731581" y="856538"/>
+                    </a:cubicBezTo>
+                    <a:cubicBezTo>
+                      <a:pt x="1732080" y="868429"/>
+                      <a:pt x="1732500" y="880372"/>
+                      <a:pt x="1732500" y="892395"/>
+                    </a:cubicBezTo>
+                    <a:cubicBezTo>
+                      <a:pt x="1732631" y="1020613"/>
+                      <a:pt x="1703223" y="1147136"/>
+                      <a:pt x="1646558" y="1262153"/>
+                    </a:cubicBezTo>
+                    <a:close/>
+                  </a:path>
+                </a:pathLst>
+              </a:custGeom>
+              <a:solidFill>
+                <a:srgbClr val="000000"/>
+              </a:solidFill>
+              <a:ln w="19050" cap="flat">
+                <a:solidFill>
+                  <a:srgbClr val="FF0000"/>
+                </a:solidFill>
+                <a:prstDash val="solid"/>
+                <a:miter/>
+              </a:ln>
+            </p:spPr>
+            <p:txBody>
+              <a:bodyPr rtlCol="0" anchor="ctr"/>
+              <a:lstStyle/>
+              <a:p>
+                <a:endParaRPr lang="es-ES" dirty="0"/>
+              </a:p>
+            </p:txBody>
+          </p:sp>
+          <p:sp>
+            <p:nvSpPr>
+              <p:cNvPr id="44" name="Freeform: Shape 43">
+                <a:extLst>
+                  <a:ext uri="{FF2B5EF4-FFF2-40B4-BE49-F238E27FC236}">
+                    <a16:creationId xmlns:a16="http://schemas.microsoft.com/office/drawing/2014/main" id="{31062066-8A1B-592F-AF25-D67D93F1F0DA}"/>
+                  </a:ext>
+                </a:extLst>
+              </p:cNvPr>
+              <p:cNvSpPr/>
+              <p:nvPr/>
+            </p:nvSpPr>
+            <p:spPr>
+              <a:xfrm>
+                <a:off x="7662840" y="8571084"/>
+                <a:ext cx="157500" cy="157500"/>
+              </a:xfrm>
+              <a:custGeom>
+                <a:avLst/>
+                <a:gdLst>
+                  <a:gd name="connsiteX0" fmla="*/ 78750 w 157500"/>
+                  <a:gd name="connsiteY0" fmla="*/ 0 h 157500"/>
+                  <a:gd name="connsiteX1" fmla="*/ 0 w 157500"/>
+                  <a:gd name="connsiteY1" fmla="*/ 78750 h 157500"/>
+                  <a:gd name="connsiteX2" fmla="*/ 78750 w 157500"/>
+                  <a:gd name="connsiteY2" fmla="*/ 157500 h 157500"/>
+                  <a:gd name="connsiteX3" fmla="*/ 157500 w 157500"/>
+                  <a:gd name="connsiteY3" fmla="*/ 78750 h 157500"/>
+                  <a:gd name="connsiteX4" fmla="*/ 78750 w 157500"/>
+                  <a:gd name="connsiteY4" fmla="*/ 0 h 157500"/>
+                  <a:gd name="connsiteX5" fmla="*/ 78750 w 157500"/>
+                  <a:gd name="connsiteY5" fmla="*/ 105000 h 157500"/>
+                  <a:gd name="connsiteX6" fmla="*/ 52500 w 157500"/>
+                  <a:gd name="connsiteY6" fmla="*/ 78750 h 157500"/>
+                  <a:gd name="connsiteX7" fmla="*/ 78750 w 157500"/>
+                  <a:gd name="connsiteY7" fmla="*/ 52500 h 157500"/>
+                  <a:gd name="connsiteX8" fmla="*/ 105000 w 157500"/>
+                  <a:gd name="connsiteY8" fmla="*/ 78750 h 157500"/>
+                  <a:gd name="connsiteX9" fmla="*/ 78750 w 157500"/>
+                  <a:gd name="connsiteY9" fmla="*/ 105000 h 157500"/>
+                </a:gdLst>
+                <a:ahLst/>
+                <a:cxnLst>
+                  <a:cxn ang="0">
+                    <a:pos x="connsiteX0" y="connsiteY0"/>
+                  </a:cxn>
+                  <a:cxn ang="0">
+                    <a:pos x="connsiteX1" y="connsiteY1"/>
+                  </a:cxn>
+                  <a:cxn ang="0">
+                    <a:pos x="connsiteX2" y="connsiteY2"/>
+                  </a:cxn>
+                  <a:cxn ang="0">
+                    <a:pos x="connsiteX3" y="connsiteY3"/>
+                  </a:cxn>
+                  <a:cxn ang="0">
+                    <a:pos x="connsiteX4" y="connsiteY4"/>
+                  </a:cxn>
+                  <a:cxn ang="0">
+                    <a:pos x="connsiteX5" y="connsiteY5"/>
+                  </a:cxn>
+                  <a:cxn ang="0">
+                    <a:pos x="connsiteX6" y="connsiteY6"/>
+                  </a:cxn>
+                  <a:cxn ang="0">
+                    <a:pos x="connsiteX7" y="connsiteY7"/>
+                  </a:cxn>
+                  <a:cxn ang="0">
+                    <a:pos x="connsiteX8" y="connsiteY8"/>
+                  </a:cxn>
+                  <a:cxn ang="0">
+                    <a:pos x="connsiteX9" y="connsiteY9"/>
+                  </a:cxn>
+                </a:cxnLst>
+                <a:rect l="l" t="t" r="r" b="b"/>
+                <a:pathLst>
+                  <a:path w="157500" h="157500">
+                    <a:moveTo>
+                      <a:pt x="78750" y="0"/>
+                    </a:moveTo>
+                    <a:cubicBezTo>
+                      <a:pt x="35256" y="0"/>
+                      <a:pt x="0" y="35256"/>
+                      <a:pt x="0" y="78750"/>
+                    </a:cubicBezTo>
+                    <a:cubicBezTo>
+                      <a:pt x="0" y="122244"/>
+                      <a:pt x="35256" y="157500"/>
+                      <a:pt x="78750" y="157500"/>
+                    </a:cubicBezTo>
+                    <a:cubicBezTo>
+                      <a:pt x="122244" y="157500"/>
+                      <a:pt x="157500" y="122244"/>
+                      <a:pt x="157500" y="78750"/>
+                    </a:cubicBezTo>
+                    <a:cubicBezTo>
+                      <a:pt x="157500" y="35256"/>
+                      <a:pt x="122244" y="0"/>
+                      <a:pt x="78750" y="0"/>
+                    </a:cubicBezTo>
+                    <a:close/>
+                    <a:moveTo>
+                      <a:pt x="78750" y="105000"/>
+                    </a:moveTo>
+                    <a:cubicBezTo>
+                      <a:pt x="64252" y="105000"/>
+                      <a:pt x="52500" y="93248"/>
+                      <a:pt x="52500" y="78750"/>
+                    </a:cubicBezTo>
+                    <a:cubicBezTo>
+                      <a:pt x="52500" y="64252"/>
+                      <a:pt x="64252" y="52500"/>
+                      <a:pt x="78750" y="52500"/>
+                    </a:cubicBezTo>
+                    <a:cubicBezTo>
+                      <a:pt x="93248" y="52500"/>
+                      <a:pt x="105000" y="64252"/>
+                      <a:pt x="105000" y="78750"/>
+                    </a:cubicBezTo>
+                    <a:cubicBezTo>
+                      <a:pt x="105000" y="93248"/>
+                      <a:pt x="93248" y="105000"/>
+                      <a:pt x="78750" y="105000"/>
+                    </a:cubicBezTo>
+                    <a:close/>
+                  </a:path>
+                </a:pathLst>
+              </a:custGeom>
+              <a:solidFill>
+                <a:srgbClr val="000000"/>
+              </a:solidFill>
+              <a:ln w="19050" cap="flat">
+                <a:solidFill>
+                  <a:srgbClr val="FF0000"/>
+                </a:solidFill>
+                <a:prstDash val="solid"/>
+                <a:miter/>
+              </a:ln>
+            </p:spPr>
+            <p:txBody>
+              <a:bodyPr rtlCol="0" anchor="ctr"/>
+              <a:lstStyle/>
+              <a:p>
+                <a:endParaRPr lang="es-ES"/>
+              </a:p>
+            </p:txBody>
+          </p:sp>
+          <p:sp>
+            <p:nvSpPr>
+              <p:cNvPr id="45" name="Freeform: Shape 44">
+                <a:extLst>
+                  <a:ext uri="{FF2B5EF4-FFF2-40B4-BE49-F238E27FC236}">
+                    <a16:creationId xmlns:a16="http://schemas.microsoft.com/office/drawing/2014/main" id="{EB041762-2FE7-985C-177D-58F2B78B1F82}"/>
+                  </a:ext>
+                </a:extLst>
+              </p:cNvPr>
+              <p:cNvSpPr/>
+              <p:nvPr/>
+            </p:nvSpPr>
+            <p:spPr>
+              <a:xfrm>
+                <a:off x="7081902" y="8223481"/>
+                <a:ext cx="157500" cy="157500"/>
+              </a:xfrm>
+              <a:custGeom>
+                <a:avLst/>
+                <a:gdLst>
+                  <a:gd name="connsiteX0" fmla="*/ 78750 w 157500"/>
+                  <a:gd name="connsiteY0" fmla="*/ 157500 h 157500"/>
+                  <a:gd name="connsiteX1" fmla="*/ 157500 w 157500"/>
+                  <a:gd name="connsiteY1" fmla="*/ 78750 h 157500"/>
+                  <a:gd name="connsiteX2" fmla="*/ 78750 w 157500"/>
+                  <a:gd name="connsiteY2" fmla="*/ 0 h 157500"/>
+                  <a:gd name="connsiteX3" fmla="*/ 0 w 157500"/>
+                  <a:gd name="connsiteY3" fmla="*/ 78750 h 157500"/>
+                  <a:gd name="connsiteX4" fmla="*/ 78750 w 157500"/>
+                  <a:gd name="connsiteY4" fmla="*/ 157500 h 157500"/>
+                  <a:gd name="connsiteX5" fmla="*/ 78750 w 157500"/>
+                  <a:gd name="connsiteY5" fmla="*/ 52500 h 157500"/>
+                  <a:gd name="connsiteX6" fmla="*/ 105000 w 157500"/>
+                  <a:gd name="connsiteY6" fmla="*/ 78750 h 157500"/>
+                  <a:gd name="connsiteX7" fmla="*/ 78750 w 157500"/>
+                  <a:gd name="connsiteY7" fmla="*/ 105000 h 157500"/>
+                  <a:gd name="connsiteX8" fmla="*/ 52500 w 157500"/>
+                  <a:gd name="connsiteY8" fmla="*/ 78750 h 157500"/>
+                  <a:gd name="connsiteX9" fmla="*/ 78750 w 157500"/>
+                  <a:gd name="connsiteY9" fmla="*/ 52500 h 157500"/>
+                </a:gdLst>
+                <a:ahLst/>
+                <a:cxnLst>
+                  <a:cxn ang="0">
+                    <a:pos x="connsiteX0" y="connsiteY0"/>
+                  </a:cxn>
+                  <a:cxn ang="0">
+                    <a:pos x="connsiteX1" y="connsiteY1"/>
+                  </a:cxn>
+                  <a:cxn ang="0">
+                    <a:pos x="connsiteX2" y="connsiteY2"/>
+                  </a:cxn>
+                  <a:cxn ang="0">
+                    <a:pos x="connsiteX3" y="connsiteY3"/>
+                  </a:cxn>
+                  <a:cxn ang="0">
+                    <a:pos x="connsiteX4" y="connsiteY4"/>
+                  </a:cxn>
+                  <a:cxn ang="0">
+                    <a:pos x="connsiteX5" y="connsiteY5"/>
+                  </a:cxn>
+                  <a:cxn ang="0">
+                    <a:pos x="connsiteX6" y="connsiteY6"/>
+                  </a:cxn>
+                  <a:cxn ang="0">
+                    <a:pos x="connsiteX7" y="connsiteY7"/>
+                  </a:cxn>
+                  <a:cxn ang="0">
+                    <a:pos x="connsiteX8" y="connsiteY8"/>
+                  </a:cxn>
+                  <a:cxn ang="0">
+                    <a:pos x="connsiteX9" y="connsiteY9"/>
+                  </a:cxn>
+                </a:cxnLst>
+                <a:rect l="l" t="t" r="r" b="b"/>
+                <a:pathLst>
+                  <a:path w="157500" h="157500">
+                    <a:moveTo>
+                      <a:pt x="78750" y="157500"/>
+                    </a:moveTo>
+                    <a:cubicBezTo>
+                      <a:pt x="122244" y="157500"/>
+                      <a:pt x="157500" y="122244"/>
+                      <a:pt x="157500" y="78750"/>
+                    </a:cubicBezTo>
+                    <a:cubicBezTo>
+                      <a:pt x="157500" y="35256"/>
+                      <a:pt x="122244" y="0"/>
+                      <a:pt x="78750" y="0"/>
+                    </a:cubicBezTo>
+                    <a:cubicBezTo>
+                      <a:pt x="35256" y="0"/>
+                      <a:pt x="0" y="35256"/>
+                      <a:pt x="0" y="78750"/>
+                    </a:cubicBezTo>
+                    <a:cubicBezTo>
+                      <a:pt x="0" y="122244"/>
+                      <a:pt x="35256" y="157500"/>
+                      <a:pt x="78750" y="157500"/>
+                    </a:cubicBezTo>
+                    <a:close/>
+                    <a:moveTo>
+                      <a:pt x="78750" y="52500"/>
+                    </a:moveTo>
+                    <a:cubicBezTo>
+                      <a:pt x="93248" y="52500"/>
+                      <a:pt x="105000" y="64252"/>
+                      <a:pt x="105000" y="78750"/>
+                    </a:cubicBezTo>
+                    <a:cubicBezTo>
+                      <a:pt x="105000" y="93248"/>
+                      <a:pt x="93248" y="105000"/>
+                      <a:pt x="78750" y="105000"/>
+                    </a:cubicBezTo>
+                    <a:cubicBezTo>
+                      <a:pt x="64252" y="105000"/>
+                      <a:pt x="52500" y="93248"/>
+                      <a:pt x="52500" y="78750"/>
+                    </a:cubicBezTo>
+                    <a:cubicBezTo>
+                      <a:pt x="52500" y="64252"/>
+                      <a:pt x="64252" y="52500"/>
+                      <a:pt x="78750" y="52500"/>
+                    </a:cubicBezTo>
+                    <a:close/>
+                  </a:path>
+                </a:pathLst>
+              </a:custGeom>
+              <a:solidFill>
+                <a:srgbClr val="000000"/>
+              </a:solidFill>
+              <a:ln w="19050" cap="flat">
+                <a:solidFill>
+                  <a:srgbClr val="FF0000"/>
+                </a:solidFill>
+                <a:prstDash val="solid"/>
+                <a:miter/>
+              </a:ln>
+            </p:spPr>
+            <p:txBody>
+              <a:bodyPr rtlCol="0" anchor="ctr"/>
+              <a:lstStyle/>
+              <a:p>
+                <a:endParaRPr lang="es-ES"/>
+              </a:p>
+            </p:txBody>
+          </p:sp>
+          <p:sp>
+            <p:nvSpPr>
+              <p:cNvPr id="46" name="Freeform: Shape 45">
+                <a:extLst>
+                  <a:ext uri="{FF2B5EF4-FFF2-40B4-BE49-F238E27FC236}">
+                    <a16:creationId xmlns:a16="http://schemas.microsoft.com/office/drawing/2014/main" id="{7CDD9609-F2BF-57EA-A2A7-D3F6A1CCA00D}"/>
+                  </a:ext>
+                </a:extLst>
+              </p:cNvPr>
+              <p:cNvSpPr/>
+              <p:nvPr/>
+            </p:nvSpPr>
+            <p:spPr>
+              <a:xfrm>
+                <a:off x="7354560" y="9534117"/>
+                <a:ext cx="157500" cy="157500"/>
+              </a:xfrm>
+              <a:custGeom>
+                <a:avLst/>
+                <a:gdLst>
+                  <a:gd name="connsiteX0" fmla="*/ 78750 w 157500"/>
+                  <a:gd name="connsiteY0" fmla="*/ 0 h 157500"/>
+                  <a:gd name="connsiteX1" fmla="*/ 0 w 157500"/>
+                  <a:gd name="connsiteY1" fmla="*/ 78750 h 157500"/>
+                  <a:gd name="connsiteX2" fmla="*/ 78750 w 157500"/>
+                  <a:gd name="connsiteY2" fmla="*/ 157500 h 157500"/>
+                  <a:gd name="connsiteX3" fmla="*/ 157500 w 157500"/>
+                  <a:gd name="connsiteY3" fmla="*/ 78750 h 157500"/>
+                  <a:gd name="connsiteX4" fmla="*/ 78750 w 157500"/>
+                  <a:gd name="connsiteY4" fmla="*/ 0 h 157500"/>
+                  <a:gd name="connsiteX5" fmla="*/ 78750 w 157500"/>
+                  <a:gd name="connsiteY5" fmla="*/ 105000 h 157500"/>
+                  <a:gd name="connsiteX6" fmla="*/ 52500 w 157500"/>
+                  <a:gd name="connsiteY6" fmla="*/ 78750 h 157500"/>
+                  <a:gd name="connsiteX7" fmla="*/ 78750 w 157500"/>
+                  <a:gd name="connsiteY7" fmla="*/ 52500 h 157500"/>
+                  <a:gd name="connsiteX8" fmla="*/ 105000 w 157500"/>
+                  <a:gd name="connsiteY8" fmla="*/ 78750 h 157500"/>
+                  <a:gd name="connsiteX9" fmla="*/ 78750 w 157500"/>
+                  <a:gd name="connsiteY9" fmla="*/ 105000 h 157500"/>
+                </a:gdLst>
+                <a:ahLst/>
+                <a:cxnLst>
+                  <a:cxn ang="0">
+                    <a:pos x="connsiteX0" y="connsiteY0"/>
+                  </a:cxn>
+                  <a:cxn ang="0">
+                    <a:pos x="connsiteX1" y="connsiteY1"/>
+                  </a:cxn>
+                  <a:cxn ang="0">
+                    <a:pos x="connsiteX2" y="connsiteY2"/>
+                  </a:cxn>
+                  <a:cxn ang="0">
+                    <a:pos x="connsiteX3" y="connsiteY3"/>
+                  </a:cxn>
+                  <a:cxn ang="0">
+                    <a:pos x="connsiteX4" y="connsiteY4"/>
+                  </a:cxn>
+                  <a:cxn ang="0">
+                    <a:pos x="connsiteX5" y="connsiteY5"/>
+                  </a:cxn>
+                  <a:cxn ang="0">
+                    <a:pos x="connsiteX6" y="connsiteY6"/>
+                  </a:cxn>
+                  <a:cxn ang="0">
+                    <a:pos x="connsiteX7" y="connsiteY7"/>
+                  </a:cxn>
+                  <a:cxn ang="0">
+                    <a:pos x="connsiteX8" y="connsiteY8"/>
+                  </a:cxn>
+                  <a:cxn ang="0">
+                    <a:pos x="connsiteX9" y="connsiteY9"/>
+                  </a:cxn>
+                </a:cxnLst>
+                <a:rect l="l" t="t" r="r" b="b"/>
+                <a:pathLst>
+                  <a:path w="157500" h="157500">
+                    <a:moveTo>
+                      <a:pt x="78750" y="0"/>
+                    </a:moveTo>
+                    <a:cubicBezTo>
+                      <a:pt x="35256" y="0"/>
+                      <a:pt x="0" y="35256"/>
+                      <a:pt x="0" y="78750"/>
+                    </a:cubicBezTo>
+                    <a:cubicBezTo>
+                      <a:pt x="0" y="122244"/>
+                      <a:pt x="35256" y="157500"/>
+                      <a:pt x="78750" y="157500"/>
+                    </a:cubicBezTo>
+                    <a:cubicBezTo>
+                      <a:pt x="122244" y="157500"/>
+                      <a:pt x="157500" y="122244"/>
+                      <a:pt x="157500" y="78750"/>
+                    </a:cubicBezTo>
+                    <a:cubicBezTo>
+                      <a:pt x="157500" y="35256"/>
+                      <a:pt x="122244" y="0"/>
+                      <a:pt x="78750" y="0"/>
+                    </a:cubicBezTo>
+                    <a:close/>
+                    <a:moveTo>
+                      <a:pt x="78750" y="105000"/>
+                    </a:moveTo>
+                    <a:cubicBezTo>
+                      <a:pt x="64252" y="105000"/>
+                      <a:pt x="52500" y="93248"/>
+                      <a:pt x="52500" y="78750"/>
+                    </a:cubicBezTo>
+                    <a:cubicBezTo>
+                      <a:pt x="52500" y="64252"/>
+                      <a:pt x="64252" y="52500"/>
+                      <a:pt x="78750" y="52500"/>
+                    </a:cubicBezTo>
+                    <a:cubicBezTo>
+                      <a:pt x="93248" y="52500"/>
+                      <a:pt x="105000" y="64252"/>
+                      <a:pt x="105000" y="78750"/>
+                    </a:cubicBezTo>
+                    <a:cubicBezTo>
+                      <a:pt x="105000" y="93248"/>
+                      <a:pt x="93248" y="105000"/>
+                      <a:pt x="78750" y="105000"/>
+                    </a:cubicBezTo>
+                    <a:close/>
+                  </a:path>
+                </a:pathLst>
+              </a:custGeom>
+              <a:solidFill>
+                <a:srgbClr val="000000"/>
+              </a:solidFill>
+              <a:ln w="19050" cap="flat">
+                <a:solidFill>
+                  <a:srgbClr val="FF0000"/>
+                </a:solidFill>
+                <a:prstDash val="solid"/>
+                <a:miter/>
+              </a:ln>
+            </p:spPr>
+            <p:txBody>
+              <a:bodyPr rtlCol="0" anchor="ctr"/>
+              <a:lstStyle/>
+              <a:p>
+                <a:endParaRPr lang="es-ES"/>
+              </a:p>
+            </p:txBody>
+          </p:sp>
+          <p:sp>
+            <p:nvSpPr>
+              <p:cNvPr id="47" name="Freeform: Shape 46">
+                <a:extLst>
+                  <a:ext uri="{FF2B5EF4-FFF2-40B4-BE49-F238E27FC236}">
+                    <a16:creationId xmlns:a16="http://schemas.microsoft.com/office/drawing/2014/main" id="{1ABCDBB8-E60D-A867-D142-A2221A3D8D68}"/>
+                  </a:ext>
+                </a:extLst>
+              </p:cNvPr>
+              <p:cNvSpPr/>
+              <p:nvPr/>
+            </p:nvSpPr>
+            <p:spPr>
+              <a:xfrm>
+                <a:off x="6934718" y="9020746"/>
+                <a:ext cx="268957" cy="268957"/>
+              </a:xfrm>
+              <a:custGeom>
+                <a:avLst/>
+                <a:gdLst>
+                  <a:gd name="connsiteX0" fmla="*/ 134479 w 268957"/>
+                  <a:gd name="connsiteY0" fmla="*/ 0 h 268957"/>
+                  <a:gd name="connsiteX1" fmla="*/ 0 w 268957"/>
+                  <a:gd name="connsiteY1" fmla="*/ 134479 h 268957"/>
+                  <a:gd name="connsiteX2" fmla="*/ 134479 w 268957"/>
+                  <a:gd name="connsiteY2" fmla="*/ 268958 h 268957"/>
+                  <a:gd name="connsiteX3" fmla="*/ 268958 w 268957"/>
+                  <a:gd name="connsiteY3" fmla="*/ 134479 h 268957"/>
+                  <a:gd name="connsiteX4" fmla="*/ 268958 w 268957"/>
+                  <a:gd name="connsiteY4" fmla="*/ 134453 h 268957"/>
+                  <a:gd name="connsiteX5" fmla="*/ 134479 w 268957"/>
+                  <a:gd name="connsiteY5" fmla="*/ 0 h 268957"/>
+                  <a:gd name="connsiteX6" fmla="*/ 134479 w 268957"/>
+                  <a:gd name="connsiteY6" fmla="*/ 216458 h 268957"/>
+                  <a:gd name="connsiteX7" fmla="*/ 52500 w 268957"/>
+                  <a:gd name="connsiteY7" fmla="*/ 134479 h 268957"/>
+                  <a:gd name="connsiteX8" fmla="*/ 134479 w 268957"/>
+                  <a:gd name="connsiteY8" fmla="*/ 52500 h 268957"/>
+                  <a:gd name="connsiteX9" fmla="*/ 216458 w 268957"/>
+                  <a:gd name="connsiteY9" fmla="*/ 134453 h 268957"/>
+                  <a:gd name="connsiteX10" fmla="*/ 134479 w 268957"/>
+                  <a:gd name="connsiteY10" fmla="*/ 216458 h 268957"/>
+                </a:gdLst>
+                <a:ahLst/>
+                <a:cxnLst>
+                  <a:cxn ang="0">
+                    <a:pos x="connsiteX0" y="connsiteY0"/>
+                  </a:cxn>
+                  <a:cxn ang="0">
+                    <a:pos x="connsiteX1" y="connsiteY1"/>
+                  </a:cxn>
+                  <a:cxn ang="0">
+                    <a:pos x="connsiteX2" y="connsiteY2"/>
+                  </a:cxn>
+                  <a:cxn ang="0">
+                    <a:pos x="connsiteX3" y="connsiteY3"/>
+                  </a:cxn>
+                  <a:cxn ang="0">
+                    <a:pos x="connsiteX4" y="connsiteY4"/>
+                  </a:cxn>
+                  <a:cxn ang="0">
+                    <a:pos x="connsiteX5" y="connsiteY5"/>
+                  </a:cxn>
+                  <a:cxn ang="0">
+                    <a:pos x="connsiteX6" y="connsiteY6"/>
+                  </a:cxn>
+                  <a:cxn ang="0">
+                    <a:pos x="connsiteX7" y="connsiteY7"/>
+                  </a:cxn>
+                  <a:cxn ang="0">
+                    <a:pos x="connsiteX8" y="connsiteY8"/>
+                  </a:cxn>
+                  <a:cxn ang="0">
+                    <a:pos x="connsiteX9" y="connsiteY9"/>
+                  </a:cxn>
+                  <a:cxn ang="0">
+                    <a:pos x="connsiteX10" y="connsiteY10"/>
+                  </a:cxn>
+                </a:cxnLst>
+                <a:rect l="l" t="t" r="r" b="b"/>
+                <a:pathLst>
+                  <a:path w="268957" h="268957">
+                    <a:moveTo>
+                      <a:pt x="134479" y="0"/>
+                    </a:moveTo>
+                    <a:cubicBezTo>
+                      <a:pt x="60207" y="0"/>
+                      <a:pt x="0" y="60207"/>
+                      <a:pt x="0" y="134479"/>
+                    </a:cubicBezTo>
+                    <a:cubicBezTo>
+                      <a:pt x="0" y="208751"/>
+                      <a:pt x="60207" y="268958"/>
+                      <a:pt x="134479" y="268958"/>
+                    </a:cubicBezTo>
+                    <a:cubicBezTo>
+                      <a:pt x="208751" y="268958"/>
+                      <a:pt x="268958" y="208751"/>
+                      <a:pt x="268958" y="134479"/>
+                    </a:cubicBezTo>
+                    <a:cubicBezTo>
+                      <a:pt x="268958" y="134471"/>
+                      <a:pt x="268958" y="134460"/>
+                      <a:pt x="268958" y="134453"/>
+                    </a:cubicBezTo>
+                    <a:cubicBezTo>
+                      <a:pt x="268855" y="60228"/>
+                      <a:pt x="208703" y="87"/>
+                      <a:pt x="134479" y="0"/>
+                    </a:cubicBezTo>
+                    <a:close/>
+                    <a:moveTo>
+                      <a:pt x="134479" y="216458"/>
+                    </a:moveTo>
+                    <a:cubicBezTo>
+                      <a:pt x="89203" y="216458"/>
+                      <a:pt x="52500" y="179755"/>
+                      <a:pt x="52500" y="134479"/>
+                    </a:cubicBezTo>
+                    <a:cubicBezTo>
+                      <a:pt x="52500" y="89203"/>
+                      <a:pt x="89203" y="52500"/>
+                      <a:pt x="134479" y="52500"/>
+                    </a:cubicBezTo>
+                    <a:cubicBezTo>
+                      <a:pt x="179744" y="52500"/>
+                      <a:pt x="216442" y="89187"/>
+                      <a:pt x="216458" y="134453"/>
+                    </a:cubicBezTo>
+                    <a:cubicBezTo>
+                      <a:pt x="216413" y="179715"/>
+                      <a:pt x="179742" y="216400"/>
+                      <a:pt x="134479" y="216458"/>
+                    </a:cubicBezTo>
+                    <a:close/>
+                  </a:path>
+                </a:pathLst>
+              </a:custGeom>
+              <a:solidFill>
+                <a:srgbClr val="000000"/>
+              </a:solidFill>
+              <a:ln w="19050" cap="flat">
+                <a:solidFill>
+                  <a:srgbClr val="FF0000"/>
+                </a:solidFill>
+                <a:prstDash val="solid"/>
+                <a:miter/>
+              </a:ln>
+            </p:spPr>
+            <p:txBody>
+              <a:bodyPr rtlCol="0" anchor="ctr"/>
+              <a:lstStyle/>
+              <a:p>
+                <a:endParaRPr lang="es-ES"/>
+              </a:p>
+            </p:txBody>
+          </p:sp>
+        </p:grpSp>
+        <p:sp>
+          <p:nvSpPr>
+            <p:cNvPr id="2" name="任意多边形: 形状 22">
+              <a:extLst>
+                <a:ext uri="{FF2B5EF4-FFF2-40B4-BE49-F238E27FC236}">
+                  <a16:creationId xmlns:a16="http://schemas.microsoft.com/office/drawing/2014/main" id="{5D915D9E-D8FD-7C43-3E53-6DA7490DB5F6}"/>
+                </a:ext>
+              </a:extLst>
+            </p:cNvPr>
+            <p:cNvSpPr>
+              <a:spLocks noChangeAspect="1"/>
+            </p:cNvSpPr>
+            <p:nvPr/>
+          </p:nvSpPr>
+          <p:spPr>
+            <a:xfrm>
+              <a:off x="8789761" y="8727654"/>
+              <a:ext cx="696569" cy="782376"/>
+            </a:xfrm>
+            <a:custGeom>
+              <a:avLst/>
+              <a:gdLst>
+                <a:gd name="connsiteX0" fmla="*/ 97155 w 194309"/>
+                <a:gd name="connsiteY0" fmla="*/ 82391 h 228600"/>
+                <a:gd name="connsiteX1" fmla="*/ 126511 w 194309"/>
+                <a:gd name="connsiteY1" fmla="*/ 114300 h 228600"/>
+                <a:gd name="connsiteX2" fmla="*/ 97155 w 194309"/>
+                <a:gd name="connsiteY2" fmla="*/ 146209 h 228600"/>
+                <a:gd name="connsiteX3" fmla="*/ 67799 w 194309"/>
+                <a:gd name="connsiteY3" fmla="*/ 114300 h 228600"/>
+                <a:gd name="connsiteX4" fmla="*/ 97155 w 194309"/>
+                <a:gd name="connsiteY4" fmla="*/ 82391 h 228600"/>
+                <a:gd name="connsiteX5" fmla="*/ 97155 w 194309"/>
+                <a:gd name="connsiteY5" fmla="*/ 0 h 228600"/>
+                <a:gd name="connsiteX6" fmla="*/ 0 w 194309"/>
+                <a:gd name="connsiteY6" fmla="*/ 114300 h 228600"/>
+                <a:gd name="connsiteX7" fmla="*/ 97155 w 194309"/>
+                <a:gd name="connsiteY7" fmla="*/ 228600 h 228600"/>
+                <a:gd name="connsiteX8" fmla="*/ 194310 w 194309"/>
+                <a:gd name="connsiteY8" fmla="*/ 114300 h 228600"/>
+                <a:gd name="connsiteX9" fmla="*/ 97155 w 194309"/>
+                <a:gd name="connsiteY9" fmla="*/ 0 h 228600"/>
+              </a:gdLst>
+              <a:ahLst/>
+              <a:cxnLst>
+                <a:cxn ang="0">
+                  <a:pos x="connsiteX0" y="connsiteY0"/>
+                </a:cxn>
+                <a:cxn ang="0">
+                  <a:pos x="connsiteX1" y="connsiteY1"/>
+                </a:cxn>
+                <a:cxn ang="0">
+                  <a:pos x="connsiteX2" y="connsiteY2"/>
+                </a:cxn>
+                <a:cxn ang="0">
+                  <a:pos x="connsiteX3" y="connsiteY3"/>
+                </a:cxn>
+                <a:cxn ang="0">
+                  <a:pos x="connsiteX4" y="connsiteY4"/>
+                </a:cxn>
+                <a:cxn ang="0">
+                  <a:pos x="connsiteX5" y="connsiteY5"/>
+                </a:cxn>
+                <a:cxn ang="0">
+                  <a:pos x="connsiteX6" y="connsiteY6"/>
+                </a:cxn>
+                <a:cxn ang="0">
+                  <a:pos x="connsiteX7" y="connsiteY7"/>
+                </a:cxn>
+                <a:cxn ang="0">
+                  <a:pos x="connsiteX8" y="connsiteY8"/>
+                </a:cxn>
+                <a:cxn ang="0">
+                  <a:pos x="connsiteX9" y="connsiteY9"/>
+                </a:cxn>
+              </a:cxnLst>
+              <a:rect l="l" t="t" r="r" b="b"/>
+              <a:pathLst>
+                <a:path w="194309" h="228600">
+                  <a:moveTo>
+                    <a:pt x="97155" y="82391"/>
+                  </a:moveTo>
+                  <a:cubicBezTo>
+                    <a:pt x="105891" y="93947"/>
+                    <a:pt x="115723" y="104632"/>
+                    <a:pt x="126511" y="114300"/>
+                  </a:cubicBezTo>
+                  <a:cubicBezTo>
+                    <a:pt x="115723" y="123968"/>
+                    <a:pt x="105891" y="134653"/>
+                    <a:pt x="97155" y="146209"/>
+                  </a:cubicBezTo>
+                  <a:cubicBezTo>
+                    <a:pt x="88419" y="134653"/>
+                    <a:pt x="78587" y="123968"/>
+                    <a:pt x="67799" y="114300"/>
+                  </a:cubicBezTo>
+                  <a:cubicBezTo>
+                    <a:pt x="78587" y="104632"/>
+                    <a:pt x="88419" y="93947"/>
+                    <a:pt x="97155" y="82391"/>
+                  </a:cubicBezTo>
+                  <a:close/>
+                  <a:moveTo>
+                    <a:pt x="97155" y="0"/>
+                  </a:moveTo>
+                  <a:cubicBezTo>
+                    <a:pt x="82174" y="50008"/>
+                    <a:pt x="46941" y="91459"/>
+                    <a:pt x="0" y="114300"/>
+                  </a:cubicBezTo>
+                  <a:cubicBezTo>
+                    <a:pt x="46941" y="137141"/>
+                    <a:pt x="82174" y="178592"/>
+                    <a:pt x="97155" y="228600"/>
+                  </a:cubicBezTo>
+                  <a:cubicBezTo>
+                    <a:pt x="112136" y="178592"/>
+                    <a:pt x="147369" y="137141"/>
+                    <a:pt x="194310" y="114300"/>
+                  </a:cubicBezTo>
+                  <a:cubicBezTo>
+                    <a:pt x="147369" y="91459"/>
+                    <a:pt x="112136" y="50008"/>
+                    <a:pt x="97155" y="0"/>
+                  </a:cubicBezTo>
+                  <a:close/>
+                </a:path>
+              </a:pathLst>
+            </a:custGeom>
+            <a:blipFill>
+              <a:blip r:embed="rId4"/>
+              <a:tile tx="0" ty="0" sx="100000" sy="100000" flip="none" algn="tl"/>
+            </a:blipFill>
+            <a:ln w="19050" cap="flat">
+              <a:solidFill>
+                <a:schemeClr val="bg1"/>
+              </a:solidFill>
+              <a:prstDash val="solid"/>
+              <a:miter/>
+            </a:ln>
+          </p:spPr>
+          <p:txBody>
+            <a:bodyPr rtlCol="0" anchor="ctr"/>
+            <a:lstStyle/>
+            <a:p>
+              <a:endParaRPr lang="en-US"/>
+            </a:p>
+          </p:txBody>
+        </p:sp>
+        <p:sp>
+          <p:nvSpPr>
+            <p:cNvPr id="4" name="任意多边形: 形状 23">
+              <a:extLst>
+                <a:ext uri="{FF2B5EF4-FFF2-40B4-BE49-F238E27FC236}">
+                  <a16:creationId xmlns:a16="http://schemas.microsoft.com/office/drawing/2014/main" id="{B3F758C4-7BDA-6B46-FBAF-87372E90327F}"/>
+                </a:ext>
+              </a:extLst>
+            </p:cNvPr>
+            <p:cNvSpPr/>
+            <p:nvPr/>
+          </p:nvSpPr>
+          <p:spPr>
+            <a:xfrm>
+              <a:off x="5706264" y="9370208"/>
+              <a:ext cx="535427" cy="601386"/>
+            </a:xfrm>
+            <a:custGeom>
+              <a:avLst/>
+              <a:gdLst>
+                <a:gd name="connsiteX0" fmla="*/ 64770 w 129539"/>
+                <a:gd name="connsiteY0" fmla="*/ 68580 h 152400"/>
+                <a:gd name="connsiteX1" fmla="*/ 71895 w 129539"/>
+                <a:gd name="connsiteY1" fmla="*/ 76200 h 152400"/>
+                <a:gd name="connsiteX2" fmla="*/ 64770 w 129539"/>
+                <a:gd name="connsiteY2" fmla="*/ 83820 h 152400"/>
+                <a:gd name="connsiteX3" fmla="*/ 57645 w 129539"/>
+                <a:gd name="connsiteY3" fmla="*/ 76200 h 152400"/>
+                <a:gd name="connsiteX4" fmla="*/ 64770 w 129539"/>
+                <a:gd name="connsiteY4" fmla="*/ 68580 h 152400"/>
+                <a:gd name="connsiteX5" fmla="*/ 64770 w 129539"/>
+                <a:gd name="connsiteY5" fmla="*/ 0 h 152400"/>
+                <a:gd name="connsiteX6" fmla="*/ 0 w 129539"/>
+                <a:gd name="connsiteY6" fmla="*/ 76200 h 152400"/>
+                <a:gd name="connsiteX7" fmla="*/ 64770 w 129539"/>
+                <a:gd name="connsiteY7" fmla="*/ 152400 h 152400"/>
+                <a:gd name="connsiteX8" fmla="*/ 129540 w 129539"/>
+                <a:gd name="connsiteY8" fmla="*/ 76200 h 152400"/>
+                <a:gd name="connsiteX9" fmla="*/ 64770 w 129539"/>
+                <a:gd name="connsiteY9" fmla="*/ 0 h 152400"/>
+              </a:gdLst>
+              <a:ahLst/>
+              <a:cxnLst>
+                <a:cxn ang="0">
+                  <a:pos x="connsiteX0" y="connsiteY0"/>
+                </a:cxn>
+                <a:cxn ang="0">
+                  <a:pos x="connsiteX1" y="connsiteY1"/>
+                </a:cxn>
+                <a:cxn ang="0">
+                  <a:pos x="connsiteX2" y="connsiteY2"/>
+                </a:cxn>
+                <a:cxn ang="0">
+                  <a:pos x="connsiteX3" y="connsiteY3"/>
+                </a:cxn>
+                <a:cxn ang="0">
+                  <a:pos x="connsiteX4" y="connsiteY4"/>
+                </a:cxn>
+                <a:cxn ang="0">
+                  <a:pos x="connsiteX5" y="connsiteY5"/>
+                </a:cxn>
+                <a:cxn ang="0">
+                  <a:pos x="connsiteX6" y="connsiteY6"/>
+                </a:cxn>
+                <a:cxn ang="0">
+                  <a:pos x="connsiteX7" y="connsiteY7"/>
+                </a:cxn>
+                <a:cxn ang="0">
+                  <a:pos x="connsiteX8" y="connsiteY8"/>
+                </a:cxn>
+                <a:cxn ang="0">
+                  <a:pos x="connsiteX9" y="connsiteY9"/>
+                </a:cxn>
+              </a:cxnLst>
+              <a:rect l="l" t="t" r="r" b="b"/>
+              <a:pathLst>
+                <a:path w="129539" h="152400">
+                  <a:moveTo>
+                    <a:pt x="64770" y="68580"/>
+                  </a:moveTo>
+                  <a:cubicBezTo>
+                    <a:pt x="67056" y="71196"/>
+                    <a:pt x="69432" y="73737"/>
+                    <a:pt x="71895" y="76200"/>
+                  </a:cubicBezTo>
+                  <a:cubicBezTo>
+                    <a:pt x="69432" y="78638"/>
+                    <a:pt x="67056" y="81178"/>
+                    <a:pt x="64770" y="83820"/>
+                  </a:cubicBezTo>
+                  <a:cubicBezTo>
+                    <a:pt x="62484" y="81204"/>
+                    <a:pt x="60108" y="78663"/>
+                    <a:pt x="57645" y="76200"/>
+                  </a:cubicBezTo>
+                  <a:cubicBezTo>
+                    <a:pt x="60108" y="73762"/>
+                    <a:pt x="62484" y="71222"/>
+                    <a:pt x="64770" y="68580"/>
+                  </a:cubicBezTo>
+                  <a:close/>
+                  <a:moveTo>
+                    <a:pt x="64770" y="0"/>
+                  </a:moveTo>
+                  <a:cubicBezTo>
+                    <a:pt x="55592" y="33772"/>
+                    <a:pt x="31852" y="61701"/>
+                    <a:pt x="0" y="76200"/>
+                  </a:cubicBezTo>
+                  <a:cubicBezTo>
+                    <a:pt x="31852" y="90699"/>
+                    <a:pt x="55592" y="118628"/>
+                    <a:pt x="64770" y="152400"/>
+                  </a:cubicBezTo>
+                  <a:cubicBezTo>
+                    <a:pt x="73948" y="118628"/>
+                    <a:pt x="97688" y="90699"/>
+                    <a:pt x="129540" y="76200"/>
+                  </a:cubicBezTo>
+                  <a:cubicBezTo>
+                    <a:pt x="97688" y="61701"/>
+                    <a:pt x="73948" y="33772"/>
+                    <a:pt x="64770" y="0"/>
+                  </a:cubicBezTo>
+                  <a:close/>
+                </a:path>
+              </a:pathLst>
+            </a:custGeom>
+            <a:noFill/>
+            <a:ln w="19050" cap="flat">
+              <a:solidFill>
+                <a:srgbClr val="0000FF"/>
+              </a:solidFill>
+              <a:prstDash val="solid"/>
+              <a:miter/>
+            </a:ln>
+          </p:spPr>
+          <p:txBody>
+            <a:bodyPr rtlCol="0" anchor="ctr"/>
+            <a:lstStyle/>
+            <a:p>
+              <a:endParaRPr lang="en-US" dirty="0"/>
+            </a:p>
+          </p:txBody>
+        </p:sp>
+        <p:sp>
+          <p:nvSpPr>
+            <p:cNvPr id="26" name="任意多边形: 形状 21">
+              <a:extLst>
+                <a:ext uri="{FF2B5EF4-FFF2-40B4-BE49-F238E27FC236}">
+                  <a16:creationId xmlns:a16="http://schemas.microsoft.com/office/drawing/2014/main" id="{1951CC55-E7B9-55A4-AC3F-8EB170A28DBF}"/>
+                </a:ext>
+              </a:extLst>
+            </p:cNvPr>
+            <p:cNvSpPr>
+              <a:spLocks noChangeAspect="1"/>
+            </p:cNvSpPr>
+            <p:nvPr/>
+          </p:nvSpPr>
+          <p:spPr>
+            <a:xfrm>
+              <a:off x="5973987" y="6983667"/>
+              <a:ext cx="733230" cy="828975"/>
+            </a:xfrm>
+            <a:custGeom>
+              <a:avLst/>
+              <a:gdLst>
+                <a:gd name="connsiteX0" fmla="*/ 72390 w 144779"/>
+                <a:gd name="connsiteY0" fmla="*/ 74847 h 171450"/>
+                <a:gd name="connsiteX1" fmla="*/ 82467 w 144779"/>
+                <a:gd name="connsiteY1" fmla="*/ 85725 h 171450"/>
+                <a:gd name="connsiteX2" fmla="*/ 72390 w 144779"/>
+                <a:gd name="connsiteY2" fmla="*/ 96603 h 171450"/>
+                <a:gd name="connsiteX3" fmla="*/ 62313 w 144779"/>
+                <a:gd name="connsiteY3" fmla="*/ 85725 h 171450"/>
+                <a:gd name="connsiteX4" fmla="*/ 72390 w 144779"/>
+                <a:gd name="connsiteY4" fmla="*/ 74847 h 171450"/>
+                <a:gd name="connsiteX5" fmla="*/ 72390 w 144779"/>
+                <a:gd name="connsiteY5" fmla="*/ 0 h 171450"/>
+                <a:gd name="connsiteX6" fmla="*/ 0 w 144779"/>
+                <a:gd name="connsiteY6" fmla="*/ 85725 h 171450"/>
+                <a:gd name="connsiteX7" fmla="*/ 72390 w 144779"/>
+                <a:gd name="connsiteY7" fmla="*/ 171450 h 171450"/>
+                <a:gd name="connsiteX8" fmla="*/ 144780 w 144779"/>
+                <a:gd name="connsiteY8" fmla="*/ 85725 h 171450"/>
+                <a:gd name="connsiteX9" fmla="*/ 72390 w 144779"/>
+                <a:gd name="connsiteY9" fmla="*/ 0 h 171450"/>
+              </a:gdLst>
+              <a:ahLst/>
+              <a:cxnLst>
+                <a:cxn ang="0">
+                  <a:pos x="connsiteX0" y="connsiteY0"/>
+                </a:cxn>
+                <a:cxn ang="0">
+                  <a:pos x="connsiteX1" y="connsiteY1"/>
+                </a:cxn>
+                <a:cxn ang="0">
+                  <a:pos x="connsiteX2" y="connsiteY2"/>
+                </a:cxn>
+                <a:cxn ang="0">
+                  <a:pos x="connsiteX3" y="connsiteY3"/>
+                </a:cxn>
+                <a:cxn ang="0">
+                  <a:pos x="connsiteX4" y="connsiteY4"/>
+                </a:cxn>
+                <a:cxn ang="0">
+                  <a:pos x="connsiteX5" y="connsiteY5"/>
+                </a:cxn>
+                <a:cxn ang="0">
+                  <a:pos x="connsiteX6" y="connsiteY6"/>
+                </a:cxn>
+                <a:cxn ang="0">
+                  <a:pos x="connsiteX7" y="connsiteY7"/>
+                </a:cxn>
+                <a:cxn ang="0">
+                  <a:pos x="connsiteX8" y="connsiteY8"/>
+                </a:cxn>
+                <a:cxn ang="0">
+                  <a:pos x="connsiteX9" y="connsiteY9"/>
+                </a:cxn>
+              </a:cxnLst>
+              <a:rect l="l" t="t" r="r" b="b"/>
+              <a:pathLst>
+                <a:path w="144779" h="171450">
+                  <a:moveTo>
+                    <a:pt x="72390" y="74847"/>
+                  </a:moveTo>
+                  <a:cubicBezTo>
+                    <a:pt x="75590" y="78657"/>
+                    <a:pt x="78962" y="82258"/>
+                    <a:pt x="82467" y="85725"/>
+                  </a:cubicBezTo>
+                  <a:cubicBezTo>
+                    <a:pt x="78962" y="89192"/>
+                    <a:pt x="75590" y="92831"/>
+                    <a:pt x="72390" y="96603"/>
+                  </a:cubicBezTo>
+                  <a:cubicBezTo>
+                    <a:pt x="69190" y="92793"/>
+                    <a:pt x="65818" y="89192"/>
+                    <a:pt x="62313" y="85725"/>
+                  </a:cubicBezTo>
+                  <a:cubicBezTo>
+                    <a:pt x="65818" y="82258"/>
+                    <a:pt x="69190" y="78619"/>
+                    <a:pt x="72390" y="74847"/>
+                  </a:cubicBezTo>
+                  <a:close/>
+                  <a:moveTo>
+                    <a:pt x="72390" y="0"/>
+                  </a:moveTo>
+                  <a:cubicBezTo>
+                    <a:pt x="61787" y="37696"/>
+                    <a:pt x="35387" y="68957"/>
+                    <a:pt x="0" y="85725"/>
+                  </a:cubicBezTo>
+                  <a:cubicBezTo>
+                    <a:pt x="35387" y="102493"/>
+                    <a:pt x="61787" y="133754"/>
+                    <a:pt x="72390" y="171450"/>
+                  </a:cubicBezTo>
+                  <a:cubicBezTo>
+                    <a:pt x="82993" y="133754"/>
+                    <a:pt x="109393" y="102493"/>
+                    <a:pt x="144780" y="85725"/>
+                  </a:cubicBezTo>
+                  <a:cubicBezTo>
+                    <a:pt x="109393" y="68957"/>
+                    <a:pt x="82993" y="37696"/>
+                    <a:pt x="72390" y="0"/>
+                  </a:cubicBezTo>
+                  <a:close/>
+                </a:path>
+              </a:pathLst>
+            </a:custGeom>
+            <a:solidFill>
+              <a:srgbClr val="000000"/>
+            </a:solidFill>
+            <a:ln w="19050" cap="flat">
+              <a:solidFill>
+                <a:srgbClr val="00FF00"/>
+              </a:solidFill>
+              <a:prstDash val="solid"/>
+              <a:miter/>
+            </a:ln>
+          </p:spPr>
+          <p:txBody>
+            <a:bodyPr rtlCol="0" anchor="ctr"/>
+            <a:lstStyle/>
+            <a:p>
+              <a:endParaRPr lang="en-US" dirty="0"/>
+            </a:p>
+          </p:txBody>
+        </p:sp>
+        <p:sp>
+          <p:nvSpPr>
+            <p:cNvPr id="65" name="任意多边形: 形状 20">
+              <a:extLst>
+                <a:ext uri="{FF2B5EF4-FFF2-40B4-BE49-F238E27FC236}">
+                  <a16:creationId xmlns:a16="http://schemas.microsoft.com/office/drawing/2014/main" id="{D4596121-DDFD-0BC3-BE3D-42F1031F35F9}"/>
+                </a:ext>
+              </a:extLst>
+            </p:cNvPr>
+            <p:cNvSpPr/>
+            <p:nvPr/>
+          </p:nvSpPr>
+          <p:spPr>
+            <a:xfrm>
+              <a:off x="7244482" y="10441166"/>
+              <a:ext cx="850511" cy="959619"/>
+            </a:xfrm>
+            <a:custGeom>
+              <a:avLst/>
+              <a:gdLst>
+                <a:gd name="connsiteX0" fmla="*/ 104775 w 209550"/>
+                <a:gd name="connsiteY0" fmla="*/ 85896 h 247650"/>
+                <a:gd name="connsiteX1" fmla="*/ 140170 w 209550"/>
+                <a:gd name="connsiteY1" fmla="*/ 123825 h 247650"/>
+                <a:gd name="connsiteX2" fmla="*/ 104775 w 209550"/>
+                <a:gd name="connsiteY2" fmla="*/ 161754 h 247650"/>
+                <a:gd name="connsiteX3" fmla="*/ 69380 w 209550"/>
+                <a:gd name="connsiteY3" fmla="*/ 123825 h 247650"/>
+                <a:gd name="connsiteX4" fmla="*/ 104775 w 209550"/>
+                <a:gd name="connsiteY4" fmla="*/ 85896 h 247650"/>
+                <a:gd name="connsiteX5" fmla="*/ 104775 w 209550"/>
+                <a:gd name="connsiteY5" fmla="*/ 0 h 247650"/>
+                <a:gd name="connsiteX6" fmla="*/ 0 w 209550"/>
+                <a:gd name="connsiteY6" fmla="*/ 123825 h 247650"/>
+                <a:gd name="connsiteX7" fmla="*/ 104775 w 209550"/>
+                <a:gd name="connsiteY7" fmla="*/ 247650 h 247650"/>
+                <a:gd name="connsiteX8" fmla="*/ 209550 w 209550"/>
+                <a:gd name="connsiteY8" fmla="*/ 123825 h 247650"/>
+                <a:gd name="connsiteX9" fmla="*/ 104775 w 209550"/>
+                <a:gd name="connsiteY9" fmla="*/ 0 h 247650"/>
+              </a:gdLst>
+              <a:ahLst/>
+              <a:cxnLst>
+                <a:cxn ang="0">
+                  <a:pos x="connsiteX0" y="connsiteY0"/>
+                </a:cxn>
+                <a:cxn ang="0">
+                  <a:pos x="connsiteX1" y="connsiteY1"/>
+                </a:cxn>
+                <a:cxn ang="0">
+                  <a:pos x="connsiteX2" y="connsiteY2"/>
+                </a:cxn>
+                <a:cxn ang="0">
+                  <a:pos x="connsiteX3" y="connsiteY3"/>
+                </a:cxn>
+                <a:cxn ang="0">
+                  <a:pos x="connsiteX4" y="connsiteY4"/>
+                </a:cxn>
+                <a:cxn ang="0">
+                  <a:pos x="connsiteX5" y="connsiteY5"/>
+                </a:cxn>
+                <a:cxn ang="0">
+                  <a:pos x="connsiteX6" y="connsiteY6"/>
+                </a:cxn>
+                <a:cxn ang="0">
+                  <a:pos x="connsiteX7" y="connsiteY7"/>
+                </a:cxn>
+                <a:cxn ang="0">
+                  <a:pos x="connsiteX8" y="connsiteY8"/>
+                </a:cxn>
+                <a:cxn ang="0">
+                  <a:pos x="connsiteX9" y="connsiteY9"/>
+                </a:cxn>
+              </a:cxnLst>
+              <a:rect l="l" t="t" r="r" b="b"/>
+              <a:pathLst>
+                <a:path w="209550" h="247650">
+                  <a:moveTo>
+                    <a:pt x="104775" y="85896"/>
+                  </a:moveTo>
+                  <a:cubicBezTo>
+                    <a:pt x="115104" y="99835"/>
+                    <a:pt x="126978" y="112559"/>
+                    <a:pt x="140170" y="123825"/>
+                  </a:cubicBezTo>
+                  <a:cubicBezTo>
+                    <a:pt x="126978" y="135091"/>
+                    <a:pt x="115104" y="147815"/>
+                    <a:pt x="104775" y="161754"/>
+                  </a:cubicBezTo>
+                  <a:cubicBezTo>
+                    <a:pt x="94446" y="147815"/>
+                    <a:pt x="82572" y="135091"/>
+                    <a:pt x="69380" y="123825"/>
+                  </a:cubicBezTo>
+                  <a:cubicBezTo>
+                    <a:pt x="82572" y="112559"/>
+                    <a:pt x="94446" y="99835"/>
+                    <a:pt x="104775" y="85896"/>
+                  </a:cubicBezTo>
+                  <a:close/>
+                  <a:moveTo>
+                    <a:pt x="104775" y="0"/>
+                  </a:moveTo>
+                  <a:cubicBezTo>
+                    <a:pt x="89571" y="54576"/>
+                    <a:pt x="51306" y="99798"/>
+                    <a:pt x="0" y="123825"/>
+                  </a:cubicBezTo>
+                  <a:cubicBezTo>
+                    <a:pt x="51306" y="147853"/>
+                    <a:pt x="89571" y="193074"/>
+                    <a:pt x="104775" y="247650"/>
+                  </a:cubicBezTo>
+                  <a:cubicBezTo>
+                    <a:pt x="119979" y="193074"/>
+                    <a:pt x="158245" y="147853"/>
+                    <a:pt x="209550" y="123825"/>
+                  </a:cubicBezTo>
+                  <a:cubicBezTo>
+                    <a:pt x="158245" y="99798"/>
+                    <a:pt x="119979" y="54576"/>
+                    <a:pt x="104775" y="0"/>
+                  </a:cubicBezTo>
+                  <a:close/>
+                </a:path>
+              </a:pathLst>
+            </a:custGeom>
+            <a:solidFill>
+              <a:srgbClr val="000000"/>
+            </a:solidFill>
+            <a:ln w="19050" cap="flat">
+              <a:solidFill>
+                <a:srgbClr val="FF0000"/>
+              </a:solidFill>
+              <a:prstDash val="solid"/>
+              <a:miter/>
+            </a:ln>
+          </p:spPr>
+          <p:txBody>
+            <a:bodyPr rtlCol="0" anchor="ctr"/>
+            <a:lstStyle/>
+            <a:p>
+              <a:endParaRPr lang="en-US"/>
+            </a:p>
+          </p:txBody>
+        </p:sp>
+        <p:sp>
+          <p:nvSpPr>
+            <p:cNvPr id="66" name="任意多边形: 形状 23">
+              <a:extLst>
+                <a:ext uri="{FF2B5EF4-FFF2-40B4-BE49-F238E27FC236}">
+                  <a16:creationId xmlns:a16="http://schemas.microsoft.com/office/drawing/2014/main" id="{74F4FCAD-A6AB-3CB3-5E77-B0A775F0E7A7}"/>
+                </a:ext>
+              </a:extLst>
+            </p:cNvPr>
+            <p:cNvSpPr/>
+            <p:nvPr/>
+          </p:nvSpPr>
+          <p:spPr>
+            <a:xfrm>
+              <a:off x="8358453" y="7391203"/>
+              <a:ext cx="535427" cy="601386"/>
+            </a:xfrm>
+            <a:custGeom>
+              <a:avLst/>
+              <a:gdLst>
+                <a:gd name="connsiteX0" fmla="*/ 64770 w 129539"/>
+                <a:gd name="connsiteY0" fmla="*/ 68580 h 152400"/>
+                <a:gd name="connsiteX1" fmla="*/ 71895 w 129539"/>
+                <a:gd name="connsiteY1" fmla="*/ 76200 h 152400"/>
+                <a:gd name="connsiteX2" fmla="*/ 64770 w 129539"/>
+                <a:gd name="connsiteY2" fmla="*/ 83820 h 152400"/>
+                <a:gd name="connsiteX3" fmla="*/ 57645 w 129539"/>
+                <a:gd name="connsiteY3" fmla="*/ 76200 h 152400"/>
+                <a:gd name="connsiteX4" fmla="*/ 64770 w 129539"/>
+                <a:gd name="connsiteY4" fmla="*/ 68580 h 152400"/>
+                <a:gd name="connsiteX5" fmla="*/ 64770 w 129539"/>
+                <a:gd name="connsiteY5" fmla="*/ 0 h 152400"/>
+                <a:gd name="connsiteX6" fmla="*/ 0 w 129539"/>
+                <a:gd name="connsiteY6" fmla="*/ 76200 h 152400"/>
+                <a:gd name="connsiteX7" fmla="*/ 64770 w 129539"/>
+                <a:gd name="connsiteY7" fmla="*/ 152400 h 152400"/>
+                <a:gd name="connsiteX8" fmla="*/ 129540 w 129539"/>
+                <a:gd name="connsiteY8" fmla="*/ 76200 h 152400"/>
+                <a:gd name="connsiteX9" fmla="*/ 64770 w 129539"/>
+                <a:gd name="connsiteY9" fmla="*/ 0 h 152400"/>
+              </a:gdLst>
+              <a:ahLst/>
+              <a:cxnLst>
+                <a:cxn ang="0">
+                  <a:pos x="connsiteX0" y="connsiteY0"/>
+                </a:cxn>
+                <a:cxn ang="0">
+                  <a:pos x="connsiteX1" y="connsiteY1"/>
+                </a:cxn>
+                <a:cxn ang="0">
+                  <a:pos x="connsiteX2" y="connsiteY2"/>
+                </a:cxn>
+                <a:cxn ang="0">
+                  <a:pos x="connsiteX3" y="connsiteY3"/>
+                </a:cxn>
+                <a:cxn ang="0">
+                  <a:pos x="connsiteX4" y="connsiteY4"/>
+                </a:cxn>
+                <a:cxn ang="0">
+                  <a:pos x="connsiteX5" y="connsiteY5"/>
+                </a:cxn>
+                <a:cxn ang="0">
+                  <a:pos x="connsiteX6" y="connsiteY6"/>
+                </a:cxn>
+                <a:cxn ang="0">
+                  <a:pos x="connsiteX7" y="connsiteY7"/>
+                </a:cxn>
+                <a:cxn ang="0">
+                  <a:pos x="connsiteX8" y="connsiteY8"/>
+                </a:cxn>
+                <a:cxn ang="0">
+                  <a:pos x="connsiteX9" y="connsiteY9"/>
+                </a:cxn>
+              </a:cxnLst>
+              <a:rect l="l" t="t" r="r" b="b"/>
+              <a:pathLst>
+                <a:path w="129539" h="152400">
+                  <a:moveTo>
+                    <a:pt x="64770" y="68580"/>
+                  </a:moveTo>
+                  <a:cubicBezTo>
+                    <a:pt x="67056" y="71196"/>
+                    <a:pt x="69432" y="73737"/>
+                    <a:pt x="71895" y="76200"/>
+                  </a:cubicBezTo>
+                  <a:cubicBezTo>
+                    <a:pt x="69432" y="78638"/>
+                    <a:pt x="67056" y="81178"/>
+                    <a:pt x="64770" y="83820"/>
+                  </a:cubicBezTo>
+                  <a:cubicBezTo>
+                    <a:pt x="62484" y="81204"/>
+                    <a:pt x="60108" y="78663"/>
+                    <a:pt x="57645" y="76200"/>
+                  </a:cubicBezTo>
+                  <a:cubicBezTo>
+                    <a:pt x="60108" y="73762"/>
+                    <a:pt x="62484" y="71222"/>
+                    <a:pt x="64770" y="68580"/>
+                  </a:cubicBezTo>
+                  <a:close/>
+                  <a:moveTo>
+                    <a:pt x="64770" y="0"/>
+                  </a:moveTo>
+                  <a:cubicBezTo>
+                    <a:pt x="55592" y="33772"/>
+                    <a:pt x="31852" y="61701"/>
+                    <a:pt x="0" y="76200"/>
+                  </a:cubicBezTo>
+                  <a:cubicBezTo>
+                    <a:pt x="31852" y="90699"/>
+                    <a:pt x="55592" y="118628"/>
+                    <a:pt x="64770" y="152400"/>
+                  </a:cubicBezTo>
+                  <a:cubicBezTo>
+                    <a:pt x="73948" y="118628"/>
+                    <a:pt x="97688" y="90699"/>
+                    <a:pt x="129540" y="76200"/>
+                  </a:cubicBezTo>
+                  <a:cubicBezTo>
+                    <a:pt x="97688" y="61701"/>
+                    <a:pt x="73948" y="33772"/>
+                    <a:pt x="64770" y="0"/>
+                  </a:cubicBezTo>
+                  <a:close/>
+                </a:path>
+              </a:pathLst>
+            </a:custGeom>
+            <a:noFill/>
+            <a:ln w="19050" cap="flat">
+              <a:solidFill>
+                <a:srgbClr val="0000FF"/>
+              </a:solidFill>
+              <a:prstDash val="solid"/>
+              <a:miter/>
+            </a:ln>
+          </p:spPr>
+          <p:txBody>
+            <a:bodyPr rtlCol="0" anchor="ctr"/>
+            <a:lstStyle/>
+            <a:p>
+              <a:endParaRPr lang="en-US" dirty="0"/>
+            </a:p>
+          </p:txBody>
+        </p:sp>
+      </p:grpSp>
+    </p:spTree>
+    <p:extLst>
+      <p:ext uri="{BB962C8B-B14F-4D97-AF65-F5344CB8AC3E}">
+        <p14:creationId xmlns:p14="http://schemas.microsoft.com/office/powerpoint/2010/main" val="3297367647"/>
+      </p:ext>
+    </p:extLst>
+  </p:cSld>
+  <p:clrMapOvr>
+    <a:masterClrMapping/>
+  </p:clrMapOvr>
+</p:sld>
+</file>
+
+<file path=ppt/slides/slide4.xml><?xml version="1.0" encoding="utf-8"?>
 <p:sld xmlns:a="http://schemas.openxmlformats.org/drawingml/2006/main" xmlns:r="http://schemas.openxmlformats.org/officeDocument/2006/relationships" xmlns:p="http://schemas.openxmlformats.org/presentationml/2006/main">
   <p:cSld>
     <p:bg>

--- a/FFT of imgs/planets_h16.pptx
+++ b/FFT of imgs/planets_h16.pptx
@@ -8,7 +8,9 @@
     <p:sldId id="256" r:id="rId2"/>
     <p:sldId id="257" r:id="rId3"/>
     <p:sldId id="259" r:id="rId4"/>
-    <p:sldId id="258" r:id="rId5"/>
+    <p:sldId id="260" r:id="rId5"/>
+    <p:sldId id="261" r:id="rId6"/>
+    <p:sldId id="258" r:id="rId7"/>
   </p:sldIdLst>
   <p:sldSz cx="18288000" cy="18288000"/>
   <p:notesSz cx="6858000" cy="9144000"/>
@@ -257,7 +259,7 @@
           <a:p>
             <a:fld id="{52ED90DB-C377-4650-A7C6-CE3C48B67D95}" type="datetimeFigureOut">
               <a:rPr lang="en-US" smtClean="0"/>
-              <a:t>11/11/2024</a:t>
+              <a:t>11/13/2024</a:t>
             </a:fld>
             <a:endParaRPr lang="en-US"/>
           </a:p>
@@ -427,7 +429,7 @@
           <a:p>
             <a:fld id="{52ED90DB-C377-4650-A7C6-CE3C48B67D95}" type="datetimeFigureOut">
               <a:rPr lang="en-US" smtClean="0"/>
-              <a:t>11/11/2024</a:t>
+              <a:t>11/13/2024</a:t>
             </a:fld>
             <a:endParaRPr lang="en-US"/>
           </a:p>
@@ -607,7 +609,7 @@
           <a:p>
             <a:fld id="{52ED90DB-C377-4650-A7C6-CE3C48B67D95}" type="datetimeFigureOut">
               <a:rPr lang="en-US" smtClean="0"/>
-              <a:t>11/11/2024</a:t>
+              <a:t>11/13/2024</a:t>
             </a:fld>
             <a:endParaRPr lang="en-US"/>
           </a:p>
@@ -777,7 +779,7 @@
           <a:p>
             <a:fld id="{52ED90DB-C377-4650-A7C6-CE3C48B67D95}" type="datetimeFigureOut">
               <a:rPr lang="en-US" smtClean="0"/>
-              <a:t>11/11/2024</a:t>
+              <a:t>11/13/2024</a:t>
             </a:fld>
             <a:endParaRPr lang="en-US"/>
           </a:p>
@@ -1023,7 +1025,7 @@
           <a:p>
             <a:fld id="{52ED90DB-C377-4650-A7C6-CE3C48B67D95}" type="datetimeFigureOut">
               <a:rPr lang="en-US" smtClean="0"/>
-              <a:t>11/11/2024</a:t>
+              <a:t>11/13/2024</a:t>
             </a:fld>
             <a:endParaRPr lang="en-US"/>
           </a:p>
@@ -1255,7 +1257,7 @@
           <a:p>
             <a:fld id="{52ED90DB-C377-4650-A7C6-CE3C48B67D95}" type="datetimeFigureOut">
               <a:rPr lang="en-US" smtClean="0"/>
-              <a:t>11/11/2024</a:t>
+              <a:t>11/13/2024</a:t>
             </a:fld>
             <a:endParaRPr lang="en-US"/>
           </a:p>
@@ -1622,7 +1624,7 @@
           <a:p>
             <a:fld id="{52ED90DB-C377-4650-A7C6-CE3C48B67D95}" type="datetimeFigureOut">
               <a:rPr lang="en-US" smtClean="0"/>
-              <a:t>11/11/2024</a:t>
+              <a:t>11/13/2024</a:t>
             </a:fld>
             <a:endParaRPr lang="en-US"/>
           </a:p>
@@ -1740,7 +1742,7 @@
           <a:p>
             <a:fld id="{52ED90DB-C377-4650-A7C6-CE3C48B67D95}" type="datetimeFigureOut">
               <a:rPr lang="en-US" smtClean="0"/>
-              <a:t>11/11/2024</a:t>
+              <a:t>11/13/2024</a:t>
             </a:fld>
             <a:endParaRPr lang="en-US"/>
           </a:p>
@@ -1835,7 +1837,7 @@
           <a:p>
             <a:fld id="{52ED90DB-C377-4650-A7C6-CE3C48B67D95}" type="datetimeFigureOut">
               <a:rPr lang="en-US" smtClean="0"/>
-              <a:t>11/11/2024</a:t>
+              <a:t>11/13/2024</a:t>
             </a:fld>
             <a:endParaRPr lang="en-US"/>
           </a:p>
@@ -2112,7 +2114,7 @@
           <a:p>
             <a:fld id="{52ED90DB-C377-4650-A7C6-CE3C48B67D95}" type="datetimeFigureOut">
               <a:rPr lang="en-US" smtClean="0"/>
-              <a:t>11/11/2024</a:t>
+              <a:t>11/13/2024</a:t>
             </a:fld>
             <a:endParaRPr lang="en-US"/>
           </a:p>
@@ -2369,7 +2371,7 @@
           <a:p>
             <a:fld id="{52ED90DB-C377-4650-A7C6-CE3C48B67D95}" type="datetimeFigureOut">
               <a:rPr lang="en-US" smtClean="0"/>
-              <a:t>11/11/2024</a:t>
+              <a:t>11/13/2024</a:t>
             </a:fld>
             <a:endParaRPr lang="en-US"/>
           </a:p>
@@ -2582,7 +2584,7 @@
           <a:p>
             <a:fld id="{52ED90DB-C377-4650-A7C6-CE3C48B67D95}" type="datetimeFigureOut">
               <a:rPr lang="en-US" smtClean="0"/>
-              <a:t>11/11/2024</a:t>
+              <a:t>11/13/2024</a:t>
             </a:fld>
             <a:endParaRPr lang="en-US"/>
           </a:p>
@@ -6531,9 +6533,9 @@
         <p:grpSpPr>
           <a:xfrm>
             <a:off x="5104685" y="6327088"/>
-            <a:ext cx="7572881" cy="7200000"/>
+            <a:ext cx="7303198" cy="6098446"/>
             <a:chOff x="5706264" y="6712098"/>
-            <a:chExt cx="6437290" cy="6120324"/>
+            <a:chExt cx="6208047" cy="5183953"/>
           </a:xfrm>
         </p:grpSpPr>
         <p:pic>
@@ -6564,8 +6566,8 @@
           </p:blipFill>
           <p:spPr>
             <a:xfrm rot="691476">
-              <a:off x="8147554" y="8836422"/>
-              <a:ext cx="3996000" cy="3996000"/>
+              <a:off x="8630989" y="8928542"/>
+              <a:ext cx="2967510" cy="2967509"/>
             </a:xfrm>
             <a:prstGeom prst="rect">
               <a:avLst/>
@@ -9892,6 +9894,7312 @@
 </file>
 
 <file path=ppt/slides/slide4.xml><?xml version="1.0" encoding="utf-8"?>
+<p:sld xmlns:a="http://schemas.openxmlformats.org/drawingml/2006/main" xmlns:r="http://schemas.openxmlformats.org/officeDocument/2006/relationships" xmlns:p="http://schemas.openxmlformats.org/presentationml/2006/main">
+  <p:cSld>
+    <p:bg>
+      <p:bgPr>
+        <a:solidFill>
+          <a:schemeClr val="tx1"/>
+        </a:solidFill>
+        <a:effectLst/>
+      </p:bgPr>
+    </p:bg>
+    <p:spTree>
+      <p:nvGrpSpPr>
+        <p:cNvPr id="1" name="">
+          <a:extLst>
+            <a:ext uri="{FF2B5EF4-FFF2-40B4-BE49-F238E27FC236}">
+              <a16:creationId xmlns:a16="http://schemas.microsoft.com/office/drawing/2014/main" id="{3078C60B-B1DC-0534-ED8D-5483EE42B3CB}"/>
+            </a:ext>
+          </a:extLst>
+        </p:cNvPr>
+        <p:cNvGrpSpPr/>
+        <p:nvPr/>
+      </p:nvGrpSpPr>
+      <p:grpSpPr>
+        <a:xfrm>
+          <a:off x="0" y="0"/>
+          <a:ext cx="0" cy="0"/>
+          <a:chOff x="0" y="0"/>
+          <a:chExt cx="0" cy="0"/>
+        </a:xfrm>
+      </p:grpSpPr>
+      <p:grpSp>
+        <p:nvGrpSpPr>
+          <p:cNvPr id="67" name="Group 66">
+            <a:extLst>
+              <a:ext uri="{FF2B5EF4-FFF2-40B4-BE49-F238E27FC236}">
+                <a16:creationId xmlns:a16="http://schemas.microsoft.com/office/drawing/2014/main" id="{5EA469BD-0D81-EBEA-11FA-4F8809025764}"/>
+              </a:ext>
+            </a:extLst>
+          </p:cNvPr>
+          <p:cNvGrpSpPr>
+            <a:grpSpLocks noChangeAspect="1"/>
+          </p:cNvGrpSpPr>
+          <p:nvPr/>
+        </p:nvGrpSpPr>
+        <p:grpSpPr>
+          <a:xfrm>
+            <a:off x="5104685" y="6327088"/>
+            <a:ext cx="7303198" cy="6098446"/>
+            <a:chOff x="5706264" y="6712098"/>
+            <a:chExt cx="6208047" cy="5183953"/>
+          </a:xfrm>
+        </p:grpSpPr>
+        <p:pic>
+          <p:nvPicPr>
+            <p:cNvPr id="3" name="Graphic 2" descr="Uranus outline">
+              <a:extLst>
+                <a:ext uri="{FF2B5EF4-FFF2-40B4-BE49-F238E27FC236}">
+                  <a16:creationId xmlns:a16="http://schemas.microsoft.com/office/drawing/2014/main" id="{ECFCB5FC-A6DB-374A-A84D-B005BF892897}"/>
+                </a:ext>
+              </a:extLst>
+            </p:cNvPr>
+            <p:cNvPicPr>
+              <a:picLocks noChangeAspect="1"/>
+            </p:cNvPicPr>
+            <p:nvPr/>
+          </p:nvPicPr>
+          <p:blipFill>
+            <a:blip r:embed="rId2">
+              <a:extLst>
+                <a:ext uri="{96DAC541-7B7A-43D3-8B79-37D633B846F1}">
+                  <asvg:svgBlip xmlns:asvg="http://schemas.microsoft.com/office/drawing/2016/SVG/main" r:embed="rId3"/>
+                </a:ext>
+              </a:extLst>
+            </a:blip>
+            <a:stretch>
+              <a:fillRect/>
+            </a:stretch>
+          </p:blipFill>
+          <p:spPr>
+            <a:xfrm rot="691476">
+              <a:off x="8630989" y="8928542"/>
+              <a:ext cx="2967510" cy="2967509"/>
+            </a:xfrm>
+            <a:prstGeom prst="rect">
+              <a:avLst/>
+            </a:prstGeom>
+          </p:spPr>
+        </p:pic>
+        <p:grpSp>
+          <p:nvGrpSpPr>
+            <p:cNvPr id="48" name="Graphic 24" descr="Mercury outline">
+              <a:extLst>
+                <a:ext uri="{FF2B5EF4-FFF2-40B4-BE49-F238E27FC236}">
+                  <a16:creationId xmlns:a16="http://schemas.microsoft.com/office/drawing/2014/main" id="{7530F9B9-81AF-FAD0-9659-8E423A1105A7}"/>
+                </a:ext>
+              </a:extLst>
+            </p:cNvPr>
+            <p:cNvGrpSpPr/>
+            <p:nvPr/>
+          </p:nvGrpSpPr>
+          <p:grpSpPr>
+            <a:xfrm>
+              <a:off x="9577139" y="6712098"/>
+              <a:ext cx="2337172" cy="2337172"/>
+              <a:chOff x="9496185" y="6584541"/>
+              <a:chExt cx="2295000" cy="2295000"/>
+            </a:xfrm>
+            <a:solidFill>
+              <a:srgbClr val="000000"/>
+            </a:solidFill>
+          </p:grpSpPr>
+          <p:sp>
+            <p:nvSpPr>
+              <p:cNvPr id="49" name="Freeform: Shape 48">
+                <a:extLst>
+                  <a:ext uri="{FF2B5EF4-FFF2-40B4-BE49-F238E27FC236}">
+                    <a16:creationId xmlns:a16="http://schemas.microsoft.com/office/drawing/2014/main" id="{374EC726-5319-CACC-E104-4718540B7DDF}"/>
+                  </a:ext>
+                </a:extLst>
+              </p:cNvPr>
+              <p:cNvSpPr/>
+              <p:nvPr/>
+            </p:nvSpPr>
+            <p:spPr>
+              <a:xfrm>
+                <a:off x="9496185" y="6584541"/>
+                <a:ext cx="2295000" cy="2295000"/>
+              </a:xfrm>
+              <a:custGeom>
+                <a:avLst/>
+                <a:gdLst>
+                  <a:gd name="connsiteX0" fmla="*/ 1147500 w 2295000"/>
+                  <a:gd name="connsiteY0" fmla="*/ 67500 h 2295000"/>
+                  <a:gd name="connsiteX1" fmla="*/ 2227500 w 2295000"/>
+                  <a:gd name="connsiteY1" fmla="*/ 1147500 h 2295000"/>
+                  <a:gd name="connsiteX2" fmla="*/ 1147500 w 2295000"/>
+                  <a:gd name="connsiteY2" fmla="*/ 2227500 h 2295000"/>
+                  <a:gd name="connsiteX3" fmla="*/ 67500 w 2295000"/>
+                  <a:gd name="connsiteY3" fmla="*/ 1147500 h 2295000"/>
+                  <a:gd name="connsiteX4" fmla="*/ 1147500 w 2295000"/>
+                  <a:gd name="connsiteY4" fmla="*/ 67500 h 2295000"/>
+                  <a:gd name="connsiteX5" fmla="*/ 1147500 w 2295000"/>
+                  <a:gd name="connsiteY5" fmla="*/ 0 h 2295000"/>
+                  <a:gd name="connsiteX6" fmla="*/ 0 w 2295000"/>
+                  <a:gd name="connsiteY6" fmla="*/ 1147500 h 2295000"/>
+                  <a:gd name="connsiteX7" fmla="*/ 1147500 w 2295000"/>
+                  <a:gd name="connsiteY7" fmla="*/ 2295000 h 2295000"/>
+                  <a:gd name="connsiteX8" fmla="*/ 2295000 w 2295000"/>
+                  <a:gd name="connsiteY8" fmla="*/ 1147500 h 2295000"/>
+                  <a:gd name="connsiteX9" fmla="*/ 1147500 w 2295000"/>
+                  <a:gd name="connsiteY9" fmla="*/ 0 h 2295000"/>
+                </a:gdLst>
+                <a:ahLst/>
+                <a:cxnLst>
+                  <a:cxn ang="0">
+                    <a:pos x="connsiteX0" y="connsiteY0"/>
+                  </a:cxn>
+                  <a:cxn ang="0">
+                    <a:pos x="connsiteX1" y="connsiteY1"/>
+                  </a:cxn>
+                  <a:cxn ang="0">
+                    <a:pos x="connsiteX2" y="connsiteY2"/>
+                  </a:cxn>
+                  <a:cxn ang="0">
+                    <a:pos x="connsiteX3" y="connsiteY3"/>
+                  </a:cxn>
+                  <a:cxn ang="0">
+                    <a:pos x="connsiteX4" y="connsiteY4"/>
+                  </a:cxn>
+                  <a:cxn ang="0">
+                    <a:pos x="connsiteX5" y="connsiteY5"/>
+                  </a:cxn>
+                  <a:cxn ang="0">
+                    <a:pos x="connsiteX6" y="connsiteY6"/>
+                  </a:cxn>
+                  <a:cxn ang="0">
+                    <a:pos x="connsiteX7" y="connsiteY7"/>
+                  </a:cxn>
+                  <a:cxn ang="0">
+                    <a:pos x="connsiteX8" y="connsiteY8"/>
+                  </a:cxn>
+                  <a:cxn ang="0">
+                    <a:pos x="connsiteX9" y="connsiteY9"/>
+                  </a:cxn>
+                </a:cxnLst>
+                <a:rect l="l" t="t" r="r" b="b"/>
+                <a:pathLst>
+                  <a:path w="2295000" h="2295000">
+                    <a:moveTo>
+                      <a:pt x="1147500" y="67500"/>
+                    </a:moveTo>
+                    <a:cubicBezTo>
+                      <a:pt x="1743967" y="67500"/>
+                      <a:pt x="2227500" y="551033"/>
+                      <a:pt x="2227500" y="1147500"/>
+                    </a:cubicBezTo>
+                    <a:cubicBezTo>
+                      <a:pt x="2227500" y="1743967"/>
+                      <a:pt x="1743967" y="2227500"/>
+                      <a:pt x="1147500" y="2227500"/>
+                    </a:cubicBezTo>
+                    <a:cubicBezTo>
+                      <a:pt x="551033" y="2227500"/>
+                      <a:pt x="67500" y="1743967"/>
+                      <a:pt x="67500" y="1147500"/>
+                    </a:cubicBezTo>
+                    <a:cubicBezTo>
+                      <a:pt x="68168" y="551310"/>
+                      <a:pt x="551310" y="68168"/>
+                      <a:pt x="1147500" y="67500"/>
+                    </a:cubicBezTo>
+                    <a:moveTo>
+                      <a:pt x="1147500" y="0"/>
+                    </a:moveTo>
+                    <a:cubicBezTo>
+                      <a:pt x="513753" y="0"/>
+                      <a:pt x="0" y="513753"/>
+                      <a:pt x="0" y="1147500"/>
+                    </a:cubicBezTo>
+                    <a:cubicBezTo>
+                      <a:pt x="0" y="1781248"/>
+                      <a:pt x="513753" y="2295000"/>
+                      <a:pt x="1147500" y="2295000"/>
+                    </a:cubicBezTo>
+                    <a:cubicBezTo>
+                      <a:pt x="1781248" y="2295000"/>
+                      <a:pt x="2295000" y="1781248"/>
+                      <a:pt x="2295000" y="1147500"/>
+                    </a:cubicBezTo>
+                    <a:cubicBezTo>
+                      <a:pt x="2294295" y="514046"/>
+                      <a:pt x="1780954" y="705"/>
+                      <a:pt x="1147500" y="0"/>
+                    </a:cubicBezTo>
+                    <a:close/>
+                  </a:path>
+                </a:pathLst>
+              </a:custGeom>
+              <a:solidFill>
+                <a:srgbClr val="000000"/>
+              </a:solidFill>
+              <a:ln w="19050" cap="flat">
+                <a:solidFill>
+                  <a:srgbClr val="00FF00"/>
+                </a:solidFill>
+                <a:prstDash val="solid"/>
+                <a:miter/>
+              </a:ln>
+            </p:spPr>
+            <p:txBody>
+              <a:bodyPr rtlCol="0" anchor="ctr"/>
+              <a:lstStyle/>
+              <a:p>
+                <a:endParaRPr lang="es-ES"/>
+              </a:p>
+            </p:txBody>
+          </p:sp>
+          <p:sp>
+            <p:nvSpPr>
+              <p:cNvPr id="50" name="Freeform: Shape 49">
+                <a:extLst>
+                  <a:ext uri="{FF2B5EF4-FFF2-40B4-BE49-F238E27FC236}">
+                    <a16:creationId xmlns:a16="http://schemas.microsoft.com/office/drawing/2014/main" id="{95C57D04-8EB4-3058-BCCD-DC76354E9361}"/>
+                  </a:ext>
+                </a:extLst>
+              </p:cNvPr>
+              <p:cNvSpPr/>
+              <p:nvPr/>
+            </p:nvSpPr>
+            <p:spPr>
+              <a:xfrm>
+                <a:off x="9884310" y="7166627"/>
+                <a:ext cx="405000" cy="405000"/>
+              </a:xfrm>
+              <a:custGeom>
+                <a:avLst/>
+                <a:gdLst>
+                  <a:gd name="connsiteX0" fmla="*/ 202500 w 405000"/>
+                  <a:gd name="connsiteY0" fmla="*/ 405000 h 405000"/>
+                  <a:gd name="connsiteX1" fmla="*/ 0 w 405000"/>
+                  <a:gd name="connsiteY1" fmla="*/ 202500 h 405000"/>
+                  <a:gd name="connsiteX2" fmla="*/ 202500 w 405000"/>
+                  <a:gd name="connsiteY2" fmla="*/ 0 h 405000"/>
+                  <a:gd name="connsiteX3" fmla="*/ 405000 w 405000"/>
+                  <a:gd name="connsiteY3" fmla="*/ 202500 h 405000"/>
+                  <a:gd name="connsiteX4" fmla="*/ 202500 w 405000"/>
+                  <a:gd name="connsiteY4" fmla="*/ 405000 h 405000"/>
+                  <a:gd name="connsiteX5" fmla="*/ 202500 w 405000"/>
+                  <a:gd name="connsiteY5" fmla="*/ 67500 h 405000"/>
+                  <a:gd name="connsiteX6" fmla="*/ 67500 w 405000"/>
+                  <a:gd name="connsiteY6" fmla="*/ 202500 h 405000"/>
+                  <a:gd name="connsiteX7" fmla="*/ 202500 w 405000"/>
+                  <a:gd name="connsiteY7" fmla="*/ 337500 h 405000"/>
+                  <a:gd name="connsiteX8" fmla="*/ 337500 w 405000"/>
+                  <a:gd name="connsiteY8" fmla="*/ 202500 h 405000"/>
+                  <a:gd name="connsiteX9" fmla="*/ 202500 w 405000"/>
+                  <a:gd name="connsiteY9" fmla="*/ 67500 h 405000"/>
+                </a:gdLst>
+                <a:ahLst/>
+                <a:cxnLst>
+                  <a:cxn ang="0">
+                    <a:pos x="connsiteX0" y="connsiteY0"/>
+                  </a:cxn>
+                  <a:cxn ang="0">
+                    <a:pos x="connsiteX1" y="connsiteY1"/>
+                  </a:cxn>
+                  <a:cxn ang="0">
+                    <a:pos x="connsiteX2" y="connsiteY2"/>
+                  </a:cxn>
+                  <a:cxn ang="0">
+                    <a:pos x="connsiteX3" y="connsiteY3"/>
+                  </a:cxn>
+                  <a:cxn ang="0">
+                    <a:pos x="connsiteX4" y="connsiteY4"/>
+                  </a:cxn>
+                  <a:cxn ang="0">
+                    <a:pos x="connsiteX5" y="connsiteY5"/>
+                  </a:cxn>
+                  <a:cxn ang="0">
+                    <a:pos x="connsiteX6" y="connsiteY6"/>
+                  </a:cxn>
+                  <a:cxn ang="0">
+                    <a:pos x="connsiteX7" y="connsiteY7"/>
+                  </a:cxn>
+                  <a:cxn ang="0">
+                    <a:pos x="connsiteX8" y="connsiteY8"/>
+                  </a:cxn>
+                  <a:cxn ang="0">
+                    <a:pos x="connsiteX9" y="connsiteY9"/>
+                  </a:cxn>
+                </a:cxnLst>
+                <a:rect l="l" t="t" r="r" b="b"/>
+                <a:pathLst>
+                  <a:path w="405000" h="405000">
+                    <a:moveTo>
+                      <a:pt x="202500" y="405000"/>
+                    </a:moveTo>
+                    <a:cubicBezTo>
+                      <a:pt x="90663" y="405000"/>
+                      <a:pt x="0" y="314337"/>
+                      <a:pt x="0" y="202500"/>
+                    </a:cubicBezTo>
+                    <a:cubicBezTo>
+                      <a:pt x="0" y="90663"/>
+                      <a:pt x="90663" y="0"/>
+                      <a:pt x="202500" y="0"/>
+                    </a:cubicBezTo>
+                    <a:cubicBezTo>
+                      <a:pt x="314337" y="0"/>
+                      <a:pt x="405000" y="90663"/>
+                      <a:pt x="405000" y="202500"/>
+                    </a:cubicBezTo>
+                    <a:cubicBezTo>
+                      <a:pt x="404889" y="314290"/>
+                      <a:pt x="314290" y="404889"/>
+                      <a:pt x="202500" y="405000"/>
+                    </a:cubicBezTo>
+                    <a:close/>
+                    <a:moveTo>
+                      <a:pt x="202500" y="67500"/>
+                    </a:moveTo>
+                    <a:cubicBezTo>
+                      <a:pt x="127943" y="67500"/>
+                      <a:pt x="67500" y="127943"/>
+                      <a:pt x="67500" y="202500"/>
+                    </a:cubicBezTo>
+                    <a:cubicBezTo>
+                      <a:pt x="67500" y="277057"/>
+                      <a:pt x="127943" y="337500"/>
+                      <a:pt x="202500" y="337500"/>
+                    </a:cubicBezTo>
+                    <a:cubicBezTo>
+                      <a:pt x="277057" y="337500"/>
+                      <a:pt x="337500" y="277057"/>
+                      <a:pt x="337500" y="202500"/>
+                    </a:cubicBezTo>
+                    <a:cubicBezTo>
+                      <a:pt x="337500" y="127943"/>
+                      <a:pt x="277057" y="67500"/>
+                      <a:pt x="202500" y="67500"/>
+                    </a:cubicBezTo>
+                    <a:close/>
+                  </a:path>
+                </a:pathLst>
+              </a:custGeom>
+              <a:solidFill>
+                <a:srgbClr val="000000"/>
+              </a:solidFill>
+              <a:ln w="19050" cap="flat">
+                <a:solidFill>
+                  <a:srgbClr val="00FF00"/>
+                </a:solidFill>
+                <a:prstDash val="solid"/>
+                <a:miter/>
+              </a:ln>
+            </p:spPr>
+            <p:txBody>
+              <a:bodyPr rtlCol="0" anchor="ctr"/>
+              <a:lstStyle/>
+              <a:p>
+                <a:endParaRPr lang="es-ES"/>
+              </a:p>
+            </p:txBody>
+          </p:sp>
+          <p:sp>
+            <p:nvSpPr>
+              <p:cNvPr id="51" name="Freeform: Shape 50">
+                <a:extLst>
+                  <a:ext uri="{FF2B5EF4-FFF2-40B4-BE49-F238E27FC236}">
+                    <a16:creationId xmlns:a16="http://schemas.microsoft.com/office/drawing/2014/main" id="{30E12FCB-27DA-D73E-A0DA-D160E3E9E9C2}"/>
+                  </a:ext>
+                </a:extLst>
+              </p:cNvPr>
+              <p:cNvSpPr/>
+              <p:nvPr/>
+            </p:nvSpPr>
+            <p:spPr>
+              <a:xfrm>
+                <a:off x="10694310" y="8077911"/>
+                <a:ext cx="405000" cy="405000"/>
+              </a:xfrm>
+              <a:custGeom>
+                <a:avLst/>
+                <a:gdLst>
+                  <a:gd name="connsiteX0" fmla="*/ 202500 w 405000"/>
+                  <a:gd name="connsiteY0" fmla="*/ 405000 h 405000"/>
+                  <a:gd name="connsiteX1" fmla="*/ 0 w 405000"/>
+                  <a:gd name="connsiteY1" fmla="*/ 202500 h 405000"/>
+                  <a:gd name="connsiteX2" fmla="*/ 202500 w 405000"/>
+                  <a:gd name="connsiteY2" fmla="*/ 0 h 405000"/>
+                  <a:gd name="connsiteX3" fmla="*/ 405000 w 405000"/>
+                  <a:gd name="connsiteY3" fmla="*/ 202500 h 405000"/>
+                  <a:gd name="connsiteX4" fmla="*/ 202500 w 405000"/>
+                  <a:gd name="connsiteY4" fmla="*/ 405000 h 405000"/>
+                  <a:gd name="connsiteX5" fmla="*/ 202500 w 405000"/>
+                  <a:gd name="connsiteY5" fmla="*/ 67500 h 405000"/>
+                  <a:gd name="connsiteX6" fmla="*/ 67500 w 405000"/>
+                  <a:gd name="connsiteY6" fmla="*/ 202500 h 405000"/>
+                  <a:gd name="connsiteX7" fmla="*/ 202500 w 405000"/>
+                  <a:gd name="connsiteY7" fmla="*/ 337500 h 405000"/>
+                  <a:gd name="connsiteX8" fmla="*/ 337500 w 405000"/>
+                  <a:gd name="connsiteY8" fmla="*/ 202500 h 405000"/>
+                  <a:gd name="connsiteX9" fmla="*/ 202500 w 405000"/>
+                  <a:gd name="connsiteY9" fmla="*/ 67500 h 405000"/>
+                </a:gdLst>
+                <a:ahLst/>
+                <a:cxnLst>
+                  <a:cxn ang="0">
+                    <a:pos x="connsiteX0" y="connsiteY0"/>
+                  </a:cxn>
+                  <a:cxn ang="0">
+                    <a:pos x="connsiteX1" y="connsiteY1"/>
+                  </a:cxn>
+                  <a:cxn ang="0">
+                    <a:pos x="connsiteX2" y="connsiteY2"/>
+                  </a:cxn>
+                  <a:cxn ang="0">
+                    <a:pos x="connsiteX3" y="connsiteY3"/>
+                  </a:cxn>
+                  <a:cxn ang="0">
+                    <a:pos x="connsiteX4" y="connsiteY4"/>
+                  </a:cxn>
+                  <a:cxn ang="0">
+                    <a:pos x="connsiteX5" y="connsiteY5"/>
+                  </a:cxn>
+                  <a:cxn ang="0">
+                    <a:pos x="connsiteX6" y="connsiteY6"/>
+                  </a:cxn>
+                  <a:cxn ang="0">
+                    <a:pos x="connsiteX7" y="connsiteY7"/>
+                  </a:cxn>
+                  <a:cxn ang="0">
+                    <a:pos x="connsiteX8" y="connsiteY8"/>
+                  </a:cxn>
+                  <a:cxn ang="0">
+                    <a:pos x="connsiteX9" y="connsiteY9"/>
+                  </a:cxn>
+                </a:cxnLst>
+                <a:rect l="l" t="t" r="r" b="b"/>
+                <a:pathLst>
+                  <a:path w="405000" h="405000">
+                    <a:moveTo>
+                      <a:pt x="202500" y="405000"/>
+                    </a:moveTo>
+                    <a:cubicBezTo>
+                      <a:pt x="90663" y="405000"/>
+                      <a:pt x="0" y="314337"/>
+                      <a:pt x="0" y="202500"/>
+                    </a:cubicBezTo>
+                    <a:cubicBezTo>
+                      <a:pt x="0" y="90663"/>
+                      <a:pt x="90663" y="0"/>
+                      <a:pt x="202500" y="0"/>
+                    </a:cubicBezTo>
+                    <a:cubicBezTo>
+                      <a:pt x="314337" y="0"/>
+                      <a:pt x="405000" y="90663"/>
+                      <a:pt x="405000" y="202500"/>
+                    </a:cubicBezTo>
+                    <a:cubicBezTo>
+                      <a:pt x="404868" y="314283"/>
+                      <a:pt x="314283" y="404868"/>
+                      <a:pt x="202500" y="405000"/>
+                    </a:cubicBezTo>
+                    <a:close/>
+                    <a:moveTo>
+                      <a:pt x="202500" y="67500"/>
+                    </a:moveTo>
+                    <a:cubicBezTo>
+                      <a:pt x="127943" y="67500"/>
+                      <a:pt x="67500" y="127943"/>
+                      <a:pt x="67500" y="202500"/>
+                    </a:cubicBezTo>
+                    <a:cubicBezTo>
+                      <a:pt x="67500" y="277057"/>
+                      <a:pt x="127943" y="337500"/>
+                      <a:pt x="202500" y="337500"/>
+                    </a:cubicBezTo>
+                    <a:cubicBezTo>
+                      <a:pt x="277057" y="337500"/>
+                      <a:pt x="337500" y="277057"/>
+                      <a:pt x="337500" y="202500"/>
+                    </a:cubicBezTo>
+                    <a:cubicBezTo>
+                      <a:pt x="337500" y="127943"/>
+                      <a:pt x="277057" y="67500"/>
+                      <a:pt x="202500" y="67500"/>
+                    </a:cubicBezTo>
+                    <a:close/>
+                  </a:path>
+                </a:pathLst>
+              </a:custGeom>
+              <a:solidFill>
+                <a:srgbClr val="000000"/>
+              </a:solidFill>
+              <a:ln w="19050" cap="flat">
+                <a:solidFill>
+                  <a:srgbClr val="00FF00"/>
+                </a:solidFill>
+                <a:prstDash val="solid"/>
+                <a:miter/>
+              </a:ln>
+            </p:spPr>
+            <p:txBody>
+              <a:bodyPr rtlCol="0" anchor="ctr"/>
+              <a:lstStyle/>
+              <a:p>
+                <a:endParaRPr lang="es-ES"/>
+              </a:p>
+            </p:txBody>
+          </p:sp>
+          <p:sp>
+            <p:nvSpPr>
+              <p:cNvPr id="52" name="Freeform: Shape 51">
+                <a:extLst>
+                  <a:ext uri="{FF2B5EF4-FFF2-40B4-BE49-F238E27FC236}">
+                    <a16:creationId xmlns:a16="http://schemas.microsoft.com/office/drawing/2014/main" id="{1A0A9780-3E47-323B-0E6F-8D1612708663}"/>
+                  </a:ext>
+                </a:extLst>
+              </p:cNvPr>
+              <p:cNvSpPr/>
+              <p:nvPr/>
+            </p:nvSpPr>
+            <p:spPr>
+              <a:xfrm>
+                <a:off x="10930560" y="7526874"/>
+                <a:ext cx="270000" cy="270000"/>
+              </a:xfrm>
+              <a:custGeom>
+                <a:avLst/>
+                <a:gdLst>
+                  <a:gd name="connsiteX0" fmla="*/ 135000 w 270000"/>
+                  <a:gd name="connsiteY0" fmla="*/ 270000 h 270000"/>
+                  <a:gd name="connsiteX1" fmla="*/ 0 w 270000"/>
+                  <a:gd name="connsiteY1" fmla="*/ 135000 h 270000"/>
+                  <a:gd name="connsiteX2" fmla="*/ 135000 w 270000"/>
+                  <a:gd name="connsiteY2" fmla="*/ 0 h 270000"/>
+                  <a:gd name="connsiteX3" fmla="*/ 270000 w 270000"/>
+                  <a:gd name="connsiteY3" fmla="*/ 135000 h 270000"/>
+                  <a:gd name="connsiteX4" fmla="*/ 135000 w 270000"/>
+                  <a:gd name="connsiteY4" fmla="*/ 270000 h 270000"/>
+                  <a:gd name="connsiteX5" fmla="*/ 135000 w 270000"/>
+                  <a:gd name="connsiteY5" fmla="*/ 67500 h 270000"/>
+                  <a:gd name="connsiteX6" fmla="*/ 67500 w 270000"/>
+                  <a:gd name="connsiteY6" fmla="*/ 135000 h 270000"/>
+                  <a:gd name="connsiteX7" fmla="*/ 135000 w 270000"/>
+                  <a:gd name="connsiteY7" fmla="*/ 202500 h 270000"/>
+                  <a:gd name="connsiteX8" fmla="*/ 202500 w 270000"/>
+                  <a:gd name="connsiteY8" fmla="*/ 135000 h 270000"/>
+                  <a:gd name="connsiteX9" fmla="*/ 135000 w 270000"/>
+                  <a:gd name="connsiteY9" fmla="*/ 67500 h 270000"/>
+                </a:gdLst>
+                <a:ahLst/>
+                <a:cxnLst>
+                  <a:cxn ang="0">
+                    <a:pos x="connsiteX0" y="connsiteY0"/>
+                  </a:cxn>
+                  <a:cxn ang="0">
+                    <a:pos x="connsiteX1" y="connsiteY1"/>
+                  </a:cxn>
+                  <a:cxn ang="0">
+                    <a:pos x="connsiteX2" y="connsiteY2"/>
+                  </a:cxn>
+                  <a:cxn ang="0">
+                    <a:pos x="connsiteX3" y="connsiteY3"/>
+                  </a:cxn>
+                  <a:cxn ang="0">
+                    <a:pos x="connsiteX4" y="connsiteY4"/>
+                  </a:cxn>
+                  <a:cxn ang="0">
+                    <a:pos x="connsiteX5" y="connsiteY5"/>
+                  </a:cxn>
+                  <a:cxn ang="0">
+                    <a:pos x="connsiteX6" y="connsiteY6"/>
+                  </a:cxn>
+                  <a:cxn ang="0">
+                    <a:pos x="connsiteX7" y="connsiteY7"/>
+                  </a:cxn>
+                  <a:cxn ang="0">
+                    <a:pos x="connsiteX8" y="connsiteY8"/>
+                  </a:cxn>
+                  <a:cxn ang="0">
+                    <a:pos x="connsiteX9" y="connsiteY9"/>
+                  </a:cxn>
+                </a:cxnLst>
+                <a:rect l="l" t="t" r="r" b="b"/>
+                <a:pathLst>
+                  <a:path w="270000" h="270000">
+                    <a:moveTo>
+                      <a:pt x="135000" y="270000"/>
+                    </a:moveTo>
+                    <a:cubicBezTo>
+                      <a:pt x="60443" y="270000"/>
+                      <a:pt x="0" y="209557"/>
+                      <a:pt x="0" y="135000"/>
+                    </a:cubicBezTo>
+                    <a:cubicBezTo>
+                      <a:pt x="0" y="60443"/>
+                      <a:pt x="60443" y="0"/>
+                      <a:pt x="135000" y="0"/>
+                    </a:cubicBezTo>
+                    <a:cubicBezTo>
+                      <a:pt x="209557" y="0"/>
+                      <a:pt x="270000" y="60443"/>
+                      <a:pt x="270000" y="135000"/>
+                    </a:cubicBezTo>
+                    <a:cubicBezTo>
+                      <a:pt x="270000" y="209557"/>
+                      <a:pt x="209557" y="270000"/>
+                      <a:pt x="135000" y="270000"/>
+                    </a:cubicBezTo>
+                    <a:close/>
+                    <a:moveTo>
+                      <a:pt x="135000" y="67500"/>
+                    </a:moveTo>
+                    <a:cubicBezTo>
+                      <a:pt x="97720" y="67500"/>
+                      <a:pt x="67500" y="97720"/>
+                      <a:pt x="67500" y="135000"/>
+                    </a:cubicBezTo>
+                    <a:cubicBezTo>
+                      <a:pt x="67500" y="172280"/>
+                      <a:pt x="97720" y="202500"/>
+                      <a:pt x="135000" y="202500"/>
+                    </a:cubicBezTo>
+                    <a:cubicBezTo>
+                      <a:pt x="172280" y="202500"/>
+                      <a:pt x="202500" y="172280"/>
+                      <a:pt x="202500" y="135000"/>
+                    </a:cubicBezTo>
+                    <a:cubicBezTo>
+                      <a:pt x="202500" y="97720"/>
+                      <a:pt x="172280" y="67500"/>
+                      <a:pt x="135000" y="67500"/>
+                    </a:cubicBezTo>
+                    <a:close/>
+                  </a:path>
+                </a:pathLst>
+              </a:custGeom>
+              <a:solidFill>
+                <a:srgbClr val="000000"/>
+              </a:solidFill>
+              <a:ln w="19050" cap="flat">
+                <a:solidFill>
+                  <a:srgbClr val="00FF00"/>
+                </a:solidFill>
+                <a:prstDash val="solid"/>
+                <a:miter/>
+              </a:ln>
+            </p:spPr>
+            <p:txBody>
+              <a:bodyPr rtlCol="0" anchor="ctr"/>
+              <a:lstStyle/>
+              <a:p>
+                <a:endParaRPr lang="es-ES"/>
+              </a:p>
+            </p:txBody>
+          </p:sp>
+          <p:sp>
+            <p:nvSpPr>
+              <p:cNvPr id="53" name="Freeform: Shape 52">
+                <a:extLst>
+                  <a:ext uri="{FF2B5EF4-FFF2-40B4-BE49-F238E27FC236}">
+                    <a16:creationId xmlns:a16="http://schemas.microsoft.com/office/drawing/2014/main" id="{0517F43B-9815-360F-3CE7-C7F0CDDF1AB1}"/>
+                  </a:ext>
+                </a:extLst>
+              </p:cNvPr>
+              <p:cNvSpPr/>
+              <p:nvPr/>
+            </p:nvSpPr>
+            <p:spPr>
+              <a:xfrm>
+                <a:off x="9783060" y="7841661"/>
+                <a:ext cx="270000" cy="270000"/>
+              </a:xfrm>
+              <a:custGeom>
+                <a:avLst/>
+                <a:gdLst>
+                  <a:gd name="connsiteX0" fmla="*/ 135000 w 270000"/>
+                  <a:gd name="connsiteY0" fmla="*/ 270000 h 270000"/>
+                  <a:gd name="connsiteX1" fmla="*/ 0 w 270000"/>
+                  <a:gd name="connsiteY1" fmla="*/ 135000 h 270000"/>
+                  <a:gd name="connsiteX2" fmla="*/ 135000 w 270000"/>
+                  <a:gd name="connsiteY2" fmla="*/ 0 h 270000"/>
+                  <a:gd name="connsiteX3" fmla="*/ 270000 w 270000"/>
+                  <a:gd name="connsiteY3" fmla="*/ 135000 h 270000"/>
+                  <a:gd name="connsiteX4" fmla="*/ 135000 w 270000"/>
+                  <a:gd name="connsiteY4" fmla="*/ 270000 h 270000"/>
+                  <a:gd name="connsiteX5" fmla="*/ 135000 w 270000"/>
+                  <a:gd name="connsiteY5" fmla="*/ 67500 h 270000"/>
+                  <a:gd name="connsiteX6" fmla="*/ 67500 w 270000"/>
+                  <a:gd name="connsiteY6" fmla="*/ 135000 h 270000"/>
+                  <a:gd name="connsiteX7" fmla="*/ 135000 w 270000"/>
+                  <a:gd name="connsiteY7" fmla="*/ 202500 h 270000"/>
+                  <a:gd name="connsiteX8" fmla="*/ 202500 w 270000"/>
+                  <a:gd name="connsiteY8" fmla="*/ 135000 h 270000"/>
+                  <a:gd name="connsiteX9" fmla="*/ 135000 w 270000"/>
+                  <a:gd name="connsiteY9" fmla="*/ 67500 h 270000"/>
+                </a:gdLst>
+                <a:ahLst/>
+                <a:cxnLst>
+                  <a:cxn ang="0">
+                    <a:pos x="connsiteX0" y="connsiteY0"/>
+                  </a:cxn>
+                  <a:cxn ang="0">
+                    <a:pos x="connsiteX1" y="connsiteY1"/>
+                  </a:cxn>
+                  <a:cxn ang="0">
+                    <a:pos x="connsiteX2" y="connsiteY2"/>
+                  </a:cxn>
+                  <a:cxn ang="0">
+                    <a:pos x="connsiteX3" y="connsiteY3"/>
+                  </a:cxn>
+                  <a:cxn ang="0">
+                    <a:pos x="connsiteX4" y="connsiteY4"/>
+                  </a:cxn>
+                  <a:cxn ang="0">
+                    <a:pos x="connsiteX5" y="connsiteY5"/>
+                  </a:cxn>
+                  <a:cxn ang="0">
+                    <a:pos x="connsiteX6" y="connsiteY6"/>
+                  </a:cxn>
+                  <a:cxn ang="0">
+                    <a:pos x="connsiteX7" y="connsiteY7"/>
+                  </a:cxn>
+                  <a:cxn ang="0">
+                    <a:pos x="connsiteX8" y="connsiteY8"/>
+                  </a:cxn>
+                  <a:cxn ang="0">
+                    <a:pos x="connsiteX9" y="connsiteY9"/>
+                  </a:cxn>
+                </a:cxnLst>
+                <a:rect l="l" t="t" r="r" b="b"/>
+                <a:pathLst>
+                  <a:path w="270000" h="270000">
+                    <a:moveTo>
+                      <a:pt x="135000" y="270000"/>
+                    </a:moveTo>
+                    <a:cubicBezTo>
+                      <a:pt x="60443" y="270000"/>
+                      <a:pt x="0" y="209557"/>
+                      <a:pt x="0" y="135000"/>
+                    </a:cubicBezTo>
+                    <a:cubicBezTo>
+                      <a:pt x="0" y="60443"/>
+                      <a:pt x="60443" y="0"/>
+                      <a:pt x="135000" y="0"/>
+                    </a:cubicBezTo>
+                    <a:cubicBezTo>
+                      <a:pt x="209557" y="0"/>
+                      <a:pt x="270000" y="60443"/>
+                      <a:pt x="270000" y="135000"/>
+                    </a:cubicBezTo>
+                    <a:cubicBezTo>
+                      <a:pt x="270000" y="209557"/>
+                      <a:pt x="209557" y="270000"/>
+                      <a:pt x="135000" y="270000"/>
+                    </a:cubicBezTo>
+                    <a:close/>
+                    <a:moveTo>
+                      <a:pt x="135000" y="67500"/>
+                    </a:moveTo>
+                    <a:cubicBezTo>
+                      <a:pt x="97720" y="67500"/>
+                      <a:pt x="67500" y="97720"/>
+                      <a:pt x="67500" y="135000"/>
+                    </a:cubicBezTo>
+                    <a:cubicBezTo>
+                      <a:pt x="67500" y="172280"/>
+                      <a:pt x="97720" y="202500"/>
+                      <a:pt x="135000" y="202500"/>
+                    </a:cubicBezTo>
+                    <a:cubicBezTo>
+                      <a:pt x="172280" y="202500"/>
+                      <a:pt x="202500" y="172280"/>
+                      <a:pt x="202500" y="135000"/>
+                    </a:cubicBezTo>
+                    <a:cubicBezTo>
+                      <a:pt x="202500" y="97720"/>
+                      <a:pt x="172280" y="67500"/>
+                      <a:pt x="135000" y="67500"/>
+                    </a:cubicBezTo>
+                    <a:close/>
+                  </a:path>
+                </a:pathLst>
+              </a:custGeom>
+              <a:solidFill>
+                <a:srgbClr val="000000"/>
+              </a:solidFill>
+              <a:ln w="19050" cap="flat">
+                <a:solidFill>
+                  <a:srgbClr val="00FF00"/>
+                </a:solidFill>
+                <a:prstDash val="solid"/>
+                <a:miter/>
+              </a:ln>
+            </p:spPr>
+            <p:txBody>
+              <a:bodyPr rtlCol="0" anchor="ctr"/>
+              <a:lstStyle/>
+              <a:p>
+                <a:endParaRPr lang="es-ES"/>
+              </a:p>
+            </p:txBody>
+          </p:sp>
+          <p:sp>
+            <p:nvSpPr>
+              <p:cNvPr id="54" name="Freeform: Shape 53">
+                <a:extLst>
+                  <a:ext uri="{FF2B5EF4-FFF2-40B4-BE49-F238E27FC236}">
+                    <a16:creationId xmlns:a16="http://schemas.microsoft.com/office/drawing/2014/main" id="{6C3EF3CD-2F87-10A7-A455-932EFCEEC4CC}"/>
+                  </a:ext>
+                </a:extLst>
+              </p:cNvPr>
+              <p:cNvSpPr/>
+              <p:nvPr/>
+            </p:nvSpPr>
+            <p:spPr>
+              <a:xfrm>
+                <a:off x="10549590" y="6913333"/>
+                <a:ext cx="270000" cy="270000"/>
+              </a:xfrm>
+              <a:custGeom>
+                <a:avLst/>
+                <a:gdLst>
+                  <a:gd name="connsiteX0" fmla="*/ 135000 w 270000"/>
+                  <a:gd name="connsiteY0" fmla="*/ 270000 h 270000"/>
+                  <a:gd name="connsiteX1" fmla="*/ 0 w 270000"/>
+                  <a:gd name="connsiteY1" fmla="*/ 135000 h 270000"/>
+                  <a:gd name="connsiteX2" fmla="*/ 135000 w 270000"/>
+                  <a:gd name="connsiteY2" fmla="*/ 0 h 270000"/>
+                  <a:gd name="connsiteX3" fmla="*/ 270000 w 270000"/>
+                  <a:gd name="connsiteY3" fmla="*/ 135000 h 270000"/>
+                  <a:gd name="connsiteX4" fmla="*/ 135000 w 270000"/>
+                  <a:gd name="connsiteY4" fmla="*/ 270000 h 270000"/>
+                  <a:gd name="connsiteX5" fmla="*/ 135000 w 270000"/>
+                  <a:gd name="connsiteY5" fmla="*/ 67500 h 270000"/>
+                  <a:gd name="connsiteX6" fmla="*/ 67500 w 270000"/>
+                  <a:gd name="connsiteY6" fmla="*/ 135000 h 270000"/>
+                  <a:gd name="connsiteX7" fmla="*/ 135000 w 270000"/>
+                  <a:gd name="connsiteY7" fmla="*/ 202500 h 270000"/>
+                  <a:gd name="connsiteX8" fmla="*/ 202500 w 270000"/>
+                  <a:gd name="connsiteY8" fmla="*/ 135000 h 270000"/>
+                  <a:gd name="connsiteX9" fmla="*/ 135000 w 270000"/>
+                  <a:gd name="connsiteY9" fmla="*/ 67500 h 270000"/>
+                </a:gdLst>
+                <a:ahLst/>
+                <a:cxnLst>
+                  <a:cxn ang="0">
+                    <a:pos x="connsiteX0" y="connsiteY0"/>
+                  </a:cxn>
+                  <a:cxn ang="0">
+                    <a:pos x="connsiteX1" y="connsiteY1"/>
+                  </a:cxn>
+                  <a:cxn ang="0">
+                    <a:pos x="connsiteX2" y="connsiteY2"/>
+                  </a:cxn>
+                  <a:cxn ang="0">
+                    <a:pos x="connsiteX3" y="connsiteY3"/>
+                  </a:cxn>
+                  <a:cxn ang="0">
+                    <a:pos x="connsiteX4" y="connsiteY4"/>
+                  </a:cxn>
+                  <a:cxn ang="0">
+                    <a:pos x="connsiteX5" y="connsiteY5"/>
+                  </a:cxn>
+                  <a:cxn ang="0">
+                    <a:pos x="connsiteX6" y="connsiteY6"/>
+                  </a:cxn>
+                  <a:cxn ang="0">
+                    <a:pos x="connsiteX7" y="connsiteY7"/>
+                  </a:cxn>
+                  <a:cxn ang="0">
+                    <a:pos x="connsiteX8" y="connsiteY8"/>
+                  </a:cxn>
+                  <a:cxn ang="0">
+                    <a:pos x="connsiteX9" y="connsiteY9"/>
+                  </a:cxn>
+                </a:cxnLst>
+                <a:rect l="l" t="t" r="r" b="b"/>
+                <a:pathLst>
+                  <a:path w="270000" h="270000">
+                    <a:moveTo>
+                      <a:pt x="135000" y="270000"/>
+                    </a:moveTo>
+                    <a:cubicBezTo>
+                      <a:pt x="60443" y="270000"/>
+                      <a:pt x="0" y="209557"/>
+                      <a:pt x="0" y="135000"/>
+                    </a:cubicBezTo>
+                    <a:cubicBezTo>
+                      <a:pt x="0" y="60443"/>
+                      <a:pt x="60443" y="0"/>
+                      <a:pt x="135000" y="0"/>
+                    </a:cubicBezTo>
+                    <a:cubicBezTo>
+                      <a:pt x="209557" y="0"/>
+                      <a:pt x="270000" y="60443"/>
+                      <a:pt x="270000" y="135000"/>
+                    </a:cubicBezTo>
+                    <a:cubicBezTo>
+                      <a:pt x="270000" y="209557"/>
+                      <a:pt x="209557" y="270000"/>
+                      <a:pt x="135000" y="270000"/>
+                    </a:cubicBezTo>
+                    <a:close/>
+                    <a:moveTo>
+                      <a:pt x="135000" y="67500"/>
+                    </a:moveTo>
+                    <a:cubicBezTo>
+                      <a:pt x="97720" y="67500"/>
+                      <a:pt x="67500" y="97720"/>
+                      <a:pt x="67500" y="135000"/>
+                    </a:cubicBezTo>
+                    <a:cubicBezTo>
+                      <a:pt x="67500" y="172280"/>
+                      <a:pt x="97720" y="202500"/>
+                      <a:pt x="135000" y="202500"/>
+                    </a:cubicBezTo>
+                    <a:cubicBezTo>
+                      <a:pt x="172280" y="202500"/>
+                      <a:pt x="202500" y="172280"/>
+                      <a:pt x="202500" y="135000"/>
+                    </a:cubicBezTo>
+                    <a:cubicBezTo>
+                      <a:pt x="202500" y="97720"/>
+                      <a:pt x="172280" y="67500"/>
+                      <a:pt x="135000" y="67500"/>
+                    </a:cubicBezTo>
+                    <a:close/>
+                  </a:path>
+                </a:pathLst>
+              </a:custGeom>
+              <a:solidFill>
+                <a:srgbClr val="000000"/>
+              </a:solidFill>
+              <a:ln w="19050" cap="flat">
+                <a:solidFill>
+                  <a:srgbClr val="00FF00"/>
+                </a:solidFill>
+                <a:prstDash val="solid"/>
+                <a:miter/>
+              </a:ln>
+            </p:spPr>
+            <p:txBody>
+              <a:bodyPr rtlCol="0" anchor="ctr"/>
+              <a:lstStyle/>
+              <a:p>
+                <a:endParaRPr lang="es-ES"/>
+              </a:p>
+            </p:txBody>
+          </p:sp>
+          <p:sp>
+            <p:nvSpPr>
+              <p:cNvPr id="55" name="Freeform: Shape 54">
+                <a:extLst>
+                  <a:ext uri="{FF2B5EF4-FFF2-40B4-BE49-F238E27FC236}">
+                    <a16:creationId xmlns:a16="http://schemas.microsoft.com/office/drawing/2014/main" id="{85092FF1-2F15-6FB2-17BD-DB1DC511163C}"/>
+                  </a:ext>
+                </a:extLst>
+              </p:cNvPr>
+              <p:cNvSpPr/>
+              <p:nvPr/>
+            </p:nvSpPr>
+            <p:spPr>
+              <a:xfrm>
+                <a:off x="11099310" y="7132877"/>
+                <a:ext cx="202500" cy="202500"/>
+              </a:xfrm>
+              <a:custGeom>
+                <a:avLst/>
+                <a:gdLst>
+                  <a:gd name="connsiteX0" fmla="*/ 101250 w 202500"/>
+                  <a:gd name="connsiteY0" fmla="*/ 202500 h 202500"/>
+                  <a:gd name="connsiteX1" fmla="*/ 0 w 202500"/>
+                  <a:gd name="connsiteY1" fmla="*/ 101250 h 202500"/>
+                  <a:gd name="connsiteX2" fmla="*/ 101250 w 202500"/>
+                  <a:gd name="connsiteY2" fmla="*/ 0 h 202500"/>
+                  <a:gd name="connsiteX3" fmla="*/ 202500 w 202500"/>
+                  <a:gd name="connsiteY3" fmla="*/ 101250 h 202500"/>
+                  <a:gd name="connsiteX4" fmla="*/ 101250 w 202500"/>
+                  <a:gd name="connsiteY4" fmla="*/ 202500 h 202500"/>
+                  <a:gd name="connsiteX5" fmla="*/ 101250 w 202500"/>
+                  <a:gd name="connsiteY5" fmla="*/ 67500 h 202500"/>
+                  <a:gd name="connsiteX6" fmla="*/ 67500 w 202500"/>
+                  <a:gd name="connsiteY6" fmla="*/ 101250 h 202500"/>
+                  <a:gd name="connsiteX7" fmla="*/ 101250 w 202500"/>
+                  <a:gd name="connsiteY7" fmla="*/ 135000 h 202500"/>
+                  <a:gd name="connsiteX8" fmla="*/ 135000 w 202500"/>
+                  <a:gd name="connsiteY8" fmla="*/ 101250 h 202500"/>
+                  <a:gd name="connsiteX9" fmla="*/ 101250 w 202500"/>
+                  <a:gd name="connsiteY9" fmla="*/ 67500 h 202500"/>
+                </a:gdLst>
+                <a:ahLst/>
+                <a:cxnLst>
+                  <a:cxn ang="0">
+                    <a:pos x="connsiteX0" y="connsiteY0"/>
+                  </a:cxn>
+                  <a:cxn ang="0">
+                    <a:pos x="connsiteX1" y="connsiteY1"/>
+                  </a:cxn>
+                  <a:cxn ang="0">
+                    <a:pos x="connsiteX2" y="connsiteY2"/>
+                  </a:cxn>
+                  <a:cxn ang="0">
+                    <a:pos x="connsiteX3" y="connsiteY3"/>
+                  </a:cxn>
+                  <a:cxn ang="0">
+                    <a:pos x="connsiteX4" y="connsiteY4"/>
+                  </a:cxn>
+                  <a:cxn ang="0">
+                    <a:pos x="connsiteX5" y="connsiteY5"/>
+                  </a:cxn>
+                  <a:cxn ang="0">
+                    <a:pos x="connsiteX6" y="connsiteY6"/>
+                  </a:cxn>
+                  <a:cxn ang="0">
+                    <a:pos x="connsiteX7" y="connsiteY7"/>
+                  </a:cxn>
+                  <a:cxn ang="0">
+                    <a:pos x="connsiteX8" y="connsiteY8"/>
+                  </a:cxn>
+                  <a:cxn ang="0">
+                    <a:pos x="connsiteX9" y="connsiteY9"/>
+                  </a:cxn>
+                </a:cxnLst>
+                <a:rect l="l" t="t" r="r" b="b"/>
+                <a:pathLst>
+                  <a:path w="202500" h="202500">
+                    <a:moveTo>
+                      <a:pt x="101250" y="202500"/>
+                    </a:moveTo>
+                    <a:cubicBezTo>
+                      <a:pt x="45330" y="202500"/>
+                      <a:pt x="0" y="157170"/>
+                      <a:pt x="0" y="101250"/>
+                    </a:cubicBezTo>
+                    <a:cubicBezTo>
+                      <a:pt x="0" y="45330"/>
+                      <a:pt x="45330" y="0"/>
+                      <a:pt x="101250" y="0"/>
+                    </a:cubicBezTo>
+                    <a:cubicBezTo>
+                      <a:pt x="157170" y="0"/>
+                      <a:pt x="202500" y="45330"/>
+                      <a:pt x="202500" y="101250"/>
+                    </a:cubicBezTo>
+                    <a:cubicBezTo>
+                      <a:pt x="202500" y="157170"/>
+                      <a:pt x="157170" y="202500"/>
+                      <a:pt x="101250" y="202500"/>
+                    </a:cubicBezTo>
+                    <a:close/>
+                    <a:moveTo>
+                      <a:pt x="101250" y="67500"/>
+                    </a:moveTo>
+                    <a:cubicBezTo>
+                      <a:pt x="82610" y="67500"/>
+                      <a:pt x="67500" y="82610"/>
+                      <a:pt x="67500" y="101250"/>
+                    </a:cubicBezTo>
+                    <a:cubicBezTo>
+                      <a:pt x="67500" y="119890"/>
+                      <a:pt x="82610" y="135000"/>
+                      <a:pt x="101250" y="135000"/>
+                    </a:cubicBezTo>
+                    <a:cubicBezTo>
+                      <a:pt x="119890" y="135000"/>
+                      <a:pt x="135000" y="119890"/>
+                      <a:pt x="135000" y="101250"/>
+                    </a:cubicBezTo>
+                    <a:cubicBezTo>
+                      <a:pt x="135000" y="82610"/>
+                      <a:pt x="119890" y="67500"/>
+                      <a:pt x="101250" y="67500"/>
+                    </a:cubicBezTo>
+                    <a:close/>
+                  </a:path>
+                </a:pathLst>
+              </a:custGeom>
+              <a:solidFill>
+                <a:srgbClr val="000000"/>
+              </a:solidFill>
+              <a:ln w="19050" cap="flat">
+                <a:solidFill>
+                  <a:srgbClr val="00FF00"/>
+                </a:solidFill>
+                <a:prstDash val="solid"/>
+                <a:miter/>
+              </a:ln>
+            </p:spPr>
+            <p:txBody>
+              <a:bodyPr rtlCol="0" anchor="ctr"/>
+              <a:lstStyle/>
+              <a:p>
+                <a:endParaRPr lang="es-ES"/>
+              </a:p>
+            </p:txBody>
+          </p:sp>
+          <p:sp>
+            <p:nvSpPr>
+              <p:cNvPr id="56" name="Freeform: Shape 55">
+                <a:extLst>
+                  <a:ext uri="{FF2B5EF4-FFF2-40B4-BE49-F238E27FC236}">
+                    <a16:creationId xmlns:a16="http://schemas.microsoft.com/office/drawing/2014/main" id="{1F768EF2-9039-7ED3-188C-F647DBECCD79}"/>
+                  </a:ext>
+                </a:extLst>
+              </p:cNvPr>
+              <p:cNvSpPr/>
+              <p:nvPr/>
+            </p:nvSpPr>
+            <p:spPr>
+              <a:xfrm>
+                <a:off x="10424310" y="7661874"/>
+                <a:ext cx="202500" cy="202500"/>
+              </a:xfrm>
+              <a:custGeom>
+                <a:avLst/>
+                <a:gdLst>
+                  <a:gd name="connsiteX0" fmla="*/ 101250 w 202500"/>
+                  <a:gd name="connsiteY0" fmla="*/ 202500 h 202500"/>
+                  <a:gd name="connsiteX1" fmla="*/ 0 w 202500"/>
+                  <a:gd name="connsiteY1" fmla="*/ 101250 h 202500"/>
+                  <a:gd name="connsiteX2" fmla="*/ 101250 w 202500"/>
+                  <a:gd name="connsiteY2" fmla="*/ 0 h 202500"/>
+                  <a:gd name="connsiteX3" fmla="*/ 202500 w 202500"/>
+                  <a:gd name="connsiteY3" fmla="*/ 101250 h 202500"/>
+                  <a:gd name="connsiteX4" fmla="*/ 101250 w 202500"/>
+                  <a:gd name="connsiteY4" fmla="*/ 202500 h 202500"/>
+                  <a:gd name="connsiteX5" fmla="*/ 101250 w 202500"/>
+                  <a:gd name="connsiteY5" fmla="*/ 67500 h 202500"/>
+                  <a:gd name="connsiteX6" fmla="*/ 67500 w 202500"/>
+                  <a:gd name="connsiteY6" fmla="*/ 101250 h 202500"/>
+                  <a:gd name="connsiteX7" fmla="*/ 101250 w 202500"/>
+                  <a:gd name="connsiteY7" fmla="*/ 135000 h 202500"/>
+                  <a:gd name="connsiteX8" fmla="*/ 135000 w 202500"/>
+                  <a:gd name="connsiteY8" fmla="*/ 101250 h 202500"/>
+                  <a:gd name="connsiteX9" fmla="*/ 101250 w 202500"/>
+                  <a:gd name="connsiteY9" fmla="*/ 67500 h 202500"/>
+                </a:gdLst>
+                <a:ahLst/>
+                <a:cxnLst>
+                  <a:cxn ang="0">
+                    <a:pos x="connsiteX0" y="connsiteY0"/>
+                  </a:cxn>
+                  <a:cxn ang="0">
+                    <a:pos x="connsiteX1" y="connsiteY1"/>
+                  </a:cxn>
+                  <a:cxn ang="0">
+                    <a:pos x="connsiteX2" y="connsiteY2"/>
+                  </a:cxn>
+                  <a:cxn ang="0">
+                    <a:pos x="connsiteX3" y="connsiteY3"/>
+                  </a:cxn>
+                  <a:cxn ang="0">
+                    <a:pos x="connsiteX4" y="connsiteY4"/>
+                  </a:cxn>
+                  <a:cxn ang="0">
+                    <a:pos x="connsiteX5" y="connsiteY5"/>
+                  </a:cxn>
+                  <a:cxn ang="0">
+                    <a:pos x="connsiteX6" y="connsiteY6"/>
+                  </a:cxn>
+                  <a:cxn ang="0">
+                    <a:pos x="connsiteX7" y="connsiteY7"/>
+                  </a:cxn>
+                  <a:cxn ang="0">
+                    <a:pos x="connsiteX8" y="connsiteY8"/>
+                  </a:cxn>
+                  <a:cxn ang="0">
+                    <a:pos x="connsiteX9" y="connsiteY9"/>
+                  </a:cxn>
+                </a:cxnLst>
+                <a:rect l="l" t="t" r="r" b="b"/>
+                <a:pathLst>
+                  <a:path w="202500" h="202500">
+                    <a:moveTo>
+                      <a:pt x="101250" y="202500"/>
+                    </a:moveTo>
+                    <a:cubicBezTo>
+                      <a:pt x="45330" y="202500"/>
+                      <a:pt x="0" y="157170"/>
+                      <a:pt x="0" y="101250"/>
+                    </a:cubicBezTo>
+                    <a:cubicBezTo>
+                      <a:pt x="0" y="45330"/>
+                      <a:pt x="45330" y="0"/>
+                      <a:pt x="101250" y="0"/>
+                    </a:cubicBezTo>
+                    <a:cubicBezTo>
+                      <a:pt x="157170" y="0"/>
+                      <a:pt x="202500" y="45330"/>
+                      <a:pt x="202500" y="101250"/>
+                    </a:cubicBezTo>
+                    <a:cubicBezTo>
+                      <a:pt x="202500" y="157170"/>
+                      <a:pt x="157170" y="202500"/>
+                      <a:pt x="101250" y="202500"/>
+                    </a:cubicBezTo>
+                    <a:close/>
+                    <a:moveTo>
+                      <a:pt x="101250" y="67500"/>
+                    </a:moveTo>
+                    <a:cubicBezTo>
+                      <a:pt x="82610" y="67500"/>
+                      <a:pt x="67500" y="82610"/>
+                      <a:pt x="67500" y="101250"/>
+                    </a:cubicBezTo>
+                    <a:cubicBezTo>
+                      <a:pt x="67500" y="119890"/>
+                      <a:pt x="82610" y="135000"/>
+                      <a:pt x="101250" y="135000"/>
+                    </a:cubicBezTo>
+                    <a:cubicBezTo>
+                      <a:pt x="119890" y="135000"/>
+                      <a:pt x="135000" y="119890"/>
+                      <a:pt x="135000" y="101250"/>
+                    </a:cubicBezTo>
+                    <a:cubicBezTo>
+                      <a:pt x="135000" y="82610"/>
+                      <a:pt x="119890" y="67500"/>
+                      <a:pt x="101250" y="67500"/>
+                    </a:cubicBezTo>
+                    <a:close/>
+                  </a:path>
+                </a:pathLst>
+              </a:custGeom>
+              <a:solidFill>
+                <a:srgbClr val="000000"/>
+              </a:solidFill>
+              <a:ln w="19050" cap="flat">
+                <a:solidFill>
+                  <a:srgbClr val="00FF00"/>
+                </a:solidFill>
+                <a:prstDash val="solid"/>
+                <a:miter/>
+              </a:ln>
+            </p:spPr>
+            <p:txBody>
+              <a:bodyPr rtlCol="0" anchor="ctr"/>
+              <a:lstStyle/>
+              <a:p>
+                <a:endParaRPr lang="es-ES"/>
+              </a:p>
+            </p:txBody>
+          </p:sp>
+          <p:sp>
+            <p:nvSpPr>
+              <p:cNvPr id="57" name="Freeform: Shape 56">
+                <a:extLst>
+                  <a:ext uri="{FF2B5EF4-FFF2-40B4-BE49-F238E27FC236}">
+                    <a16:creationId xmlns:a16="http://schemas.microsoft.com/office/drawing/2014/main" id="{F831A6E8-0F26-B688-67F2-8E5A69B5C3C3}"/>
+                  </a:ext>
+                </a:extLst>
+              </p:cNvPr>
+              <p:cNvSpPr/>
+              <p:nvPr/>
+            </p:nvSpPr>
+            <p:spPr>
+              <a:xfrm>
+                <a:off x="11403060" y="7841661"/>
+                <a:ext cx="202500" cy="202500"/>
+              </a:xfrm>
+              <a:custGeom>
+                <a:avLst/>
+                <a:gdLst>
+                  <a:gd name="connsiteX0" fmla="*/ 101250 w 202500"/>
+                  <a:gd name="connsiteY0" fmla="*/ 202500 h 202500"/>
+                  <a:gd name="connsiteX1" fmla="*/ 0 w 202500"/>
+                  <a:gd name="connsiteY1" fmla="*/ 101250 h 202500"/>
+                  <a:gd name="connsiteX2" fmla="*/ 101250 w 202500"/>
+                  <a:gd name="connsiteY2" fmla="*/ 0 h 202500"/>
+                  <a:gd name="connsiteX3" fmla="*/ 202500 w 202500"/>
+                  <a:gd name="connsiteY3" fmla="*/ 101250 h 202500"/>
+                  <a:gd name="connsiteX4" fmla="*/ 101250 w 202500"/>
+                  <a:gd name="connsiteY4" fmla="*/ 202500 h 202500"/>
+                  <a:gd name="connsiteX5" fmla="*/ 101250 w 202500"/>
+                  <a:gd name="connsiteY5" fmla="*/ 67500 h 202500"/>
+                  <a:gd name="connsiteX6" fmla="*/ 67500 w 202500"/>
+                  <a:gd name="connsiteY6" fmla="*/ 101250 h 202500"/>
+                  <a:gd name="connsiteX7" fmla="*/ 101250 w 202500"/>
+                  <a:gd name="connsiteY7" fmla="*/ 135000 h 202500"/>
+                  <a:gd name="connsiteX8" fmla="*/ 135000 w 202500"/>
+                  <a:gd name="connsiteY8" fmla="*/ 101250 h 202500"/>
+                  <a:gd name="connsiteX9" fmla="*/ 101250 w 202500"/>
+                  <a:gd name="connsiteY9" fmla="*/ 67500 h 202500"/>
+                </a:gdLst>
+                <a:ahLst/>
+                <a:cxnLst>
+                  <a:cxn ang="0">
+                    <a:pos x="connsiteX0" y="connsiteY0"/>
+                  </a:cxn>
+                  <a:cxn ang="0">
+                    <a:pos x="connsiteX1" y="connsiteY1"/>
+                  </a:cxn>
+                  <a:cxn ang="0">
+                    <a:pos x="connsiteX2" y="connsiteY2"/>
+                  </a:cxn>
+                  <a:cxn ang="0">
+                    <a:pos x="connsiteX3" y="connsiteY3"/>
+                  </a:cxn>
+                  <a:cxn ang="0">
+                    <a:pos x="connsiteX4" y="connsiteY4"/>
+                  </a:cxn>
+                  <a:cxn ang="0">
+                    <a:pos x="connsiteX5" y="connsiteY5"/>
+                  </a:cxn>
+                  <a:cxn ang="0">
+                    <a:pos x="connsiteX6" y="connsiteY6"/>
+                  </a:cxn>
+                  <a:cxn ang="0">
+                    <a:pos x="connsiteX7" y="connsiteY7"/>
+                  </a:cxn>
+                  <a:cxn ang="0">
+                    <a:pos x="connsiteX8" y="connsiteY8"/>
+                  </a:cxn>
+                  <a:cxn ang="0">
+                    <a:pos x="connsiteX9" y="connsiteY9"/>
+                  </a:cxn>
+                </a:cxnLst>
+                <a:rect l="l" t="t" r="r" b="b"/>
+                <a:pathLst>
+                  <a:path w="202500" h="202500">
+                    <a:moveTo>
+                      <a:pt x="101250" y="202500"/>
+                    </a:moveTo>
+                    <a:cubicBezTo>
+                      <a:pt x="45330" y="202500"/>
+                      <a:pt x="0" y="157170"/>
+                      <a:pt x="0" y="101250"/>
+                    </a:cubicBezTo>
+                    <a:cubicBezTo>
+                      <a:pt x="0" y="45330"/>
+                      <a:pt x="45330" y="0"/>
+                      <a:pt x="101250" y="0"/>
+                    </a:cubicBezTo>
+                    <a:cubicBezTo>
+                      <a:pt x="157170" y="0"/>
+                      <a:pt x="202500" y="45330"/>
+                      <a:pt x="202500" y="101250"/>
+                    </a:cubicBezTo>
+                    <a:cubicBezTo>
+                      <a:pt x="202500" y="157170"/>
+                      <a:pt x="157170" y="202500"/>
+                      <a:pt x="101250" y="202500"/>
+                    </a:cubicBezTo>
+                    <a:close/>
+                    <a:moveTo>
+                      <a:pt x="101250" y="67500"/>
+                    </a:moveTo>
+                    <a:cubicBezTo>
+                      <a:pt x="82610" y="67500"/>
+                      <a:pt x="67500" y="82610"/>
+                      <a:pt x="67500" y="101250"/>
+                    </a:cubicBezTo>
+                    <a:cubicBezTo>
+                      <a:pt x="67500" y="119890"/>
+                      <a:pt x="82610" y="135000"/>
+                      <a:pt x="101250" y="135000"/>
+                    </a:cubicBezTo>
+                    <a:cubicBezTo>
+                      <a:pt x="119890" y="135000"/>
+                      <a:pt x="135000" y="119890"/>
+                      <a:pt x="135000" y="101250"/>
+                    </a:cubicBezTo>
+                    <a:cubicBezTo>
+                      <a:pt x="135000" y="82610"/>
+                      <a:pt x="119890" y="67500"/>
+                      <a:pt x="101250" y="67500"/>
+                    </a:cubicBezTo>
+                    <a:close/>
+                  </a:path>
+                </a:pathLst>
+              </a:custGeom>
+              <a:solidFill>
+                <a:srgbClr val="000000"/>
+              </a:solidFill>
+              <a:ln w="19050" cap="flat">
+                <a:solidFill>
+                  <a:srgbClr val="00FF00"/>
+                </a:solidFill>
+                <a:prstDash val="solid"/>
+                <a:miter/>
+              </a:ln>
+            </p:spPr>
+            <p:txBody>
+              <a:bodyPr rtlCol="0" anchor="ctr"/>
+              <a:lstStyle/>
+              <a:p>
+                <a:endParaRPr lang="es-ES"/>
+              </a:p>
+            </p:txBody>
+          </p:sp>
+          <p:sp>
+            <p:nvSpPr>
+              <p:cNvPr id="58" name="Freeform: Shape 57">
+                <a:extLst>
+                  <a:ext uri="{FF2B5EF4-FFF2-40B4-BE49-F238E27FC236}">
+                    <a16:creationId xmlns:a16="http://schemas.microsoft.com/office/drawing/2014/main" id="{F547A8C7-DCF1-377F-0007-8F774C0AD35D}"/>
+                  </a:ext>
+                </a:extLst>
+              </p:cNvPr>
+              <p:cNvSpPr/>
+              <p:nvPr/>
+            </p:nvSpPr>
+            <p:spPr>
+              <a:xfrm>
+                <a:off x="10204935" y="8296779"/>
+                <a:ext cx="202500" cy="202500"/>
+              </a:xfrm>
+              <a:custGeom>
+                <a:avLst/>
+                <a:gdLst>
+                  <a:gd name="connsiteX0" fmla="*/ 101250 w 202500"/>
+                  <a:gd name="connsiteY0" fmla="*/ 202500 h 202500"/>
+                  <a:gd name="connsiteX1" fmla="*/ 0 w 202500"/>
+                  <a:gd name="connsiteY1" fmla="*/ 101250 h 202500"/>
+                  <a:gd name="connsiteX2" fmla="*/ 101250 w 202500"/>
+                  <a:gd name="connsiteY2" fmla="*/ 0 h 202500"/>
+                  <a:gd name="connsiteX3" fmla="*/ 202500 w 202500"/>
+                  <a:gd name="connsiteY3" fmla="*/ 101250 h 202500"/>
+                  <a:gd name="connsiteX4" fmla="*/ 101250 w 202500"/>
+                  <a:gd name="connsiteY4" fmla="*/ 202500 h 202500"/>
+                  <a:gd name="connsiteX5" fmla="*/ 101250 w 202500"/>
+                  <a:gd name="connsiteY5" fmla="*/ 67500 h 202500"/>
+                  <a:gd name="connsiteX6" fmla="*/ 67500 w 202500"/>
+                  <a:gd name="connsiteY6" fmla="*/ 101250 h 202500"/>
+                  <a:gd name="connsiteX7" fmla="*/ 101250 w 202500"/>
+                  <a:gd name="connsiteY7" fmla="*/ 135000 h 202500"/>
+                  <a:gd name="connsiteX8" fmla="*/ 135000 w 202500"/>
+                  <a:gd name="connsiteY8" fmla="*/ 101250 h 202500"/>
+                  <a:gd name="connsiteX9" fmla="*/ 101250 w 202500"/>
+                  <a:gd name="connsiteY9" fmla="*/ 67500 h 202500"/>
+                </a:gdLst>
+                <a:ahLst/>
+                <a:cxnLst>
+                  <a:cxn ang="0">
+                    <a:pos x="connsiteX0" y="connsiteY0"/>
+                  </a:cxn>
+                  <a:cxn ang="0">
+                    <a:pos x="connsiteX1" y="connsiteY1"/>
+                  </a:cxn>
+                  <a:cxn ang="0">
+                    <a:pos x="connsiteX2" y="connsiteY2"/>
+                  </a:cxn>
+                  <a:cxn ang="0">
+                    <a:pos x="connsiteX3" y="connsiteY3"/>
+                  </a:cxn>
+                  <a:cxn ang="0">
+                    <a:pos x="connsiteX4" y="connsiteY4"/>
+                  </a:cxn>
+                  <a:cxn ang="0">
+                    <a:pos x="connsiteX5" y="connsiteY5"/>
+                  </a:cxn>
+                  <a:cxn ang="0">
+                    <a:pos x="connsiteX6" y="connsiteY6"/>
+                  </a:cxn>
+                  <a:cxn ang="0">
+                    <a:pos x="connsiteX7" y="connsiteY7"/>
+                  </a:cxn>
+                  <a:cxn ang="0">
+                    <a:pos x="connsiteX8" y="connsiteY8"/>
+                  </a:cxn>
+                  <a:cxn ang="0">
+                    <a:pos x="connsiteX9" y="connsiteY9"/>
+                  </a:cxn>
+                </a:cxnLst>
+                <a:rect l="l" t="t" r="r" b="b"/>
+                <a:pathLst>
+                  <a:path w="202500" h="202500">
+                    <a:moveTo>
+                      <a:pt x="101250" y="202500"/>
+                    </a:moveTo>
+                    <a:cubicBezTo>
+                      <a:pt x="45330" y="202500"/>
+                      <a:pt x="0" y="157170"/>
+                      <a:pt x="0" y="101250"/>
+                    </a:cubicBezTo>
+                    <a:cubicBezTo>
+                      <a:pt x="0" y="45330"/>
+                      <a:pt x="45330" y="0"/>
+                      <a:pt x="101250" y="0"/>
+                    </a:cubicBezTo>
+                    <a:cubicBezTo>
+                      <a:pt x="157170" y="0"/>
+                      <a:pt x="202500" y="45330"/>
+                      <a:pt x="202500" y="101250"/>
+                    </a:cubicBezTo>
+                    <a:cubicBezTo>
+                      <a:pt x="202500" y="157170"/>
+                      <a:pt x="157170" y="202500"/>
+                      <a:pt x="101250" y="202500"/>
+                    </a:cubicBezTo>
+                    <a:close/>
+                    <a:moveTo>
+                      <a:pt x="101250" y="67500"/>
+                    </a:moveTo>
+                    <a:cubicBezTo>
+                      <a:pt x="82610" y="67500"/>
+                      <a:pt x="67500" y="82610"/>
+                      <a:pt x="67500" y="101250"/>
+                    </a:cubicBezTo>
+                    <a:cubicBezTo>
+                      <a:pt x="67500" y="119890"/>
+                      <a:pt x="82610" y="135000"/>
+                      <a:pt x="101250" y="135000"/>
+                    </a:cubicBezTo>
+                    <a:cubicBezTo>
+                      <a:pt x="119890" y="135000"/>
+                      <a:pt x="135000" y="119890"/>
+                      <a:pt x="135000" y="101250"/>
+                    </a:cubicBezTo>
+                    <a:cubicBezTo>
+                      <a:pt x="135000" y="82610"/>
+                      <a:pt x="119890" y="67500"/>
+                      <a:pt x="101250" y="67500"/>
+                    </a:cubicBezTo>
+                    <a:close/>
+                  </a:path>
+                </a:pathLst>
+              </a:custGeom>
+              <a:solidFill>
+                <a:srgbClr val="000000"/>
+              </a:solidFill>
+              <a:ln w="19050" cap="flat">
+                <a:solidFill>
+                  <a:srgbClr val="00FF00"/>
+                </a:solidFill>
+                <a:prstDash val="solid"/>
+                <a:miter/>
+              </a:ln>
+            </p:spPr>
+            <p:txBody>
+              <a:bodyPr rtlCol="0" anchor="ctr"/>
+              <a:lstStyle/>
+              <a:p>
+                <a:endParaRPr lang="es-ES"/>
+              </a:p>
+            </p:txBody>
+          </p:sp>
+        </p:grpSp>
+        <p:grpSp>
+          <p:nvGrpSpPr>
+            <p:cNvPr id="42" name="Graphic 26" descr="Mars outline">
+              <a:extLst>
+                <a:ext uri="{FF2B5EF4-FFF2-40B4-BE49-F238E27FC236}">
+                  <a16:creationId xmlns:a16="http://schemas.microsoft.com/office/drawing/2014/main" id="{A50868BF-8C25-2F46-75BB-DB884D3FCA02}"/>
+                </a:ext>
+              </a:extLst>
+            </p:cNvPr>
+            <p:cNvGrpSpPr/>
+            <p:nvPr/>
+          </p:nvGrpSpPr>
+          <p:grpSpPr>
+            <a:xfrm>
+              <a:off x="6545871" y="7888301"/>
+              <a:ext cx="1817800" cy="1817800"/>
+              <a:chOff x="6392104" y="8078949"/>
+              <a:chExt cx="1785000" cy="1785000"/>
+            </a:xfrm>
+            <a:solidFill>
+              <a:srgbClr val="000000"/>
+            </a:solidFill>
+          </p:grpSpPr>
+          <p:sp>
+            <p:nvSpPr>
+              <p:cNvPr id="43" name="Freeform: Shape 42">
+                <a:extLst>
+                  <a:ext uri="{FF2B5EF4-FFF2-40B4-BE49-F238E27FC236}">
+                    <a16:creationId xmlns:a16="http://schemas.microsoft.com/office/drawing/2014/main" id="{DA55059C-EDA7-6755-8A0D-B0D95AF44579}"/>
+                  </a:ext>
+                </a:extLst>
+              </p:cNvPr>
+              <p:cNvSpPr/>
+              <p:nvPr/>
+            </p:nvSpPr>
+            <p:spPr>
+              <a:xfrm>
+                <a:off x="6392104" y="8078949"/>
+                <a:ext cx="1785000" cy="1785000"/>
+              </a:xfrm>
+              <a:custGeom>
+                <a:avLst/>
+                <a:gdLst>
+                  <a:gd name="connsiteX0" fmla="*/ 892500 w 1785000"/>
+                  <a:gd name="connsiteY0" fmla="*/ 0 h 1785000"/>
+                  <a:gd name="connsiteX1" fmla="*/ 0 w 1785000"/>
+                  <a:gd name="connsiteY1" fmla="*/ 892500 h 1785000"/>
+                  <a:gd name="connsiteX2" fmla="*/ 892500 w 1785000"/>
+                  <a:gd name="connsiteY2" fmla="*/ 1785000 h 1785000"/>
+                  <a:gd name="connsiteX3" fmla="*/ 1785000 w 1785000"/>
+                  <a:gd name="connsiteY3" fmla="*/ 892500 h 1785000"/>
+                  <a:gd name="connsiteX4" fmla="*/ 892500 w 1785000"/>
+                  <a:gd name="connsiteY4" fmla="*/ 0 h 1785000"/>
+                  <a:gd name="connsiteX5" fmla="*/ 1727513 w 1785000"/>
+                  <a:gd name="connsiteY5" fmla="*/ 801728 h 1785000"/>
+                  <a:gd name="connsiteX6" fmla="*/ 1123290 w 1785000"/>
+                  <a:gd name="connsiteY6" fmla="*/ 722033 h 1785000"/>
+                  <a:gd name="connsiteX7" fmla="*/ 760672 w 1785000"/>
+                  <a:gd name="connsiteY7" fmla="*/ 758625 h 1785000"/>
+                  <a:gd name="connsiteX8" fmla="*/ 295838 w 1785000"/>
+                  <a:gd name="connsiteY8" fmla="*/ 802147 h 1785000"/>
+                  <a:gd name="connsiteX9" fmla="*/ 60532 w 1785000"/>
+                  <a:gd name="connsiteY9" fmla="*/ 778523 h 1785000"/>
+                  <a:gd name="connsiteX10" fmla="*/ 214672 w 1785000"/>
+                  <a:gd name="connsiteY10" fmla="*/ 397005 h 1785000"/>
+                  <a:gd name="connsiteX11" fmla="*/ 865358 w 1785000"/>
+                  <a:gd name="connsiteY11" fmla="*/ 432495 h 1785000"/>
+                  <a:gd name="connsiteX12" fmla="*/ 1565498 w 1785000"/>
+                  <a:gd name="connsiteY12" fmla="*/ 390495 h 1785000"/>
+                  <a:gd name="connsiteX13" fmla="*/ 1727513 w 1785000"/>
+                  <a:gd name="connsiteY13" fmla="*/ 801728 h 1785000"/>
+                  <a:gd name="connsiteX14" fmla="*/ 892500 w 1785000"/>
+                  <a:gd name="connsiteY14" fmla="*/ 52500 h 1785000"/>
+                  <a:gd name="connsiteX15" fmla="*/ 1526779 w 1785000"/>
+                  <a:gd name="connsiteY15" fmla="*/ 342720 h 1785000"/>
+                  <a:gd name="connsiteX16" fmla="*/ 865463 w 1785000"/>
+                  <a:gd name="connsiteY16" fmla="*/ 379995 h 1785000"/>
+                  <a:gd name="connsiteX17" fmla="*/ 253050 w 1785000"/>
+                  <a:gd name="connsiteY17" fmla="*/ 348679 h 1785000"/>
+                  <a:gd name="connsiteX18" fmla="*/ 892500 w 1785000"/>
+                  <a:gd name="connsiteY18" fmla="*/ 52500 h 1785000"/>
+                  <a:gd name="connsiteX19" fmla="*/ 892500 w 1785000"/>
+                  <a:gd name="connsiteY19" fmla="*/ 1732500 h 1785000"/>
+                  <a:gd name="connsiteX20" fmla="*/ 163459 w 1785000"/>
+                  <a:gd name="connsiteY20" fmla="*/ 1308930 h 1785000"/>
+                  <a:gd name="connsiteX21" fmla="*/ 225750 w 1785000"/>
+                  <a:gd name="connsiteY21" fmla="*/ 1321792 h 1785000"/>
+                  <a:gd name="connsiteX22" fmla="*/ 636983 w 1785000"/>
+                  <a:gd name="connsiteY22" fmla="*/ 1379752 h 1785000"/>
+                  <a:gd name="connsiteX23" fmla="*/ 1082340 w 1785000"/>
+                  <a:gd name="connsiteY23" fmla="*/ 1335390 h 1785000"/>
+                  <a:gd name="connsiteX24" fmla="*/ 1412040 w 1785000"/>
+                  <a:gd name="connsiteY24" fmla="*/ 1299533 h 1785000"/>
+                  <a:gd name="connsiteX25" fmla="*/ 1619783 w 1785000"/>
+                  <a:gd name="connsiteY25" fmla="*/ 1312001 h 1785000"/>
+                  <a:gd name="connsiteX26" fmla="*/ 892500 w 1785000"/>
+                  <a:gd name="connsiteY26" fmla="*/ 1732500 h 1785000"/>
+                  <a:gd name="connsiteX27" fmla="*/ 1646558 w 1785000"/>
+                  <a:gd name="connsiteY27" fmla="*/ 1262153 h 1785000"/>
+                  <a:gd name="connsiteX28" fmla="*/ 1412040 w 1785000"/>
+                  <a:gd name="connsiteY28" fmla="*/ 1247033 h 1785000"/>
+                  <a:gd name="connsiteX29" fmla="*/ 1072549 w 1785000"/>
+                  <a:gd name="connsiteY29" fmla="*/ 1283783 h 1785000"/>
+                  <a:gd name="connsiteX30" fmla="*/ 636983 w 1785000"/>
+                  <a:gd name="connsiteY30" fmla="*/ 1327226 h 1785000"/>
+                  <a:gd name="connsiteX31" fmla="*/ 236460 w 1785000"/>
+                  <a:gd name="connsiteY31" fmla="*/ 1270369 h 1785000"/>
+                  <a:gd name="connsiteX32" fmla="*/ 132326 w 1785000"/>
+                  <a:gd name="connsiteY32" fmla="*/ 1249369 h 1785000"/>
+                  <a:gd name="connsiteX33" fmla="*/ 52500 w 1785000"/>
+                  <a:gd name="connsiteY33" fmla="*/ 892500 h 1785000"/>
+                  <a:gd name="connsiteX34" fmla="*/ 54994 w 1785000"/>
+                  <a:gd name="connsiteY34" fmla="*/ 831023 h 1785000"/>
+                  <a:gd name="connsiteX35" fmla="*/ 295733 w 1785000"/>
+                  <a:gd name="connsiteY35" fmla="*/ 854647 h 1785000"/>
+                  <a:gd name="connsiteX36" fmla="*/ 769309 w 1785000"/>
+                  <a:gd name="connsiteY36" fmla="*/ 810364 h 1785000"/>
+                  <a:gd name="connsiteX37" fmla="*/ 1123290 w 1785000"/>
+                  <a:gd name="connsiteY37" fmla="*/ 774428 h 1785000"/>
+                  <a:gd name="connsiteX38" fmla="*/ 1731581 w 1785000"/>
+                  <a:gd name="connsiteY38" fmla="*/ 856538 h 1785000"/>
+                  <a:gd name="connsiteX39" fmla="*/ 1732500 w 1785000"/>
+                  <a:gd name="connsiteY39" fmla="*/ 892395 h 1785000"/>
+                  <a:gd name="connsiteX40" fmla="*/ 1646558 w 1785000"/>
+                  <a:gd name="connsiteY40" fmla="*/ 1262153 h 1785000"/>
+                </a:gdLst>
+                <a:ahLst/>
+                <a:cxnLst>
+                  <a:cxn ang="0">
+                    <a:pos x="connsiteX0" y="connsiteY0"/>
+                  </a:cxn>
+                  <a:cxn ang="0">
+                    <a:pos x="connsiteX1" y="connsiteY1"/>
+                  </a:cxn>
+                  <a:cxn ang="0">
+                    <a:pos x="connsiteX2" y="connsiteY2"/>
+                  </a:cxn>
+                  <a:cxn ang="0">
+                    <a:pos x="connsiteX3" y="connsiteY3"/>
+                  </a:cxn>
+                  <a:cxn ang="0">
+                    <a:pos x="connsiteX4" y="connsiteY4"/>
+                  </a:cxn>
+                  <a:cxn ang="0">
+                    <a:pos x="connsiteX5" y="connsiteY5"/>
+                  </a:cxn>
+                  <a:cxn ang="0">
+                    <a:pos x="connsiteX6" y="connsiteY6"/>
+                  </a:cxn>
+                  <a:cxn ang="0">
+                    <a:pos x="connsiteX7" y="connsiteY7"/>
+                  </a:cxn>
+                  <a:cxn ang="0">
+                    <a:pos x="connsiteX8" y="connsiteY8"/>
+                  </a:cxn>
+                  <a:cxn ang="0">
+                    <a:pos x="connsiteX9" y="connsiteY9"/>
+                  </a:cxn>
+                  <a:cxn ang="0">
+                    <a:pos x="connsiteX10" y="connsiteY10"/>
+                  </a:cxn>
+                  <a:cxn ang="0">
+                    <a:pos x="connsiteX11" y="connsiteY11"/>
+                  </a:cxn>
+                  <a:cxn ang="0">
+                    <a:pos x="connsiteX12" y="connsiteY12"/>
+                  </a:cxn>
+                  <a:cxn ang="0">
+                    <a:pos x="connsiteX13" y="connsiteY13"/>
+                  </a:cxn>
+                  <a:cxn ang="0">
+                    <a:pos x="connsiteX14" y="connsiteY14"/>
+                  </a:cxn>
+                  <a:cxn ang="0">
+                    <a:pos x="connsiteX15" y="connsiteY15"/>
+                  </a:cxn>
+                  <a:cxn ang="0">
+                    <a:pos x="connsiteX16" y="connsiteY16"/>
+                  </a:cxn>
+                  <a:cxn ang="0">
+                    <a:pos x="connsiteX17" y="connsiteY17"/>
+                  </a:cxn>
+                  <a:cxn ang="0">
+                    <a:pos x="connsiteX18" y="connsiteY18"/>
+                  </a:cxn>
+                  <a:cxn ang="0">
+                    <a:pos x="connsiteX19" y="connsiteY19"/>
+                  </a:cxn>
+                  <a:cxn ang="0">
+                    <a:pos x="connsiteX20" y="connsiteY20"/>
+                  </a:cxn>
+                  <a:cxn ang="0">
+                    <a:pos x="connsiteX21" y="connsiteY21"/>
+                  </a:cxn>
+                  <a:cxn ang="0">
+                    <a:pos x="connsiteX22" y="connsiteY22"/>
+                  </a:cxn>
+                  <a:cxn ang="0">
+                    <a:pos x="connsiteX23" y="connsiteY23"/>
+                  </a:cxn>
+                  <a:cxn ang="0">
+                    <a:pos x="connsiteX24" y="connsiteY24"/>
+                  </a:cxn>
+                  <a:cxn ang="0">
+                    <a:pos x="connsiteX25" y="connsiteY25"/>
+                  </a:cxn>
+                  <a:cxn ang="0">
+                    <a:pos x="connsiteX26" y="connsiteY26"/>
+                  </a:cxn>
+                  <a:cxn ang="0">
+                    <a:pos x="connsiteX27" y="connsiteY27"/>
+                  </a:cxn>
+                  <a:cxn ang="0">
+                    <a:pos x="connsiteX28" y="connsiteY28"/>
+                  </a:cxn>
+                  <a:cxn ang="0">
+                    <a:pos x="connsiteX29" y="connsiteY29"/>
+                  </a:cxn>
+                  <a:cxn ang="0">
+                    <a:pos x="connsiteX30" y="connsiteY30"/>
+                  </a:cxn>
+                  <a:cxn ang="0">
+                    <a:pos x="connsiteX31" y="connsiteY31"/>
+                  </a:cxn>
+                  <a:cxn ang="0">
+                    <a:pos x="connsiteX32" y="connsiteY32"/>
+                  </a:cxn>
+                  <a:cxn ang="0">
+                    <a:pos x="connsiteX33" y="connsiteY33"/>
+                  </a:cxn>
+                  <a:cxn ang="0">
+                    <a:pos x="connsiteX34" y="connsiteY34"/>
+                  </a:cxn>
+                  <a:cxn ang="0">
+                    <a:pos x="connsiteX35" y="connsiteY35"/>
+                  </a:cxn>
+                  <a:cxn ang="0">
+                    <a:pos x="connsiteX36" y="connsiteY36"/>
+                  </a:cxn>
+                  <a:cxn ang="0">
+                    <a:pos x="connsiteX37" y="connsiteY37"/>
+                  </a:cxn>
+                  <a:cxn ang="0">
+                    <a:pos x="connsiteX38" y="connsiteY38"/>
+                  </a:cxn>
+                  <a:cxn ang="0">
+                    <a:pos x="connsiteX39" y="connsiteY39"/>
+                  </a:cxn>
+                  <a:cxn ang="0">
+                    <a:pos x="connsiteX40" y="connsiteY40"/>
+                  </a:cxn>
+                </a:cxnLst>
+                <a:rect l="l" t="t" r="r" b="b"/>
+                <a:pathLst>
+                  <a:path w="1785000" h="1785000">
+                    <a:moveTo>
+                      <a:pt x="892500" y="0"/>
+                    </a:moveTo>
+                    <a:cubicBezTo>
+                      <a:pt x="399585" y="0"/>
+                      <a:pt x="0" y="399585"/>
+                      <a:pt x="0" y="892500"/>
+                    </a:cubicBezTo>
+                    <a:cubicBezTo>
+                      <a:pt x="0" y="1385415"/>
+                      <a:pt x="399585" y="1785000"/>
+                      <a:pt x="892500" y="1785000"/>
+                    </a:cubicBezTo>
+                    <a:cubicBezTo>
+                      <a:pt x="1385415" y="1785000"/>
+                      <a:pt x="1785000" y="1385415"/>
+                      <a:pt x="1785000" y="892500"/>
+                    </a:cubicBezTo>
+                    <a:cubicBezTo>
+                      <a:pt x="1784451" y="399814"/>
+                      <a:pt x="1385186" y="549"/>
+                      <a:pt x="892500" y="0"/>
+                    </a:cubicBezTo>
+                    <a:close/>
+                    <a:moveTo>
+                      <a:pt x="1727513" y="801728"/>
+                    </a:moveTo>
+                    <a:cubicBezTo>
+                      <a:pt x="1529551" y="753546"/>
+                      <a:pt x="1326974" y="726828"/>
+                      <a:pt x="1123290" y="722033"/>
+                    </a:cubicBezTo>
+                    <a:cubicBezTo>
+                      <a:pt x="1001553" y="723132"/>
+                      <a:pt x="880173" y="735381"/>
+                      <a:pt x="760672" y="758625"/>
+                    </a:cubicBezTo>
+                    <a:cubicBezTo>
+                      <a:pt x="607433" y="787660"/>
+                      <a:pt x="451804" y="802232"/>
+                      <a:pt x="295838" y="802147"/>
+                    </a:cubicBezTo>
+                    <a:cubicBezTo>
+                      <a:pt x="216833" y="801722"/>
+                      <a:pt x="138046" y="793810"/>
+                      <a:pt x="60532" y="778523"/>
+                    </a:cubicBezTo>
+                    <a:cubicBezTo>
+                      <a:pt x="79286" y="640484"/>
+                      <a:pt x="132274" y="509329"/>
+                      <a:pt x="214672" y="397005"/>
+                    </a:cubicBezTo>
+                    <a:cubicBezTo>
+                      <a:pt x="430678" y="421635"/>
+                      <a:pt x="647952" y="433485"/>
+                      <a:pt x="865358" y="432495"/>
+                    </a:cubicBezTo>
+                    <a:cubicBezTo>
+                      <a:pt x="1099410" y="434031"/>
+                      <a:pt x="1333306" y="420000"/>
+                      <a:pt x="1565498" y="390495"/>
+                    </a:cubicBezTo>
+                    <a:cubicBezTo>
+                      <a:pt x="1655433" y="510547"/>
+                      <a:pt x="1711395" y="652593"/>
+                      <a:pt x="1727513" y="801728"/>
+                    </a:cubicBezTo>
+                    <a:close/>
+                    <a:moveTo>
+                      <a:pt x="892500" y="52500"/>
+                    </a:moveTo>
+                    <a:cubicBezTo>
+                      <a:pt x="1136050" y="52490"/>
+                      <a:pt x="1367562" y="158419"/>
+                      <a:pt x="1526779" y="342720"/>
+                    </a:cubicBezTo>
+                    <a:cubicBezTo>
+                      <a:pt x="1307318" y="368765"/>
+                      <a:pt x="1086459" y="381213"/>
+                      <a:pt x="865463" y="379995"/>
+                    </a:cubicBezTo>
+                    <a:cubicBezTo>
+                      <a:pt x="660907" y="380764"/>
+                      <a:pt x="456461" y="370311"/>
+                      <a:pt x="253050" y="348679"/>
+                    </a:cubicBezTo>
+                    <a:cubicBezTo>
+                      <a:pt x="412340" y="160807"/>
+                      <a:pt x="646188" y="52492"/>
+                      <a:pt x="892500" y="52500"/>
+                    </a:cubicBezTo>
+                    <a:close/>
+                    <a:moveTo>
+                      <a:pt x="892500" y="1732500"/>
+                    </a:moveTo>
+                    <a:cubicBezTo>
+                      <a:pt x="591111" y="1732266"/>
+                      <a:pt x="312929" y="1570643"/>
+                      <a:pt x="163459" y="1308930"/>
+                    </a:cubicBezTo>
+                    <a:cubicBezTo>
+                      <a:pt x="183592" y="1312999"/>
+                      <a:pt x="204435" y="1317330"/>
+                      <a:pt x="225750" y="1321792"/>
+                    </a:cubicBezTo>
+                    <a:cubicBezTo>
+                      <a:pt x="356291" y="1348961"/>
+                      <a:pt x="504236" y="1379752"/>
+                      <a:pt x="636983" y="1379752"/>
+                    </a:cubicBezTo>
+                    <a:cubicBezTo>
+                      <a:pt x="786597" y="1380981"/>
+                      <a:pt x="935910" y="1366108"/>
+                      <a:pt x="1082340" y="1335390"/>
+                    </a:cubicBezTo>
+                    <a:cubicBezTo>
+                      <a:pt x="1190679" y="1311904"/>
+                      <a:pt x="1301186" y="1299884"/>
+                      <a:pt x="1412040" y="1299533"/>
+                    </a:cubicBezTo>
+                    <a:cubicBezTo>
+                      <a:pt x="1481463" y="1299916"/>
+                      <a:pt x="1550813" y="1304076"/>
+                      <a:pt x="1619783" y="1312001"/>
+                    </a:cubicBezTo>
+                    <a:cubicBezTo>
+                      <a:pt x="1469837" y="1571984"/>
+                      <a:pt x="1192624" y="1732264"/>
+                      <a:pt x="892500" y="1732500"/>
+                    </a:cubicBezTo>
+                    <a:close/>
+                    <a:moveTo>
+                      <a:pt x="1646558" y="1262153"/>
+                    </a:moveTo>
+                    <a:cubicBezTo>
+                      <a:pt x="1568750" y="1252516"/>
+                      <a:pt x="1490441" y="1247468"/>
+                      <a:pt x="1412040" y="1247033"/>
+                    </a:cubicBezTo>
+                    <a:cubicBezTo>
+                      <a:pt x="1297900" y="1247332"/>
+                      <a:pt x="1184109" y="1259648"/>
+                      <a:pt x="1072549" y="1283783"/>
+                    </a:cubicBezTo>
+                    <a:cubicBezTo>
+                      <a:pt x="929339" y="1313841"/>
+                      <a:pt x="783308" y="1328408"/>
+                      <a:pt x="636983" y="1327226"/>
+                    </a:cubicBezTo>
+                    <a:cubicBezTo>
+                      <a:pt x="509644" y="1327226"/>
+                      <a:pt x="364508" y="1297013"/>
+                      <a:pt x="236460" y="1270369"/>
+                    </a:cubicBezTo>
+                    <a:cubicBezTo>
+                      <a:pt x="199841" y="1262730"/>
+                      <a:pt x="165191" y="1255643"/>
+                      <a:pt x="132326" y="1249369"/>
+                    </a:cubicBezTo>
+                    <a:cubicBezTo>
+                      <a:pt x="79669" y="1137775"/>
+                      <a:pt x="52406" y="1015893"/>
+                      <a:pt x="52500" y="892500"/>
+                    </a:cubicBezTo>
+                    <a:cubicBezTo>
+                      <a:pt x="52500" y="871815"/>
+                      <a:pt x="53498" y="851366"/>
+                      <a:pt x="54994" y="831023"/>
+                    </a:cubicBezTo>
+                    <a:cubicBezTo>
+                      <a:pt x="134342" y="846287"/>
+                      <a:pt x="214930" y="854193"/>
+                      <a:pt x="295733" y="854647"/>
+                    </a:cubicBezTo>
+                    <a:cubicBezTo>
+                      <a:pt x="454632" y="854781"/>
+                      <a:pt x="613190" y="839955"/>
+                      <a:pt x="769309" y="810364"/>
+                    </a:cubicBezTo>
+                    <a:cubicBezTo>
+                      <a:pt x="885964" y="787634"/>
+                      <a:pt x="1004448" y="775606"/>
+                      <a:pt x="1123290" y="774428"/>
+                    </a:cubicBezTo>
+                    <a:cubicBezTo>
+                      <a:pt x="1349959" y="774428"/>
+                      <a:pt x="1595265" y="824040"/>
+                      <a:pt x="1731581" y="856538"/>
+                    </a:cubicBezTo>
+                    <a:cubicBezTo>
+                      <a:pt x="1732080" y="868429"/>
+                      <a:pt x="1732500" y="880372"/>
+                      <a:pt x="1732500" y="892395"/>
+                    </a:cubicBezTo>
+                    <a:cubicBezTo>
+                      <a:pt x="1732631" y="1020613"/>
+                      <a:pt x="1703223" y="1147136"/>
+                      <a:pt x="1646558" y="1262153"/>
+                    </a:cubicBezTo>
+                    <a:close/>
+                  </a:path>
+                </a:pathLst>
+              </a:custGeom>
+              <a:solidFill>
+                <a:srgbClr val="000000"/>
+              </a:solidFill>
+              <a:ln w="19050" cap="flat">
+                <a:solidFill>
+                  <a:srgbClr val="FF0000"/>
+                </a:solidFill>
+                <a:prstDash val="solid"/>
+                <a:miter/>
+              </a:ln>
+            </p:spPr>
+            <p:txBody>
+              <a:bodyPr rtlCol="0" anchor="ctr"/>
+              <a:lstStyle/>
+              <a:p>
+                <a:endParaRPr lang="es-ES" dirty="0"/>
+              </a:p>
+            </p:txBody>
+          </p:sp>
+          <p:sp>
+            <p:nvSpPr>
+              <p:cNvPr id="44" name="Freeform: Shape 43">
+                <a:extLst>
+                  <a:ext uri="{FF2B5EF4-FFF2-40B4-BE49-F238E27FC236}">
+                    <a16:creationId xmlns:a16="http://schemas.microsoft.com/office/drawing/2014/main" id="{302C08C1-E162-AF75-ED51-E19AA48E5C52}"/>
+                  </a:ext>
+                </a:extLst>
+              </p:cNvPr>
+              <p:cNvSpPr/>
+              <p:nvPr/>
+            </p:nvSpPr>
+            <p:spPr>
+              <a:xfrm>
+                <a:off x="7662840" y="8571084"/>
+                <a:ext cx="157500" cy="157500"/>
+              </a:xfrm>
+              <a:custGeom>
+                <a:avLst/>
+                <a:gdLst>
+                  <a:gd name="connsiteX0" fmla="*/ 78750 w 157500"/>
+                  <a:gd name="connsiteY0" fmla="*/ 0 h 157500"/>
+                  <a:gd name="connsiteX1" fmla="*/ 0 w 157500"/>
+                  <a:gd name="connsiteY1" fmla="*/ 78750 h 157500"/>
+                  <a:gd name="connsiteX2" fmla="*/ 78750 w 157500"/>
+                  <a:gd name="connsiteY2" fmla="*/ 157500 h 157500"/>
+                  <a:gd name="connsiteX3" fmla="*/ 157500 w 157500"/>
+                  <a:gd name="connsiteY3" fmla="*/ 78750 h 157500"/>
+                  <a:gd name="connsiteX4" fmla="*/ 78750 w 157500"/>
+                  <a:gd name="connsiteY4" fmla="*/ 0 h 157500"/>
+                  <a:gd name="connsiteX5" fmla="*/ 78750 w 157500"/>
+                  <a:gd name="connsiteY5" fmla="*/ 105000 h 157500"/>
+                  <a:gd name="connsiteX6" fmla="*/ 52500 w 157500"/>
+                  <a:gd name="connsiteY6" fmla="*/ 78750 h 157500"/>
+                  <a:gd name="connsiteX7" fmla="*/ 78750 w 157500"/>
+                  <a:gd name="connsiteY7" fmla="*/ 52500 h 157500"/>
+                  <a:gd name="connsiteX8" fmla="*/ 105000 w 157500"/>
+                  <a:gd name="connsiteY8" fmla="*/ 78750 h 157500"/>
+                  <a:gd name="connsiteX9" fmla="*/ 78750 w 157500"/>
+                  <a:gd name="connsiteY9" fmla="*/ 105000 h 157500"/>
+                </a:gdLst>
+                <a:ahLst/>
+                <a:cxnLst>
+                  <a:cxn ang="0">
+                    <a:pos x="connsiteX0" y="connsiteY0"/>
+                  </a:cxn>
+                  <a:cxn ang="0">
+                    <a:pos x="connsiteX1" y="connsiteY1"/>
+                  </a:cxn>
+                  <a:cxn ang="0">
+                    <a:pos x="connsiteX2" y="connsiteY2"/>
+                  </a:cxn>
+                  <a:cxn ang="0">
+                    <a:pos x="connsiteX3" y="connsiteY3"/>
+                  </a:cxn>
+                  <a:cxn ang="0">
+                    <a:pos x="connsiteX4" y="connsiteY4"/>
+                  </a:cxn>
+                  <a:cxn ang="0">
+                    <a:pos x="connsiteX5" y="connsiteY5"/>
+                  </a:cxn>
+                  <a:cxn ang="0">
+                    <a:pos x="connsiteX6" y="connsiteY6"/>
+                  </a:cxn>
+                  <a:cxn ang="0">
+                    <a:pos x="connsiteX7" y="connsiteY7"/>
+                  </a:cxn>
+                  <a:cxn ang="0">
+                    <a:pos x="connsiteX8" y="connsiteY8"/>
+                  </a:cxn>
+                  <a:cxn ang="0">
+                    <a:pos x="connsiteX9" y="connsiteY9"/>
+                  </a:cxn>
+                </a:cxnLst>
+                <a:rect l="l" t="t" r="r" b="b"/>
+                <a:pathLst>
+                  <a:path w="157500" h="157500">
+                    <a:moveTo>
+                      <a:pt x="78750" y="0"/>
+                    </a:moveTo>
+                    <a:cubicBezTo>
+                      <a:pt x="35256" y="0"/>
+                      <a:pt x="0" y="35256"/>
+                      <a:pt x="0" y="78750"/>
+                    </a:cubicBezTo>
+                    <a:cubicBezTo>
+                      <a:pt x="0" y="122244"/>
+                      <a:pt x="35256" y="157500"/>
+                      <a:pt x="78750" y="157500"/>
+                    </a:cubicBezTo>
+                    <a:cubicBezTo>
+                      <a:pt x="122244" y="157500"/>
+                      <a:pt x="157500" y="122244"/>
+                      <a:pt x="157500" y="78750"/>
+                    </a:cubicBezTo>
+                    <a:cubicBezTo>
+                      <a:pt x="157500" y="35256"/>
+                      <a:pt x="122244" y="0"/>
+                      <a:pt x="78750" y="0"/>
+                    </a:cubicBezTo>
+                    <a:close/>
+                    <a:moveTo>
+                      <a:pt x="78750" y="105000"/>
+                    </a:moveTo>
+                    <a:cubicBezTo>
+                      <a:pt x="64252" y="105000"/>
+                      <a:pt x="52500" y="93248"/>
+                      <a:pt x="52500" y="78750"/>
+                    </a:cubicBezTo>
+                    <a:cubicBezTo>
+                      <a:pt x="52500" y="64252"/>
+                      <a:pt x="64252" y="52500"/>
+                      <a:pt x="78750" y="52500"/>
+                    </a:cubicBezTo>
+                    <a:cubicBezTo>
+                      <a:pt x="93248" y="52500"/>
+                      <a:pt x="105000" y="64252"/>
+                      <a:pt x="105000" y="78750"/>
+                    </a:cubicBezTo>
+                    <a:cubicBezTo>
+                      <a:pt x="105000" y="93248"/>
+                      <a:pt x="93248" y="105000"/>
+                      <a:pt x="78750" y="105000"/>
+                    </a:cubicBezTo>
+                    <a:close/>
+                  </a:path>
+                </a:pathLst>
+              </a:custGeom>
+              <a:solidFill>
+                <a:srgbClr val="000000"/>
+              </a:solidFill>
+              <a:ln w="19050" cap="flat">
+                <a:solidFill>
+                  <a:srgbClr val="FF0000"/>
+                </a:solidFill>
+                <a:prstDash val="solid"/>
+                <a:miter/>
+              </a:ln>
+            </p:spPr>
+            <p:txBody>
+              <a:bodyPr rtlCol="0" anchor="ctr"/>
+              <a:lstStyle/>
+              <a:p>
+                <a:endParaRPr lang="es-ES"/>
+              </a:p>
+            </p:txBody>
+          </p:sp>
+          <p:sp>
+            <p:nvSpPr>
+              <p:cNvPr id="45" name="Freeform: Shape 44">
+                <a:extLst>
+                  <a:ext uri="{FF2B5EF4-FFF2-40B4-BE49-F238E27FC236}">
+                    <a16:creationId xmlns:a16="http://schemas.microsoft.com/office/drawing/2014/main" id="{39AB8062-9B69-16DB-F2B5-B272C0613911}"/>
+                  </a:ext>
+                </a:extLst>
+              </p:cNvPr>
+              <p:cNvSpPr/>
+              <p:nvPr/>
+            </p:nvSpPr>
+            <p:spPr>
+              <a:xfrm>
+                <a:off x="7081902" y="8223481"/>
+                <a:ext cx="157500" cy="157500"/>
+              </a:xfrm>
+              <a:custGeom>
+                <a:avLst/>
+                <a:gdLst>
+                  <a:gd name="connsiteX0" fmla="*/ 78750 w 157500"/>
+                  <a:gd name="connsiteY0" fmla="*/ 157500 h 157500"/>
+                  <a:gd name="connsiteX1" fmla="*/ 157500 w 157500"/>
+                  <a:gd name="connsiteY1" fmla="*/ 78750 h 157500"/>
+                  <a:gd name="connsiteX2" fmla="*/ 78750 w 157500"/>
+                  <a:gd name="connsiteY2" fmla="*/ 0 h 157500"/>
+                  <a:gd name="connsiteX3" fmla="*/ 0 w 157500"/>
+                  <a:gd name="connsiteY3" fmla="*/ 78750 h 157500"/>
+                  <a:gd name="connsiteX4" fmla="*/ 78750 w 157500"/>
+                  <a:gd name="connsiteY4" fmla="*/ 157500 h 157500"/>
+                  <a:gd name="connsiteX5" fmla="*/ 78750 w 157500"/>
+                  <a:gd name="connsiteY5" fmla="*/ 52500 h 157500"/>
+                  <a:gd name="connsiteX6" fmla="*/ 105000 w 157500"/>
+                  <a:gd name="connsiteY6" fmla="*/ 78750 h 157500"/>
+                  <a:gd name="connsiteX7" fmla="*/ 78750 w 157500"/>
+                  <a:gd name="connsiteY7" fmla="*/ 105000 h 157500"/>
+                  <a:gd name="connsiteX8" fmla="*/ 52500 w 157500"/>
+                  <a:gd name="connsiteY8" fmla="*/ 78750 h 157500"/>
+                  <a:gd name="connsiteX9" fmla="*/ 78750 w 157500"/>
+                  <a:gd name="connsiteY9" fmla="*/ 52500 h 157500"/>
+                </a:gdLst>
+                <a:ahLst/>
+                <a:cxnLst>
+                  <a:cxn ang="0">
+                    <a:pos x="connsiteX0" y="connsiteY0"/>
+                  </a:cxn>
+                  <a:cxn ang="0">
+                    <a:pos x="connsiteX1" y="connsiteY1"/>
+                  </a:cxn>
+                  <a:cxn ang="0">
+                    <a:pos x="connsiteX2" y="connsiteY2"/>
+                  </a:cxn>
+                  <a:cxn ang="0">
+                    <a:pos x="connsiteX3" y="connsiteY3"/>
+                  </a:cxn>
+                  <a:cxn ang="0">
+                    <a:pos x="connsiteX4" y="connsiteY4"/>
+                  </a:cxn>
+                  <a:cxn ang="0">
+                    <a:pos x="connsiteX5" y="connsiteY5"/>
+                  </a:cxn>
+                  <a:cxn ang="0">
+                    <a:pos x="connsiteX6" y="connsiteY6"/>
+                  </a:cxn>
+                  <a:cxn ang="0">
+                    <a:pos x="connsiteX7" y="connsiteY7"/>
+                  </a:cxn>
+                  <a:cxn ang="0">
+                    <a:pos x="connsiteX8" y="connsiteY8"/>
+                  </a:cxn>
+                  <a:cxn ang="0">
+                    <a:pos x="connsiteX9" y="connsiteY9"/>
+                  </a:cxn>
+                </a:cxnLst>
+                <a:rect l="l" t="t" r="r" b="b"/>
+                <a:pathLst>
+                  <a:path w="157500" h="157500">
+                    <a:moveTo>
+                      <a:pt x="78750" y="157500"/>
+                    </a:moveTo>
+                    <a:cubicBezTo>
+                      <a:pt x="122244" y="157500"/>
+                      <a:pt x="157500" y="122244"/>
+                      <a:pt x="157500" y="78750"/>
+                    </a:cubicBezTo>
+                    <a:cubicBezTo>
+                      <a:pt x="157500" y="35256"/>
+                      <a:pt x="122244" y="0"/>
+                      <a:pt x="78750" y="0"/>
+                    </a:cubicBezTo>
+                    <a:cubicBezTo>
+                      <a:pt x="35256" y="0"/>
+                      <a:pt x="0" y="35256"/>
+                      <a:pt x="0" y="78750"/>
+                    </a:cubicBezTo>
+                    <a:cubicBezTo>
+                      <a:pt x="0" y="122244"/>
+                      <a:pt x="35256" y="157500"/>
+                      <a:pt x="78750" y="157500"/>
+                    </a:cubicBezTo>
+                    <a:close/>
+                    <a:moveTo>
+                      <a:pt x="78750" y="52500"/>
+                    </a:moveTo>
+                    <a:cubicBezTo>
+                      <a:pt x="93248" y="52500"/>
+                      <a:pt x="105000" y="64252"/>
+                      <a:pt x="105000" y="78750"/>
+                    </a:cubicBezTo>
+                    <a:cubicBezTo>
+                      <a:pt x="105000" y="93248"/>
+                      <a:pt x="93248" y="105000"/>
+                      <a:pt x="78750" y="105000"/>
+                    </a:cubicBezTo>
+                    <a:cubicBezTo>
+                      <a:pt x="64252" y="105000"/>
+                      <a:pt x="52500" y="93248"/>
+                      <a:pt x="52500" y="78750"/>
+                    </a:cubicBezTo>
+                    <a:cubicBezTo>
+                      <a:pt x="52500" y="64252"/>
+                      <a:pt x="64252" y="52500"/>
+                      <a:pt x="78750" y="52500"/>
+                    </a:cubicBezTo>
+                    <a:close/>
+                  </a:path>
+                </a:pathLst>
+              </a:custGeom>
+              <a:solidFill>
+                <a:srgbClr val="000000"/>
+              </a:solidFill>
+              <a:ln w="19050" cap="flat">
+                <a:solidFill>
+                  <a:srgbClr val="FF0000"/>
+                </a:solidFill>
+                <a:prstDash val="solid"/>
+                <a:miter/>
+              </a:ln>
+            </p:spPr>
+            <p:txBody>
+              <a:bodyPr rtlCol="0" anchor="ctr"/>
+              <a:lstStyle/>
+              <a:p>
+                <a:endParaRPr lang="es-ES"/>
+              </a:p>
+            </p:txBody>
+          </p:sp>
+          <p:sp>
+            <p:nvSpPr>
+              <p:cNvPr id="46" name="Freeform: Shape 45">
+                <a:extLst>
+                  <a:ext uri="{FF2B5EF4-FFF2-40B4-BE49-F238E27FC236}">
+                    <a16:creationId xmlns:a16="http://schemas.microsoft.com/office/drawing/2014/main" id="{9B811277-1897-3717-F647-AA47702BB6C6}"/>
+                  </a:ext>
+                </a:extLst>
+              </p:cNvPr>
+              <p:cNvSpPr/>
+              <p:nvPr/>
+            </p:nvSpPr>
+            <p:spPr>
+              <a:xfrm>
+                <a:off x="7354560" y="9534117"/>
+                <a:ext cx="157500" cy="157500"/>
+              </a:xfrm>
+              <a:custGeom>
+                <a:avLst/>
+                <a:gdLst>
+                  <a:gd name="connsiteX0" fmla="*/ 78750 w 157500"/>
+                  <a:gd name="connsiteY0" fmla="*/ 0 h 157500"/>
+                  <a:gd name="connsiteX1" fmla="*/ 0 w 157500"/>
+                  <a:gd name="connsiteY1" fmla="*/ 78750 h 157500"/>
+                  <a:gd name="connsiteX2" fmla="*/ 78750 w 157500"/>
+                  <a:gd name="connsiteY2" fmla="*/ 157500 h 157500"/>
+                  <a:gd name="connsiteX3" fmla="*/ 157500 w 157500"/>
+                  <a:gd name="connsiteY3" fmla="*/ 78750 h 157500"/>
+                  <a:gd name="connsiteX4" fmla="*/ 78750 w 157500"/>
+                  <a:gd name="connsiteY4" fmla="*/ 0 h 157500"/>
+                  <a:gd name="connsiteX5" fmla="*/ 78750 w 157500"/>
+                  <a:gd name="connsiteY5" fmla="*/ 105000 h 157500"/>
+                  <a:gd name="connsiteX6" fmla="*/ 52500 w 157500"/>
+                  <a:gd name="connsiteY6" fmla="*/ 78750 h 157500"/>
+                  <a:gd name="connsiteX7" fmla="*/ 78750 w 157500"/>
+                  <a:gd name="connsiteY7" fmla="*/ 52500 h 157500"/>
+                  <a:gd name="connsiteX8" fmla="*/ 105000 w 157500"/>
+                  <a:gd name="connsiteY8" fmla="*/ 78750 h 157500"/>
+                  <a:gd name="connsiteX9" fmla="*/ 78750 w 157500"/>
+                  <a:gd name="connsiteY9" fmla="*/ 105000 h 157500"/>
+                </a:gdLst>
+                <a:ahLst/>
+                <a:cxnLst>
+                  <a:cxn ang="0">
+                    <a:pos x="connsiteX0" y="connsiteY0"/>
+                  </a:cxn>
+                  <a:cxn ang="0">
+                    <a:pos x="connsiteX1" y="connsiteY1"/>
+                  </a:cxn>
+                  <a:cxn ang="0">
+                    <a:pos x="connsiteX2" y="connsiteY2"/>
+                  </a:cxn>
+                  <a:cxn ang="0">
+                    <a:pos x="connsiteX3" y="connsiteY3"/>
+                  </a:cxn>
+                  <a:cxn ang="0">
+                    <a:pos x="connsiteX4" y="connsiteY4"/>
+                  </a:cxn>
+                  <a:cxn ang="0">
+                    <a:pos x="connsiteX5" y="connsiteY5"/>
+                  </a:cxn>
+                  <a:cxn ang="0">
+                    <a:pos x="connsiteX6" y="connsiteY6"/>
+                  </a:cxn>
+                  <a:cxn ang="0">
+                    <a:pos x="connsiteX7" y="connsiteY7"/>
+                  </a:cxn>
+                  <a:cxn ang="0">
+                    <a:pos x="connsiteX8" y="connsiteY8"/>
+                  </a:cxn>
+                  <a:cxn ang="0">
+                    <a:pos x="connsiteX9" y="connsiteY9"/>
+                  </a:cxn>
+                </a:cxnLst>
+                <a:rect l="l" t="t" r="r" b="b"/>
+                <a:pathLst>
+                  <a:path w="157500" h="157500">
+                    <a:moveTo>
+                      <a:pt x="78750" y="0"/>
+                    </a:moveTo>
+                    <a:cubicBezTo>
+                      <a:pt x="35256" y="0"/>
+                      <a:pt x="0" y="35256"/>
+                      <a:pt x="0" y="78750"/>
+                    </a:cubicBezTo>
+                    <a:cubicBezTo>
+                      <a:pt x="0" y="122244"/>
+                      <a:pt x="35256" y="157500"/>
+                      <a:pt x="78750" y="157500"/>
+                    </a:cubicBezTo>
+                    <a:cubicBezTo>
+                      <a:pt x="122244" y="157500"/>
+                      <a:pt x="157500" y="122244"/>
+                      <a:pt x="157500" y="78750"/>
+                    </a:cubicBezTo>
+                    <a:cubicBezTo>
+                      <a:pt x="157500" y="35256"/>
+                      <a:pt x="122244" y="0"/>
+                      <a:pt x="78750" y="0"/>
+                    </a:cubicBezTo>
+                    <a:close/>
+                    <a:moveTo>
+                      <a:pt x="78750" y="105000"/>
+                    </a:moveTo>
+                    <a:cubicBezTo>
+                      <a:pt x="64252" y="105000"/>
+                      <a:pt x="52500" y="93248"/>
+                      <a:pt x="52500" y="78750"/>
+                    </a:cubicBezTo>
+                    <a:cubicBezTo>
+                      <a:pt x="52500" y="64252"/>
+                      <a:pt x="64252" y="52500"/>
+                      <a:pt x="78750" y="52500"/>
+                    </a:cubicBezTo>
+                    <a:cubicBezTo>
+                      <a:pt x="93248" y="52500"/>
+                      <a:pt x="105000" y="64252"/>
+                      <a:pt x="105000" y="78750"/>
+                    </a:cubicBezTo>
+                    <a:cubicBezTo>
+                      <a:pt x="105000" y="93248"/>
+                      <a:pt x="93248" y="105000"/>
+                      <a:pt x="78750" y="105000"/>
+                    </a:cubicBezTo>
+                    <a:close/>
+                  </a:path>
+                </a:pathLst>
+              </a:custGeom>
+              <a:solidFill>
+                <a:srgbClr val="000000"/>
+              </a:solidFill>
+              <a:ln w="19050" cap="flat">
+                <a:solidFill>
+                  <a:srgbClr val="FF0000"/>
+                </a:solidFill>
+                <a:prstDash val="solid"/>
+                <a:miter/>
+              </a:ln>
+            </p:spPr>
+            <p:txBody>
+              <a:bodyPr rtlCol="0" anchor="ctr"/>
+              <a:lstStyle/>
+              <a:p>
+                <a:endParaRPr lang="es-ES"/>
+              </a:p>
+            </p:txBody>
+          </p:sp>
+          <p:sp>
+            <p:nvSpPr>
+              <p:cNvPr id="47" name="Freeform: Shape 46">
+                <a:extLst>
+                  <a:ext uri="{FF2B5EF4-FFF2-40B4-BE49-F238E27FC236}">
+                    <a16:creationId xmlns:a16="http://schemas.microsoft.com/office/drawing/2014/main" id="{85E5C10E-32CB-8251-C971-D0A8673CC161}"/>
+                  </a:ext>
+                </a:extLst>
+              </p:cNvPr>
+              <p:cNvSpPr/>
+              <p:nvPr/>
+            </p:nvSpPr>
+            <p:spPr>
+              <a:xfrm>
+                <a:off x="6934718" y="9020746"/>
+                <a:ext cx="268957" cy="268957"/>
+              </a:xfrm>
+              <a:custGeom>
+                <a:avLst/>
+                <a:gdLst>
+                  <a:gd name="connsiteX0" fmla="*/ 134479 w 268957"/>
+                  <a:gd name="connsiteY0" fmla="*/ 0 h 268957"/>
+                  <a:gd name="connsiteX1" fmla="*/ 0 w 268957"/>
+                  <a:gd name="connsiteY1" fmla="*/ 134479 h 268957"/>
+                  <a:gd name="connsiteX2" fmla="*/ 134479 w 268957"/>
+                  <a:gd name="connsiteY2" fmla="*/ 268958 h 268957"/>
+                  <a:gd name="connsiteX3" fmla="*/ 268958 w 268957"/>
+                  <a:gd name="connsiteY3" fmla="*/ 134479 h 268957"/>
+                  <a:gd name="connsiteX4" fmla="*/ 268958 w 268957"/>
+                  <a:gd name="connsiteY4" fmla="*/ 134453 h 268957"/>
+                  <a:gd name="connsiteX5" fmla="*/ 134479 w 268957"/>
+                  <a:gd name="connsiteY5" fmla="*/ 0 h 268957"/>
+                  <a:gd name="connsiteX6" fmla="*/ 134479 w 268957"/>
+                  <a:gd name="connsiteY6" fmla="*/ 216458 h 268957"/>
+                  <a:gd name="connsiteX7" fmla="*/ 52500 w 268957"/>
+                  <a:gd name="connsiteY7" fmla="*/ 134479 h 268957"/>
+                  <a:gd name="connsiteX8" fmla="*/ 134479 w 268957"/>
+                  <a:gd name="connsiteY8" fmla="*/ 52500 h 268957"/>
+                  <a:gd name="connsiteX9" fmla="*/ 216458 w 268957"/>
+                  <a:gd name="connsiteY9" fmla="*/ 134453 h 268957"/>
+                  <a:gd name="connsiteX10" fmla="*/ 134479 w 268957"/>
+                  <a:gd name="connsiteY10" fmla="*/ 216458 h 268957"/>
+                </a:gdLst>
+                <a:ahLst/>
+                <a:cxnLst>
+                  <a:cxn ang="0">
+                    <a:pos x="connsiteX0" y="connsiteY0"/>
+                  </a:cxn>
+                  <a:cxn ang="0">
+                    <a:pos x="connsiteX1" y="connsiteY1"/>
+                  </a:cxn>
+                  <a:cxn ang="0">
+                    <a:pos x="connsiteX2" y="connsiteY2"/>
+                  </a:cxn>
+                  <a:cxn ang="0">
+                    <a:pos x="connsiteX3" y="connsiteY3"/>
+                  </a:cxn>
+                  <a:cxn ang="0">
+                    <a:pos x="connsiteX4" y="connsiteY4"/>
+                  </a:cxn>
+                  <a:cxn ang="0">
+                    <a:pos x="connsiteX5" y="connsiteY5"/>
+                  </a:cxn>
+                  <a:cxn ang="0">
+                    <a:pos x="connsiteX6" y="connsiteY6"/>
+                  </a:cxn>
+                  <a:cxn ang="0">
+                    <a:pos x="connsiteX7" y="connsiteY7"/>
+                  </a:cxn>
+                  <a:cxn ang="0">
+                    <a:pos x="connsiteX8" y="connsiteY8"/>
+                  </a:cxn>
+                  <a:cxn ang="0">
+                    <a:pos x="connsiteX9" y="connsiteY9"/>
+                  </a:cxn>
+                  <a:cxn ang="0">
+                    <a:pos x="connsiteX10" y="connsiteY10"/>
+                  </a:cxn>
+                </a:cxnLst>
+                <a:rect l="l" t="t" r="r" b="b"/>
+                <a:pathLst>
+                  <a:path w="268957" h="268957">
+                    <a:moveTo>
+                      <a:pt x="134479" y="0"/>
+                    </a:moveTo>
+                    <a:cubicBezTo>
+                      <a:pt x="60207" y="0"/>
+                      <a:pt x="0" y="60207"/>
+                      <a:pt x="0" y="134479"/>
+                    </a:cubicBezTo>
+                    <a:cubicBezTo>
+                      <a:pt x="0" y="208751"/>
+                      <a:pt x="60207" y="268958"/>
+                      <a:pt x="134479" y="268958"/>
+                    </a:cubicBezTo>
+                    <a:cubicBezTo>
+                      <a:pt x="208751" y="268958"/>
+                      <a:pt x="268958" y="208751"/>
+                      <a:pt x="268958" y="134479"/>
+                    </a:cubicBezTo>
+                    <a:cubicBezTo>
+                      <a:pt x="268958" y="134471"/>
+                      <a:pt x="268958" y="134460"/>
+                      <a:pt x="268958" y="134453"/>
+                    </a:cubicBezTo>
+                    <a:cubicBezTo>
+                      <a:pt x="268855" y="60228"/>
+                      <a:pt x="208703" y="87"/>
+                      <a:pt x="134479" y="0"/>
+                    </a:cubicBezTo>
+                    <a:close/>
+                    <a:moveTo>
+                      <a:pt x="134479" y="216458"/>
+                    </a:moveTo>
+                    <a:cubicBezTo>
+                      <a:pt x="89203" y="216458"/>
+                      <a:pt x="52500" y="179755"/>
+                      <a:pt x="52500" y="134479"/>
+                    </a:cubicBezTo>
+                    <a:cubicBezTo>
+                      <a:pt x="52500" y="89203"/>
+                      <a:pt x="89203" y="52500"/>
+                      <a:pt x="134479" y="52500"/>
+                    </a:cubicBezTo>
+                    <a:cubicBezTo>
+                      <a:pt x="179744" y="52500"/>
+                      <a:pt x="216442" y="89187"/>
+                      <a:pt x="216458" y="134453"/>
+                    </a:cubicBezTo>
+                    <a:cubicBezTo>
+                      <a:pt x="216413" y="179715"/>
+                      <a:pt x="179742" y="216400"/>
+                      <a:pt x="134479" y="216458"/>
+                    </a:cubicBezTo>
+                    <a:close/>
+                  </a:path>
+                </a:pathLst>
+              </a:custGeom>
+              <a:solidFill>
+                <a:srgbClr val="000000"/>
+              </a:solidFill>
+              <a:ln w="19050" cap="flat">
+                <a:solidFill>
+                  <a:srgbClr val="FF0000"/>
+                </a:solidFill>
+                <a:prstDash val="solid"/>
+                <a:miter/>
+              </a:ln>
+            </p:spPr>
+            <p:txBody>
+              <a:bodyPr rtlCol="0" anchor="ctr"/>
+              <a:lstStyle/>
+              <a:p>
+                <a:endParaRPr lang="es-ES"/>
+              </a:p>
+            </p:txBody>
+          </p:sp>
+        </p:grpSp>
+        <p:sp>
+          <p:nvSpPr>
+            <p:cNvPr id="4" name="任意多边形: 形状 23">
+              <a:extLst>
+                <a:ext uri="{FF2B5EF4-FFF2-40B4-BE49-F238E27FC236}">
+                  <a16:creationId xmlns:a16="http://schemas.microsoft.com/office/drawing/2014/main" id="{F5B51E7D-869A-C32D-9E94-EAB3218FA676}"/>
+                </a:ext>
+              </a:extLst>
+            </p:cNvPr>
+            <p:cNvSpPr/>
+            <p:nvPr/>
+          </p:nvSpPr>
+          <p:spPr>
+            <a:xfrm>
+              <a:off x="5706264" y="9370208"/>
+              <a:ext cx="535427" cy="601386"/>
+            </a:xfrm>
+            <a:custGeom>
+              <a:avLst/>
+              <a:gdLst>
+                <a:gd name="connsiteX0" fmla="*/ 64770 w 129539"/>
+                <a:gd name="connsiteY0" fmla="*/ 68580 h 152400"/>
+                <a:gd name="connsiteX1" fmla="*/ 71895 w 129539"/>
+                <a:gd name="connsiteY1" fmla="*/ 76200 h 152400"/>
+                <a:gd name="connsiteX2" fmla="*/ 64770 w 129539"/>
+                <a:gd name="connsiteY2" fmla="*/ 83820 h 152400"/>
+                <a:gd name="connsiteX3" fmla="*/ 57645 w 129539"/>
+                <a:gd name="connsiteY3" fmla="*/ 76200 h 152400"/>
+                <a:gd name="connsiteX4" fmla="*/ 64770 w 129539"/>
+                <a:gd name="connsiteY4" fmla="*/ 68580 h 152400"/>
+                <a:gd name="connsiteX5" fmla="*/ 64770 w 129539"/>
+                <a:gd name="connsiteY5" fmla="*/ 0 h 152400"/>
+                <a:gd name="connsiteX6" fmla="*/ 0 w 129539"/>
+                <a:gd name="connsiteY6" fmla="*/ 76200 h 152400"/>
+                <a:gd name="connsiteX7" fmla="*/ 64770 w 129539"/>
+                <a:gd name="connsiteY7" fmla="*/ 152400 h 152400"/>
+                <a:gd name="connsiteX8" fmla="*/ 129540 w 129539"/>
+                <a:gd name="connsiteY8" fmla="*/ 76200 h 152400"/>
+                <a:gd name="connsiteX9" fmla="*/ 64770 w 129539"/>
+                <a:gd name="connsiteY9" fmla="*/ 0 h 152400"/>
+              </a:gdLst>
+              <a:ahLst/>
+              <a:cxnLst>
+                <a:cxn ang="0">
+                  <a:pos x="connsiteX0" y="connsiteY0"/>
+                </a:cxn>
+                <a:cxn ang="0">
+                  <a:pos x="connsiteX1" y="connsiteY1"/>
+                </a:cxn>
+                <a:cxn ang="0">
+                  <a:pos x="connsiteX2" y="connsiteY2"/>
+                </a:cxn>
+                <a:cxn ang="0">
+                  <a:pos x="connsiteX3" y="connsiteY3"/>
+                </a:cxn>
+                <a:cxn ang="0">
+                  <a:pos x="connsiteX4" y="connsiteY4"/>
+                </a:cxn>
+                <a:cxn ang="0">
+                  <a:pos x="connsiteX5" y="connsiteY5"/>
+                </a:cxn>
+                <a:cxn ang="0">
+                  <a:pos x="connsiteX6" y="connsiteY6"/>
+                </a:cxn>
+                <a:cxn ang="0">
+                  <a:pos x="connsiteX7" y="connsiteY7"/>
+                </a:cxn>
+                <a:cxn ang="0">
+                  <a:pos x="connsiteX8" y="connsiteY8"/>
+                </a:cxn>
+                <a:cxn ang="0">
+                  <a:pos x="connsiteX9" y="connsiteY9"/>
+                </a:cxn>
+              </a:cxnLst>
+              <a:rect l="l" t="t" r="r" b="b"/>
+              <a:pathLst>
+                <a:path w="129539" h="152400">
+                  <a:moveTo>
+                    <a:pt x="64770" y="68580"/>
+                  </a:moveTo>
+                  <a:cubicBezTo>
+                    <a:pt x="67056" y="71196"/>
+                    <a:pt x="69432" y="73737"/>
+                    <a:pt x="71895" y="76200"/>
+                  </a:cubicBezTo>
+                  <a:cubicBezTo>
+                    <a:pt x="69432" y="78638"/>
+                    <a:pt x="67056" y="81178"/>
+                    <a:pt x="64770" y="83820"/>
+                  </a:cubicBezTo>
+                  <a:cubicBezTo>
+                    <a:pt x="62484" y="81204"/>
+                    <a:pt x="60108" y="78663"/>
+                    <a:pt x="57645" y="76200"/>
+                  </a:cubicBezTo>
+                  <a:cubicBezTo>
+                    <a:pt x="60108" y="73762"/>
+                    <a:pt x="62484" y="71222"/>
+                    <a:pt x="64770" y="68580"/>
+                  </a:cubicBezTo>
+                  <a:close/>
+                  <a:moveTo>
+                    <a:pt x="64770" y="0"/>
+                  </a:moveTo>
+                  <a:cubicBezTo>
+                    <a:pt x="55592" y="33772"/>
+                    <a:pt x="31852" y="61701"/>
+                    <a:pt x="0" y="76200"/>
+                  </a:cubicBezTo>
+                  <a:cubicBezTo>
+                    <a:pt x="31852" y="90699"/>
+                    <a:pt x="55592" y="118628"/>
+                    <a:pt x="64770" y="152400"/>
+                  </a:cubicBezTo>
+                  <a:cubicBezTo>
+                    <a:pt x="73948" y="118628"/>
+                    <a:pt x="97688" y="90699"/>
+                    <a:pt x="129540" y="76200"/>
+                  </a:cubicBezTo>
+                  <a:cubicBezTo>
+                    <a:pt x="97688" y="61701"/>
+                    <a:pt x="73948" y="33772"/>
+                    <a:pt x="64770" y="0"/>
+                  </a:cubicBezTo>
+                  <a:close/>
+                </a:path>
+              </a:pathLst>
+            </a:custGeom>
+            <a:noFill/>
+            <a:ln w="19050" cap="flat">
+              <a:solidFill>
+                <a:srgbClr val="0000FF"/>
+              </a:solidFill>
+              <a:prstDash val="solid"/>
+              <a:miter/>
+            </a:ln>
+          </p:spPr>
+          <p:txBody>
+            <a:bodyPr rtlCol="0" anchor="ctr"/>
+            <a:lstStyle/>
+            <a:p>
+              <a:endParaRPr lang="en-US" dirty="0"/>
+            </a:p>
+          </p:txBody>
+        </p:sp>
+        <p:sp>
+          <p:nvSpPr>
+            <p:cNvPr id="26" name="任意多边形: 形状 21">
+              <a:extLst>
+                <a:ext uri="{FF2B5EF4-FFF2-40B4-BE49-F238E27FC236}">
+                  <a16:creationId xmlns:a16="http://schemas.microsoft.com/office/drawing/2014/main" id="{4D054567-7316-A1DD-1BEF-DBE18E305E44}"/>
+                </a:ext>
+              </a:extLst>
+            </p:cNvPr>
+            <p:cNvSpPr>
+              <a:spLocks noChangeAspect="1"/>
+            </p:cNvSpPr>
+            <p:nvPr/>
+          </p:nvSpPr>
+          <p:spPr>
+            <a:xfrm>
+              <a:off x="5973987" y="6983667"/>
+              <a:ext cx="733230" cy="828975"/>
+            </a:xfrm>
+            <a:custGeom>
+              <a:avLst/>
+              <a:gdLst>
+                <a:gd name="connsiteX0" fmla="*/ 72390 w 144779"/>
+                <a:gd name="connsiteY0" fmla="*/ 74847 h 171450"/>
+                <a:gd name="connsiteX1" fmla="*/ 82467 w 144779"/>
+                <a:gd name="connsiteY1" fmla="*/ 85725 h 171450"/>
+                <a:gd name="connsiteX2" fmla="*/ 72390 w 144779"/>
+                <a:gd name="connsiteY2" fmla="*/ 96603 h 171450"/>
+                <a:gd name="connsiteX3" fmla="*/ 62313 w 144779"/>
+                <a:gd name="connsiteY3" fmla="*/ 85725 h 171450"/>
+                <a:gd name="connsiteX4" fmla="*/ 72390 w 144779"/>
+                <a:gd name="connsiteY4" fmla="*/ 74847 h 171450"/>
+                <a:gd name="connsiteX5" fmla="*/ 72390 w 144779"/>
+                <a:gd name="connsiteY5" fmla="*/ 0 h 171450"/>
+                <a:gd name="connsiteX6" fmla="*/ 0 w 144779"/>
+                <a:gd name="connsiteY6" fmla="*/ 85725 h 171450"/>
+                <a:gd name="connsiteX7" fmla="*/ 72390 w 144779"/>
+                <a:gd name="connsiteY7" fmla="*/ 171450 h 171450"/>
+                <a:gd name="connsiteX8" fmla="*/ 144780 w 144779"/>
+                <a:gd name="connsiteY8" fmla="*/ 85725 h 171450"/>
+                <a:gd name="connsiteX9" fmla="*/ 72390 w 144779"/>
+                <a:gd name="connsiteY9" fmla="*/ 0 h 171450"/>
+              </a:gdLst>
+              <a:ahLst/>
+              <a:cxnLst>
+                <a:cxn ang="0">
+                  <a:pos x="connsiteX0" y="connsiteY0"/>
+                </a:cxn>
+                <a:cxn ang="0">
+                  <a:pos x="connsiteX1" y="connsiteY1"/>
+                </a:cxn>
+                <a:cxn ang="0">
+                  <a:pos x="connsiteX2" y="connsiteY2"/>
+                </a:cxn>
+                <a:cxn ang="0">
+                  <a:pos x="connsiteX3" y="connsiteY3"/>
+                </a:cxn>
+                <a:cxn ang="0">
+                  <a:pos x="connsiteX4" y="connsiteY4"/>
+                </a:cxn>
+                <a:cxn ang="0">
+                  <a:pos x="connsiteX5" y="connsiteY5"/>
+                </a:cxn>
+                <a:cxn ang="0">
+                  <a:pos x="connsiteX6" y="connsiteY6"/>
+                </a:cxn>
+                <a:cxn ang="0">
+                  <a:pos x="connsiteX7" y="connsiteY7"/>
+                </a:cxn>
+                <a:cxn ang="0">
+                  <a:pos x="connsiteX8" y="connsiteY8"/>
+                </a:cxn>
+                <a:cxn ang="0">
+                  <a:pos x="connsiteX9" y="connsiteY9"/>
+                </a:cxn>
+              </a:cxnLst>
+              <a:rect l="l" t="t" r="r" b="b"/>
+              <a:pathLst>
+                <a:path w="144779" h="171450">
+                  <a:moveTo>
+                    <a:pt x="72390" y="74847"/>
+                  </a:moveTo>
+                  <a:cubicBezTo>
+                    <a:pt x="75590" y="78657"/>
+                    <a:pt x="78962" y="82258"/>
+                    <a:pt x="82467" y="85725"/>
+                  </a:cubicBezTo>
+                  <a:cubicBezTo>
+                    <a:pt x="78962" y="89192"/>
+                    <a:pt x="75590" y="92831"/>
+                    <a:pt x="72390" y="96603"/>
+                  </a:cubicBezTo>
+                  <a:cubicBezTo>
+                    <a:pt x="69190" y="92793"/>
+                    <a:pt x="65818" y="89192"/>
+                    <a:pt x="62313" y="85725"/>
+                  </a:cubicBezTo>
+                  <a:cubicBezTo>
+                    <a:pt x="65818" y="82258"/>
+                    <a:pt x="69190" y="78619"/>
+                    <a:pt x="72390" y="74847"/>
+                  </a:cubicBezTo>
+                  <a:close/>
+                  <a:moveTo>
+                    <a:pt x="72390" y="0"/>
+                  </a:moveTo>
+                  <a:cubicBezTo>
+                    <a:pt x="61787" y="37696"/>
+                    <a:pt x="35387" y="68957"/>
+                    <a:pt x="0" y="85725"/>
+                  </a:cubicBezTo>
+                  <a:cubicBezTo>
+                    <a:pt x="35387" y="102493"/>
+                    <a:pt x="61787" y="133754"/>
+                    <a:pt x="72390" y="171450"/>
+                  </a:cubicBezTo>
+                  <a:cubicBezTo>
+                    <a:pt x="82993" y="133754"/>
+                    <a:pt x="109393" y="102493"/>
+                    <a:pt x="144780" y="85725"/>
+                  </a:cubicBezTo>
+                  <a:cubicBezTo>
+                    <a:pt x="109393" y="68957"/>
+                    <a:pt x="82993" y="37696"/>
+                    <a:pt x="72390" y="0"/>
+                  </a:cubicBezTo>
+                  <a:close/>
+                </a:path>
+              </a:pathLst>
+            </a:custGeom>
+            <a:solidFill>
+              <a:srgbClr val="000000"/>
+            </a:solidFill>
+            <a:ln w="19050" cap="flat">
+              <a:solidFill>
+                <a:srgbClr val="00FF00"/>
+              </a:solidFill>
+              <a:prstDash val="solid"/>
+              <a:miter/>
+            </a:ln>
+          </p:spPr>
+          <p:txBody>
+            <a:bodyPr rtlCol="0" anchor="ctr"/>
+            <a:lstStyle/>
+            <a:p>
+              <a:endParaRPr lang="en-US" dirty="0"/>
+            </a:p>
+          </p:txBody>
+        </p:sp>
+        <p:sp>
+          <p:nvSpPr>
+            <p:cNvPr id="65" name="任意多边形: 形状 20">
+              <a:extLst>
+                <a:ext uri="{FF2B5EF4-FFF2-40B4-BE49-F238E27FC236}">
+                  <a16:creationId xmlns:a16="http://schemas.microsoft.com/office/drawing/2014/main" id="{ABDE07FC-2EEA-D193-0E60-3795F08D1C04}"/>
+                </a:ext>
+              </a:extLst>
+            </p:cNvPr>
+            <p:cNvSpPr/>
+            <p:nvPr/>
+          </p:nvSpPr>
+          <p:spPr>
+            <a:xfrm>
+              <a:off x="7244482" y="10441166"/>
+              <a:ext cx="850511" cy="959619"/>
+            </a:xfrm>
+            <a:custGeom>
+              <a:avLst/>
+              <a:gdLst>
+                <a:gd name="connsiteX0" fmla="*/ 104775 w 209550"/>
+                <a:gd name="connsiteY0" fmla="*/ 85896 h 247650"/>
+                <a:gd name="connsiteX1" fmla="*/ 140170 w 209550"/>
+                <a:gd name="connsiteY1" fmla="*/ 123825 h 247650"/>
+                <a:gd name="connsiteX2" fmla="*/ 104775 w 209550"/>
+                <a:gd name="connsiteY2" fmla="*/ 161754 h 247650"/>
+                <a:gd name="connsiteX3" fmla="*/ 69380 w 209550"/>
+                <a:gd name="connsiteY3" fmla="*/ 123825 h 247650"/>
+                <a:gd name="connsiteX4" fmla="*/ 104775 w 209550"/>
+                <a:gd name="connsiteY4" fmla="*/ 85896 h 247650"/>
+                <a:gd name="connsiteX5" fmla="*/ 104775 w 209550"/>
+                <a:gd name="connsiteY5" fmla="*/ 0 h 247650"/>
+                <a:gd name="connsiteX6" fmla="*/ 0 w 209550"/>
+                <a:gd name="connsiteY6" fmla="*/ 123825 h 247650"/>
+                <a:gd name="connsiteX7" fmla="*/ 104775 w 209550"/>
+                <a:gd name="connsiteY7" fmla="*/ 247650 h 247650"/>
+                <a:gd name="connsiteX8" fmla="*/ 209550 w 209550"/>
+                <a:gd name="connsiteY8" fmla="*/ 123825 h 247650"/>
+                <a:gd name="connsiteX9" fmla="*/ 104775 w 209550"/>
+                <a:gd name="connsiteY9" fmla="*/ 0 h 247650"/>
+              </a:gdLst>
+              <a:ahLst/>
+              <a:cxnLst>
+                <a:cxn ang="0">
+                  <a:pos x="connsiteX0" y="connsiteY0"/>
+                </a:cxn>
+                <a:cxn ang="0">
+                  <a:pos x="connsiteX1" y="connsiteY1"/>
+                </a:cxn>
+                <a:cxn ang="0">
+                  <a:pos x="connsiteX2" y="connsiteY2"/>
+                </a:cxn>
+                <a:cxn ang="0">
+                  <a:pos x="connsiteX3" y="connsiteY3"/>
+                </a:cxn>
+                <a:cxn ang="0">
+                  <a:pos x="connsiteX4" y="connsiteY4"/>
+                </a:cxn>
+                <a:cxn ang="0">
+                  <a:pos x="connsiteX5" y="connsiteY5"/>
+                </a:cxn>
+                <a:cxn ang="0">
+                  <a:pos x="connsiteX6" y="connsiteY6"/>
+                </a:cxn>
+                <a:cxn ang="0">
+                  <a:pos x="connsiteX7" y="connsiteY7"/>
+                </a:cxn>
+                <a:cxn ang="0">
+                  <a:pos x="connsiteX8" y="connsiteY8"/>
+                </a:cxn>
+                <a:cxn ang="0">
+                  <a:pos x="connsiteX9" y="connsiteY9"/>
+                </a:cxn>
+              </a:cxnLst>
+              <a:rect l="l" t="t" r="r" b="b"/>
+              <a:pathLst>
+                <a:path w="209550" h="247650">
+                  <a:moveTo>
+                    <a:pt x="104775" y="85896"/>
+                  </a:moveTo>
+                  <a:cubicBezTo>
+                    <a:pt x="115104" y="99835"/>
+                    <a:pt x="126978" y="112559"/>
+                    <a:pt x="140170" y="123825"/>
+                  </a:cubicBezTo>
+                  <a:cubicBezTo>
+                    <a:pt x="126978" y="135091"/>
+                    <a:pt x="115104" y="147815"/>
+                    <a:pt x="104775" y="161754"/>
+                  </a:cubicBezTo>
+                  <a:cubicBezTo>
+                    <a:pt x="94446" y="147815"/>
+                    <a:pt x="82572" y="135091"/>
+                    <a:pt x="69380" y="123825"/>
+                  </a:cubicBezTo>
+                  <a:cubicBezTo>
+                    <a:pt x="82572" y="112559"/>
+                    <a:pt x="94446" y="99835"/>
+                    <a:pt x="104775" y="85896"/>
+                  </a:cubicBezTo>
+                  <a:close/>
+                  <a:moveTo>
+                    <a:pt x="104775" y="0"/>
+                  </a:moveTo>
+                  <a:cubicBezTo>
+                    <a:pt x="89571" y="54576"/>
+                    <a:pt x="51306" y="99798"/>
+                    <a:pt x="0" y="123825"/>
+                  </a:cubicBezTo>
+                  <a:cubicBezTo>
+                    <a:pt x="51306" y="147853"/>
+                    <a:pt x="89571" y="193074"/>
+                    <a:pt x="104775" y="247650"/>
+                  </a:cubicBezTo>
+                  <a:cubicBezTo>
+                    <a:pt x="119979" y="193074"/>
+                    <a:pt x="158245" y="147853"/>
+                    <a:pt x="209550" y="123825"/>
+                  </a:cubicBezTo>
+                  <a:cubicBezTo>
+                    <a:pt x="158245" y="99798"/>
+                    <a:pt x="119979" y="54576"/>
+                    <a:pt x="104775" y="0"/>
+                  </a:cubicBezTo>
+                  <a:close/>
+                </a:path>
+              </a:pathLst>
+            </a:custGeom>
+            <a:solidFill>
+              <a:srgbClr val="000000"/>
+            </a:solidFill>
+            <a:ln w="19050" cap="flat">
+              <a:solidFill>
+                <a:srgbClr val="FF0000"/>
+              </a:solidFill>
+              <a:prstDash val="solid"/>
+              <a:miter/>
+            </a:ln>
+          </p:spPr>
+          <p:txBody>
+            <a:bodyPr rtlCol="0" anchor="ctr"/>
+            <a:lstStyle/>
+            <a:p>
+              <a:endParaRPr lang="en-US"/>
+            </a:p>
+          </p:txBody>
+        </p:sp>
+        <p:sp>
+          <p:nvSpPr>
+            <p:cNvPr id="66" name="任意多边形: 形状 23">
+              <a:extLst>
+                <a:ext uri="{FF2B5EF4-FFF2-40B4-BE49-F238E27FC236}">
+                  <a16:creationId xmlns:a16="http://schemas.microsoft.com/office/drawing/2014/main" id="{063D290B-03EA-3EC4-8CEA-542D886DB2C6}"/>
+                </a:ext>
+              </a:extLst>
+            </p:cNvPr>
+            <p:cNvSpPr/>
+            <p:nvPr/>
+          </p:nvSpPr>
+          <p:spPr>
+            <a:xfrm>
+              <a:off x="8358453" y="7391203"/>
+              <a:ext cx="535427" cy="601386"/>
+            </a:xfrm>
+            <a:custGeom>
+              <a:avLst/>
+              <a:gdLst>
+                <a:gd name="connsiteX0" fmla="*/ 64770 w 129539"/>
+                <a:gd name="connsiteY0" fmla="*/ 68580 h 152400"/>
+                <a:gd name="connsiteX1" fmla="*/ 71895 w 129539"/>
+                <a:gd name="connsiteY1" fmla="*/ 76200 h 152400"/>
+                <a:gd name="connsiteX2" fmla="*/ 64770 w 129539"/>
+                <a:gd name="connsiteY2" fmla="*/ 83820 h 152400"/>
+                <a:gd name="connsiteX3" fmla="*/ 57645 w 129539"/>
+                <a:gd name="connsiteY3" fmla="*/ 76200 h 152400"/>
+                <a:gd name="connsiteX4" fmla="*/ 64770 w 129539"/>
+                <a:gd name="connsiteY4" fmla="*/ 68580 h 152400"/>
+                <a:gd name="connsiteX5" fmla="*/ 64770 w 129539"/>
+                <a:gd name="connsiteY5" fmla="*/ 0 h 152400"/>
+                <a:gd name="connsiteX6" fmla="*/ 0 w 129539"/>
+                <a:gd name="connsiteY6" fmla="*/ 76200 h 152400"/>
+                <a:gd name="connsiteX7" fmla="*/ 64770 w 129539"/>
+                <a:gd name="connsiteY7" fmla="*/ 152400 h 152400"/>
+                <a:gd name="connsiteX8" fmla="*/ 129540 w 129539"/>
+                <a:gd name="connsiteY8" fmla="*/ 76200 h 152400"/>
+                <a:gd name="connsiteX9" fmla="*/ 64770 w 129539"/>
+                <a:gd name="connsiteY9" fmla="*/ 0 h 152400"/>
+              </a:gdLst>
+              <a:ahLst/>
+              <a:cxnLst>
+                <a:cxn ang="0">
+                  <a:pos x="connsiteX0" y="connsiteY0"/>
+                </a:cxn>
+                <a:cxn ang="0">
+                  <a:pos x="connsiteX1" y="connsiteY1"/>
+                </a:cxn>
+                <a:cxn ang="0">
+                  <a:pos x="connsiteX2" y="connsiteY2"/>
+                </a:cxn>
+                <a:cxn ang="0">
+                  <a:pos x="connsiteX3" y="connsiteY3"/>
+                </a:cxn>
+                <a:cxn ang="0">
+                  <a:pos x="connsiteX4" y="connsiteY4"/>
+                </a:cxn>
+                <a:cxn ang="0">
+                  <a:pos x="connsiteX5" y="connsiteY5"/>
+                </a:cxn>
+                <a:cxn ang="0">
+                  <a:pos x="connsiteX6" y="connsiteY6"/>
+                </a:cxn>
+                <a:cxn ang="0">
+                  <a:pos x="connsiteX7" y="connsiteY7"/>
+                </a:cxn>
+                <a:cxn ang="0">
+                  <a:pos x="connsiteX8" y="connsiteY8"/>
+                </a:cxn>
+                <a:cxn ang="0">
+                  <a:pos x="connsiteX9" y="connsiteY9"/>
+                </a:cxn>
+              </a:cxnLst>
+              <a:rect l="l" t="t" r="r" b="b"/>
+              <a:pathLst>
+                <a:path w="129539" h="152400">
+                  <a:moveTo>
+                    <a:pt x="64770" y="68580"/>
+                  </a:moveTo>
+                  <a:cubicBezTo>
+                    <a:pt x="67056" y="71196"/>
+                    <a:pt x="69432" y="73737"/>
+                    <a:pt x="71895" y="76200"/>
+                  </a:cubicBezTo>
+                  <a:cubicBezTo>
+                    <a:pt x="69432" y="78638"/>
+                    <a:pt x="67056" y="81178"/>
+                    <a:pt x="64770" y="83820"/>
+                  </a:cubicBezTo>
+                  <a:cubicBezTo>
+                    <a:pt x="62484" y="81204"/>
+                    <a:pt x="60108" y="78663"/>
+                    <a:pt x="57645" y="76200"/>
+                  </a:cubicBezTo>
+                  <a:cubicBezTo>
+                    <a:pt x="60108" y="73762"/>
+                    <a:pt x="62484" y="71222"/>
+                    <a:pt x="64770" y="68580"/>
+                  </a:cubicBezTo>
+                  <a:close/>
+                  <a:moveTo>
+                    <a:pt x="64770" y="0"/>
+                  </a:moveTo>
+                  <a:cubicBezTo>
+                    <a:pt x="55592" y="33772"/>
+                    <a:pt x="31852" y="61701"/>
+                    <a:pt x="0" y="76200"/>
+                  </a:cubicBezTo>
+                  <a:cubicBezTo>
+                    <a:pt x="31852" y="90699"/>
+                    <a:pt x="55592" y="118628"/>
+                    <a:pt x="64770" y="152400"/>
+                  </a:cubicBezTo>
+                  <a:cubicBezTo>
+                    <a:pt x="73948" y="118628"/>
+                    <a:pt x="97688" y="90699"/>
+                    <a:pt x="129540" y="76200"/>
+                  </a:cubicBezTo>
+                  <a:cubicBezTo>
+                    <a:pt x="97688" y="61701"/>
+                    <a:pt x="73948" y="33772"/>
+                    <a:pt x="64770" y="0"/>
+                  </a:cubicBezTo>
+                  <a:close/>
+                </a:path>
+              </a:pathLst>
+            </a:custGeom>
+            <a:noFill/>
+            <a:ln w="19050" cap="flat">
+              <a:solidFill>
+                <a:srgbClr val="0000FF"/>
+              </a:solidFill>
+              <a:prstDash val="solid"/>
+              <a:miter/>
+            </a:ln>
+          </p:spPr>
+          <p:txBody>
+            <a:bodyPr rtlCol="0" anchor="ctr"/>
+            <a:lstStyle/>
+            <a:p>
+              <a:endParaRPr lang="en-US" dirty="0"/>
+            </a:p>
+          </p:txBody>
+        </p:sp>
+      </p:grpSp>
+    </p:spTree>
+    <p:extLst>
+      <p:ext uri="{BB962C8B-B14F-4D97-AF65-F5344CB8AC3E}">
+        <p14:creationId xmlns:p14="http://schemas.microsoft.com/office/powerpoint/2010/main" val="2648318671"/>
+      </p:ext>
+    </p:extLst>
+  </p:cSld>
+  <p:clrMapOvr>
+    <a:masterClrMapping/>
+  </p:clrMapOvr>
+</p:sld>
+</file>
+
+<file path=ppt/slides/slide5.xml><?xml version="1.0" encoding="utf-8"?>
+<p:sld xmlns:a="http://schemas.openxmlformats.org/drawingml/2006/main" xmlns:r="http://schemas.openxmlformats.org/officeDocument/2006/relationships" xmlns:p="http://schemas.openxmlformats.org/presentationml/2006/main">
+  <p:cSld>
+    <p:bg>
+      <p:bgPr>
+        <a:solidFill>
+          <a:schemeClr val="tx1"/>
+        </a:solidFill>
+        <a:effectLst/>
+      </p:bgPr>
+    </p:bg>
+    <p:spTree>
+      <p:nvGrpSpPr>
+        <p:cNvPr id="1" name="">
+          <a:extLst>
+            <a:ext uri="{FF2B5EF4-FFF2-40B4-BE49-F238E27FC236}">
+              <a16:creationId xmlns:a16="http://schemas.microsoft.com/office/drawing/2014/main" id="{411739E1-CEBD-89A3-3072-2EC035059855}"/>
+            </a:ext>
+          </a:extLst>
+        </p:cNvPr>
+        <p:cNvGrpSpPr/>
+        <p:nvPr/>
+      </p:nvGrpSpPr>
+      <p:grpSpPr>
+        <a:xfrm>
+          <a:off x="0" y="0"/>
+          <a:ext cx="0" cy="0"/>
+          <a:chOff x="0" y="0"/>
+          <a:chExt cx="0" cy="0"/>
+        </a:xfrm>
+      </p:grpSpPr>
+      <p:grpSp>
+        <p:nvGrpSpPr>
+          <p:cNvPr id="2" name="Graphic 2" descr="Uranus outline">
+            <a:extLst>
+              <a:ext uri="{FF2B5EF4-FFF2-40B4-BE49-F238E27FC236}">
+                <a16:creationId xmlns:a16="http://schemas.microsoft.com/office/drawing/2014/main" id="{BB16D36C-36AA-04E4-7CB2-EE8B3D5405C4}"/>
+              </a:ext>
+            </a:extLst>
+          </p:cNvPr>
+          <p:cNvGrpSpPr/>
+          <p:nvPr/>
+        </p:nvGrpSpPr>
+        <p:grpSpPr>
+          <a:xfrm rot="691476">
+            <a:off x="8964181" y="9325488"/>
+            <a:ext cx="2575696" cy="2578752"/>
+            <a:chOff x="8964181" y="9325488"/>
+            <a:chExt cx="2575696" cy="2578752"/>
+          </a:xfrm>
+          <a:solidFill>
+            <a:srgbClr val="000000"/>
+          </a:solidFill>
+        </p:grpSpPr>
+        <p:sp>
+          <p:nvSpPr>
+            <p:cNvPr id="5" name="Freeform: Shape 4">
+              <a:extLst>
+                <a:ext uri="{FF2B5EF4-FFF2-40B4-BE49-F238E27FC236}">
+                  <a16:creationId xmlns:a16="http://schemas.microsoft.com/office/drawing/2014/main" id="{1EFF52A9-047B-DF65-B09F-087D3F5D40EF}"/>
+                </a:ext>
+              </a:extLst>
+            </p:cNvPr>
+            <p:cNvSpPr/>
+            <p:nvPr/>
+          </p:nvSpPr>
+          <p:spPr>
+            <a:xfrm>
+              <a:off x="9763687" y="10118913"/>
+              <a:ext cx="1676823" cy="1687286"/>
+            </a:xfrm>
+            <a:custGeom>
+              <a:avLst/>
+              <a:gdLst>
+                <a:gd name="connsiteX0" fmla="*/ 1521746 w 1676823"/>
+                <a:gd name="connsiteY0" fmla="*/ 70288 h 1687286"/>
+                <a:gd name="connsiteX1" fmla="*/ 1570948 w 1676823"/>
+                <a:gd name="connsiteY1" fmla="*/ 769659 h 1687286"/>
+                <a:gd name="connsiteX2" fmla="*/ 1233563 w 1676823"/>
+                <a:gd name="connsiteY2" fmla="*/ 931322 h 1687286"/>
+                <a:gd name="connsiteX3" fmla="*/ 878606 w 1676823"/>
+                <a:gd name="connsiteY3" fmla="*/ 1275736 h 1687286"/>
+                <a:gd name="connsiteX4" fmla="*/ 562308 w 1676823"/>
+                <a:gd name="connsiteY4" fmla="*/ 1613121 h 1687286"/>
+                <a:gd name="connsiteX5" fmla="*/ 481476 w 1676823"/>
+                <a:gd name="connsiteY5" fmla="*/ 1616635 h 1687286"/>
+                <a:gd name="connsiteX6" fmla="*/ 66774 w 1676823"/>
+                <a:gd name="connsiteY6" fmla="*/ 1535803 h 1687286"/>
+                <a:gd name="connsiteX7" fmla="*/ 0 w 1676823"/>
+                <a:gd name="connsiteY7" fmla="*/ 1585005 h 1687286"/>
+                <a:gd name="connsiteX8" fmla="*/ 1574462 w 1676823"/>
+                <a:gd name="connsiteY8" fmla="*/ 973495 h 1687286"/>
+                <a:gd name="connsiteX9" fmla="*/ 1570948 w 1676823"/>
+                <a:gd name="connsiteY9" fmla="*/ 0 h 1687286"/>
+                <a:gd name="connsiteX10" fmla="*/ 1521746 w 1676823"/>
+                <a:gd name="connsiteY10" fmla="*/ 70288 h 1687286"/>
+                <a:gd name="connsiteX11" fmla="*/ 681798 w 1676823"/>
+                <a:gd name="connsiteY11" fmla="*/ 1599063 h 1687286"/>
+                <a:gd name="connsiteX12" fmla="*/ 934837 w 1676823"/>
+                <a:gd name="connsiteY12" fmla="*/ 1321423 h 1687286"/>
+                <a:gd name="connsiteX13" fmla="*/ 1275736 w 1676823"/>
+                <a:gd name="connsiteY13" fmla="*/ 991068 h 1687286"/>
+                <a:gd name="connsiteX14" fmla="*/ 1546347 w 1676823"/>
+                <a:gd name="connsiteY14" fmla="*/ 854005 h 1687286"/>
+                <a:gd name="connsiteX15" fmla="*/ 681798 w 1676823"/>
+                <a:gd name="connsiteY15" fmla="*/ 1599063 h 1687286"/>
+              </a:gdLst>
+              <a:ahLst/>
+              <a:cxnLst>
+                <a:cxn ang="0">
+                  <a:pos x="connsiteX0" y="connsiteY0"/>
+                </a:cxn>
+                <a:cxn ang="0">
+                  <a:pos x="connsiteX1" y="connsiteY1"/>
+                </a:cxn>
+                <a:cxn ang="0">
+                  <a:pos x="connsiteX2" y="connsiteY2"/>
+                </a:cxn>
+                <a:cxn ang="0">
+                  <a:pos x="connsiteX3" y="connsiteY3"/>
+                </a:cxn>
+                <a:cxn ang="0">
+                  <a:pos x="connsiteX4" y="connsiteY4"/>
+                </a:cxn>
+                <a:cxn ang="0">
+                  <a:pos x="connsiteX5" y="connsiteY5"/>
+                </a:cxn>
+                <a:cxn ang="0">
+                  <a:pos x="connsiteX6" y="connsiteY6"/>
+                </a:cxn>
+                <a:cxn ang="0">
+                  <a:pos x="connsiteX7" y="connsiteY7"/>
+                </a:cxn>
+                <a:cxn ang="0">
+                  <a:pos x="connsiteX8" y="connsiteY8"/>
+                </a:cxn>
+                <a:cxn ang="0">
+                  <a:pos x="connsiteX9" y="connsiteY9"/>
+                </a:cxn>
+                <a:cxn ang="0">
+                  <a:pos x="connsiteX10" y="connsiteY10"/>
+                </a:cxn>
+                <a:cxn ang="0">
+                  <a:pos x="connsiteX11" y="connsiteY11"/>
+                </a:cxn>
+                <a:cxn ang="0">
+                  <a:pos x="connsiteX12" y="connsiteY12"/>
+                </a:cxn>
+                <a:cxn ang="0">
+                  <a:pos x="connsiteX13" y="connsiteY13"/>
+                </a:cxn>
+                <a:cxn ang="0">
+                  <a:pos x="connsiteX14" y="connsiteY14"/>
+                </a:cxn>
+                <a:cxn ang="0">
+                  <a:pos x="connsiteX15" y="connsiteY15"/>
+                </a:cxn>
+              </a:cxnLst>
+              <a:rect l="l" t="t" r="r" b="b"/>
+              <a:pathLst>
+                <a:path w="1676823" h="1687286">
+                  <a:moveTo>
+                    <a:pt x="1521746" y="70288"/>
+                  </a:moveTo>
+                  <a:cubicBezTo>
+                    <a:pt x="1613121" y="291697"/>
+                    <a:pt x="1627178" y="537707"/>
+                    <a:pt x="1570948" y="769659"/>
+                  </a:cubicBezTo>
+                  <a:cubicBezTo>
+                    <a:pt x="1451457" y="808318"/>
+                    <a:pt x="1338996" y="861034"/>
+                    <a:pt x="1233563" y="931322"/>
+                  </a:cubicBezTo>
+                  <a:cubicBezTo>
+                    <a:pt x="1078928" y="1036755"/>
+                    <a:pt x="987553" y="1145702"/>
+                    <a:pt x="878606" y="1275736"/>
+                  </a:cubicBezTo>
+                  <a:cubicBezTo>
+                    <a:pt x="780202" y="1395226"/>
+                    <a:pt x="674769" y="1507688"/>
+                    <a:pt x="562308" y="1613121"/>
+                  </a:cubicBezTo>
+                  <a:cubicBezTo>
+                    <a:pt x="537707" y="1616635"/>
+                    <a:pt x="509591" y="1616635"/>
+                    <a:pt x="481476" y="1616635"/>
+                  </a:cubicBezTo>
+                  <a:cubicBezTo>
+                    <a:pt x="340899" y="1616635"/>
+                    <a:pt x="200322" y="1588520"/>
+                    <a:pt x="66774" y="1535803"/>
+                  </a:cubicBezTo>
+                  <a:cubicBezTo>
+                    <a:pt x="45687" y="1553375"/>
+                    <a:pt x="21087" y="1567433"/>
+                    <a:pt x="0" y="1585005"/>
+                  </a:cubicBezTo>
+                  <a:cubicBezTo>
+                    <a:pt x="604481" y="1852101"/>
+                    <a:pt x="1307366" y="1577976"/>
+                    <a:pt x="1574462" y="973495"/>
+                  </a:cubicBezTo>
+                  <a:cubicBezTo>
+                    <a:pt x="1711525" y="664226"/>
+                    <a:pt x="1711525" y="309269"/>
+                    <a:pt x="1570948" y="0"/>
+                  </a:cubicBezTo>
+                  <a:cubicBezTo>
+                    <a:pt x="1556890" y="24601"/>
+                    <a:pt x="1539318" y="49202"/>
+                    <a:pt x="1521746" y="70288"/>
+                  </a:cubicBezTo>
+                  <a:close/>
+                  <a:moveTo>
+                    <a:pt x="681798" y="1599063"/>
+                  </a:moveTo>
+                  <a:cubicBezTo>
+                    <a:pt x="787231" y="1497145"/>
+                    <a:pt x="864548" y="1402255"/>
+                    <a:pt x="934837" y="1321423"/>
+                  </a:cubicBezTo>
+                  <a:cubicBezTo>
+                    <a:pt x="1040270" y="1198419"/>
+                    <a:pt x="1128130" y="1089471"/>
+                    <a:pt x="1275736" y="991068"/>
+                  </a:cubicBezTo>
+                  <a:cubicBezTo>
+                    <a:pt x="1360082" y="934837"/>
+                    <a:pt x="1451457" y="889149"/>
+                    <a:pt x="1546347" y="854005"/>
+                  </a:cubicBezTo>
+                  <a:cubicBezTo>
+                    <a:pt x="1412799" y="1237077"/>
+                    <a:pt x="1085957" y="1525260"/>
+                    <a:pt x="681798" y="1599063"/>
+                  </a:cubicBezTo>
+                  <a:close/>
+                </a:path>
+              </a:pathLst>
+            </a:custGeom>
+            <a:solidFill>
+              <a:srgbClr val="000000"/>
+            </a:solidFill>
+            <a:ln w="28575" cap="flat">
+              <a:solidFill>
+                <a:srgbClr val="FF0000"/>
+              </a:solidFill>
+              <a:prstDash val="solid"/>
+              <a:miter/>
+            </a:ln>
+          </p:spPr>
+          <p:txBody>
+            <a:bodyPr rtlCol="0" anchor="ctr"/>
+            <a:lstStyle/>
+            <a:p>
+              <a:endParaRPr lang="es-ES"/>
+            </a:p>
+          </p:txBody>
+        </p:sp>
+        <p:sp>
+          <p:nvSpPr>
+            <p:cNvPr id="6" name="Freeform: Shape 5">
+              <a:extLst>
+                <a:ext uri="{FF2B5EF4-FFF2-40B4-BE49-F238E27FC236}">
+                  <a16:creationId xmlns:a16="http://schemas.microsoft.com/office/drawing/2014/main" id="{ED020F71-83BA-D3F5-C3B6-0BFD32677ABD}"/>
+                </a:ext>
+              </a:extLst>
+            </p:cNvPr>
+            <p:cNvSpPr/>
+            <p:nvPr/>
+          </p:nvSpPr>
+          <p:spPr>
+            <a:xfrm>
+              <a:off x="8964181" y="9325488"/>
+              <a:ext cx="2575696" cy="2578752"/>
+            </a:xfrm>
+            <a:custGeom>
+              <a:avLst/>
+              <a:gdLst>
+                <a:gd name="connsiteX0" fmla="*/ 2377483 w 2575696"/>
+                <a:gd name="connsiteY0" fmla="*/ 638790 h 2578752"/>
+                <a:gd name="connsiteX1" fmla="*/ 2535632 w 2575696"/>
+                <a:gd name="connsiteY1" fmla="*/ 41338 h 2578752"/>
+                <a:gd name="connsiteX2" fmla="*/ 1867891 w 2575696"/>
+                <a:gd name="connsiteY2" fmla="*/ 245175 h 2578752"/>
+                <a:gd name="connsiteX3" fmla="*/ 240713 w 2575696"/>
+                <a:gd name="connsiteY3" fmla="*/ 698536 h 2578752"/>
+                <a:gd name="connsiteX4" fmla="*/ 240713 w 2575696"/>
+                <a:gd name="connsiteY4" fmla="*/ 1872353 h 2578752"/>
+                <a:gd name="connsiteX5" fmla="*/ 40391 w 2575696"/>
+                <a:gd name="connsiteY5" fmla="*/ 2536579 h 2578752"/>
+                <a:gd name="connsiteX6" fmla="*/ 156367 w 2575696"/>
+                <a:gd name="connsiteY6" fmla="*/ 2578753 h 2578752"/>
+                <a:gd name="connsiteX7" fmla="*/ 637843 w 2575696"/>
+                <a:gd name="connsiteY7" fmla="*/ 2381945 h 2578752"/>
+                <a:gd name="connsiteX8" fmla="*/ 1590252 w 2575696"/>
+                <a:gd name="connsiteY8" fmla="*/ 1591199 h 2578752"/>
+                <a:gd name="connsiteX9" fmla="*/ 2377483 w 2575696"/>
+                <a:gd name="connsiteY9" fmla="*/ 638790 h 2578752"/>
+                <a:gd name="connsiteX10" fmla="*/ 279372 w 2575696"/>
+                <a:gd name="connsiteY10" fmla="*/ 1798550 h 2578752"/>
+                <a:gd name="connsiteX11" fmla="*/ 887367 w 2575696"/>
+                <a:gd name="connsiteY11" fmla="*/ 1239757 h 2578752"/>
+                <a:gd name="connsiteX12" fmla="*/ 1256381 w 2575696"/>
+                <a:gd name="connsiteY12" fmla="*/ 902372 h 2578752"/>
+                <a:gd name="connsiteX13" fmla="*/ 1653511 w 2575696"/>
+                <a:gd name="connsiteY13" fmla="*/ 726651 h 2578752"/>
+                <a:gd name="connsiteX14" fmla="*/ 2113901 w 2575696"/>
+                <a:gd name="connsiteY14" fmla="*/ 536872 h 2578752"/>
+                <a:gd name="connsiteX15" fmla="*/ 2226363 w 2575696"/>
+                <a:gd name="connsiteY15" fmla="*/ 684478 h 2578752"/>
+                <a:gd name="connsiteX16" fmla="*/ 1836261 w 2575696"/>
+                <a:gd name="connsiteY16" fmla="*/ 835598 h 2578752"/>
+                <a:gd name="connsiteX17" fmla="*/ 1414531 w 2575696"/>
+                <a:gd name="connsiteY17" fmla="*/ 1021863 h 2578752"/>
+                <a:gd name="connsiteX18" fmla="*/ 1031458 w 2575696"/>
+                <a:gd name="connsiteY18" fmla="*/ 1373305 h 2578752"/>
+                <a:gd name="connsiteX19" fmla="*/ 381290 w 2575696"/>
+                <a:gd name="connsiteY19" fmla="*/ 1963728 h 2578752"/>
+                <a:gd name="connsiteX20" fmla="*/ 279372 w 2575696"/>
+                <a:gd name="connsiteY20" fmla="*/ 1798550 h 2578752"/>
+                <a:gd name="connsiteX21" fmla="*/ 279372 w 2575696"/>
+                <a:gd name="connsiteY21" fmla="*/ 1798550 h 2578752"/>
+                <a:gd name="connsiteX22" fmla="*/ 251256 w 2575696"/>
+                <a:gd name="connsiteY22" fmla="*/ 1735291 h 2578752"/>
+                <a:gd name="connsiteX23" fmla="*/ 156367 w 2575696"/>
+                <a:gd name="connsiteY23" fmla="*/ 1317074 h 2578752"/>
+                <a:gd name="connsiteX24" fmla="*/ 623785 w 2575696"/>
+                <a:gd name="connsiteY24" fmla="*/ 860199 h 2578752"/>
+                <a:gd name="connsiteX25" fmla="*/ 940083 w 2575696"/>
+                <a:gd name="connsiteY25" fmla="*/ 557959 h 2578752"/>
+                <a:gd name="connsiteX26" fmla="*/ 1340728 w 2575696"/>
+                <a:gd name="connsiteY26" fmla="*/ 378723 h 2578752"/>
+                <a:gd name="connsiteX27" fmla="*/ 1702713 w 2575696"/>
+                <a:gd name="connsiteY27" fmla="*/ 241660 h 2578752"/>
+                <a:gd name="connsiteX28" fmla="*/ 2068213 w 2575696"/>
+                <a:gd name="connsiteY28" fmla="*/ 480641 h 2578752"/>
+                <a:gd name="connsiteX29" fmla="*/ 1635939 w 2575696"/>
+                <a:gd name="connsiteY29" fmla="*/ 656362 h 2578752"/>
+                <a:gd name="connsiteX30" fmla="*/ 1221237 w 2575696"/>
+                <a:gd name="connsiteY30" fmla="*/ 842627 h 2578752"/>
+                <a:gd name="connsiteX31" fmla="*/ 841679 w 2575696"/>
+                <a:gd name="connsiteY31" fmla="*/ 1190555 h 2578752"/>
+                <a:gd name="connsiteX32" fmla="*/ 251256 w 2575696"/>
+                <a:gd name="connsiteY32" fmla="*/ 1735291 h 2578752"/>
+                <a:gd name="connsiteX33" fmla="*/ 2482915 w 2575696"/>
+                <a:gd name="connsiteY33" fmla="*/ 90540 h 2578752"/>
+                <a:gd name="connsiteX34" fmla="*/ 2317738 w 2575696"/>
+                <a:gd name="connsiteY34" fmla="*/ 600132 h 2578752"/>
+                <a:gd name="connsiteX35" fmla="*/ 2289622 w 2575696"/>
+                <a:gd name="connsiteY35" fmla="*/ 645819 h 2578752"/>
+                <a:gd name="connsiteX36" fmla="*/ 1931151 w 2575696"/>
+                <a:gd name="connsiteY36" fmla="*/ 283834 h 2578752"/>
+                <a:gd name="connsiteX37" fmla="*/ 2482915 w 2575696"/>
+                <a:gd name="connsiteY37" fmla="*/ 90540 h 2578752"/>
+                <a:gd name="connsiteX38" fmla="*/ 1280982 w 2575696"/>
+                <a:gd name="connsiteY38" fmla="*/ 160829 h 2578752"/>
+                <a:gd name="connsiteX39" fmla="*/ 1604310 w 2575696"/>
+                <a:gd name="connsiteY39" fmla="*/ 210031 h 2578752"/>
+                <a:gd name="connsiteX40" fmla="*/ 1319641 w 2575696"/>
+                <a:gd name="connsiteY40" fmla="*/ 311949 h 2578752"/>
+                <a:gd name="connsiteX41" fmla="*/ 897910 w 2575696"/>
+                <a:gd name="connsiteY41" fmla="*/ 498213 h 2578752"/>
+                <a:gd name="connsiteX42" fmla="*/ 571069 w 2575696"/>
+                <a:gd name="connsiteY42" fmla="*/ 814511 h 2578752"/>
+                <a:gd name="connsiteX43" fmla="*/ 156367 w 2575696"/>
+                <a:gd name="connsiteY43" fmla="*/ 1229214 h 2578752"/>
+                <a:gd name="connsiteX44" fmla="*/ 1280982 w 2575696"/>
+                <a:gd name="connsiteY44" fmla="*/ 160829 h 2578752"/>
+                <a:gd name="connsiteX45" fmla="*/ 602699 w 2575696"/>
+                <a:gd name="connsiteY45" fmla="*/ 2318685 h 2578752"/>
+                <a:gd name="connsiteX46" fmla="*/ 93107 w 2575696"/>
+                <a:gd name="connsiteY46" fmla="*/ 2483863 h 2578752"/>
+                <a:gd name="connsiteX47" fmla="*/ 282886 w 2575696"/>
+                <a:gd name="connsiteY47" fmla="*/ 1939127 h 2578752"/>
+                <a:gd name="connsiteX48" fmla="*/ 641357 w 2575696"/>
+                <a:gd name="connsiteY48" fmla="*/ 2294084 h 2578752"/>
+                <a:gd name="connsiteX49" fmla="*/ 602699 w 2575696"/>
+                <a:gd name="connsiteY49" fmla="*/ 2318685 h 2578752"/>
+                <a:gd name="connsiteX50" fmla="*/ 704617 w 2575696"/>
+                <a:gd name="connsiteY50" fmla="*/ 2248397 h 2578752"/>
+                <a:gd name="connsiteX51" fmla="*/ 430492 w 2575696"/>
+                <a:gd name="connsiteY51" fmla="*/ 2016445 h 2578752"/>
+                <a:gd name="connsiteX52" fmla="*/ 1087689 w 2575696"/>
+                <a:gd name="connsiteY52" fmla="*/ 1422507 h 2578752"/>
+                <a:gd name="connsiteX53" fmla="*/ 1460218 w 2575696"/>
+                <a:gd name="connsiteY53" fmla="*/ 1078093 h 2578752"/>
+                <a:gd name="connsiteX54" fmla="*/ 1860862 w 2575696"/>
+                <a:gd name="connsiteY54" fmla="*/ 898858 h 2578752"/>
+                <a:gd name="connsiteX55" fmla="*/ 2194733 w 2575696"/>
+                <a:gd name="connsiteY55" fmla="*/ 775853 h 2578752"/>
+                <a:gd name="connsiteX56" fmla="*/ 1537535 w 2575696"/>
+                <a:gd name="connsiteY56" fmla="*/ 1538483 h 2578752"/>
+                <a:gd name="connsiteX57" fmla="*/ 704617 w 2575696"/>
+                <a:gd name="connsiteY57" fmla="*/ 2248397 h 2578752"/>
+              </a:gdLst>
+              <a:ahLst/>
+              <a:cxnLst>
+                <a:cxn ang="0">
+                  <a:pos x="connsiteX0" y="connsiteY0"/>
+                </a:cxn>
+                <a:cxn ang="0">
+                  <a:pos x="connsiteX1" y="connsiteY1"/>
+                </a:cxn>
+                <a:cxn ang="0">
+                  <a:pos x="connsiteX2" y="connsiteY2"/>
+                </a:cxn>
+                <a:cxn ang="0">
+                  <a:pos x="connsiteX3" y="connsiteY3"/>
+                </a:cxn>
+                <a:cxn ang="0">
+                  <a:pos x="connsiteX4" y="connsiteY4"/>
+                </a:cxn>
+                <a:cxn ang="0">
+                  <a:pos x="connsiteX5" y="connsiteY5"/>
+                </a:cxn>
+                <a:cxn ang="0">
+                  <a:pos x="connsiteX6" y="connsiteY6"/>
+                </a:cxn>
+                <a:cxn ang="0">
+                  <a:pos x="connsiteX7" y="connsiteY7"/>
+                </a:cxn>
+                <a:cxn ang="0">
+                  <a:pos x="connsiteX8" y="connsiteY8"/>
+                </a:cxn>
+                <a:cxn ang="0">
+                  <a:pos x="connsiteX9" y="connsiteY9"/>
+                </a:cxn>
+                <a:cxn ang="0">
+                  <a:pos x="connsiteX10" y="connsiteY10"/>
+                </a:cxn>
+                <a:cxn ang="0">
+                  <a:pos x="connsiteX11" y="connsiteY11"/>
+                </a:cxn>
+                <a:cxn ang="0">
+                  <a:pos x="connsiteX12" y="connsiteY12"/>
+                </a:cxn>
+                <a:cxn ang="0">
+                  <a:pos x="connsiteX13" y="connsiteY13"/>
+                </a:cxn>
+                <a:cxn ang="0">
+                  <a:pos x="connsiteX14" y="connsiteY14"/>
+                </a:cxn>
+                <a:cxn ang="0">
+                  <a:pos x="connsiteX15" y="connsiteY15"/>
+                </a:cxn>
+                <a:cxn ang="0">
+                  <a:pos x="connsiteX16" y="connsiteY16"/>
+                </a:cxn>
+                <a:cxn ang="0">
+                  <a:pos x="connsiteX17" y="connsiteY17"/>
+                </a:cxn>
+                <a:cxn ang="0">
+                  <a:pos x="connsiteX18" y="connsiteY18"/>
+                </a:cxn>
+                <a:cxn ang="0">
+                  <a:pos x="connsiteX19" y="connsiteY19"/>
+                </a:cxn>
+                <a:cxn ang="0">
+                  <a:pos x="connsiteX20" y="connsiteY20"/>
+                </a:cxn>
+                <a:cxn ang="0">
+                  <a:pos x="connsiteX21" y="connsiteY21"/>
+                </a:cxn>
+                <a:cxn ang="0">
+                  <a:pos x="connsiteX22" y="connsiteY22"/>
+                </a:cxn>
+                <a:cxn ang="0">
+                  <a:pos x="connsiteX23" y="connsiteY23"/>
+                </a:cxn>
+                <a:cxn ang="0">
+                  <a:pos x="connsiteX24" y="connsiteY24"/>
+                </a:cxn>
+                <a:cxn ang="0">
+                  <a:pos x="connsiteX25" y="connsiteY25"/>
+                </a:cxn>
+                <a:cxn ang="0">
+                  <a:pos x="connsiteX26" y="connsiteY26"/>
+                </a:cxn>
+                <a:cxn ang="0">
+                  <a:pos x="connsiteX27" y="connsiteY27"/>
+                </a:cxn>
+                <a:cxn ang="0">
+                  <a:pos x="connsiteX28" y="connsiteY28"/>
+                </a:cxn>
+                <a:cxn ang="0">
+                  <a:pos x="connsiteX29" y="connsiteY29"/>
+                </a:cxn>
+                <a:cxn ang="0">
+                  <a:pos x="connsiteX30" y="connsiteY30"/>
+                </a:cxn>
+                <a:cxn ang="0">
+                  <a:pos x="connsiteX31" y="connsiteY31"/>
+                </a:cxn>
+                <a:cxn ang="0">
+                  <a:pos x="connsiteX32" y="connsiteY32"/>
+                </a:cxn>
+                <a:cxn ang="0">
+                  <a:pos x="connsiteX33" y="connsiteY33"/>
+                </a:cxn>
+                <a:cxn ang="0">
+                  <a:pos x="connsiteX34" y="connsiteY34"/>
+                </a:cxn>
+                <a:cxn ang="0">
+                  <a:pos x="connsiteX35" y="connsiteY35"/>
+                </a:cxn>
+                <a:cxn ang="0">
+                  <a:pos x="connsiteX36" y="connsiteY36"/>
+                </a:cxn>
+                <a:cxn ang="0">
+                  <a:pos x="connsiteX37" y="connsiteY37"/>
+                </a:cxn>
+                <a:cxn ang="0">
+                  <a:pos x="connsiteX38" y="connsiteY38"/>
+                </a:cxn>
+                <a:cxn ang="0">
+                  <a:pos x="connsiteX39" y="connsiteY39"/>
+                </a:cxn>
+                <a:cxn ang="0">
+                  <a:pos x="connsiteX40" y="connsiteY40"/>
+                </a:cxn>
+                <a:cxn ang="0">
+                  <a:pos x="connsiteX41" y="connsiteY41"/>
+                </a:cxn>
+                <a:cxn ang="0">
+                  <a:pos x="connsiteX42" y="connsiteY42"/>
+                </a:cxn>
+                <a:cxn ang="0">
+                  <a:pos x="connsiteX43" y="connsiteY43"/>
+                </a:cxn>
+                <a:cxn ang="0">
+                  <a:pos x="connsiteX44" y="connsiteY44"/>
+                </a:cxn>
+                <a:cxn ang="0">
+                  <a:pos x="connsiteX45" y="connsiteY45"/>
+                </a:cxn>
+                <a:cxn ang="0">
+                  <a:pos x="connsiteX46" y="connsiteY46"/>
+                </a:cxn>
+                <a:cxn ang="0">
+                  <a:pos x="connsiteX47" y="connsiteY47"/>
+                </a:cxn>
+                <a:cxn ang="0">
+                  <a:pos x="connsiteX48" y="connsiteY48"/>
+                </a:cxn>
+                <a:cxn ang="0">
+                  <a:pos x="connsiteX49" y="connsiteY49"/>
+                </a:cxn>
+                <a:cxn ang="0">
+                  <a:pos x="connsiteX50" y="connsiteY50"/>
+                </a:cxn>
+                <a:cxn ang="0">
+                  <a:pos x="connsiteX51" y="connsiteY51"/>
+                </a:cxn>
+                <a:cxn ang="0">
+                  <a:pos x="connsiteX52" y="connsiteY52"/>
+                </a:cxn>
+                <a:cxn ang="0">
+                  <a:pos x="connsiteX53" y="connsiteY53"/>
+                </a:cxn>
+                <a:cxn ang="0">
+                  <a:pos x="connsiteX54" y="connsiteY54"/>
+                </a:cxn>
+                <a:cxn ang="0">
+                  <a:pos x="connsiteX55" y="connsiteY55"/>
+                </a:cxn>
+                <a:cxn ang="0">
+                  <a:pos x="connsiteX56" y="connsiteY56"/>
+                </a:cxn>
+                <a:cxn ang="0">
+                  <a:pos x="connsiteX57" y="connsiteY57"/>
+                </a:cxn>
+              </a:cxnLst>
+              <a:rect l="l" t="t" r="r" b="b"/>
+              <a:pathLst>
+                <a:path w="2575696" h="2578752">
+                  <a:moveTo>
+                    <a:pt x="2377483" y="638790"/>
+                  </a:moveTo>
+                  <a:cubicBezTo>
+                    <a:pt x="2511031" y="427925"/>
+                    <a:pt x="2644579" y="153800"/>
+                    <a:pt x="2535632" y="41338"/>
+                  </a:cubicBezTo>
+                  <a:cubicBezTo>
+                    <a:pt x="2416142" y="-78152"/>
+                    <a:pt x="2110387" y="83511"/>
+                    <a:pt x="1867891" y="245175"/>
+                  </a:cubicBezTo>
+                  <a:cubicBezTo>
+                    <a:pt x="1295040" y="-78152"/>
+                    <a:pt x="567554" y="125684"/>
+                    <a:pt x="240713" y="698536"/>
+                  </a:cubicBezTo>
+                  <a:cubicBezTo>
+                    <a:pt x="36876" y="1064036"/>
+                    <a:pt x="36876" y="1506853"/>
+                    <a:pt x="240713" y="1872353"/>
+                  </a:cubicBezTo>
+                  <a:cubicBezTo>
+                    <a:pt x="79049" y="2114848"/>
+                    <a:pt x="-75585" y="2417089"/>
+                    <a:pt x="40391" y="2536579"/>
+                  </a:cubicBezTo>
+                  <a:cubicBezTo>
+                    <a:pt x="72021" y="2564695"/>
+                    <a:pt x="114194" y="2578753"/>
+                    <a:pt x="156367" y="2578753"/>
+                  </a:cubicBezTo>
+                  <a:cubicBezTo>
+                    <a:pt x="289915" y="2578753"/>
+                    <a:pt x="483208" y="2480349"/>
+                    <a:pt x="637843" y="2381945"/>
+                  </a:cubicBezTo>
+                  <a:cubicBezTo>
+                    <a:pt x="922511" y="2199195"/>
+                    <a:pt x="1259896" y="1918041"/>
+                    <a:pt x="1590252" y="1591199"/>
+                  </a:cubicBezTo>
+                  <a:cubicBezTo>
+                    <a:pt x="1920608" y="1264358"/>
+                    <a:pt x="2198247" y="923459"/>
+                    <a:pt x="2377483" y="638790"/>
+                  </a:cubicBezTo>
+                  <a:close/>
+                  <a:moveTo>
+                    <a:pt x="279372" y="1798550"/>
+                  </a:moveTo>
+                  <a:cubicBezTo>
+                    <a:pt x="497266" y="1629858"/>
+                    <a:pt x="701102" y="1443593"/>
+                    <a:pt x="887367" y="1239757"/>
+                  </a:cubicBezTo>
+                  <a:cubicBezTo>
+                    <a:pt x="1013886" y="1106209"/>
+                    <a:pt x="1122833" y="990233"/>
+                    <a:pt x="1256381" y="902372"/>
+                  </a:cubicBezTo>
+                  <a:cubicBezTo>
+                    <a:pt x="1396958" y="807483"/>
+                    <a:pt x="1516449" y="768824"/>
+                    <a:pt x="1653511" y="726651"/>
+                  </a:cubicBezTo>
+                  <a:cubicBezTo>
+                    <a:pt x="1815175" y="680963"/>
+                    <a:pt x="1969810" y="617704"/>
+                    <a:pt x="2113901" y="536872"/>
+                  </a:cubicBezTo>
+                  <a:cubicBezTo>
+                    <a:pt x="2156074" y="582560"/>
+                    <a:pt x="2194733" y="631761"/>
+                    <a:pt x="2226363" y="684478"/>
+                  </a:cubicBezTo>
+                  <a:cubicBezTo>
+                    <a:pt x="2099843" y="747738"/>
+                    <a:pt x="1969810" y="796939"/>
+                    <a:pt x="1836261" y="835598"/>
+                  </a:cubicBezTo>
+                  <a:cubicBezTo>
+                    <a:pt x="1688656" y="874257"/>
+                    <a:pt x="1544564" y="937516"/>
+                    <a:pt x="1414531" y="1021863"/>
+                  </a:cubicBezTo>
+                  <a:cubicBezTo>
+                    <a:pt x="1273954" y="1116752"/>
+                    <a:pt x="1161492" y="1236242"/>
+                    <a:pt x="1031458" y="1373305"/>
+                  </a:cubicBezTo>
+                  <a:cubicBezTo>
+                    <a:pt x="834651" y="1591199"/>
+                    <a:pt x="616756" y="1788007"/>
+                    <a:pt x="381290" y="1963728"/>
+                  </a:cubicBezTo>
+                  <a:cubicBezTo>
+                    <a:pt x="346146" y="1914526"/>
+                    <a:pt x="311001" y="1858296"/>
+                    <a:pt x="279372" y="1798550"/>
+                  </a:cubicBezTo>
+                  <a:lnTo>
+                    <a:pt x="279372" y="1798550"/>
+                  </a:lnTo>
+                  <a:close/>
+                  <a:moveTo>
+                    <a:pt x="251256" y="1735291"/>
+                  </a:moveTo>
+                  <a:cubicBezTo>
+                    <a:pt x="191511" y="1601743"/>
+                    <a:pt x="159881" y="1461166"/>
+                    <a:pt x="156367" y="1317074"/>
+                  </a:cubicBezTo>
+                  <a:cubicBezTo>
+                    <a:pt x="328574" y="1180012"/>
+                    <a:pt x="483208" y="1028891"/>
+                    <a:pt x="623785" y="860199"/>
+                  </a:cubicBezTo>
+                  <a:cubicBezTo>
+                    <a:pt x="722189" y="747738"/>
+                    <a:pt x="806535" y="649334"/>
+                    <a:pt x="940083" y="557959"/>
+                  </a:cubicBezTo>
+                  <a:cubicBezTo>
+                    <a:pt x="1084175" y="459555"/>
+                    <a:pt x="1203665" y="424410"/>
+                    <a:pt x="1340728" y="378723"/>
+                  </a:cubicBezTo>
+                  <a:cubicBezTo>
+                    <a:pt x="1463733" y="343579"/>
+                    <a:pt x="1583223" y="297891"/>
+                    <a:pt x="1702713" y="241660"/>
+                  </a:cubicBezTo>
+                  <a:cubicBezTo>
+                    <a:pt x="1839776" y="297891"/>
+                    <a:pt x="1962781" y="378723"/>
+                    <a:pt x="2068213" y="480641"/>
+                  </a:cubicBezTo>
+                  <a:cubicBezTo>
+                    <a:pt x="1931151" y="554444"/>
+                    <a:pt x="1787060" y="614189"/>
+                    <a:pt x="1635939" y="656362"/>
+                  </a:cubicBezTo>
+                  <a:cubicBezTo>
+                    <a:pt x="1488334" y="695021"/>
+                    <a:pt x="1347757" y="758281"/>
+                    <a:pt x="1221237" y="842627"/>
+                  </a:cubicBezTo>
+                  <a:cubicBezTo>
+                    <a:pt x="1080660" y="937516"/>
+                    <a:pt x="971713" y="1053492"/>
+                    <a:pt x="841679" y="1190555"/>
+                  </a:cubicBezTo>
+                  <a:cubicBezTo>
+                    <a:pt x="658929" y="1390877"/>
+                    <a:pt x="251256" y="1735291"/>
+                    <a:pt x="251256" y="1735291"/>
+                  </a:cubicBezTo>
+                  <a:close/>
+                  <a:moveTo>
+                    <a:pt x="2482915" y="90540"/>
+                  </a:moveTo>
+                  <a:cubicBezTo>
+                    <a:pt x="2528603" y="136228"/>
+                    <a:pt x="2511031" y="294377"/>
+                    <a:pt x="2317738" y="600132"/>
+                  </a:cubicBezTo>
+                  <a:cubicBezTo>
+                    <a:pt x="2307194" y="614189"/>
+                    <a:pt x="2300165" y="628247"/>
+                    <a:pt x="2289622" y="645819"/>
+                  </a:cubicBezTo>
+                  <a:cubicBezTo>
+                    <a:pt x="2198247" y="501728"/>
+                    <a:pt x="2075242" y="378723"/>
+                    <a:pt x="1931151" y="283834"/>
+                  </a:cubicBezTo>
+                  <a:cubicBezTo>
+                    <a:pt x="2261507" y="69454"/>
+                    <a:pt x="2433714" y="41338"/>
+                    <a:pt x="2482915" y="90540"/>
+                  </a:cubicBezTo>
+                  <a:close/>
+                  <a:moveTo>
+                    <a:pt x="1280982" y="160829"/>
+                  </a:moveTo>
+                  <a:cubicBezTo>
+                    <a:pt x="1389930" y="160829"/>
+                    <a:pt x="1498877" y="178401"/>
+                    <a:pt x="1604310" y="210031"/>
+                  </a:cubicBezTo>
+                  <a:cubicBezTo>
+                    <a:pt x="1509420" y="248689"/>
+                    <a:pt x="1414531" y="283834"/>
+                    <a:pt x="1319641" y="311949"/>
+                  </a:cubicBezTo>
+                  <a:cubicBezTo>
+                    <a:pt x="1172035" y="350608"/>
+                    <a:pt x="1027944" y="413867"/>
+                    <a:pt x="897910" y="498213"/>
+                  </a:cubicBezTo>
+                  <a:cubicBezTo>
+                    <a:pt x="757333" y="593103"/>
+                    <a:pt x="669473" y="695021"/>
+                    <a:pt x="571069" y="814511"/>
+                  </a:cubicBezTo>
+                  <a:cubicBezTo>
+                    <a:pt x="448064" y="965632"/>
+                    <a:pt x="307487" y="1102694"/>
+                    <a:pt x="156367" y="1229214"/>
+                  </a:cubicBezTo>
+                  <a:cubicBezTo>
+                    <a:pt x="187997" y="628247"/>
+                    <a:pt x="683530" y="160829"/>
+                    <a:pt x="1280982" y="160829"/>
+                  </a:cubicBezTo>
+                  <a:close/>
+                  <a:moveTo>
+                    <a:pt x="602699" y="2318685"/>
+                  </a:moveTo>
+                  <a:cubicBezTo>
+                    <a:pt x="296944" y="2511978"/>
+                    <a:pt x="138795" y="2529551"/>
+                    <a:pt x="93107" y="2483863"/>
+                  </a:cubicBezTo>
+                  <a:cubicBezTo>
+                    <a:pt x="43905" y="2434661"/>
+                    <a:pt x="68506" y="2265969"/>
+                    <a:pt x="282886" y="1939127"/>
+                  </a:cubicBezTo>
+                  <a:cubicBezTo>
+                    <a:pt x="377775" y="2083219"/>
+                    <a:pt x="497266" y="2202709"/>
+                    <a:pt x="641357" y="2294084"/>
+                  </a:cubicBezTo>
+                  <a:cubicBezTo>
+                    <a:pt x="627300" y="2301113"/>
+                    <a:pt x="613242" y="2308142"/>
+                    <a:pt x="602699" y="2318685"/>
+                  </a:cubicBezTo>
+                  <a:close/>
+                  <a:moveTo>
+                    <a:pt x="704617" y="2248397"/>
+                  </a:moveTo>
+                  <a:cubicBezTo>
+                    <a:pt x="602699" y="2185137"/>
+                    <a:pt x="507809" y="2107820"/>
+                    <a:pt x="430492" y="2016445"/>
+                  </a:cubicBezTo>
+                  <a:cubicBezTo>
+                    <a:pt x="665958" y="1840723"/>
+                    <a:pt x="887367" y="1640401"/>
+                    <a:pt x="1087689" y="1422507"/>
+                  </a:cubicBezTo>
+                  <a:cubicBezTo>
+                    <a:pt x="1214208" y="1288959"/>
+                    <a:pt x="1326670" y="1172983"/>
+                    <a:pt x="1460218" y="1078093"/>
+                  </a:cubicBezTo>
+                  <a:cubicBezTo>
+                    <a:pt x="1604310" y="979689"/>
+                    <a:pt x="1723800" y="944545"/>
+                    <a:pt x="1860862" y="898858"/>
+                  </a:cubicBezTo>
+                  <a:cubicBezTo>
+                    <a:pt x="1976839" y="863713"/>
+                    <a:pt x="2089300" y="825055"/>
+                    <a:pt x="2194733" y="775853"/>
+                  </a:cubicBezTo>
+                  <a:cubicBezTo>
+                    <a:pt x="1994411" y="1046464"/>
+                    <a:pt x="1776516" y="1303017"/>
+                    <a:pt x="1537535" y="1538483"/>
+                  </a:cubicBezTo>
+                  <a:cubicBezTo>
+                    <a:pt x="1280982" y="1802065"/>
+                    <a:pt x="1003343" y="2037531"/>
+                    <a:pt x="704617" y="2248397"/>
+                  </a:cubicBezTo>
+                  <a:close/>
+                </a:path>
+              </a:pathLst>
+            </a:custGeom>
+            <a:solidFill>
+              <a:srgbClr val="000000"/>
+            </a:solidFill>
+            <a:ln w="28575" cap="flat">
+              <a:solidFill>
+                <a:srgbClr val="FF0000"/>
+              </a:solidFill>
+              <a:prstDash val="solid"/>
+              <a:miter/>
+            </a:ln>
+          </p:spPr>
+          <p:txBody>
+            <a:bodyPr rtlCol="0" anchor="ctr"/>
+            <a:lstStyle/>
+            <a:p>
+              <a:endParaRPr lang="es-ES"/>
+            </a:p>
+          </p:txBody>
+        </p:sp>
+      </p:grpSp>
+      <p:grpSp>
+        <p:nvGrpSpPr>
+          <p:cNvPr id="48" name="Graphic 24" descr="Mercury outline">
+            <a:extLst>
+              <a:ext uri="{FF2B5EF4-FFF2-40B4-BE49-F238E27FC236}">
+                <a16:creationId xmlns:a16="http://schemas.microsoft.com/office/drawing/2014/main" id="{7FD81309-5B92-8866-765A-5FFBB435F44E}"/>
+              </a:ext>
+            </a:extLst>
+          </p:cNvPr>
+          <p:cNvGrpSpPr/>
+          <p:nvPr/>
+        </p:nvGrpSpPr>
+        <p:grpSpPr>
+          <a:xfrm>
+            <a:off x="9658414" y="6327088"/>
+            <a:ext cx="2749469" cy="2749469"/>
+            <a:chOff x="9496185" y="6584541"/>
+            <a:chExt cx="2295000" cy="2295000"/>
+          </a:xfrm>
+          <a:solidFill>
+            <a:srgbClr val="000000"/>
+          </a:solidFill>
+        </p:grpSpPr>
+        <p:sp>
+          <p:nvSpPr>
+            <p:cNvPr id="49" name="Freeform: Shape 48">
+              <a:extLst>
+                <a:ext uri="{FF2B5EF4-FFF2-40B4-BE49-F238E27FC236}">
+                  <a16:creationId xmlns:a16="http://schemas.microsoft.com/office/drawing/2014/main" id="{398ACCAA-927F-A3A9-A130-1F8B3FE01FC5}"/>
+                </a:ext>
+              </a:extLst>
+            </p:cNvPr>
+            <p:cNvSpPr/>
+            <p:nvPr/>
+          </p:nvSpPr>
+          <p:spPr>
+            <a:xfrm>
+              <a:off x="9496185" y="6584541"/>
+              <a:ext cx="2295000" cy="2295000"/>
+            </a:xfrm>
+            <a:custGeom>
+              <a:avLst/>
+              <a:gdLst>
+                <a:gd name="connsiteX0" fmla="*/ 1147500 w 2295000"/>
+                <a:gd name="connsiteY0" fmla="*/ 67500 h 2295000"/>
+                <a:gd name="connsiteX1" fmla="*/ 2227500 w 2295000"/>
+                <a:gd name="connsiteY1" fmla="*/ 1147500 h 2295000"/>
+                <a:gd name="connsiteX2" fmla="*/ 1147500 w 2295000"/>
+                <a:gd name="connsiteY2" fmla="*/ 2227500 h 2295000"/>
+                <a:gd name="connsiteX3" fmla="*/ 67500 w 2295000"/>
+                <a:gd name="connsiteY3" fmla="*/ 1147500 h 2295000"/>
+                <a:gd name="connsiteX4" fmla="*/ 1147500 w 2295000"/>
+                <a:gd name="connsiteY4" fmla="*/ 67500 h 2295000"/>
+                <a:gd name="connsiteX5" fmla="*/ 1147500 w 2295000"/>
+                <a:gd name="connsiteY5" fmla="*/ 0 h 2295000"/>
+                <a:gd name="connsiteX6" fmla="*/ 0 w 2295000"/>
+                <a:gd name="connsiteY6" fmla="*/ 1147500 h 2295000"/>
+                <a:gd name="connsiteX7" fmla="*/ 1147500 w 2295000"/>
+                <a:gd name="connsiteY7" fmla="*/ 2295000 h 2295000"/>
+                <a:gd name="connsiteX8" fmla="*/ 2295000 w 2295000"/>
+                <a:gd name="connsiteY8" fmla="*/ 1147500 h 2295000"/>
+                <a:gd name="connsiteX9" fmla="*/ 1147500 w 2295000"/>
+                <a:gd name="connsiteY9" fmla="*/ 0 h 2295000"/>
+              </a:gdLst>
+              <a:ahLst/>
+              <a:cxnLst>
+                <a:cxn ang="0">
+                  <a:pos x="connsiteX0" y="connsiteY0"/>
+                </a:cxn>
+                <a:cxn ang="0">
+                  <a:pos x="connsiteX1" y="connsiteY1"/>
+                </a:cxn>
+                <a:cxn ang="0">
+                  <a:pos x="connsiteX2" y="connsiteY2"/>
+                </a:cxn>
+                <a:cxn ang="0">
+                  <a:pos x="connsiteX3" y="connsiteY3"/>
+                </a:cxn>
+                <a:cxn ang="0">
+                  <a:pos x="connsiteX4" y="connsiteY4"/>
+                </a:cxn>
+                <a:cxn ang="0">
+                  <a:pos x="connsiteX5" y="connsiteY5"/>
+                </a:cxn>
+                <a:cxn ang="0">
+                  <a:pos x="connsiteX6" y="connsiteY6"/>
+                </a:cxn>
+                <a:cxn ang="0">
+                  <a:pos x="connsiteX7" y="connsiteY7"/>
+                </a:cxn>
+                <a:cxn ang="0">
+                  <a:pos x="connsiteX8" y="connsiteY8"/>
+                </a:cxn>
+                <a:cxn ang="0">
+                  <a:pos x="connsiteX9" y="connsiteY9"/>
+                </a:cxn>
+              </a:cxnLst>
+              <a:rect l="l" t="t" r="r" b="b"/>
+              <a:pathLst>
+                <a:path w="2295000" h="2295000">
+                  <a:moveTo>
+                    <a:pt x="1147500" y="67500"/>
+                  </a:moveTo>
+                  <a:cubicBezTo>
+                    <a:pt x="1743967" y="67500"/>
+                    <a:pt x="2227500" y="551033"/>
+                    <a:pt x="2227500" y="1147500"/>
+                  </a:cubicBezTo>
+                  <a:cubicBezTo>
+                    <a:pt x="2227500" y="1743967"/>
+                    <a:pt x="1743967" y="2227500"/>
+                    <a:pt x="1147500" y="2227500"/>
+                  </a:cubicBezTo>
+                  <a:cubicBezTo>
+                    <a:pt x="551033" y="2227500"/>
+                    <a:pt x="67500" y="1743967"/>
+                    <a:pt x="67500" y="1147500"/>
+                  </a:cubicBezTo>
+                  <a:cubicBezTo>
+                    <a:pt x="68168" y="551310"/>
+                    <a:pt x="551310" y="68168"/>
+                    <a:pt x="1147500" y="67500"/>
+                  </a:cubicBezTo>
+                  <a:moveTo>
+                    <a:pt x="1147500" y="0"/>
+                  </a:moveTo>
+                  <a:cubicBezTo>
+                    <a:pt x="513753" y="0"/>
+                    <a:pt x="0" y="513753"/>
+                    <a:pt x="0" y="1147500"/>
+                  </a:cubicBezTo>
+                  <a:cubicBezTo>
+                    <a:pt x="0" y="1781248"/>
+                    <a:pt x="513753" y="2295000"/>
+                    <a:pt x="1147500" y="2295000"/>
+                  </a:cubicBezTo>
+                  <a:cubicBezTo>
+                    <a:pt x="1781248" y="2295000"/>
+                    <a:pt x="2295000" y="1781248"/>
+                    <a:pt x="2295000" y="1147500"/>
+                  </a:cubicBezTo>
+                  <a:cubicBezTo>
+                    <a:pt x="2294295" y="514046"/>
+                    <a:pt x="1780954" y="705"/>
+                    <a:pt x="1147500" y="0"/>
+                  </a:cubicBezTo>
+                  <a:close/>
+                </a:path>
+              </a:pathLst>
+            </a:custGeom>
+            <a:solidFill>
+              <a:srgbClr val="000000"/>
+            </a:solidFill>
+            <a:ln w="28575" cap="flat">
+              <a:solidFill>
+                <a:srgbClr val="00FF00"/>
+              </a:solidFill>
+              <a:prstDash val="solid"/>
+              <a:miter/>
+            </a:ln>
+          </p:spPr>
+          <p:txBody>
+            <a:bodyPr rtlCol="0" anchor="ctr"/>
+            <a:lstStyle/>
+            <a:p>
+              <a:endParaRPr lang="es-ES"/>
+            </a:p>
+          </p:txBody>
+        </p:sp>
+        <p:sp>
+          <p:nvSpPr>
+            <p:cNvPr id="50" name="Freeform: Shape 49">
+              <a:extLst>
+                <a:ext uri="{FF2B5EF4-FFF2-40B4-BE49-F238E27FC236}">
+                  <a16:creationId xmlns:a16="http://schemas.microsoft.com/office/drawing/2014/main" id="{2DF3216C-CC66-A17A-EF2A-59F6C240DF97}"/>
+                </a:ext>
+              </a:extLst>
+            </p:cNvPr>
+            <p:cNvSpPr/>
+            <p:nvPr/>
+          </p:nvSpPr>
+          <p:spPr>
+            <a:xfrm>
+              <a:off x="9884310" y="7166627"/>
+              <a:ext cx="405000" cy="405000"/>
+            </a:xfrm>
+            <a:custGeom>
+              <a:avLst/>
+              <a:gdLst>
+                <a:gd name="connsiteX0" fmla="*/ 202500 w 405000"/>
+                <a:gd name="connsiteY0" fmla="*/ 405000 h 405000"/>
+                <a:gd name="connsiteX1" fmla="*/ 0 w 405000"/>
+                <a:gd name="connsiteY1" fmla="*/ 202500 h 405000"/>
+                <a:gd name="connsiteX2" fmla="*/ 202500 w 405000"/>
+                <a:gd name="connsiteY2" fmla="*/ 0 h 405000"/>
+                <a:gd name="connsiteX3" fmla="*/ 405000 w 405000"/>
+                <a:gd name="connsiteY3" fmla="*/ 202500 h 405000"/>
+                <a:gd name="connsiteX4" fmla="*/ 202500 w 405000"/>
+                <a:gd name="connsiteY4" fmla="*/ 405000 h 405000"/>
+                <a:gd name="connsiteX5" fmla="*/ 202500 w 405000"/>
+                <a:gd name="connsiteY5" fmla="*/ 67500 h 405000"/>
+                <a:gd name="connsiteX6" fmla="*/ 67500 w 405000"/>
+                <a:gd name="connsiteY6" fmla="*/ 202500 h 405000"/>
+                <a:gd name="connsiteX7" fmla="*/ 202500 w 405000"/>
+                <a:gd name="connsiteY7" fmla="*/ 337500 h 405000"/>
+                <a:gd name="connsiteX8" fmla="*/ 337500 w 405000"/>
+                <a:gd name="connsiteY8" fmla="*/ 202500 h 405000"/>
+                <a:gd name="connsiteX9" fmla="*/ 202500 w 405000"/>
+                <a:gd name="connsiteY9" fmla="*/ 67500 h 405000"/>
+              </a:gdLst>
+              <a:ahLst/>
+              <a:cxnLst>
+                <a:cxn ang="0">
+                  <a:pos x="connsiteX0" y="connsiteY0"/>
+                </a:cxn>
+                <a:cxn ang="0">
+                  <a:pos x="connsiteX1" y="connsiteY1"/>
+                </a:cxn>
+                <a:cxn ang="0">
+                  <a:pos x="connsiteX2" y="connsiteY2"/>
+                </a:cxn>
+                <a:cxn ang="0">
+                  <a:pos x="connsiteX3" y="connsiteY3"/>
+                </a:cxn>
+                <a:cxn ang="0">
+                  <a:pos x="connsiteX4" y="connsiteY4"/>
+                </a:cxn>
+                <a:cxn ang="0">
+                  <a:pos x="connsiteX5" y="connsiteY5"/>
+                </a:cxn>
+                <a:cxn ang="0">
+                  <a:pos x="connsiteX6" y="connsiteY6"/>
+                </a:cxn>
+                <a:cxn ang="0">
+                  <a:pos x="connsiteX7" y="connsiteY7"/>
+                </a:cxn>
+                <a:cxn ang="0">
+                  <a:pos x="connsiteX8" y="connsiteY8"/>
+                </a:cxn>
+                <a:cxn ang="0">
+                  <a:pos x="connsiteX9" y="connsiteY9"/>
+                </a:cxn>
+              </a:cxnLst>
+              <a:rect l="l" t="t" r="r" b="b"/>
+              <a:pathLst>
+                <a:path w="405000" h="405000">
+                  <a:moveTo>
+                    <a:pt x="202500" y="405000"/>
+                  </a:moveTo>
+                  <a:cubicBezTo>
+                    <a:pt x="90663" y="405000"/>
+                    <a:pt x="0" y="314337"/>
+                    <a:pt x="0" y="202500"/>
+                  </a:cubicBezTo>
+                  <a:cubicBezTo>
+                    <a:pt x="0" y="90663"/>
+                    <a:pt x="90663" y="0"/>
+                    <a:pt x="202500" y="0"/>
+                  </a:cubicBezTo>
+                  <a:cubicBezTo>
+                    <a:pt x="314337" y="0"/>
+                    <a:pt x="405000" y="90663"/>
+                    <a:pt x="405000" y="202500"/>
+                  </a:cubicBezTo>
+                  <a:cubicBezTo>
+                    <a:pt x="404889" y="314290"/>
+                    <a:pt x="314290" y="404889"/>
+                    <a:pt x="202500" y="405000"/>
+                  </a:cubicBezTo>
+                  <a:close/>
+                  <a:moveTo>
+                    <a:pt x="202500" y="67500"/>
+                  </a:moveTo>
+                  <a:cubicBezTo>
+                    <a:pt x="127943" y="67500"/>
+                    <a:pt x="67500" y="127943"/>
+                    <a:pt x="67500" y="202500"/>
+                  </a:cubicBezTo>
+                  <a:cubicBezTo>
+                    <a:pt x="67500" y="277057"/>
+                    <a:pt x="127943" y="337500"/>
+                    <a:pt x="202500" y="337500"/>
+                  </a:cubicBezTo>
+                  <a:cubicBezTo>
+                    <a:pt x="277057" y="337500"/>
+                    <a:pt x="337500" y="277057"/>
+                    <a:pt x="337500" y="202500"/>
+                  </a:cubicBezTo>
+                  <a:cubicBezTo>
+                    <a:pt x="337500" y="127943"/>
+                    <a:pt x="277057" y="67500"/>
+                    <a:pt x="202500" y="67500"/>
+                  </a:cubicBezTo>
+                  <a:close/>
+                </a:path>
+              </a:pathLst>
+            </a:custGeom>
+            <a:solidFill>
+              <a:srgbClr val="000000"/>
+            </a:solidFill>
+            <a:ln w="28575" cap="flat">
+              <a:solidFill>
+                <a:srgbClr val="00FF00"/>
+              </a:solidFill>
+              <a:prstDash val="solid"/>
+              <a:miter/>
+            </a:ln>
+          </p:spPr>
+          <p:txBody>
+            <a:bodyPr rtlCol="0" anchor="ctr"/>
+            <a:lstStyle/>
+            <a:p>
+              <a:endParaRPr lang="es-ES"/>
+            </a:p>
+          </p:txBody>
+        </p:sp>
+        <p:sp>
+          <p:nvSpPr>
+            <p:cNvPr id="51" name="Freeform: Shape 50">
+              <a:extLst>
+                <a:ext uri="{FF2B5EF4-FFF2-40B4-BE49-F238E27FC236}">
+                  <a16:creationId xmlns:a16="http://schemas.microsoft.com/office/drawing/2014/main" id="{4D5F42F3-69EA-7D47-006A-C40F75B36882}"/>
+                </a:ext>
+              </a:extLst>
+            </p:cNvPr>
+            <p:cNvSpPr/>
+            <p:nvPr/>
+          </p:nvSpPr>
+          <p:spPr>
+            <a:xfrm>
+              <a:off x="10694310" y="8077911"/>
+              <a:ext cx="405000" cy="405000"/>
+            </a:xfrm>
+            <a:custGeom>
+              <a:avLst/>
+              <a:gdLst>
+                <a:gd name="connsiteX0" fmla="*/ 202500 w 405000"/>
+                <a:gd name="connsiteY0" fmla="*/ 405000 h 405000"/>
+                <a:gd name="connsiteX1" fmla="*/ 0 w 405000"/>
+                <a:gd name="connsiteY1" fmla="*/ 202500 h 405000"/>
+                <a:gd name="connsiteX2" fmla="*/ 202500 w 405000"/>
+                <a:gd name="connsiteY2" fmla="*/ 0 h 405000"/>
+                <a:gd name="connsiteX3" fmla="*/ 405000 w 405000"/>
+                <a:gd name="connsiteY3" fmla="*/ 202500 h 405000"/>
+                <a:gd name="connsiteX4" fmla="*/ 202500 w 405000"/>
+                <a:gd name="connsiteY4" fmla="*/ 405000 h 405000"/>
+                <a:gd name="connsiteX5" fmla="*/ 202500 w 405000"/>
+                <a:gd name="connsiteY5" fmla="*/ 67500 h 405000"/>
+                <a:gd name="connsiteX6" fmla="*/ 67500 w 405000"/>
+                <a:gd name="connsiteY6" fmla="*/ 202500 h 405000"/>
+                <a:gd name="connsiteX7" fmla="*/ 202500 w 405000"/>
+                <a:gd name="connsiteY7" fmla="*/ 337500 h 405000"/>
+                <a:gd name="connsiteX8" fmla="*/ 337500 w 405000"/>
+                <a:gd name="connsiteY8" fmla="*/ 202500 h 405000"/>
+                <a:gd name="connsiteX9" fmla="*/ 202500 w 405000"/>
+                <a:gd name="connsiteY9" fmla="*/ 67500 h 405000"/>
+              </a:gdLst>
+              <a:ahLst/>
+              <a:cxnLst>
+                <a:cxn ang="0">
+                  <a:pos x="connsiteX0" y="connsiteY0"/>
+                </a:cxn>
+                <a:cxn ang="0">
+                  <a:pos x="connsiteX1" y="connsiteY1"/>
+                </a:cxn>
+                <a:cxn ang="0">
+                  <a:pos x="connsiteX2" y="connsiteY2"/>
+                </a:cxn>
+                <a:cxn ang="0">
+                  <a:pos x="connsiteX3" y="connsiteY3"/>
+                </a:cxn>
+                <a:cxn ang="0">
+                  <a:pos x="connsiteX4" y="connsiteY4"/>
+                </a:cxn>
+                <a:cxn ang="0">
+                  <a:pos x="connsiteX5" y="connsiteY5"/>
+                </a:cxn>
+                <a:cxn ang="0">
+                  <a:pos x="connsiteX6" y="connsiteY6"/>
+                </a:cxn>
+                <a:cxn ang="0">
+                  <a:pos x="connsiteX7" y="connsiteY7"/>
+                </a:cxn>
+                <a:cxn ang="0">
+                  <a:pos x="connsiteX8" y="connsiteY8"/>
+                </a:cxn>
+                <a:cxn ang="0">
+                  <a:pos x="connsiteX9" y="connsiteY9"/>
+                </a:cxn>
+              </a:cxnLst>
+              <a:rect l="l" t="t" r="r" b="b"/>
+              <a:pathLst>
+                <a:path w="405000" h="405000">
+                  <a:moveTo>
+                    <a:pt x="202500" y="405000"/>
+                  </a:moveTo>
+                  <a:cubicBezTo>
+                    <a:pt x="90663" y="405000"/>
+                    <a:pt x="0" y="314337"/>
+                    <a:pt x="0" y="202500"/>
+                  </a:cubicBezTo>
+                  <a:cubicBezTo>
+                    <a:pt x="0" y="90663"/>
+                    <a:pt x="90663" y="0"/>
+                    <a:pt x="202500" y="0"/>
+                  </a:cubicBezTo>
+                  <a:cubicBezTo>
+                    <a:pt x="314337" y="0"/>
+                    <a:pt x="405000" y="90663"/>
+                    <a:pt x="405000" y="202500"/>
+                  </a:cubicBezTo>
+                  <a:cubicBezTo>
+                    <a:pt x="404868" y="314283"/>
+                    <a:pt x="314283" y="404868"/>
+                    <a:pt x="202500" y="405000"/>
+                  </a:cubicBezTo>
+                  <a:close/>
+                  <a:moveTo>
+                    <a:pt x="202500" y="67500"/>
+                  </a:moveTo>
+                  <a:cubicBezTo>
+                    <a:pt x="127943" y="67500"/>
+                    <a:pt x="67500" y="127943"/>
+                    <a:pt x="67500" y="202500"/>
+                  </a:cubicBezTo>
+                  <a:cubicBezTo>
+                    <a:pt x="67500" y="277057"/>
+                    <a:pt x="127943" y="337500"/>
+                    <a:pt x="202500" y="337500"/>
+                  </a:cubicBezTo>
+                  <a:cubicBezTo>
+                    <a:pt x="277057" y="337500"/>
+                    <a:pt x="337500" y="277057"/>
+                    <a:pt x="337500" y="202500"/>
+                  </a:cubicBezTo>
+                  <a:cubicBezTo>
+                    <a:pt x="337500" y="127943"/>
+                    <a:pt x="277057" y="67500"/>
+                    <a:pt x="202500" y="67500"/>
+                  </a:cubicBezTo>
+                  <a:close/>
+                </a:path>
+              </a:pathLst>
+            </a:custGeom>
+            <a:solidFill>
+              <a:srgbClr val="000000"/>
+            </a:solidFill>
+            <a:ln w="28575" cap="flat">
+              <a:solidFill>
+                <a:srgbClr val="00FF00"/>
+              </a:solidFill>
+              <a:prstDash val="solid"/>
+              <a:miter/>
+            </a:ln>
+          </p:spPr>
+          <p:txBody>
+            <a:bodyPr rtlCol="0" anchor="ctr"/>
+            <a:lstStyle/>
+            <a:p>
+              <a:endParaRPr lang="es-ES"/>
+            </a:p>
+          </p:txBody>
+        </p:sp>
+        <p:sp>
+          <p:nvSpPr>
+            <p:cNvPr id="52" name="Freeform: Shape 51">
+              <a:extLst>
+                <a:ext uri="{FF2B5EF4-FFF2-40B4-BE49-F238E27FC236}">
+                  <a16:creationId xmlns:a16="http://schemas.microsoft.com/office/drawing/2014/main" id="{15DF0094-D1B2-97AF-77FE-633C804328BE}"/>
+                </a:ext>
+              </a:extLst>
+            </p:cNvPr>
+            <p:cNvSpPr/>
+            <p:nvPr/>
+          </p:nvSpPr>
+          <p:spPr>
+            <a:xfrm>
+              <a:off x="10930560" y="7526874"/>
+              <a:ext cx="270000" cy="270000"/>
+            </a:xfrm>
+            <a:custGeom>
+              <a:avLst/>
+              <a:gdLst>
+                <a:gd name="connsiteX0" fmla="*/ 135000 w 270000"/>
+                <a:gd name="connsiteY0" fmla="*/ 270000 h 270000"/>
+                <a:gd name="connsiteX1" fmla="*/ 0 w 270000"/>
+                <a:gd name="connsiteY1" fmla="*/ 135000 h 270000"/>
+                <a:gd name="connsiteX2" fmla="*/ 135000 w 270000"/>
+                <a:gd name="connsiteY2" fmla="*/ 0 h 270000"/>
+                <a:gd name="connsiteX3" fmla="*/ 270000 w 270000"/>
+                <a:gd name="connsiteY3" fmla="*/ 135000 h 270000"/>
+                <a:gd name="connsiteX4" fmla="*/ 135000 w 270000"/>
+                <a:gd name="connsiteY4" fmla="*/ 270000 h 270000"/>
+                <a:gd name="connsiteX5" fmla="*/ 135000 w 270000"/>
+                <a:gd name="connsiteY5" fmla="*/ 67500 h 270000"/>
+                <a:gd name="connsiteX6" fmla="*/ 67500 w 270000"/>
+                <a:gd name="connsiteY6" fmla="*/ 135000 h 270000"/>
+                <a:gd name="connsiteX7" fmla="*/ 135000 w 270000"/>
+                <a:gd name="connsiteY7" fmla="*/ 202500 h 270000"/>
+                <a:gd name="connsiteX8" fmla="*/ 202500 w 270000"/>
+                <a:gd name="connsiteY8" fmla="*/ 135000 h 270000"/>
+                <a:gd name="connsiteX9" fmla="*/ 135000 w 270000"/>
+                <a:gd name="connsiteY9" fmla="*/ 67500 h 270000"/>
+              </a:gdLst>
+              <a:ahLst/>
+              <a:cxnLst>
+                <a:cxn ang="0">
+                  <a:pos x="connsiteX0" y="connsiteY0"/>
+                </a:cxn>
+                <a:cxn ang="0">
+                  <a:pos x="connsiteX1" y="connsiteY1"/>
+                </a:cxn>
+                <a:cxn ang="0">
+                  <a:pos x="connsiteX2" y="connsiteY2"/>
+                </a:cxn>
+                <a:cxn ang="0">
+                  <a:pos x="connsiteX3" y="connsiteY3"/>
+                </a:cxn>
+                <a:cxn ang="0">
+                  <a:pos x="connsiteX4" y="connsiteY4"/>
+                </a:cxn>
+                <a:cxn ang="0">
+                  <a:pos x="connsiteX5" y="connsiteY5"/>
+                </a:cxn>
+                <a:cxn ang="0">
+                  <a:pos x="connsiteX6" y="connsiteY6"/>
+                </a:cxn>
+                <a:cxn ang="0">
+                  <a:pos x="connsiteX7" y="connsiteY7"/>
+                </a:cxn>
+                <a:cxn ang="0">
+                  <a:pos x="connsiteX8" y="connsiteY8"/>
+                </a:cxn>
+                <a:cxn ang="0">
+                  <a:pos x="connsiteX9" y="connsiteY9"/>
+                </a:cxn>
+              </a:cxnLst>
+              <a:rect l="l" t="t" r="r" b="b"/>
+              <a:pathLst>
+                <a:path w="270000" h="270000">
+                  <a:moveTo>
+                    <a:pt x="135000" y="270000"/>
+                  </a:moveTo>
+                  <a:cubicBezTo>
+                    <a:pt x="60443" y="270000"/>
+                    <a:pt x="0" y="209557"/>
+                    <a:pt x="0" y="135000"/>
+                  </a:cubicBezTo>
+                  <a:cubicBezTo>
+                    <a:pt x="0" y="60443"/>
+                    <a:pt x="60443" y="0"/>
+                    <a:pt x="135000" y="0"/>
+                  </a:cubicBezTo>
+                  <a:cubicBezTo>
+                    <a:pt x="209557" y="0"/>
+                    <a:pt x="270000" y="60443"/>
+                    <a:pt x="270000" y="135000"/>
+                  </a:cubicBezTo>
+                  <a:cubicBezTo>
+                    <a:pt x="270000" y="209557"/>
+                    <a:pt x="209557" y="270000"/>
+                    <a:pt x="135000" y="270000"/>
+                  </a:cubicBezTo>
+                  <a:close/>
+                  <a:moveTo>
+                    <a:pt x="135000" y="67500"/>
+                  </a:moveTo>
+                  <a:cubicBezTo>
+                    <a:pt x="97720" y="67500"/>
+                    <a:pt x="67500" y="97720"/>
+                    <a:pt x="67500" y="135000"/>
+                  </a:cubicBezTo>
+                  <a:cubicBezTo>
+                    <a:pt x="67500" y="172280"/>
+                    <a:pt x="97720" y="202500"/>
+                    <a:pt x="135000" y="202500"/>
+                  </a:cubicBezTo>
+                  <a:cubicBezTo>
+                    <a:pt x="172280" y="202500"/>
+                    <a:pt x="202500" y="172280"/>
+                    <a:pt x="202500" y="135000"/>
+                  </a:cubicBezTo>
+                  <a:cubicBezTo>
+                    <a:pt x="202500" y="97720"/>
+                    <a:pt x="172280" y="67500"/>
+                    <a:pt x="135000" y="67500"/>
+                  </a:cubicBezTo>
+                  <a:close/>
+                </a:path>
+              </a:pathLst>
+            </a:custGeom>
+            <a:solidFill>
+              <a:srgbClr val="000000"/>
+            </a:solidFill>
+            <a:ln w="28575" cap="flat">
+              <a:solidFill>
+                <a:srgbClr val="00FF00"/>
+              </a:solidFill>
+              <a:prstDash val="solid"/>
+              <a:miter/>
+            </a:ln>
+          </p:spPr>
+          <p:txBody>
+            <a:bodyPr rtlCol="0" anchor="ctr"/>
+            <a:lstStyle/>
+            <a:p>
+              <a:endParaRPr lang="es-ES"/>
+            </a:p>
+          </p:txBody>
+        </p:sp>
+        <p:sp>
+          <p:nvSpPr>
+            <p:cNvPr id="53" name="Freeform: Shape 52">
+              <a:extLst>
+                <a:ext uri="{FF2B5EF4-FFF2-40B4-BE49-F238E27FC236}">
+                  <a16:creationId xmlns:a16="http://schemas.microsoft.com/office/drawing/2014/main" id="{3FD1BB90-B8E4-DCD6-8C70-D062804F85E8}"/>
+                </a:ext>
+              </a:extLst>
+            </p:cNvPr>
+            <p:cNvSpPr/>
+            <p:nvPr/>
+          </p:nvSpPr>
+          <p:spPr>
+            <a:xfrm>
+              <a:off x="9783060" y="7841661"/>
+              <a:ext cx="270000" cy="270000"/>
+            </a:xfrm>
+            <a:custGeom>
+              <a:avLst/>
+              <a:gdLst>
+                <a:gd name="connsiteX0" fmla="*/ 135000 w 270000"/>
+                <a:gd name="connsiteY0" fmla="*/ 270000 h 270000"/>
+                <a:gd name="connsiteX1" fmla="*/ 0 w 270000"/>
+                <a:gd name="connsiteY1" fmla="*/ 135000 h 270000"/>
+                <a:gd name="connsiteX2" fmla="*/ 135000 w 270000"/>
+                <a:gd name="connsiteY2" fmla="*/ 0 h 270000"/>
+                <a:gd name="connsiteX3" fmla="*/ 270000 w 270000"/>
+                <a:gd name="connsiteY3" fmla="*/ 135000 h 270000"/>
+                <a:gd name="connsiteX4" fmla="*/ 135000 w 270000"/>
+                <a:gd name="connsiteY4" fmla="*/ 270000 h 270000"/>
+                <a:gd name="connsiteX5" fmla="*/ 135000 w 270000"/>
+                <a:gd name="connsiteY5" fmla="*/ 67500 h 270000"/>
+                <a:gd name="connsiteX6" fmla="*/ 67500 w 270000"/>
+                <a:gd name="connsiteY6" fmla="*/ 135000 h 270000"/>
+                <a:gd name="connsiteX7" fmla="*/ 135000 w 270000"/>
+                <a:gd name="connsiteY7" fmla="*/ 202500 h 270000"/>
+                <a:gd name="connsiteX8" fmla="*/ 202500 w 270000"/>
+                <a:gd name="connsiteY8" fmla="*/ 135000 h 270000"/>
+                <a:gd name="connsiteX9" fmla="*/ 135000 w 270000"/>
+                <a:gd name="connsiteY9" fmla="*/ 67500 h 270000"/>
+              </a:gdLst>
+              <a:ahLst/>
+              <a:cxnLst>
+                <a:cxn ang="0">
+                  <a:pos x="connsiteX0" y="connsiteY0"/>
+                </a:cxn>
+                <a:cxn ang="0">
+                  <a:pos x="connsiteX1" y="connsiteY1"/>
+                </a:cxn>
+                <a:cxn ang="0">
+                  <a:pos x="connsiteX2" y="connsiteY2"/>
+                </a:cxn>
+                <a:cxn ang="0">
+                  <a:pos x="connsiteX3" y="connsiteY3"/>
+                </a:cxn>
+                <a:cxn ang="0">
+                  <a:pos x="connsiteX4" y="connsiteY4"/>
+                </a:cxn>
+                <a:cxn ang="0">
+                  <a:pos x="connsiteX5" y="connsiteY5"/>
+                </a:cxn>
+                <a:cxn ang="0">
+                  <a:pos x="connsiteX6" y="connsiteY6"/>
+                </a:cxn>
+                <a:cxn ang="0">
+                  <a:pos x="connsiteX7" y="connsiteY7"/>
+                </a:cxn>
+                <a:cxn ang="0">
+                  <a:pos x="connsiteX8" y="connsiteY8"/>
+                </a:cxn>
+                <a:cxn ang="0">
+                  <a:pos x="connsiteX9" y="connsiteY9"/>
+                </a:cxn>
+              </a:cxnLst>
+              <a:rect l="l" t="t" r="r" b="b"/>
+              <a:pathLst>
+                <a:path w="270000" h="270000">
+                  <a:moveTo>
+                    <a:pt x="135000" y="270000"/>
+                  </a:moveTo>
+                  <a:cubicBezTo>
+                    <a:pt x="60443" y="270000"/>
+                    <a:pt x="0" y="209557"/>
+                    <a:pt x="0" y="135000"/>
+                  </a:cubicBezTo>
+                  <a:cubicBezTo>
+                    <a:pt x="0" y="60443"/>
+                    <a:pt x="60443" y="0"/>
+                    <a:pt x="135000" y="0"/>
+                  </a:cubicBezTo>
+                  <a:cubicBezTo>
+                    <a:pt x="209557" y="0"/>
+                    <a:pt x="270000" y="60443"/>
+                    <a:pt x="270000" y="135000"/>
+                  </a:cubicBezTo>
+                  <a:cubicBezTo>
+                    <a:pt x="270000" y="209557"/>
+                    <a:pt x="209557" y="270000"/>
+                    <a:pt x="135000" y="270000"/>
+                  </a:cubicBezTo>
+                  <a:close/>
+                  <a:moveTo>
+                    <a:pt x="135000" y="67500"/>
+                  </a:moveTo>
+                  <a:cubicBezTo>
+                    <a:pt x="97720" y="67500"/>
+                    <a:pt x="67500" y="97720"/>
+                    <a:pt x="67500" y="135000"/>
+                  </a:cubicBezTo>
+                  <a:cubicBezTo>
+                    <a:pt x="67500" y="172280"/>
+                    <a:pt x="97720" y="202500"/>
+                    <a:pt x="135000" y="202500"/>
+                  </a:cubicBezTo>
+                  <a:cubicBezTo>
+                    <a:pt x="172280" y="202500"/>
+                    <a:pt x="202500" y="172280"/>
+                    <a:pt x="202500" y="135000"/>
+                  </a:cubicBezTo>
+                  <a:cubicBezTo>
+                    <a:pt x="202500" y="97720"/>
+                    <a:pt x="172280" y="67500"/>
+                    <a:pt x="135000" y="67500"/>
+                  </a:cubicBezTo>
+                  <a:close/>
+                </a:path>
+              </a:pathLst>
+            </a:custGeom>
+            <a:solidFill>
+              <a:srgbClr val="000000"/>
+            </a:solidFill>
+            <a:ln w="28575" cap="flat">
+              <a:solidFill>
+                <a:srgbClr val="00FF00"/>
+              </a:solidFill>
+              <a:prstDash val="solid"/>
+              <a:miter/>
+            </a:ln>
+          </p:spPr>
+          <p:txBody>
+            <a:bodyPr rtlCol="0" anchor="ctr"/>
+            <a:lstStyle/>
+            <a:p>
+              <a:endParaRPr lang="es-ES"/>
+            </a:p>
+          </p:txBody>
+        </p:sp>
+        <p:sp>
+          <p:nvSpPr>
+            <p:cNvPr id="54" name="Freeform: Shape 53">
+              <a:extLst>
+                <a:ext uri="{FF2B5EF4-FFF2-40B4-BE49-F238E27FC236}">
+                  <a16:creationId xmlns:a16="http://schemas.microsoft.com/office/drawing/2014/main" id="{6CBBD196-A017-7A62-D142-373BA7D12253}"/>
+                </a:ext>
+              </a:extLst>
+            </p:cNvPr>
+            <p:cNvSpPr/>
+            <p:nvPr/>
+          </p:nvSpPr>
+          <p:spPr>
+            <a:xfrm>
+              <a:off x="10549590" y="6913333"/>
+              <a:ext cx="270000" cy="270000"/>
+            </a:xfrm>
+            <a:custGeom>
+              <a:avLst/>
+              <a:gdLst>
+                <a:gd name="connsiteX0" fmla="*/ 135000 w 270000"/>
+                <a:gd name="connsiteY0" fmla="*/ 270000 h 270000"/>
+                <a:gd name="connsiteX1" fmla="*/ 0 w 270000"/>
+                <a:gd name="connsiteY1" fmla="*/ 135000 h 270000"/>
+                <a:gd name="connsiteX2" fmla="*/ 135000 w 270000"/>
+                <a:gd name="connsiteY2" fmla="*/ 0 h 270000"/>
+                <a:gd name="connsiteX3" fmla="*/ 270000 w 270000"/>
+                <a:gd name="connsiteY3" fmla="*/ 135000 h 270000"/>
+                <a:gd name="connsiteX4" fmla="*/ 135000 w 270000"/>
+                <a:gd name="connsiteY4" fmla="*/ 270000 h 270000"/>
+                <a:gd name="connsiteX5" fmla="*/ 135000 w 270000"/>
+                <a:gd name="connsiteY5" fmla="*/ 67500 h 270000"/>
+                <a:gd name="connsiteX6" fmla="*/ 67500 w 270000"/>
+                <a:gd name="connsiteY6" fmla="*/ 135000 h 270000"/>
+                <a:gd name="connsiteX7" fmla="*/ 135000 w 270000"/>
+                <a:gd name="connsiteY7" fmla="*/ 202500 h 270000"/>
+                <a:gd name="connsiteX8" fmla="*/ 202500 w 270000"/>
+                <a:gd name="connsiteY8" fmla="*/ 135000 h 270000"/>
+                <a:gd name="connsiteX9" fmla="*/ 135000 w 270000"/>
+                <a:gd name="connsiteY9" fmla="*/ 67500 h 270000"/>
+              </a:gdLst>
+              <a:ahLst/>
+              <a:cxnLst>
+                <a:cxn ang="0">
+                  <a:pos x="connsiteX0" y="connsiteY0"/>
+                </a:cxn>
+                <a:cxn ang="0">
+                  <a:pos x="connsiteX1" y="connsiteY1"/>
+                </a:cxn>
+                <a:cxn ang="0">
+                  <a:pos x="connsiteX2" y="connsiteY2"/>
+                </a:cxn>
+                <a:cxn ang="0">
+                  <a:pos x="connsiteX3" y="connsiteY3"/>
+                </a:cxn>
+                <a:cxn ang="0">
+                  <a:pos x="connsiteX4" y="connsiteY4"/>
+                </a:cxn>
+                <a:cxn ang="0">
+                  <a:pos x="connsiteX5" y="connsiteY5"/>
+                </a:cxn>
+                <a:cxn ang="0">
+                  <a:pos x="connsiteX6" y="connsiteY6"/>
+                </a:cxn>
+                <a:cxn ang="0">
+                  <a:pos x="connsiteX7" y="connsiteY7"/>
+                </a:cxn>
+                <a:cxn ang="0">
+                  <a:pos x="connsiteX8" y="connsiteY8"/>
+                </a:cxn>
+                <a:cxn ang="0">
+                  <a:pos x="connsiteX9" y="connsiteY9"/>
+                </a:cxn>
+              </a:cxnLst>
+              <a:rect l="l" t="t" r="r" b="b"/>
+              <a:pathLst>
+                <a:path w="270000" h="270000">
+                  <a:moveTo>
+                    <a:pt x="135000" y="270000"/>
+                  </a:moveTo>
+                  <a:cubicBezTo>
+                    <a:pt x="60443" y="270000"/>
+                    <a:pt x="0" y="209557"/>
+                    <a:pt x="0" y="135000"/>
+                  </a:cubicBezTo>
+                  <a:cubicBezTo>
+                    <a:pt x="0" y="60443"/>
+                    <a:pt x="60443" y="0"/>
+                    <a:pt x="135000" y="0"/>
+                  </a:cubicBezTo>
+                  <a:cubicBezTo>
+                    <a:pt x="209557" y="0"/>
+                    <a:pt x="270000" y="60443"/>
+                    <a:pt x="270000" y="135000"/>
+                  </a:cubicBezTo>
+                  <a:cubicBezTo>
+                    <a:pt x="270000" y="209557"/>
+                    <a:pt x="209557" y="270000"/>
+                    <a:pt x="135000" y="270000"/>
+                  </a:cubicBezTo>
+                  <a:close/>
+                  <a:moveTo>
+                    <a:pt x="135000" y="67500"/>
+                  </a:moveTo>
+                  <a:cubicBezTo>
+                    <a:pt x="97720" y="67500"/>
+                    <a:pt x="67500" y="97720"/>
+                    <a:pt x="67500" y="135000"/>
+                  </a:cubicBezTo>
+                  <a:cubicBezTo>
+                    <a:pt x="67500" y="172280"/>
+                    <a:pt x="97720" y="202500"/>
+                    <a:pt x="135000" y="202500"/>
+                  </a:cubicBezTo>
+                  <a:cubicBezTo>
+                    <a:pt x="172280" y="202500"/>
+                    <a:pt x="202500" y="172280"/>
+                    <a:pt x="202500" y="135000"/>
+                  </a:cubicBezTo>
+                  <a:cubicBezTo>
+                    <a:pt x="202500" y="97720"/>
+                    <a:pt x="172280" y="67500"/>
+                    <a:pt x="135000" y="67500"/>
+                  </a:cubicBezTo>
+                  <a:close/>
+                </a:path>
+              </a:pathLst>
+            </a:custGeom>
+            <a:solidFill>
+              <a:srgbClr val="000000"/>
+            </a:solidFill>
+            <a:ln w="28575" cap="flat">
+              <a:solidFill>
+                <a:srgbClr val="00FF00"/>
+              </a:solidFill>
+              <a:prstDash val="solid"/>
+              <a:miter/>
+            </a:ln>
+          </p:spPr>
+          <p:txBody>
+            <a:bodyPr rtlCol="0" anchor="ctr"/>
+            <a:lstStyle/>
+            <a:p>
+              <a:endParaRPr lang="es-ES"/>
+            </a:p>
+          </p:txBody>
+        </p:sp>
+        <p:sp>
+          <p:nvSpPr>
+            <p:cNvPr id="55" name="Freeform: Shape 54">
+              <a:extLst>
+                <a:ext uri="{FF2B5EF4-FFF2-40B4-BE49-F238E27FC236}">
+                  <a16:creationId xmlns:a16="http://schemas.microsoft.com/office/drawing/2014/main" id="{005E33C6-8F91-9123-23D3-48AEB5FFD786}"/>
+                </a:ext>
+              </a:extLst>
+            </p:cNvPr>
+            <p:cNvSpPr/>
+            <p:nvPr/>
+          </p:nvSpPr>
+          <p:spPr>
+            <a:xfrm>
+              <a:off x="11099310" y="7132877"/>
+              <a:ext cx="202500" cy="202500"/>
+            </a:xfrm>
+            <a:custGeom>
+              <a:avLst/>
+              <a:gdLst>
+                <a:gd name="connsiteX0" fmla="*/ 101250 w 202500"/>
+                <a:gd name="connsiteY0" fmla="*/ 202500 h 202500"/>
+                <a:gd name="connsiteX1" fmla="*/ 0 w 202500"/>
+                <a:gd name="connsiteY1" fmla="*/ 101250 h 202500"/>
+                <a:gd name="connsiteX2" fmla="*/ 101250 w 202500"/>
+                <a:gd name="connsiteY2" fmla="*/ 0 h 202500"/>
+                <a:gd name="connsiteX3" fmla="*/ 202500 w 202500"/>
+                <a:gd name="connsiteY3" fmla="*/ 101250 h 202500"/>
+                <a:gd name="connsiteX4" fmla="*/ 101250 w 202500"/>
+                <a:gd name="connsiteY4" fmla="*/ 202500 h 202500"/>
+                <a:gd name="connsiteX5" fmla="*/ 101250 w 202500"/>
+                <a:gd name="connsiteY5" fmla="*/ 67500 h 202500"/>
+                <a:gd name="connsiteX6" fmla="*/ 67500 w 202500"/>
+                <a:gd name="connsiteY6" fmla="*/ 101250 h 202500"/>
+                <a:gd name="connsiteX7" fmla="*/ 101250 w 202500"/>
+                <a:gd name="connsiteY7" fmla="*/ 135000 h 202500"/>
+                <a:gd name="connsiteX8" fmla="*/ 135000 w 202500"/>
+                <a:gd name="connsiteY8" fmla="*/ 101250 h 202500"/>
+                <a:gd name="connsiteX9" fmla="*/ 101250 w 202500"/>
+                <a:gd name="connsiteY9" fmla="*/ 67500 h 202500"/>
+              </a:gdLst>
+              <a:ahLst/>
+              <a:cxnLst>
+                <a:cxn ang="0">
+                  <a:pos x="connsiteX0" y="connsiteY0"/>
+                </a:cxn>
+                <a:cxn ang="0">
+                  <a:pos x="connsiteX1" y="connsiteY1"/>
+                </a:cxn>
+                <a:cxn ang="0">
+                  <a:pos x="connsiteX2" y="connsiteY2"/>
+                </a:cxn>
+                <a:cxn ang="0">
+                  <a:pos x="connsiteX3" y="connsiteY3"/>
+                </a:cxn>
+                <a:cxn ang="0">
+                  <a:pos x="connsiteX4" y="connsiteY4"/>
+                </a:cxn>
+                <a:cxn ang="0">
+                  <a:pos x="connsiteX5" y="connsiteY5"/>
+                </a:cxn>
+                <a:cxn ang="0">
+                  <a:pos x="connsiteX6" y="connsiteY6"/>
+                </a:cxn>
+                <a:cxn ang="0">
+                  <a:pos x="connsiteX7" y="connsiteY7"/>
+                </a:cxn>
+                <a:cxn ang="0">
+                  <a:pos x="connsiteX8" y="connsiteY8"/>
+                </a:cxn>
+                <a:cxn ang="0">
+                  <a:pos x="connsiteX9" y="connsiteY9"/>
+                </a:cxn>
+              </a:cxnLst>
+              <a:rect l="l" t="t" r="r" b="b"/>
+              <a:pathLst>
+                <a:path w="202500" h="202500">
+                  <a:moveTo>
+                    <a:pt x="101250" y="202500"/>
+                  </a:moveTo>
+                  <a:cubicBezTo>
+                    <a:pt x="45330" y="202500"/>
+                    <a:pt x="0" y="157170"/>
+                    <a:pt x="0" y="101250"/>
+                  </a:cubicBezTo>
+                  <a:cubicBezTo>
+                    <a:pt x="0" y="45330"/>
+                    <a:pt x="45330" y="0"/>
+                    <a:pt x="101250" y="0"/>
+                  </a:cubicBezTo>
+                  <a:cubicBezTo>
+                    <a:pt x="157170" y="0"/>
+                    <a:pt x="202500" y="45330"/>
+                    <a:pt x="202500" y="101250"/>
+                  </a:cubicBezTo>
+                  <a:cubicBezTo>
+                    <a:pt x="202500" y="157170"/>
+                    <a:pt x="157170" y="202500"/>
+                    <a:pt x="101250" y="202500"/>
+                  </a:cubicBezTo>
+                  <a:close/>
+                  <a:moveTo>
+                    <a:pt x="101250" y="67500"/>
+                  </a:moveTo>
+                  <a:cubicBezTo>
+                    <a:pt x="82610" y="67500"/>
+                    <a:pt x="67500" y="82610"/>
+                    <a:pt x="67500" y="101250"/>
+                  </a:cubicBezTo>
+                  <a:cubicBezTo>
+                    <a:pt x="67500" y="119890"/>
+                    <a:pt x="82610" y="135000"/>
+                    <a:pt x="101250" y="135000"/>
+                  </a:cubicBezTo>
+                  <a:cubicBezTo>
+                    <a:pt x="119890" y="135000"/>
+                    <a:pt x="135000" y="119890"/>
+                    <a:pt x="135000" y="101250"/>
+                  </a:cubicBezTo>
+                  <a:cubicBezTo>
+                    <a:pt x="135000" y="82610"/>
+                    <a:pt x="119890" y="67500"/>
+                    <a:pt x="101250" y="67500"/>
+                  </a:cubicBezTo>
+                  <a:close/>
+                </a:path>
+              </a:pathLst>
+            </a:custGeom>
+            <a:solidFill>
+              <a:srgbClr val="000000"/>
+            </a:solidFill>
+            <a:ln w="28575" cap="flat">
+              <a:solidFill>
+                <a:srgbClr val="00FF00"/>
+              </a:solidFill>
+              <a:prstDash val="solid"/>
+              <a:miter/>
+            </a:ln>
+          </p:spPr>
+          <p:txBody>
+            <a:bodyPr rtlCol="0" anchor="ctr"/>
+            <a:lstStyle/>
+            <a:p>
+              <a:endParaRPr lang="es-ES"/>
+            </a:p>
+          </p:txBody>
+        </p:sp>
+        <p:sp>
+          <p:nvSpPr>
+            <p:cNvPr id="56" name="Freeform: Shape 55">
+              <a:extLst>
+                <a:ext uri="{FF2B5EF4-FFF2-40B4-BE49-F238E27FC236}">
+                  <a16:creationId xmlns:a16="http://schemas.microsoft.com/office/drawing/2014/main" id="{C1E3B973-A22F-88B6-C4B8-EF50F7D7A7A2}"/>
+                </a:ext>
+              </a:extLst>
+            </p:cNvPr>
+            <p:cNvSpPr/>
+            <p:nvPr/>
+          </p:nvSpPr>
+          <p:spPr>
+            <a:xfrm>
+              <a:off x="10424310" y="7661874"/>
+              <a:ext cx="202500" cy="202500"/>
+            </a:xfrm>
+            <a:custGeom>
+              <a:avLst/>
+              <a:gdLst>
+                <a:gd name="connsiteX0" fmla="*/ 101250 w 202500"/>
+                <a:gd name="connsiteY0" fmla="*/ 202500 h 202500"/>
+                <a:gd name="connsiteX1" fmla="*/ 0 w 202500"/>
+                <a:gd name="connsiteY1" fmla="*/ 101250 h 202500"/>
+                <a:gd name="connsiteX2" fmla="*/ 101250 w 202500"/>
+                <a:gd name="connsiteY2" fmla="*/ 0 h 202500"/>
+                <a:gd name="connsiteX3" fmla="*/ 202500 w 202500"/>
+                <a:gd name="connsiteY3" fmla="*/ 101250 h 202500"/>
+                <a:gd name="connsiteX4" fmla="*/ 101250 w 202500"/>
+                <a:gd name="connsiteY4" fmla="*/ 202500 h 202500"/>
+                <a:gd name="connsiteX5" fmla="*/ 101250 w 202500"/>
+                <a:gd name="connsiteY5" fmla="*/ 67500 h 202500"/>
+                <a:gd name="connsiteX6" fmla="*/ 67500 w 202500"/>
+                <a:gd name="connsiteY6" fmla="*/ 101250 h 202500"/>
+                <a:gd name="connsiteX7" fmla="*/ 101250 w 202500"/>
+                <a:gd name="connsiteY7" fmla="*/ 135000 h 202500"/>
+                <a:gd name="connsiteX8" fmla="*/ 135000 w 202500"/>
+                <a:gd name="connsiteY8" fmla="*/ 101250 h 202500"/>
+                <a:gd name="connsiteX9" fmla="*/ 101250 w 202500"/>
+                <a:gd name="connsiteY9" fmla="*/ 67500 h 202500"/>
+              </a:gdLst>
+              <a:ahLst/>
+              <a:cxnLst>
+                <a:cxn ang="0">
+                  <a:pos x="connsiteX0" y="connsiteY0"/>
+                </a:cxn>
+                <a:cxn ang="0">
+                  <a:pos x="connsiteX1" y="connsiteY1"/>
+                </a:cxn>
+                <a:cxn ang="0">
+                  <a:pos x="connsiteX2" y="connsiteY2"/>
+                </a:cxn>
+                <a:cxn ang="0">
+                  <a:pos x="connsiteX3" y="connsiteY3"/>
+                </a:cxn>
+                <a:cxn ang="0">
+                  <a:pos x="connsiteX4" y="connsiteY4"/>
+                </a:cxn>
+                <a:cxn ang="0">
+                  <a:pos x="connsiteX5" y="connsiteY5"/>
+                </a:cxn>
+                <a:cxn ang="0">
+                  <a:pos x="connsiteX6" y="connsiteY6"/>
+                </a:cxn>
+                <a:cxn ang="0">
+                  <a:pos x="connsiteX7" y="connsiteY7"/>
+                </a:cxn>
+                <a:cxn ang="0">
+                  <a:pos x="connsiteX8" y="connsiteY8"/>
+                </a:cxn>
+                <a:cxn ang="0">
+                  <a:pos x="connsiteX9" y="connsiteY9"/>
+                </a:cxn>
+              </a:cxnLst>
+              <a:rect l="l" t="t" r="r" b="b"/>
+              <a:pathLst>
+                <a:path w="202500" h="202500">
+                  <a:moveTo>
+                    <a:pt x="101250" y="202500"/>
+                  </a:moveTo>
+                  <a:cubicBezTo>
+                    <a:pt x="45330" y="202500"/>
+                    <a:pt x="0" y="157170"/>
+                    <a:pt x="0" y="101250"/>
+                  </a:cubicBezTo>
+                  <a:cubicBezTo>
+                    <a:pt x="0" y="45330"/>
+                    <a:pt x="45330" y="0"/>
+                    <a:pt x="101250" y="0"/>
+                  </a:cubicBezTo>
+                  <a:cubicBezTo>
+                    <a:pt x="157170" y="0"/>
+                    <a:pt x="202500" y="45330"/>
+                    <a:pt x="202500" y="101250"/>
+                  </a:cubicBezTo>
+                  <a:cubicBezTo>
+                    <a:pt x="202500" y="157170"/>
+                    <a:pt x="157170" y="202500"/>
+                    <a:pt x="101250" y="202500"/>
+                  </a:cubicBezTo>
+                  <a:close/>
+                  <a:moveTo>
+                    <a:pt x="101250" y="67500"/>
+                  </a:moveTo>
+                  <a:cubicBezTo>
+                    <a:pt x="82610" y="67500"/>
+                    <a:pt x="67500" y="82610"/>
+                    <a:pt x="67500" y="101250"/>
+                  </a:cubicBezTo>
+                  <a:cubicBezTo>
+                    <a:pt x="67500" y="119890"/>
+                    <a:pt x="82610" y="135000"/>
+                    <a:pt x="101250" y="135000"/>
+                  </a:cubicBezTo>
+                  <a:cubicBezTo>
+                    <a:pt x="119890" y="135000"/>
+                    <a:pt x="135000" y="119890"/>
+                    <a:pt x="135000" y="101250"/>
+                  </a:cubicBezTo>
+                  <a:cubicBezTo>
+                    <a:pt x="135000" y="82610"/>
+                    <a:pt x="119890" y="67500"/>
+                    <a:pt x="101250" y="67500"/>
+                  </a:cubicBezTo>
+                  <a:close/>
+                </a:path>
+              </a:pathLst>
+            </a:custGeom>
+            <a:solidFill>
+              <a:srgbClr val="000000"/>
+            </a:solidFill>
+            <a:ln w="28575" cap="flat">
+              <a:solidFill>
+                <a:srgbClr val="00FF00"/>
+              </a:solidFill>
+              <a:prstDash val="solid"/>
+              <a:miter/>
+            </a:ln>
+          </p:spPr>
+          <p:txBody>
+            <a:bodyPr rtlCol="0" anchor="ctr"/>
+            <a:lstStyle/>
+            <a:p>
+              <a:endParaRPr lang="es-ES"/>
+            </a:p>
+          </p:txBody>
+        </p:sp>
+        <p:sp>
+          <p:nvSpPr>
+            <p:cNvPr id="57" name="Freeform: Shape 56">
+              <a:extLst>
+                <a:ext uri="{FF2B5EF4-FFF2-40B4-BE49-F238E27FC236}">
+                  <a16:creationId xmlns:a16="http://schemas.microsoft.com/office/drawing/2014/main" id="{46E52337-9FF6-084D-83D6-44D293852DF0}"/>
+                </a:ext>
+              </a:extLst>
+            </p:cNvPr>
+            <p:cNvSpPr/>
+            <p:nvPr/>
+          </p:nvSpPr>
+          <p:spPr>
+            <a:xfrm>
+              <a:off x="11403060" y="7841661"/>
+              <a:ext cx="202500" cy="202500"/>
+            </a:xfrm>
+            <a:custGeom>
+              <a:avLst/>
+              <a:gdLst>
+                <a:gd name="connsiteX0" fmla="*/ 101250 w 202500"/>
+                <a:gd name="connsiteY0" fmla="*/ 202500 h 202500"/>
+                <a:gd name="connsiteX1" fmla="*/ 0 w 202500"/>
+                <a:gd name="connsiteY1" fmla="*/ 101250 h 202500"/>
+                <a:gd name="connsiteX2" fmla="*/ 101250 w 202500"/>
+                <a:gd name="connsiteY2" fmla="*/ 0 h 202500"/>
+                <a:gd name="connsiteX3" fmla="*/ 202500 w 202500"/>
+                <a:gd name="connsiteY3" fmla="*/ 101250 h 202500"/>
+                <a:gd name="connsiteX4" fmla="*/ 101250 w 202500"/>
+                <a:gd name="connsiteY4" fmla="*/ 202500 h 202500"/>
+                <a:gd name="connsiteX5" fmla="*/ 101250 w 202500"/>
+                <a:gd name="connsiteY5" fmla="*/ 67500 h 202500"/>
+                <a:gd name="connsiteX6" fmla="*/ 67500 w 202500"/>
+                <a:gd name="connsiteY6" fmla="*/ 101250 h 202500"/>
+                <a:gd name="connsiteX7" fmla="*/ 101250 w 202500"/>
+                <a:gd name="connsiteY7" fmla="*/ 135000 h 202500"/>
+                <a:gd name="connsiteX8" fmla="*/ 135000 w 202500"/>
+                <a:gd name="connsiteY8" fmla="*/ 101250 h 202500"/>
+                <a:gd name="connsiteX9" fmla="*/ 101250 w 202500"/>
+                <a:gd name="connsiteY9" fmla="*/ 67500 h 202500"/>
+              </a:gdLst>
+              <a:ahLst/>
+              <a:cxnLst>
+                <a:cxn ang="0">
+                  <a:pos x="connsiteX0" y="connsiteY0"/>
+                </a:cxn>
+                <a:cxn ang="0">
+                  <a:pos x="connsiteX1" y="connsiteY1"/>
+                </a:cxn>
+                <a:cxn ang="0">
+                  <a:pos x="connsiteX2" y="connsiteY2"/>
+                </a:cxn>
+                <a:cxn ang="0">
+                  <a:pos x="connsiteX3" y="connsiteY3"/>
+                </a:cxn>
+                <a:cxn ang="0">
+                  <a:pos x="connsiteX4" y="connsiteY4"/>
+                </a:cxn>
+                <a:cxn ang="0">
+                  <a:pos x="connsiteX5" y="connsiteY5"/>
+                </a:cxn>
+                <a:cxn ang="0">
+                  <a:pos x="connsiteX6" y="connsiteY6"/>
+                </a:cxn>
+                <a:cxn ang="0">
+                  <a:pos x="connsiteX7" y="connsiteY7"/>
+                </a:cxn>
+                <a:cxn ang="0">
+                  <a:pos x="connsiteX8" y="connsiteY8"/>
+                </a:cxn>
+                <a:cxn ang="0">
+                  <a:pos x="connsiteX9" y="connsiteY9"/>
+                </a:cxn>
+              </a:cxnLst>
+              <a:rect l="l" t="t" r="r" b="b"/>
+              <a:pathLst>
+                <a:path w="202500" h="202500">
+                  <a:moveTo>
+                    <a:pt x="101250" y="202500"/>
+                  </a:moveTo>
+                  <a:cubicBezTo>
+                    <a:pt x="45330" y="202500"/>
+                    <a:pt x="0" y="157170"/>
+                    <a:pt x="0" y="101250"/>
+                  </a:cubicBezTo>
+                  <a:cubicBezTo>
+                    <a:pt x="0" y="45330"/>
+                    <a:pt x="45330" y="0"/>
+                    <a:pt x="101250" y="0"/>
+                  </a:cubicBezTo>
+                  <a:cubicBezTo>
+                    <a:pt x="157170" y="0"/>
+                    <a:pt x="202500" y="45330"/>
+                    <a:pt x="202500" y="101250"/>
+                  </a:cubicBezTo>
+                  <a:cubicBezTo>
+                    <a:pt x="202500" y="157170"/>
+                    <a:pt x="157170" y="202500"/>
+                    <a:pt x="101250" y="202500"/>
+                  </a:cubicBezTo>
+                  <a:close/>
+                  <a:moveTo>
+                    <a:pt x="101250" y="67500"/>
+                  </a:moveTo>
+                  <a:cubicBezTo>
+                    <a:pt x="82610" y="67500"/>
+                    <a:pt x="67500" y="82610"/>
+                    <a:pt x="67500" y="101250"/>
+                  </a:cubicBezTo>
+                  <a:cubicBezTo>
+                    <a:pt x="67500" y="119890"/>
+                    <a:pt x="82610" y="135000"/>
+                    <a:pt x="101250" y="135000"/>
+                  </a:cubicBezTo>
+                  <a:cubicBezTo>
+                    <a:pt x="119890" y="135000"/>
+                    <a:pt x="135000" y="119890"/>
+                    <a:pt x="135000" y="101250"/>
+                  </a:cubicBezTo>
+                  <a:cubicBezTo>
+                    <a:pt x="135000" y="82610"/>
+                    <a:pt x="119890" y="67500"/>
+                    <a:pt x="101250" y="67500"/>
+                  </a:cubicBezTo>
+                  <a:close/>
+                </a:path>
+              </a:pathLst>
+            </a:custGeom>
+            <a:solidFill>
+              <a:srgbClr val="000000"/>
+            </a:solidFill>
+            <a:ln w="28575" cap="flat">
+              <a:solidFill>
+                <a:srgbClr val="00FF00"/>
+              </a:solidFill>
+              <a:prstDash val="solid"/>
+              <a:miter/>
+            </a:ln>
+          </p:spPr>
+          <p:txBody>
+            <a:bodyPr rtlCol="0" anchor="ctr"/>
+            <a:lstStyle/>
+            <a:p>
+              <a:endParaRPr lang="es-ES"/>
+            </a:p>
+          </p:txBody>
+        </p:sp>
+        <p:sp>
+          <p:nvSpPr>
+            <p:cNvPr id="58" name="Freeform: Shape 57">
+              <a:extLst>
+                <a:ext uri="{FF2B5EF4-FFF2-40B4-BE49-F238E27FC236}">
+                  <a16:creationId xmlns:a16="http://schemas.microsoft.com/office/drawing/2014/main" id="{2275859F-6117-A9A3-11A9-5A3AF435F336}"/>
+                </a:ext>
+              </a:extLst>
+            </p:cNvPr>
+            <p:cNvSpPr/>
+            <p:nvPr/>
+          </p:nvSpPr>
+          <p:spPr>
+            <a:xfrm>
+              <a:off x="10204935" y="8296779"/>
+              <a:ext cx="202500" cy="202500"/>
+            </a:xfrm>
+            <a:custGeom>
+              <a:avLst/>
+              <a:gdLst>
+                <a:gd name="connsiteX0" fmla="*/ 101250 w 202500"/>
+                <a:gd name="connsiteY0" fmla="*/ 202500 h 202500"/>
+                <a:gd name="connsiteX1" fmla="*/ 0 w 202500"/>
+                <a:gd name="connsiteY1" fmla="*/ 101250 h 202500"/>
+                <a:gd name="connsiteX2" fmla="*/ 101250 w 202500"/>
+                <a:gd name="connsiteY2" fmla="*/ 0 h 202500"/>
+                <a:gd name="connsiteX3" fmla="*/ 202500 w 202500"/>
+                <a:gd name="connsiteY3" fmla="*/ 101250 h 202500"/>
+                <a:gd name="connsiteX4" fmla="*/ 101250 w 202500"/>
+                <a:gd name="connsiteY4" fmla="*/ 202500 h 202500"/>
+                <a:gd name="connsiteX5" fmla="*/ 101250 w 202500"/>
+                <a:gd name="connsiteY5" fmla="*/ 67500 h 202500"/>
+                <a:gd name="connsiteX6" fmla="*/ 67500 w 202500"/>
+                <a:gd name="connsiteY6" fmla="*/ 101250 h 202500"/>
+                <a:gd name="connsiteX7" fmla="*/ 101250 w 202500"/>
+                <a:gd name="connsiteY7" fmla="*/ 135000 h 202500"/>
+                <a:gd name="connsiteX8" fmla="*/ 135000 w 202500"/>
+                <a:gd name="connsiteY8" fmla="*/ 101250 h 202500"/>
+                <a:gd name="connsiteX9" fmla="*/ 101250 w 202500"/>
+                <a:gd name="connsiteY9" fmla="*/ 67500 h 202500"/>
+              </a:gdLst>
+              <a:ahLst/>
+              <a:cxnLst>
+                <a:cxn ang="0">
+                  <a:pos x="connsiteX0" y="connsiteY0"/>
+                </a:cxn>
+                <a:cxn ang="0">
+                  <a:pos x="connsiteX1" y="connsiteY1"/>
+                </a:cxn>
+                <a:cxn ang="0">
+                  <a:pos x="connsiteX2" y="connsiteY2"/>
+                </a:cxn>
+                <a:cxn ang="0">
+                  <a:pos x="connsiteX3" y="connsiteY3"/>
+                </a:cxn>
+                <a:cxn ang="0">
+                  <a:pos x="connsiteX4" y="connsiteY4"/>
+                </a:cxn>
+                <a:cxn ang="0">
+                  <a:pos x="connsiteX5" y="connsiteY5"/>
+                </a:cxn>
+                <a:cxn ang="0">
+                  <a:pos x="connsiteX6" y="connsiteY6"/>
+                </a:cxn>
+                <a:cxn ang="0">
+                  <a:pos x="connsiteX7" y="connsiteY7"/>
+                </a:cxn>
+                <a:cxn ang="0">
+                  <a:pos x="connsiteX8" y="connsiteY8"/>
+                </a:cxn>
+                <a:cxn ang="0">
+                  <a:pos x="connsiteX9" y="connsiteY9"/>
+                </a:cxn>
+              </a:cxnLst>
+              <a:rect l="l" t="t" r="r" b="b"/>
+              <a:pathLst>
+                <a:path w="202500" h="202500">
+                  <a:moveTo>
+                    <a:pt x="101250" y="202500"/>
+                  </a:moveTo>
+                  <a:cubicBezTo>
+                    <a:pt x="45330" y="202500"/>
+                    <a:pt x="0" y="157170"/>
+                    <a:pt x="0" y="101250"/>
+                  </a:cubicBezTo>
+                  <a:cubicBezTo>
+                    <a:pt x="0" y="45330"/>
+                    <a:pt x="45330" y="0"/>
+                    <a:pt x="101250" y="0"/>
+                  </a:cubicBezTo>
+                  <a:cubicBezTo>
+                    <a:pt x="157170" y="0"/>
+                    <a:pt x="202500" y="45330"/>
+                    <a:pt x="202500" y="101250"/>
+                  </a:cubicBezTo>
+                  <a:cubicBezTo>
+                    <a:pt x="202500" y="157170"/>
+                    <a:pt x="157170" y="202500"/>
+                    <a:pt x="101250" y="202500"/>
+                  </a:cubicBezTo>
+                  <a:close/>
+                  <a:moveTo>
+                    <a:pt x="101250" y="67500"/>
+                  </a:moveTo>
+                  <a:cubicBezTo>
+                    <a:pt x="82610" y="67500"/>
+                    <a:pt x="67500" y="82610"/>
+                    <a:pt x="67500" y="101250"/>
+                  </a:cubicBezTo>
+                  <a:cubicBezTo>
+                    <a:pt x="67500" y="119890"/>
+                    <a:pt x="82610" y="135000"/>
+                    <a:pt x="101250" y="135000"/>
+                  </a:cubicBezTo>
+                  <a:cubicBezTo>
+                    <a:pt x="119890" y="135000"/>
+                    <a:pt x="135000" y="119890"/>
+                    <a:pt x="135000" y="101250"/>
+                  </a:cubicBezTo>
+                  <a:cubicBezTo>
+                    <a:pt x="135000" y="82610"/>
+                    <a:pt x="119890" y="67500"/>
+                    <a:pt x="101250" y="67500"/>
+                  </a:cubicBezTo>
+                  <a:close/>
+                </a:path>
+              </a:pathLst>
+            </a:custGeom>
+            <a:solidFill>
+              <a:srgbClr val="000000"/>
+            </a:solidFill>
+            <a:ln w="28575" cap="flat">
+              <a:solidFill>
+                <a:srgbClr val="00FF00"/>
+              </a:solidFill>
+              <a:prstDash val="solid"/>
+              <a:miter/>
+            </a:ln>
+          </p:spPr>
+          <p:txBody>
+            <a:bodyPr rtlCol="0" anchor="ctr"/>
+            <a:lstStyle/>
+            <a:p>
+              <a:endParaRPr lang="es-ES"/>
+            </a:p>
+          </p:txBody>
+        </p:sp>
+      </p:grpSp>
+      <p:grpSp>
+        <p:nvGrpSpPr>
+          <p:cNvPr id="42" name="Graphic 26" descr="Mars outline">
+            <a:extLst>
+              <a:ext uri="{FF2B5EF4-FFF2-40B4-BE49-F238E27FC236}">
+                <a16:creationId xmlns:a16="http://schemas.microsoft.com/office/drawing/2014/main" id="{2A8E4E22-5E66-C5A1-C3F4-855B7A55C51D}"/>
+              </a:ext>
+            </a:extLst>
+          </p:cNvPr>
+          <p:cNvGrpSpPr/>
+          <p:nvPr/>
+        </p:nvGrpSpPr>
+        <p:grpSpPr>
+          <a:xfrm>
+            <a:off x="6092406" y="7710783"/>
+            <a:ext cx="2138475" cy="2138475"/>
+            <a:chOff x="6392104" y="8078949"/>
+            <a:chExt cx="1785000" cy="1785000"/>
+          </a:xfrm>
+          <a:solidFill>
+            <a:srgbClr val="000000"/>
+          </a:solidFill>
+        </p:grpSpPr>
+        <p:sp>
+          <p:nvSpPr>
+            <p:cNvPr id="43" name="Freeform: Shape 42">
+              <a:extLst>
+                <a:ext uri="{FF2B5EF4-FFF2-40B4-BE49-F238E27FC236}">
+                  <a16:creationId xmlns:a16="http://schemas.microsoft.com/office/drawing/2014/main" id="{BE44AF5D-B8C9-422E-5205-81DFED147B51}"/>
+                </a:ext>
+              </a:extLst>
+            </p:cNvPr>
+            <p:cNvSpPr/>
+            <p:nvPr/>
+          </p:nvSpPr>
+          <p:spPr>
+            <a:xfrm>
+              <a:off x="6392104" y="8078949"/>
+              <a:ext cx="1785000" cy="1785000"/>
+            </a:xfrm>
+            <a:custGeom>
+              <a:avLst/>
+              <a:gdLst>
+                <a:gd name="connsiteX0" fmla="*/ 892500 w 1785000"/>
+                <a:gd name="connsiteY0" fmla="*/ 0 h 1785000"/>
+                <a:gd name="connsiteX1" fmla="*/ 0 w 1785000"/>
+                <a:gd name="connsiteY1" fmla="*/ 892500 h 1785000"/>
+                <a:gd name="connsiteX2" fmla="*/ 892500 w 1785000"/>
+                <a:gd name="connsiteY2" fmla="*/ 1785000 h 1785000"/>
+                <a:gd name="connsiteX3" fmla="*/ 1785000 w 1785000"/>
+                <a:gd name="connsiteY3" fmla="*/ 892500 h 1785000"/>
+                <a:gd name="connsiteX4" fmla="*/ 892500 w 1785000"/>
+                <a:gd name="connsiteY4" fmla="*/ 0 h 1785000"/>
+                <a:gd name="connsiteX5" fmla="*/ 1727513 w 1785000"/>
+                <a:gd name="connsiteY5" fmla="*/ 801728 h 1785000"/>
+                <a:gd name="connsiteX6" fmla="*/ 1123290 w 1785000"/>
+                <a:gd name="connsiteY6" fmla="*/ 722033 h 1785000"/>
+                <a:gd name="connsiteX7" fmla="*/ 760672 w 1785000"/>
+                <a:gd name="connsiteY7" fmla="*/ 758625 h 1785000"/>
+                <a:gd name="connsiteX8" fmla="*/ 295838 w 1785000"/>
+                <a:gd name="connsiteY8" fmla="*/ 802147 h 1785000"/>
+                <a:gd name="connsiteX9" fmla="*/ 60532 w 1785000"/>
+                <a:gd name="connsiteY9" fmla="*/ 778523 h 1785000"/>
+                <a:gd name="connsiteX10" fmla="*/ 214672 w 1785000"/>
+                <a:gd name="connsiteY10" fmla="*/ 397005 h 1785000"/>
+                <a:gd name="connsiteX11" fmla="*/ 865358 w 1785000"/>
+                <a:gd name="connsiteY11" fmla="*/ 432495 h 1785000"/>
+                <a:gd name="connsiteX12" fmla="*/ 1565498 w 1785000"/>
+                <a:gd name="connsiteY12" fmla="*/ 390495 h 1785000"/>
+                <a:gd name="connsiteX13" fmla="*/ 1727513 w 1785000"/>
+                <a:gd name="connsiteY13" fmla="*/ 801728 h 1785000"/>
+                <a:gd name="connsiteX14" fmla="*/ 892500 w 1785000"/>
+                <a:gd name="connsiteY14" fmla="*/ 52500 h 1785000"/>
+                <a:gd name="connsiteX15" fmla="*/ 1526779 w 1785000"/>
+                <a:gd name="connsiteY15" fmla="*/ 342720 h 1785000"/>
+                <a:gd name="connsiteX16" fmla="*/ 865463 w 1785000"/>
+                <a:gd name="connsiteY16" fmla="*/ 379995 h 1785000"/>
+                <a:gd name="connsiteX17" fmla="*/ 253050 w 1785000"/>
+                <a:gd name="connsiteY17" fmla="*/ 348679 h 1785000"/>
+                <a:gd name="connsiteX18" fmla="*/ 892500 w 1785000"/>
+                <a:gd name="connsiteY18" fmla="*/ 52500 h 1785000"/>
+                <a:gd name="connsiteX19" fmla="*/ 892500 w 1785000"/>
+                <a:gd name="connsiteY19" fmla="*/ 1732500 h 1785000"/>
+                <a:gd name="connsiteX20" fmla="*/ 163459 w 1785000"/>
+                <a:gd name="connsiteY20" fmla="*/ 1308930 h 1785000"/>
+                <a:gd name="connsiteX21" fmla="*/ 225750 w 1785000"/>
+                <a:gd name="connsiteY21" fmla="*/ 1321792 h 1785000"/>
+                <a:gd name="connsiteX22" fmla="*/ 636983 w 1785000"/>
+                <a:gd name="connsiteY22" fmla="*/ 1379752 h 1785000"/>
+                <a:gd name="connsiteX23" fmla="*/ 1082340 w 1785000"/>
+                <a:gd name="connsiteY23" fmla="*/ 1335390 h 1785000"/>
+                <a:gd name="connsiteX24" fmla="*/ 1412040 w 1785000"/>
+                <a:gd name="connsiteY24" fmla="*/ 1299533 h 1785000"/>
+                <a:gd name="connsiteX25" fmla="*/ 1619783 w 1785000"/>
+                <a:gd name="connsiteY25" fmla="*/ 1312001 h 1785000"/>
+                <a:gd name="connsiteX26" fmla="*/ 892500 w 1785000"/>
+                <a:gd name="connsiteY26" fmla="*/ 1732500 h 1785000"/>
+                <a:gd name="connsiteX27" fmla="*/ 1646558 w 1785000"/>
+                <a:gd name="connsiteY27" fmla="*/ 1262153 h 1785000"/>
+                <a:gd name="connsiteX28" fmla="*/ 1412040 w 1785000"/>
+                <a:gd name="connsiteY28" fmla="*/ 1247033 h 1785000"/>
+                <a:gd name="connsiteX29" fmla="*/ 1072549 w 1785000"/>
+                <a:gd name="connsiteY29" fmla="*/ 1283783 h 1785000"/>
+                <a:gd name="connsiteX30" fmla="*/ 636983 w 1785000"/>
+                <a:gd name="connsiteY30" fmla="*/ 1327226 h 1785000"/>
+                <a:gd name="connsiteX31" fmla="*/ 236460 w 1785000"/>
+                <a:gd name="connsiteY31" fmla="*/ 1270369 h 1785000"/>
+                <a:gd name="connsiteX32" fmla="*/ 132326 w 1785000"/>
+                <a:gd name="connsiteY32" fmla="*/ 1249369 h 1785000"/>
+                <a:gd name="connsiteX33" fmla="*/ 52500 w 1785000"/>
+                <a:gd name="connsiteY33" fmla="*/ 892500 h 1785000"/>
+                <a:gd name="connsiteX34" fmla="*/ 54994 w 1785000"/>
+                <a:gd name="connsiteY34" fmla="*/ 831023 h 1785000"/>
+                <a:gd name="connsiteX35" fmla="*/ 295733 w 1785000"/>
+                <a:gd name="connsiteY35" fmla="*/ 854647 h 1785000"/>
+                <a:gd name="connsiteX36" fmla="*/ 769309 w 1785000"/>
+                <a:gd name="connsiteY36" fmla="*/ 810364 h 1785000"/>
+                <a:gd name="connsiteX37" fmla="*/ 1123290 w 1785000"/>
+                <a:gd name="connsiteY37" fmla="*/ 774428 h 1785000"/>
+                <a:gd name="connsiteX38" fmla="*/ 1731581 w 1785000"/>
+                <a:gd name="connsiteY38" fmla="*/ 856538 h 1785000"/>
+                <a:gd name="connsiteX39" fmla="*/ 1732500 w 1785000"/>
+                <a:gd name="connsiteY39" fmla="*/ 892395 h 1785000"/>
+                <a:gd name="connsiteX40" fmla="*/ 1646558 w 1785000"/>
+                <a:gd name="connsiteY40" fmla="*/ 1262153 h 1785000"/>
+              </a:gdLst>
+              <a:ahLst/>
+              <a:cxnLst>
+                <a:cxn ang="0">
+                  <a:pos x="connsiteX0" y="connsiteY0"/>
+                </a:cxn>
+                <a:cxn ang="0">
+                  <a:pos x="connsiteX1" y="connsiteY1"/>
+                </a:cxn>
+                <a:cxn ang="0">
+                  <a:pos x="connsiteX2" y="connsiteY2"/>
+                </a:cxn>
+                <a:cxn ang="0">
+                  <a:pos x="connsiteX3" y="connsiteY3"/>
+                </a:cxn>
+                <a:cxn ang="0">
+                  <a:pos x="connsiteX4" y="connsiteY4"/>
+                </a:cxn>
+                <a:cxn ang="0">
+                  <a:pos x="connsiteX5" y="connsiteY5"/>
+                </a:cxn>
+                <a:cxn ang="0">
+                  <a:pos x="connsiteX6" y="connsiteY6"/>
+                </a:cxn>
+                <a:cxn ang="0">
+                  <a:pos x="connsiteX7" y="connsiteY7"/>
+                </a:cxn>
+                <a:cxn ang="0">
+                  <a:pos x="connsiteX8" y="connsiteY8"/>
+                </a:cxn>
+                <a:cxn ang="0">
+                  <a:pos x="connsiteX9" y="connsiteY9"/>
+                </a:cxn>
+                <a:cxn ang="0">
+                  <a:pos x="connsiteX10" y="connsiteY10"/>
+                </a:cxn>
+                <a:cxn ang="0">
+                  <a:pos x="connsiteX11" y="connsiteY11"/>
+                </a:cxn>
+                <a:cxn ang="0">
+                  <a:pos x="connsiteX12" y="connsiteY12"/>
+                </a:cxn>
+                <a:cxn ang="0">
+                  <a:pos x="connsiteX13" y="connsiteY13"/>
+                </a:cxn>
+                <a:cxn ang="0">
+                  <a:pos x="connsiteX14" y="connsiteY14"/>
+                </a:cxn>
+                <a:cxn ang="0">
+                  <a:pos x="connsiteX15" y="connsiteY15"/>
+                </a:cxn>
+                <a:cxn ang="0">
+                  <a:pos x="connsiteX16" y="connsiteY16"/>
+                </a:cxn>
+                <a:cxn ang="0">
+                  <a:pos x="connsiteX17" y="connsiteY17"/>
+                </a:cxn>
+                <a:cxn ang="0">
+                  <a:pos x="connsiteX18" y="connsiteY18"/>
+                </a:cxn>
+                <a:cxn ang="0">
+                  <a:pos x="connsiteX19" y="connsiteY19"/>
+                </a:cxn>
+                <a:cxn ang="0">
+                  <a:pos x="connsiteX20" y="connsiteY20"/>
+                </a:cxn>
+                <a:cxn ang="0">
+                  <a:pos x="connsiteX21" y="connsiteY21"/>
+                </a:cxn>
+                <a:cxn ang="0">
+                  <a:pos x="connsiteX22" y="connsiteY22"/>
+                </a:cxn>
+                <a:cxn ang="0">
+                  <a:pos x="connsiteX23" y="connsiteY23"/>
+                </a:cxn>
+                <a:cxn ang="0">
+                  <a:pos x="connsiteX24" y="connsiteY24"/>
+                </a:cxn>
+                <a:cxn ang="0">
+                  <a:pos x="connsiteX25" y="connsiteY25"/>
+                </a:cxn>
+                <a:cxn ang="0">
+                  <a:pos x="connsiteX26" y="connsiteY26"/>
+                </a:cxn>
+                <a:cxn ang="0">
+                  <a:pos x="connsiteX27" y="connsiteY27"/>
+                </a:cxn>
+                <a:cxn ang="0">
+                  <a:pos x="connsiteX28" y="connsiteY28"/>
+                </a:cxn>
+                <a:cxn ang="0">
+                  <a:pos x="connsiteX29" y="connsiteY29"/>
+                </a:cxn>
+                <a:cxn ang="0">
+                  <a:pos x="connsiteX30" y="connsiteY30"/>
+                </a:cxn>
+                <a:cxn ang="0">
+                  <a:pos x="connsiteX31" y="connsiteY31"/>
+                </a:cxn>
+                <a:cxn ang="0">
+                  <a:pos x="connsiteX32" y="connsiteY32"/>
+                </a:cxn>
+                <a:cxn ang="0">
+                  <a:pos x="connsiteX33" y="connsiteY33"/>
+                </a:cxn>
+                <a:cxn ang="0">
+                  <a:pos x="connsiteX34" y="connsiteY34"/>
+                </a:cxn>
+                <a:cxn ang="0">
+                  <a:pos x="connsiteX35" y="connsiteY35"/>
+                </a:cxn>
+                <a:cxn ang="0">
+                  <a:pos x="connsiteX36" y="connsiteY36"/>
+                </a:cxn>
+                <a:cxn ang="0">
+                  <a:pos x="connsiteX37" y="connsiteY37"/>
+                </a:cxn>
+                <a:cxn ang="0">
+                  <a:pos x="connsiteX38" y="connsiteY38"/>
+                </a:cxn>
+                <a:cxn ang="0">
+                  <a:pos x="connsiteX39" y="connsiteY39"/>
+                </a:cxn>
+                <a:cxn ang="0">
+                  <a:pos x="connsiteX40" y="connsiteY40"/>
+                </a:cxn>
+              </a:cxnLst>
+              <a:rect l="l" t="t" r="r" b="b"/>
+              <a:pathLst>
+                <a:path w="1785000" h="1785000">
+                  <a:moveTo>
+                    <a:pt x="892500" y="0"/>
+                  </a:moveTo>
+                  <a:cubicBezTo>
+                    <a:pt x="399585" y="0"/>
+                    <a:pt x="0" y="399585"/>
+                    <a:pt x="0" y="892500"/>
+                  </a:cubicBezTo>
+                  <a:cubicBezTo>
+                    <a:pt x="0" y="1385415"/>
+                    <a:pt x="399585" y="1785000"/>
+                    <a:pt x="892500" y="1785000"/>
+                  </a:cubicBezTo>
+                  <a:cubicBezTo>
+                    <a:pt x="1385415" y="1785000"/>
+                    <a:pt x="1785000" y="1385415"/>
+                    <a:pt x="1785000" y="892500"/>
+                  </a:cubicBezTo>
+                  <a:cubicBezTo>
+                    <a:pt x="1784451" y="399814"/>
+                    <a:pt x="1385186" y="549"/>
+                    <a:pt x="892500" y="0"/>
+                  </a:cubicBezTo>
+                  <a:close/>
+                  <a:moveTo>
+                    <a:pt x="1727513" y="801728"/>
+                  </a:moveTo>
+                  <a:cubicBezTo>
+                    <a:pt x="1529551" y="753546"/>
+                    <a:pt x="1326974" y="726828"/>
+                    <a:pt x="1123290" y="722033"/>
+                  </a:cubicBezTo>
+                  <a:cubicBezTo>
+                    <a:pt x="1001553" y="723132"/>
+                    <a:pt x="880173" y="735381"/>
+                    <a:pt x="760672" y="758625"/>
+                  </a:cubicBezTo>
+                  <a:cubicBezTo>
+                    <a:pt x="607433" y="787660"/>
+                    <a:pt x="451804" y="802232"/>
+                    <a:pt x="295838" y="802147"/>
+                  </a:cubicBezTo>
+                  <a:cubicBezTo>
+                    <a:pt x="216833" y="801722"/>
+                    <a:pt x="138046" y="793810"/>
+                    <a:pt x="60532" y="778523"/>
+                  </a:cubicBezTo>
+                  <a:cubicBezTo>
+                    <a:pt x="79286" y="640484"/>
+                    <a:pt x="132274" y="509329"/>
+                    <a:pt x="214672" y="397005"/>
+                  </a:cubicBezTo>
+                  <a:cubicBezTo>
+                    <a:pt x="430678" y="421635"/>
+                    <a:pt x="647952" y="433485"/>
+                    <a:pt x="865358" y="432495"/>
+                  </a:cubicBezTo>
+                  <a:cubicBezTo>
+                    <a:pt x="1099410" y="434031"/>
+                    <a:pt x="1333306" y="420000"/>
+                    <a:pt x="1565498" y="390495"/>
+                  </a:cubicBezTo>
+                  <a:cubicBezTo>
+                    <a:pt x="1655433" y="510547"/>
+                    <a:pt x="1711395" y="652593"/>
+                    <a:pt x="1727513" y="801728"/>
+                  </a:cubicBezTo>
+                  <a:close/>
+                  <a:moveTo>
+                    <a:pt x="892500" y="52500"/>
+                  </a:moveTo>
+                  <a:cubicBezTo>
+                    <a:pt x="1136050" y="52490"/>
+                    <a:pt x="1367562" y="158419"/>
+                    <a:pt x="1526779" y="342720"/>
+                  </a:cubicBezTo>
+                  <a:cubicBezTo>
+                    <a:pt x="1307318" y="368765"/>
+                    <a:pt x="1086459" y="381213"/>
+                    <a:pt x="865463" y="379995"/>
+                  </a:cubicBezTo>
+                  <a:cubicBezTo>
+                    <a:pt x="660907" y="380764"/>
+                    <a:pt x="456461" y="370311"/>
+                    <a:pt x="253050" y="348679"/>
+                  </a:cubicBezTo>
+                  <a:cubicBezTo>
+                    <a:pt x="412340" y="160807"/>
+                    <a:pt x="646188" y="52492"/>
+                    <a:pt x="892500" y="52500"/>
+                  </a:cubicBezTo>
+                  <a:close/>
+                  <a:moveTo>
+                    <a:pt x="892500" y="1732500"/>
+                  </a:moveTo>
+                  <a:cubicBezTo>
+                    <a:pt x="591111" y="1732266"/>
+                    <a:pt x="312929" y="1570643"/>
+                    <a:pt x="163459" y="1308930"/>
+                  </a:cubicBezTo>
+                  <a:cubicBezTo>
+                    <a:pt x="183592" y="1312999"/>
+                    <a:pt x="204435" y="1317330"/>
+                    <a:pt x="225750" y="1321792"/>
+                  </a:cubicBezTo>
+                  <a:cubicBezTo>
+                    <a:pt x="356291" y="1348961"/>
+                    <a:pt x="504236" y="1379752"/>
+                    <a:pt x="636983" y="1379752"/>
+                  </a:cubicBezTo>
+                  <a:cubicBezTo>
+                    <a:pt x="786597" y="1380981"/>
+                    <a:pt x="935910" y="1366108"/>
+                    <a:pt x="1082340" y="1335390"/>
+                  </a:cubicBezTo>
+                  <a:cubicBezTo>
+                    <a:pt x="1190679" y="1311904"/>
+                    <a:pt x="1301186" y="1299884"/>
+                    <a:pt x="1412040" y="1299533"/>
+                  </a:cubicBezTo>
+                  <a:cubicBezTo>
+                    <a:pt x="1481463" y="1299916"/>
+                    <a:pt x="1550813" y="1304076"/>
+                    <a:pt x="1619783" y="1312001"/>
+                  </a:cubicBezTo>
+                  <a:cubicBezTo>
+                    <a:pt x="1469837" y="1571984"/>
+                    <a:pt x="1192624" y="1732264"/>
+                    <a:pt x="892500" y="1732500"/>
+                  </a:cubicBezTo>
+                  <a:close/>
+                  <a:moveTo>
+                    <a:pt x="1646558" y="1262153"/>
+                  </a:moveTo>
+                  <a:cubicBezTo>
+                    <a:pt x="1568750" y="1252516"/>
+                    <a:pt x="1490441" y="1247468"/>
+                    <a:pt x="1412040" y="1247033"/>
+                  </a:cubicBezTo>
+                  <a:cubicBezTo>
+                    <a:pt x="1297900" y="1247332"/>
+                    <a:pt x="1184109" y="1259648"/>
+                    <a:pt x="1072549" y="1283783"/>
+                  </a:cubicBezTo>
+                  <a:cubicBezTo>
+                    <a:pt x="929339" y="1313841"/>
+                    <a:pt x="783308" y="1328408"/>
+                    <a:pt x="636983" y="1327226"/>
+                  </a:cubicBezTo>
+                  <a:cubicBezTo>
+                    <a:pt x="509644" y="1327226"/>
+                    <a:pt x="364508" y="1297013"/>
+                    <a:pt x="236460" y="1270369"/>
+                  </a:cubicBezTo>
+                  <a:cubicBezTo>
+                    <a:pt x="199841" y="1262730"/>
+                    <a:pt x="165191" y="1255643"/>
+                    <a:pt x="132326" y="1249369"/>
+                  </a:cubicBezTo>
+                  <a:cubicBezTo>
+                    <a:pt x="79669" y="1137775"/>
+                    <a:pt x="52406" y="1015893"/>
+                    <a:pt x="52500" y="892500"/>
+                  </a:cubicBezTo>
+                  <a:cubicBezTo>
+                    <a:pt x="52500" y="871815"/>
+                    <a:pt x="53498" y="851366"/>
+                    <a:pt x="54994" y="831023"/>
+                  </a:cubicBezTo>
+                  <a:cubicBezTo>
+                    <a:pt x="134342" y="846287"/>
+                    <a:pt x="214930" y="854193"/>
+                    <a:pt x="295733" y="854647"/>
+                  </a:cubicBezTo>
+                  <a:cubicBezTo>
+                    <a:pt x="454632" y="854781"/>
+                    <a:pt x="613190" y="839955"/>
+                    <a:pt x="769309" y="810364"/>
+                  </a:cubicBezTo>
+                  <a:cubicBezTo>
+                    <a:pt x="885964" y="787634"/>
+                    <a:pt x="1004448" y="775606"/>
+                    <a:pt x="1123290" y="774428"/>
+                  </a:cubicBezTo>
+                  <a:cubicBezTo>
+                    <a:pt x="1349959" y="774428"/>
+                    <a:pt x="1595265" y="824040"/>
+                    <a:pt x="1731581" y="856538"/>
+                  </a:cubicBezTo>
+                  <a:cubicBezTo>
+                    <a:pt x="1732080" y="868429"/>
+                    <a:pt x="1732500" y="880372"/>
+                    <a:pt x="1732500" y="892395"/>
+                  </a:cubicBezTo>
+                  <a:cubicBezTo>
+                    <a:pt x="1732631" y="1020613"/>
+                    <a:pt x="1703223" y="1147136"/>
+                    <a:pt x="1646558" y="1262153"/>
+                  </a:cubicBezTo>
+                  <a:close/>
+                </a:path>
+              </a:pathLst>
+            </a:custGeom>
+            <a:noFill/>
+            <a:ln w="28575" cap="flat">
+              <a:solidFill>
+                <a:srgbClr val="0000FF"/>
+              </a:solidFill>
+              <a:prstDash val="solid"/>
+              <a:miter/>
+            </a:ln>
+          </p:spPr>
+          <p:txBody>
+            <a:bodyPr rtlCol="0" anchor="ctr"/>
+            <a:lstStyle/>
+            <a:p>
+              <a:endParaRPr lang="es-ES" dirty="0"/>
+            </a:p>
+          </p:txBody>
+        </p:sp>
+        <p:sp>
+          <p:nvSpPr>
+            <p:cNvPr id="44" name="Freeform: Shape 43">
+              <a:extLst>
+                <a:ext uri="{FF2B5EF4-FFF2-40B4-BE49-F238E27FC236}">
+                  <a16:creationId xmlns:a16="http://schemas.microsoft.com/office/drawing/2014/main" id="{E92D8968-61DC-CBDB-BB99-DE4650D4D772}"/>
+                </a:ext>
+              </a:extLst>
+            </p:cNvPr>
+            <p:cNvSpPr/>
+            <p:nvPr/>
+          </p:nvSpPr>
+          <p:spPr>
+            <a:xfrm>
+              <a:off x="7662840" y="8571084"/>
+              <a:ext cx="157500" cy="157500"/>
+            </a:xfrm>
+            <a:custGeom>
+              <a:avLst/>
+              <a:gdLst>
+                <a:gd name="connsiteX0" fmla="*/ 78750 w 157500"/>
+                <a:gd name="connsiteY0" fmla="*/ 0 h 157500"/>
+                <a:gd name="connsiteX1" fmla="*/ 0 w 157500"/>
+                <a:gd name="connsiteY1" fmla="*/ 78750 h 157500"/>
+                <a:gd name="connsiteX2" fmla="*/ 78750 w 157500"/>
+                <a:gd name="connsiteY2" fmla="*/ 157500 h 157500"/>
+                <a:gd name="connsiteX3" fmla="*/ 157500 w 157500"/>
+                <a:gd name="connsiteY3" fmla="*/ 78750 h 157500"/>
+                <a:gd name="connsiteX4" fmla="*/ 78750 w 157500"/>
+                <a:gd name="connsiteY4" fmla="*/ 0 h 157500"/>
+                <a:gd name="connsiteX5" fmla="*/ 78750 w 157500"/>
+                <a:gd name="connsiteY5" fmla="*/ 105000 h 157500"/>
+                <a:gd name="connsiteX6" fmla="*/ 52500 w 157500"/>
+                <a:gd name="connsiteY6" fmla="*/ 78750 h 157500"/>
+                <a:gd name="connsiteX7" fmla="*/ 78750 w 157500"/>
+                <a:gd name="connsiteY7" fmla="*/ 52500 h 157500"/>
+                <a:gd name="connsiteX8" fmla="*/ 105000 w 157500"/>
+                <a:gd name="connsiteY8" fmla="*/ 78750 h 157500"/>
+                <a:gd name="connsiteX9" fmla="*/ 78750 w 157500"/>
+                <a:gd name="connsiteY9" fmla="*/ 105000 h 157500"/>
+              </a:gdLst>
+              <a:ahLst/>
+              <a:cxnLst>
+                <a:cxn ang="0">
+                  <a:pos x="connsiteX0" y="connsiteY0"/>
+                </a:cxn>
+                <a:cxn ang="0">
+                  <a:pos x="connsiteX1" y="connsiteY1"/>
+                </a:cxn>
+                <a:cxn ang="0">
+                  <a:pos x="connsiteX2" y="connsiteY2"/>
+                </a:cxn>
+                <a:cxn ang="0">
+                  <a:pos x="connsiteX3" y="connsiteY3"/>
+                </a:cxn>
+                <a:cxn ang="0">
+                  <a:pos x="connsiteX4" y="connsiteY4"/>
+                </a:cxn>
+                <a:cxn ang="0">
+                  <a:pos x="connsiteX5" y="connsiteY5"/>
+                </a:cxn>
+                <a:cxn ang="0">
+                  <a:pos x="connsiteX6" y="connsiteY6"/>
+                </a:cxn>
+                <a:cxn ang="0">
+                  <a:pos x="connsiteX7" y="connsiteY7"/>
+                </a:cxn>
+                <a:cxn ang="0">
+                  <a:pos x="connsiteX8" y="connsiteY8"/>
+                </a:cxn>
+                <a:cxn ang="0">
+                  <a:pos x="connsiteX9" y="connsiteY9"/>
+                </a:cxn>
+              </a:cxnLst>
+              <a:rect l="l" t="t" r="r" b="b"/>
+              <a:pathLst>
+                <a:path w="157500" h="157500">
+                  <a:moveTo>
+                    <a:pt x="78750" y="0"/>
+                  </a:moveTo>
+                  <a:cubicBezTo>
+                    <a:pt x="35256" y="0"/>
+                    <a:pt x="0" y="35256"/>
+                    <a:pt x="0" y="78750"/>
+                  </a:cubicBezTo>
+                  <a:cubicBezTo>
+                    <a:pt x="0" y="122244"/>
+                    <a:pt x="35256" y="157500"/>
+                    <a:pt x="78750" y="157500"/>
+                  </a:cubicBezTo>
+                  <a:cubicBezTo>
+                    <a:pt x="122244" y="157500"/>
+                    <a:pt x="157500" y="122244"/>
+                    <a:pt x="157500" y="78750"/>
+                  </a:cubicBezTo>
+                  <a:cubicBezTo>
+                    <a:pt x="157500" y="35256"/>
+                    <a:pt x="122244" y="0"/>
+                    <a:pt x="78750" y="0"/>
+                  </a:cubicBezTo>
+                  <a:close/>
+                  <a:moveTo>
+                    <a:pt x="78750" y="105000"/>
+                  </a:moveTo>
+                  <a:cubicBezTo>
+                    <a:pt x="64252" y="105000"/>
+                    <a:pt x="52500" y="93248"/>
+                    <a:pt x="52500" y="78750"/>
+                  </a:cubicBezTo>
+                  <a:cubicBezTo>
+                    <a:pt x="52500" y="64252"/>
+                    <a:pt x="64252" y="52500"/>
+                    <a:pt x="78750" y="52500"/>
+                  </a:cubicBezTo>
+                  <a:cubicBezTo>
+                    <a:pt x="93248" y="52500"/>
+                    <a:pt x="105000" y="64252"/>
+                    <a:pt x="105000" y="78750"/>
+                  </a:cubicBezTo>
+                  <a:cubicBezTo>
+                    <a:pt x="105000" y="93248"/>
+                    <a:pt x="93248" y="105000"/>
+                    <a:pt x="78750" y="105000"/>
+                  </a:cubicBezTo>
+                  <a:close/>
+                </a:path>
+              </a:pathLst>
+            </a:custGeom>
+            <a:solidFill>
+              <a:srgbClr val="000000"/>
+            </a:solidFill>
+            <a:ln w="28575" cap="flat">
+              <a:solidFill>
+                <a:srgbClr val="0000FF"/>
+              </a:solidFill>
+              <a:prstDash val="solid"/>
+              <a:miter/>
+            </a:ln>
+          </p:spPr>
+          <p:txBody>
+            <a:bodyPr rtlCol="0" anchor="ctr"/>
+            <a:lstStyle/>
+            <a:p>
+              <a:endParaRPr lang="es-ES"/>
+            </a:p>
+          </p:txBody>
+        </p:sp>
+        <p:sp>
+          <p:nvSpPr>
+            <p:cNvPr id="45" name="Freeform: Shape 44">
+              <a:extLst>
+                <a:ext uri="{FF2B5EF4-FFF2-40B4-BE49-F238E27FC236}">
+                  <a16:creationId xmlns:a16="http://schemas.microsoft.com/office/drawing/2014/main" id="{13B09F56-B57F-C7D0-6A9A-70AE445294E4}"/>
+                </a:ext>
+              </a:extLst>
+            </p:cNvPr>
+            <p:cNvSpPr/>
+            <p:nvPr/>
+          </p:nvSpPr>
+          <p:spPr>
+            <a:xfrm>
+              <a:off x="7081902" y="8223481"/>
+              <a:ext cx="157500" cy="157500"/>
+            </a:xfrm>
+            <a:custGeom>
+              <a:avLst/>
+              <a:gdLst>
+                <a:gd name="connsiteX0" fmla="*/ 78750 w 157500"/>
+                <a:gd name="connsiteY0" fmla="*/ 157500 h 157500"/>
+                <a:gd name="connsiteX1" fmla="*/ 157500 w 157500"/>
+                <a:gd name="connsiteY1" fmla="*/ 78750 h 157500"/>
+                <a:gd name="connsiteX2" fmla="*/ 78750 w 157500"/>
+                <a:gd name="connsiteY2" fmla="*/ 0 h 157500"/>
+                <a:gd name="connsiteX3" fmla="*/ 0 w 157500"/>
+                <a:gd name="connsiteY3" fmla="*/ 78750 h 157500"/>
+                <a:gd name="connsiteX4" fmla="*/ 78750 w 157500"/>
+                <a:gd name="connsiteY4" fmla="*/ 157500 h 157500"/>
+                <a:gd name="connsiteX5" fmla="*/ 78750 w 157500"/>
+                <a:gd name="connsiteY5" fmla="*/ 52500 h 157500"/>
+                <a:gd name="connsiteX6" fmla="*/ 105000 w 157500"/>
+                <a:gd name="connsiteY6" fmla="*/ 78750 h 157500"/>
+                <a:gd name="connsiteX7" fmla="*/ 78750 w 157500"/>
+                <a:gd name="connsiteY7" fmla="*/ 105000 h 157500"/>
+                <a:gd name="connsiteX8" fmla="*/ 52500 w 157500"/>
+                <a:gd name="connsiteY8" fmla="*/ 78750 h 157500"/>
+                <a:gd name="connsiteX9" fmla="*/ 78750 w 157500"/>
+                <a:gd name="connsiteY9" fmla="*/ 52500 h 157500"/>
+              </a:gdLst>
+              <a:ahLst/>
+              <a:cxnLst>
+                <a:cxn ang="0">
+                  <a:pos x="connsiteX0" y="connsiteY0"/>
+                </a:cxn>
+                <a:cxn ang="0">
+                  <a:pos x="connsiteX1" y="connsiteY1"/>
+                </a:cxn>
+                <a:cxn ang="0">
+                  <a:pos x="connsiteX2" y="connsiteY2"/>
+                </a:cxn>
+                <a:cxn ang="0">
+                  <a:pos x="connsiteX3" y="connsiteY3"/>
+                </a:cxn>
+                <a:cxn ang="0">
+                  <a:pos x="connsiteX4" y="connsiteY4"/>
+                </a:cxn>
+                <a:cxn ang="0">
+                  <a:pos x="connsiteX5" y="connsiteY5"/>
+                </a:cxn>
+                <a:cxn ang="0">
+                  <a:pos x="connsiteX6" y="connsiteY6"/>
+                </a:cxn>
+                <a:cxn ang="0">
+                  <a:pos x="connsiteX7" y="connsiteY7"/>
+                </a:cxn>
+                <a:cxn ang="0">
+                  <a:pos x="connsiteX8" y="connsiteY8"/>
+                </a:cxn>
+                <a:cxn ang="0">
+                  <a:pos x="connsiteX9" y="connsiteY9"/>
+                </a:cxn>
+              </a:cxnLst>
+              <a:rect l="l" t="t" r="r" b="b"/>
+              <a:pathLst>
+                <a:path w="157500" h="157500">
+                  <a:moveTo>
+                    <a:pt x="78750" y="157500"/>
+                  </a:moveTo>
+                  <a:cubicBezTo>
+                    <a:pt x="122244" y="157500"/>
+                    <a:pt x="157500" y="122244"/>
+                    <a:pt x="157500" y="78750"/>
+                  </a:cubicBezTo>
+                  <a:cubicBezTo>
+                    <a:pt x="157500" y="35256"/>
+                    <a:pt x="122244" y="0"/>
+                    <a:pt x="78750" y="0"/>
+                  </a:cubicBezTo>
+                  <a:cubicBezTo>
+                    <a:pt x="35256" y="0"/>
+                    <a:pt x="0" y="35256"/>
+                    <a:pt x="0" y="78750"/>
+                  </a:cubicBezTo>
+                  <a:cubicBezTo>
+                    <a:pt x="0" y="122244"/>
+                    <a:pt x="35256" y="157500"/>
+                    <a:pt x="78750" y="157500"/>
+                  </a:cubicBezTo>
+                  <a:close/>
+                  <a:moveTo>
+                    <a:pt x="78750" y="52500"/>
+                  </a:moveTo>
+                  <a:cubicBezTo>
+                    <a:pt x="93248" y="52500"/>
+                    <a:pt x="105000" y="64252"/>
+                    <a:pt x="105000" y="78750"/>
+                  </a:cubicBezTo>
+                  <a:cubicBezTo>
+                    <a:pt x="105000" y="93248"/>
+                    <a:pt x="93248" y="105000"/>
+                    <a:pt x="78750" y="105000"/>
+                  </a:cubicBezTo>
+                  <a:cubicBezTo>
+                    <a:pt x="64252" y="105000"/>
+                    <a:pt x="52500" y="93248"/>
+                    <a:pt x="52500" y="78750"/>
+                  </a:cubicBezTo>
+                  <a:cubicBezTo>
+                    <a:pt x="52500" y="64252"/>
+                    <a:pt x="64252" y="52500"/>
+                    <a:pt x="78750" y="52500"/>
+                  </a:cubicBezTo>
+                  <a:close/>
+                </a:path>
+              </a:pathLst>
+            </a:custGeom>
+            <a:solidFill>
+              <a:srgbClr val="000000"/>
+            </a:solidFill>
+            <a:ln w="28575" cap="flat">
+              <a:solidFill>
+                <a:srgbClr val="0000FF"/>
+              </a:solidFill>
+              <a:prstDash val="solid"/>
+              <a:miter/>
+            </a:ln>
+          </p:spPr>
+          <p:txBody>
+            <a:bodyPr rtlCol="0" anchor="ctr"/>
+            <a:lstStyle/>
+            <a:p>
+              <a:endParaRPr lang="es-ES"/>
+            </a:p>
+          </p:txBody>
+        </p:sp>
+        <p:sp>
+          <p:nvSpPr>
+            <p:cNvPr id="46" name="Freeform: Shape 45">
+              <a:extLst>
+                <a:ext uri="{FF2B5EF4-FFF2-40B4-BE49-F238E27FC236}">
+                  <a16:creationId xmlns:a16="http://schemas.microsoft.com/office/drawing/2014/main" id="{5607328B-F021-2247-B817-D38C980EB486}"/>
+                </a:ext>
+              </a:extLst>
+            </p:cNvPr>
+            <p:cNvSpPr/>
+            <p:nvPr/>
+          </p:nvSpPr>
+          <p:spPr>
+            <a:xfrm>
+              <a:off x="7354560" y="9534117"/>
+              <a:ext cx="157500" cy="157500"/>
+            </a:xfrm>
+            <a:custGeom>
+              <a:avLst/>
+              <a:gdLst>
+                <a:gd name="connsiteX0" fmla="*/ 78750 w 157500"/>
+                <a:gd name="connsiteY0" fmla="*/ 0 h 157500"/>
+                <a:gd name="connsiteX1" fmla="*/ 0 w 157500"/>
+                <a:gd name="connsiteY1" fmla="*/ 78750 h 157500"/>
+                <a:gd name="connsiteX2" fmla="*/ 78750 w 157500"/>
+                <a:gd name="connsiteY2" fmla="*/ 157500 h 157500"/>
+                <a:gd name="connsiteX3" fmla="*/ 157500 w 157500"/>
+                <a:gd name="connsiteY3" fmla="*/ 78750 h 157500"/>
+                <a:gd name="connsiteX4" fmla="*/ 78750 w 157500"/>
+                <a:gd name="connsiteY4" fmla="*/ 0 h 157500"/>
+                <a:gd name="connsiteX5" fmla="*/ 78750 w 157500"/>
+                <a:gd name="connsiteY5" fmla="*/ 105000 h 157500"/>
+                <a:gd name="connsiteX6" fmla="*/ 52500 w 157500"/>
+                <a:gd name="connsiteY6" fmla="*/ 78750 h 157500"/>
+                <a:gd name="connsiteX7" fmla="*/ 78750 w 157500"/>
+                <a:gd name="connsiteY7" fmla="*/ 52500 h 157500"/>
+                <a:gd name="connsiteX8" fmla="*/ 105000 w 157500"/>
+                <a:gd name="connsiteY8" fmla="*/ 78750 h 157500"/>
+                <a:gd name="connsiteX9" fmla="*/ 78750 w 157500"/>
+                <a:gd name="connsiteY9" fmla="*/ 105000 h 157500"/>
+              </a:gdLst>
+              <a:ahLst/>
+              <a:cxnLst>
+                <a:cxn ang="0">
+                  <a:pos x="connsiteX0" y="connsiteY0"/>
+                </a:cxn>
+                <a:cxn ang="0">
+                  <a:pos x="connsiteX1" y="connsiteY1"/>
+                </a:cxn>
+                <a:cxn ang="0">
+                  <a:pos x="connsiteX2" y="connsiteY2"/>
+                </a:cxn>
+                <a:cxn ang="0">
+                  <a:pos x="connsiteX3" y="connsiteY3"/>
+                </a:cxn>
+                <a:cxn ang="0">
+                  <a:pos x="connsiteX4" y="connsiteY4"/>
+                </a:cxn>
+                <a:cxn ang="0">
+                  <a:pos x="connsiteX5" y="connsiteY5"/>
+                </a:cxn>
+                <a:cxn ang="0">
+                  <a:pos x="connsiteX6" y="connsiteY6"/>
+                </a:cxn>
+                <a:cxn ang="0">
+                  <a:pos x="connsiteX7" y="connsiteY7"/>
+                </a:cxn>
+                <a:cxn ang="0">
+                  <a:pos x="connsiteX8" y="connsiteY8"/>
+                </a:cxn>
+                <a:cxn ang="0">
+                  <a:pos x="connsiteX9" y="connsiteY9"/>
+                </a:cxn>
+              </a:cxnLst>
+              <a:rect l="l" t="t" r="r" b="b"/>
+              <a:pathLst>
+                <a:path w="157500" h="157500">
+                  <a:moveTo>
+                    <a:pt x="78750" y="0"/>
+                  </a:moveTo>
+                  <a:cubicBezTo>
+                    <a:pt x="35256" y="0"/>
+                    <a:pt x="0" y="35256"/>
+                    <a:pt x="0" y="78750"/>
+                  </a:cubicBezTo>
+                  <a:cubicBezTo>
+                    <a:pt x="0" y="122244"/>
+                    <a:pt x="35256" y="157500"/>
+                    <a:pt x="78750" y="157500"/>
+                  </a:cubicBezTo>
+                  <a:cubicBezTo>
+                    <a:pt x="122244" y="157500"/>
+                    <a:pt x="157500" y="122244"/>
+                    <a:pt x="157500" y="78750"/>
+                  </a:cubicBezTo>
+                  <a:cubicBezTo>
+                    <a:pt x="157500" y="35256"/>
+                    <a:pt x="122244" y="0"/>
+                    <a:pt x="78750" y="0"/>
+                  </a:cubicBezTo>
+                  <a:close/>
+                  <a:moveTo>
+                    <a:pt x="78750" y="105000"/>
+                  </a:moveTo>
+                  <a:cubicBezTo>
+                    <a:pt x="64252" y="105000"/>
+                    <a:pt x="52500" y="93248"/>
+                    <a:pt x="52500" y="78750"/>
+                  </a:cubicBezTo>
+                  <a:cubicBezTo>
+                    <a:pt x="52500" y="64252"/>
+                    <a:pt x="64252" y="52500"/>
+                    <a:pt x="78750" y="52500"/>
+                  </a:cubicBezTo>
+                  <a:cubicBezTo>
+                    <a:pt x="93248" y="52500"/>
+                    <a:pt x="105000" y="64252"/>
+                    <a:pt x="105000" y="78750"/>
+                  </a:cubicBezTo>
+                  <a:cubicBezTo>
+                    <a:pt x="105000" y="93248"/>
+                    <a:pt x="93248" y="105000"/>
+                    <a:pt x="78750" y="105000"/>
+                  </a:cubicBezTo>
+                  <a:close/>
+                </a:path>
+              </a:pathLst>
+            </a:custGeom>
+            <a:solidFill>
+              <a:srgbClr val="000000"/>
+            </a:solidFill>
+            <a:ln w="28575" cap="flat">
+              <a:solidFill>
+                <a:srgbClr val="0000FF"/>
+              </a:solidFill>
+              <a:prstDash val="solid"/>
+              <a:miter/>
+            </a:ln>
+          </p:spPr>
+          <p:txBody>
+            <a:bodyPr rtlCol="0" anchor="ctr"/>
+            <a:lstStyle/>
+            <a:p>
+              <a:endParaRPr lang="es-ES"/>
+            </a:p>
+          </p:txBody>
+        </p:sp>
+        <p:sp>
+          <p:nvSpPr>
+            <p:cNvPr id="47" name="Freeform: Shape 46">
+              <a:extLst>
+                <a:ext uri="{FF2B5EF4-FFF2-40B4-BE49-F238E27FC236}">
+                  <a16:creationId xmlns:a16="http://schemas.microsoft.com/office/drawing/2014/main" id="{336A4D81-C053-357A-5BAE-04FFBFEE4348}"/>
+                </a:ext>
+              </a:extLst>
+            </p:cNvPr>
+            <p:cNvSpPr/>
+            <p:nvPr/>
+          </p:nvSpPr>
+          <p:spPr>
+            <a:xfrm>
+              <a:off x="6934718" y="9020746"/>
+              <a:ext cx="268957" cy="268957"/>
+            </a:xfrm>
+            <a:custGeom>
+              <a:avLst/>
+              <a:gdLst>
+                <a:gd name="connsiteX0" fmla="*/ 134479 w 268957"/>
+                <a:gd name="connsiteY0" fmla="*/ 0 h 268957"/>
+                <a:gd name="connsiteX1" fmla="*/ 0 w 268957"/>
+                <a:gd name="connsiteY1" fmla="*/ 134479 h 268957"/>
+                <a:gd name="connsiteX2" fmla="*/ 134479 w 268957"/>
+                <a:gd name="connsiteY2" fmla="*/ 268958 h 268957"/>
+                <a:gd name="connsiteX3" fmla="*/ 268958 w 268957"/>
+                <a:gd name="connsiteY3" fmla="*/ 134479 h 268957"/>
+                <a:gd name="connsiteX4" fmla="*/ 268958 w 268957"/>
+                <a:gd name="connsiteY4" fmla="*/ 134453 h 268957"/>
+                <a:gd name="connsiteX5" fmla="*/ 134479 w 268957"/>
+                <a:gd name="connsiteY5" fmla="*/ 0 h 268957"/>
+                <a:gd name="connsiteX6" fmla="*/ 134479 w 268957"/>
+                <a:gd name="connsiteY6" fmla="*/ 216458 h 268957"/>
+                <a:gd name="connsiteX7" fmla="*/ 52500 w 268957"/>
+                <a:gd name="connsiteY7" fmla="*/ 134479 h 268957"/>
+                <a:gd name="connsiteX8" fmla="*/ 134479 w 268957"/>
+                <a:gd name="connsiteY8" fmla="*/ 52500 h 268957"/>
+                <a:gd name="connsiteX9" fmla="*/ 216458 w 268957"/>
+                <a:gd name="connsiteY9" fmla="*/ 134453 h 268957"/>
+                <a:gd name="connsiteX10" fmla="*/ 134479 w 268957"/>
+                <a:gd name="connsiteY10" fmla="*/ 216458 h 268957"/>
+              </a:gdLst>
+              <a:ahLst/>
+              <a:cxnLst>
+                <a:cxn ang="0">
+                  <a:pos x="connsiteX0" y="connsiteY0"/>
+                </a:cxn>
+                <a:cxn ang="0">
+                  <a:pos x="connsiteX1" y="connsiteY1"/>
+                </a:cxn>
+                <a:cxn ang="0">
+                  <a:pos x="connsiteX2" y="connsiteY2"/>
+                </a:cxn>
+                <a:cxn ang="0">
+                  <a:pos x="connsiteX3" y="connsiteY3"/>
+                </a:cxn>
+                <a:cxn ang="0">
+                  <a:pos x="connsiteX4" y="connsiteY4"/>
+                </a:cxn>
+                <a:cxn ang="0">
+                  <a:pos x="connsiteX5" y="connsiteY5"/>
+                </a:cxn>
+                <a:cxn ang="0">
+                  <a:pos x="connsiteX6" y="connsiteY6"/>
+                </a:cxn>
+                <a:cxn ang="0">
+                  <a:pos x="connsiteX7" y="connsiteY7"/>
+                </a:cxn>
+                <a:cxn ang="0">
+                  <a:pos x="connsiteX8" y="connsiteY8"/>
+                </a:cxn>
+                <a:cxn ang="0">
+                  <a:pos x="connsiteX9" y="connsiteY9"/>
+                </a:cxn>
+                <a:cxn ang="0">
+                  <a:pos x="connsiteX10" y="connsiteY10"/>
+                </a:cxn>
+              </a:cxnLst>
+              <a:rect l="l" t="t" r="r" b="b"/>
+              <a:pathLst>
+                <a:path w="268957" h="268957">
+                  <a:moveTo>
+                    <a:pt x="134479" y="0"/>
+                  </a:moveTo>
+                  <a:cubicBezTo>
+                    <a:pt x="60207" y="0"/>
+                    <a:pt x="0" y="60207"/>
+                    <a:pt x="0" y="134479"/>
+                  </a:cubicBezTo>
+                  <a:cubicBezTo>
+                    <a:pt x="0" y="208751"/>
+                    <a:pt x="60207" y="268958"/>
+                    <a:pt x="134479" y="268958"/>
+                  </a:cubicBezTo>
+                  <a:cubicBezTo>
+                    <a:pt x="208751" y="268958"/>
+                    <a:pt x="268958" y="208751"/>
+                    <a:pt x="268958" y="134479"/>
+                  </a:cubicBezTo>
+                  <a:cubicBezTo>
+                    <a:pt x="268958" y="134471"/>
+                    <a:pt x="268958" y="134460"/>
+                    <a:pt x="268958" y="134453"/>
+                  </a:cubicBezTo>
+                  <a:cubicBezTo>
+                    <a:pt x="268855" y="60228"/>
+                    <a:pt x="208703" y="87"/>
+                    <a:pt x="134479" y="0"/>
+                  </a:cubicBezTo>
+                  <a:close/>
+                  <a:moveTo>
+                    <a:pt x="134479" y="216458"/>
+                  </a:moveTo>
+                  <a:cubicBezTo>
+                    <a:pt x="89203" y="216458"/>
+                    <a:pt x="52500" y="179755"/>
+                    <a:pt x="52500" y="134479"/>
+                  </a:cubicBezTo>
+                  <a:cubicBezTo>
+                    <a:pt x="52500" y="89203"/>
+                    <a:pt x="89203" y="52500"/>
+                    <a:pt x="134479" y="52500"/>
+                  </a:cubicBezTo>
+                  <a:cubicBezTo>
+                    <a:pt x="179744" y="52500"/>
+                    <a:pt x="216442" y="89187"/>
+                    <a:pt x="216458" y="134453"/>
+                  </a:cubicBezTo>
+                  <a:cubicBezTo>
+                    <a:pt x="216413" y="179715"/>
+                    <a:pt x="179742" y="216400"/>
+                    <a:pt x="134479" y="216458"/>
+                  </a:cubicBezTo>
+                  <a:close/>
+                </a:path>
+              </a:pathLst>
+            </a:custGeom>
+            <a:solidFill>
+              <a:srgbClr val="000000"/>
+            </a:solidFill>
+            <a:ln w="28575" cap="flat">
+              <a:solidFill>
+                <a:srgbClr val="0000FF"/>
+              </a:solidFill>
+              <a:prstDash val="solid"/>
+              <a:miter/>
+            </a:ln>
+          </p:spPr>
+          <p:txBody>
+            <a:bodyPr rtlCol="0" anchor="ctr"/>
+            <a:lstStyle/>
+            <a:p>
+              <a:endParaRPr lang="es-ES"/>
+            </a:p>
+          </p:txBody>
+        </p:sp>
+      </p:grpSp>
+      <p:sp>
+        <p:nvSpPr>
+          <p:cNvPr id="4" name="任意多边形: 形状 23">
+            <a:extLst>
+              <a:ext uri="{FF2B5EF4-FFF2-40B4-BE49-F238E27FC236}">
+                <a16:creationId xmlns:a16="http://schemas.microsoft.com/office/drawing/2014/main" id="{70D94906-63B6-ED41-1234-0C2E7E422BBC}"/>
+              </a:ext>
+            </a:extLst>
+          </p:cNvPr>
+          <p:cNvSpPr/>
+          <p:nvPr/>
+        </p:nvSpPr>
+        <p:spPr>
+          <a:xfrm>
+            <a:off x="5104685" y="9454111"/>
+            <a:ext cx="629881" cy="707476"/>
+          </a:xfrm>
+          <a:custGeom>
+            <a:avLst/>
+            <a:gdLst>
+              <a:gd name="connsiteX0" fmla="*/ 64770 w 129539"/>
+              <a:gd name="connsiteY0" fmla="*/ 68580 h 152400"/>
+              <a:gd name="connsiteX1" fmla="*/ 71895 w 129539"/>
+              <a:gd name="connsiteY1" fmla="*/ 76200 h 152400"/>
+              <a:gd name="connsiteX2" fmla="*/ 64770 w 129539"/>
+              <a:gd name="connsiteY2" fmla="*/ 83820 h 152400"/>
+              <a:gd name="connsiteX3" fmla="*/ 57645 w 129539"/>
+              <a:gd name="connsiteY3" fmla="*/ 76200 h 152400"/>
+              <a:gd name="connsiteX4" fmla="*/ 64770 w 129539"/>
+              <a:gd name="connsiteY4" fmla="*/ 68580 h 152400"/>
+              <a:gd name="connsiteX5" fmla="*/ 64770 w 129539"/>
+              <a:gd name="connsiteY5" fmla="*/ 0 h 152400"/>
+              <a:gd name="connsiteX6" fmla="*/ 0 w 129539"/>
+              <a:gd name="connsiteY6" fmla="*/ 76200 h 152400"/>
+              <a:gd name="connsiteX7" fmla="*/ 64770 w 129539"/>
+              <a:gd name="connsiteY7" fmla="*/ 152400 h 152400"/>
+              <a:gd name="connsiteX8" fmla="*/ 129540 w 129539"/>
+              <a:gd name="connsiteY8" fmla="*/ 76200 h 152400"/>
+              <a:gd name="connsiteX9" fmla="*/ 64770 w 129539"/>
+              <a:gd name="connsiteY9" fmla="*/ 0 h 152400"/>
+            </a:gdLst>
+            <a:ahLst/>
+            <a:cxnLst>
+              <a:cxn ang="0">
+                <a:pos x="connsiteX0" y="connsiteY0"/>
+              </a:cxn>
+              <a:cxn ang="0">
+                <a:pos x="connsiteX1" y="connsiteY1"/>
+              </a:cxn>
+              <a:cxn ang="0">
+                <a:pos x="connsiteX2" y="connsiteY2"/>
+              </a:cxn>
+              <a:cxn ang="0">
+                <a:pos x="connsiteX3" y="connsiteY3"/>
+              </a:cxn>
+              <a:cxn ang="0">
+                <a:pos x="connsiteX4" y="connsiteY4"/>
+              </a:cxn>
+              <a:cxn ang="0">
+                <a:pos x="connsiteX5" y="connsiteY5"/>
+              </a:cxn>
+              <a:cxn ang="0">
+                <a:pos x="connsiteX6" y="connsiteY6"/>
+              </a:cxn>
+              <a:cxn ang="0">
+                <a:pos x="connsiteX7" y="connsiteY7"/>
+              </a:cxn>
+              <a:cxn ang="0">
+                <a:pos x="connsiteX8" y="connsiteY8"/>
+              </a:cxn>
+              <a:cxn ang="0">
+                <a:pos x="connsiteX9" y="connsiteY9"/>
+              </a:cxn>
+            </a:cxnLst>
+            <a:rect l="l" t="t" r="r" b="b"/>
+            <a:pathLst>
+              <a:path w="129539" h="152400">
+                <a:moveTo>
+                  <a:pt x="64770" y="68580"/>
+                </a:moveTo>
+                <a:cubicBezTo>
+                  <a:pt x="67056" y="71196"/>
+                  <a:pt x="69432" y="73737"/>
+                  <a:pt x="71895" y="76200"/>
+                </a:cubicBezTo>
+                <a:cubicBezTo>
+                  <a:pt x="69432" y="78638"/>
+                  <a:pt x="67056" y="81178"/>
+                  <a:pt x="64770" y="83820"/>
+                </a:cubicBezTo>
+                <a:cubicBezTo>
+                  <a:pt x="62484" y="81204"/>
+                  <a:pt x="60108" y="78663"/>
+                  <a:pt x="57645" y="76200"/>
+                </a:cubicBezTo>
+                <a:cubicBezTo>
+                  <a:pt x="60108" y="73762"/>
+                  <a:pt x="62484" y="71222"/>
+                  <a:pt x="64770" y="68580"/>
+                </a:cubicBezTo>
+                <a:close/>
+                <a:moveTo>
+                  <a:pt x="64770" y="0"/>
+                </a:moveTo>
+                <a:cubicBezTo>
+                  <a:pt x="55592" y="33772"/>
+                  <a:pt x="31852" y="61701"/>
+                  <a:pt x="0" y="76200"/>
+                </a:cubicBezTo>
+                <a:cubicBezTo>
+                  <a:pt x="31852" y="90699"/>
+                  <a:pt x="55592" y="118628"/>
+                  <a:pt x="64770" y="152400"/>
+                </a:cubicBezTo>
+                <a:cubicBezTo>
+                  <a:pt x="73948" y="118628"/>
+                  <a:pt x="97688" y="90699"/>
+                  <a:pt x="129540" y="76200"/>
+                </a:cubicBezTo>
+                <a:cubicBezTo>
+                  <a:pt x="97688" y="61701"/>
+                  <a:pt x="73948" y="33772"/>
+                  <a:pt x="64770" y="0"/>
+                </a:cubicBezTo>
+                <a:close/>
+              </a:path>
+            </a:pathLst>
+          </a:custGeom>
+          <a:noFill/>
+          <a:ln w="28575" cap="flat">
+            <a:solidFill>
+              <a:srgbClr val="0000FF"/>
+            </a:solidFill>
+            <a:prstDash val="solid"/>
+            <a:miter/>
+          </a:ln>
+        </p:spPr>
+        <p:txBody>
+          <a:bodyPr rtlCol="0" anchor="ctr"/>
+          <a:lstStyle/>
+          <a:p>
+            <a:endParaRPr lang="en-US" dirty="0"/>
+          </a:p>
+        </p:txBody>
+      </p:sp>
+      <p:sp>
+        <p:nvSpPr>
+          <p:cNvPr id="26" name="任意多边形: 形状 21">
+            <a:extLst>
+              <a:ext uri="{FF2B5EF4-FFF2-40B4-BE49-F238E27FC236}">
+                <a16:creationId xmlns:a16="http://schemas.microsoft.com/office/drawing/2014/main" id="{A4DDE96F-2BB9-9C50-6954-6C9F96104002}"/>
+              </a:ext>
+            </a:extLst>
+          </p:cNvPr>
+          <p:cNvSpPr>
+            <a:spLocks noChangeAspect="1"/>
+          </p:cNvSpPr>
+          <p:nvPr/>
+        </p:nvSpPr>
+        <p:spPr>
+          <a:xfrm>
+            <a:off x="5419637" y="6646564"/>
+            <a:ext cx="862578" cy="975213"/>
+          </a:xfrm>
+          <a:custGeom>
+            <a:avLst/>
+            <a:gdLst>
+              <a:gd name="connsiteX0" fmla="*/ 72390 w 144779"/>
+              <a:gd name="connsiteY0" fmla="*/ 74847 h 171450"/>
+              <a:gd name="connsiteX1" fmla="*/ 82467 w 144779"/>
+              <a:gd name="connsiteY1" fmla="*/ 85725 h 171450"/>
+              <a:gd name="connsiteX2" fmla="*/ 72390 w 144779"/>
+              <a:gd name="connsiteY2" fmla="*/ 96603 h 171450"/>
+              <a:gd name="connsiteX3" fmla="*/ 62313 w 144779"/>
+              <a:gd name="connsiteY3" fmla="*/ 85725 h 171450"/>
+              <a:gd name="connsiteX4" fmla="*/ 72390 w 144779"/>
+              <a:gd name="connsiteY4" fmla="*/ 74847 h 171450"/>
+              <a:gd name="connsiteX5" fmla="*/ 72390 w 144779"/>
+              <a:gd name="connsiteY5" fmla="*/ 0 h 171450"/>
+              <a:gd name="connsiteX6" fmla="*/ 0 w 144779"/>
+              <a:gd name="connsiteY6" fmla="*/ 85725 h 171450"/>
+              <a:gd name="connsiteX7" fmla="*/ 72390 w 144779"/>
+              <a:gd name="connsiteY7" fmla="*/ 171450 h 171450"/>
+              <a:gd name="connsiteX8" fmla="*/ 144780 w 144779"/>
+              <a:gd name="connsiteY8" fmla="*/ 85725 h 171450"/>
+              <a:gd name="connsiteX9" fmla="*/ 72390 w 144779"/>
+              <a:gd name="connsiteY9" fmla="*/ 0 h 171450"/>
+            </a:gdLst>
+            <a:ahLst/>
+            <a:cxnLst>
+              <a:cxn ang="0">
+                <a:pos x="connsiteX0" y="connsiteY0"/>
+              </a:cxn>
+              <a:cxn ang="0">
+                <a:pos x="connsiteX1" y="connsiteY1"/>
+              </a:cxn>
+              <a:cxn ang="0">
+                <a:pos x="connsiteX2" y="connsiteY2"/>
+              </a:cxn>
+              <a:cxn ang="0">
+                <a:pos x="connsiteX3" y="connsiteY3"/>
+              </a:cxn>
+              <a:cxn ang="0">
+                <a:pos x="connsiteX4" y="connsiteY4"/>
+              </a:cxn>
+              <a:cxn ang="0">
+                <a:pos x="connsiteX5" y="connsiteY5"/>
+              </a:cxn>
+              <a:cxn ang="0">
+                <a:pos x="connsiteX6" y="connsiteY6"/>
+              </a:cxn>
+              <a:cxn ang="0">
+                <a:pos x="connsiteX7" y="connsiteY7"/>
+              </a:cxn>
+              <a:cxn ang="0">
+                <a:pos x="connsiteX8" y="connsiteY8"/>
+              </a:cxn>
+              <a:cxn ang="0">
+                <a:pos x="connsiteX9" y="connsiteY9"/>
+              </a:cxn>
+            </a:cxnLst>
+            <a:rect l="l" t="t" r="r" b="b"/>
+            <a:pathLst>
+              <a:path w="144779" h="171450">
+                <a:moveTo>
+                  <a:pt x="72390" y="74847"/>
+                </a:moveTo>
+                <a:cubicBezTo>
+                  <a:pt x="75590" y="78657"/>
+                  <a:pt x="78962" y="82258"/>
+                  <a:pt x="82467" y="85725"/>
+                </a:cubicBezTo>
+                <a:cubicBezTo>
+                  <a:pt x="78962" y="89192"/>
+                  <a:pt x="75590" y="92831"/>
+                  <a:pt x="72390" y="96603"/>
+                </a:cubicBezTo>
+                <a:cubicBezTo>
+                  <a:pt x="69190" y="92793"/>
+                  <a:pt x="65818" y="89192"/>
+                  <a:pt x="62313" y="85725"/>
+                </a:cubicBezTo>
+                <a:cubicBezTo>
+                  <a:pt x="65818" y="82258"/>
+                  <a:pt x="69190" y="78619"/>
+                  <a:pt x="72390" y="74847"/>
+                </a:cubicBezTo>
+                <a:close/>
+                <a:moveTo>
+                  <a:pt x="72390" y="0"/>
+                </a:moveTo>
+                <a:cubicBezTo>
+                  <a:pt x="61787" y="37696"/>
+                  <a:pt x="35387" y="68957"/>
+                  <a:pt x="0" y="85725"/>
+                </a:cubicBezTo>
+                <a:cubicBezTo>
+                  <a:pt x="35387" y="102493"/>
+                  <a:pt x="61787" y="133754"/>
+                  <a:pt x="72390" y="171450"/>
+                </a:cubicBezTo>
+                <a:cubicBezTo>
+                  <a:pt x="82993" y="133754"/>
+                  <a:pt x="109393" y="102493"/>
+                  <a:pt x="144780" y="85725"/>
+                </a:cubicBezTo>
+                <a:cubicBezTo>
+                  <a:pt x="109393" y="68957"/>
+                  <a:pt x="82993" y="37696"/>
+                  <a:pt x="72390" y="0"/>
+                </a:cubicBezTo>
+                <a:close/>
+              </a:path>
+            </a:pathLst>
+          </a:custGeom>
+          <a:solidFill>
+            <a:srgbClr val="000000"/>
+          </a:solidFill>
+          <a:ln w="28575" cap="flat">
+            <a:solidFill>
+              <a:srgbClr val="00FF00"/>
+            </a:solidFill>
+            <a:prstDash val="solid"/>
+            <a:miter/>
+          </a:ln>
+        </p:spPr>
+        <p:txBody>
+          <a:bodyPr rtlCol="0" anchor="ctr"/>
+          <a:lstStyle/>
+          <a:p>
+            <a:endParaRPr lang="en-US" dirty="0"/>
+          </a:p>
+        </p:txBody>
+      </p:sp>
+      <p:sp>
+        <p:nvSpPr>
+          <p:cNvPr id="65" name="任意多边形: 形状 20">
+            <a:extLst>
+              <a:ext uri="{FF2B5EF4-FFF2-40B4-BE49-F238E27FC236}">
+                <a16:creationId xmlns:a16="http://schemas.microsoft.com/office/drawing/2014/main" id="{F65B2032-6F78-A76C-9C0A-32D1F890FEC1}"/>
+              </a:ext>
+            </a:extLst>
+          </p:cNvPr>
+          <p:cNvSpPr/>
+          <p:nvPr/>
+        </p:nvSpPr>
+        <p:spPr>
+          <a:xfrm>
+            <a:off x="6914257" y="10713995"/>
+            <a:ext cx="1000548" cy="1128904"/>
+          </a:xfrm>
+          <a:custGeom>
+            <a:avLst/>
+            <a:gdLst>
+              <a:gd name="connsiteX0" fmla="*/ 104775 w 209550"/>
+              <a:gd name="connsiteY0" fmla="*/ 85896 h 247650"/>
+              <a:gd name="connsiteX1" fmla="*/ 140170 w 209550"/>
+              <a:gd name="connsiteY1" fmla="*/ 123825 h 247650"/>
+              <a:gd name="connsiteX2" fmla="*/ 104775 w 209550"/>
+              <a:gd name="connsiteY2" fmla="*/ 161754 h 247650"/>
+              <a:gd name="connsiteX3" fmla="*/ 69380 w 209550"/>
+              <a:gd name="connsiteY3" fmla="*/ 123825 h 247650"/>
+              <a:gd name="connsiteX4" fmla="*/ 104775 w 209550"/>
+              <a:gd name="connsiteY4" fmla="*/ 85896 h 247650"/>
+              <a:gd name="connsiteX5" fmla="*/ 104775 w 209550"/>
+              <a:gd name="connsiteY5" fmla="*/ 0 h 247650"/>
+              <a:gd name="connsiteX6" fmla="*/ 0 w 209550"/>
+              <a:gd name="connsiteY6" fmla="*/ 123825 h 247650"/>
+              <a:gd name="connsiteX7" fmla="*/ 104775 w 209550"/>
+              <a:gd name="connsiteY7" fmla="*/ 247650 h 247650"/>
+              <a:gd name="connsiteX8" fmla="*/ 209550 w 209550"/>
+              <a:gd name="connsiteY8" fmla="*/ 123825 h 247650"/>
+              <a:gd name="connsiteX9" fmla="*/ 104775 w 209550"/>
+              <a:gd name="connsiteY9" fmla="*/ 0 h 247650"/>
+            </a:gdLst>
+            <a:ahLst/>
+            <a:cxnLst>
+              <a:cxn ang="0">
+                <a:pos x="connsiteX0" y="connsiteY0"/>
+              </a:cxn>
+              <a:cxn ang="0">
+                <a:pos x="connsiteX1" y="connsiteY1"/>
+              </a:cxn>
+              <a:cxn ang="0">
+                <a:pos x="connsiteX2" y="connsiteY2"/>
+              </a:cxn>
+              <a:cxn ang="0">
+                <a:pos x="connsiteX3" y="connsiteY3"/>
+              </a:cxn>
+              <a:cxn ang="0">
+                <a:pos x="connsiteX4" y="connsiteY4"/>
+              </a:cxn>
+              <a:cxn ang="0">
+                <a:pos x="connsiteX5" y="connsiteY5"/>
+              </a:cxn>
+              <a:cxn ang="0">
+                <a:pos x="connsiteX6" y="connsiteY6"/>
+              </a:cxn>
+              <a:cxn ang="0">
+                <a:pos x="connsiteX7" y="connsiteY7"/>
+              </a:cxn>
+              <a:cxn ang="0">
+                <a:pos x="connsiteX8" y="connsiteY8"/>
+              </a:cxn>
+              <a:cxn ang="0">
+                <a:pos x="connsiteX9" y="connsiteY9"/>
+              </a:cxn>
+            </a:cxnLst>
+            <a:rect l="l" t="t" r="r" b="b"/>
+            <a:pathLst>
+              <a:path w="209550" h="247650">
+                <a:moveTo>
+                  <a:pt x="104775" y="85896"/>
+                </a:moveTo>
+                <a:cubicBezTo>
+                  <a:pt x="115104" y="99835"/>
+                  <a:pt x="126978" y="112559"/>
+                  <a:pt x="140170" y="123825"/>
+                </a:cubicBezTo>
+                <a:cubicBezTo>
+                  <a:pt x="126978" y="135091"/>
+                  <a:pt x="115104" y="147815"/>
+                  <a:pt x="104775" y="161754"/>
+                </a:cubicBezTo>
+                <a:cubicBezTo>
+                  <a:pt x="94446" y="147815"/>
+                  <a:pt x="82572" y="135091"/>
+                  <a:pt x="69380" y="123825"/>
+                </a:cubicBezTo>
+                <a:cubicBezTo>
+                  <a:pt x="82572" y="112559"/>
+                  <a:pt x="94446" y="99835"/>
+                  <a:pt x="104775" y="85896"/>
+                </a:cubicBezTo>
+                <a:close/>
+                <a:moveTo>
+                  <a:pt x="104775" y="0"/>
+                </a:moveTo>
+                <a:cubicBezTo>
+                  <a:pt x="89571" y="54576"/>
+                  <a:pt x="51306" y="99798"/>
+                  <a:pt x="0" y="123825"/>
+                </a:cubicBezTo>
+                <a:cubicBezTo>
+                  <a:pt x="51306" y="147853"/>
+                  <a:pt x="89571" y="193074"/>
+                  <a:pt x="104775" y="247650"/>
+                </a:cubicBezTo>
+                <a:cubicBezTo>
+                  <a:pt x="119979" y="193074"/>
+                  <a:pt x="158245" y="147853"/>
+                  <a:pt x="209550" y="123825"/>
+                </a:cubicBezTo>
+                <a:cubicBezTo>
+                  <a:pt x="158245" y="99798"/>
+                  <a:pt x="119979" y="54576"/>
+                  <a:pt x="104775" y="0"/>
+                </a:cubicBezTo>
+                <a:close/>
+              </a:path>
+            </a:pathLst>
+          </a:custGeom>
+          <a:solidFill>
+            <a:srgbClr val="000000"/>
+          </a:solidFill>
+          <a:ln w="28575" cap="flat">
+            <a:solidFill>
+              <a:srgbClr val="FF0000"/>
+            </a:solidFill>
+            <a:prstDash val="solid"/>
+            <a:miter/>
+          </a:ln>
+        </p:spPr>
+        <p:txBody>
+          <a:bodyPr rtlCol="0" anchor="ctr"/>
+          <a:lstStyle/>
+          <a:p>
+            <a:endParaRPr lang="en-US"/>
+          </a:p>
+        </p:txBody>
+      </p:sp>
+      <p:sp>
+        <p:nvSpPr>
+          <p:cNvPr id="66" name="任意多边形: 形状 23">
+            <a:extLst>
+              <a:ext uri="{FF2B5EF4-FFF2-40B4-BE49-F238E27FC236}">
+                <a16:creationId xmlns:a16="http://schemas.microsoft.com/office/drawing/2014/main" id="{24F273AB-4A67-8CCE-CDF5-A7116EF18388}"/>
+              </a:ext>
+            </a:extLst>
+          </p:cNvPr>
+          <p:cNvSpPr/>
+          <p:nvPr/>
+        </p:nvSpPr>
+        <p:spPr>
+          <a:xfrm>
+            <a:off x="8224742" y="7125993"/>
+            <a:ext cx="629881" cy="707476"/>
+          </a:xfrm>
+          <a:custGeom>
+            <a:avLst/>
+            <a:gdLst>
+              <a:gd name="connsiteX0" fmla="*/ 64770 w 129539"/>
+              <a:gd name="connsiteY0" fmla="*/ 68580 h 152400"/>
+              <a:gd name="connsiteX1" fmla="*/ 71895 w 129539"/>
+              <a:gd name="connsiteY1" fmla="*/ 76200 h 152400"/>
+              <a:gd name="connsiteX2" fmla="*/ 64770 w 129539"/>
+              <a:gd name="connsiteY2" fmla="*/ 83820 h 152400"/>
+              <a:gd name="connsiteX3" fmla="*/ 57645 w 129539"/>
+              <a:gd name="connsiteY3" fmla="*/ 76200 h 152400"/>
+              <a:gd name="connsiteX4" fmla="*/ 64770 w 129539"/>
+              <a:gd name="connsiteY4" fmla="*/ 68580 h 152400"/>
+              <a:gd name="connsiteX5" fmla="*/ 64770 w 129539"/>
+              <a:gd name="connsiteY5" fmla="*/ 0 h 152400"/>
+              <a:gd name="connsiteX6" fmla="*/ 0 w 129539"/>
+              <a:gd name="connsiteY6" fmla="*/ 76200 h 152400"/>
+              <a:gd name="connsiteX7" fmla="*/ 64770 w 129539"/>
+              <a:gd name="connsiteY7" fmla="*/ 152400 h 152400"/>
+              <a:gd name="connsiteX8" fmla="*/ 129540 w 129539"/>
+              <a:gd name="connsiteY8" fmla="*/ 76200 h 152400"/>
+              <a:gd name="connsiteX9" fmla="*/ 64770 w 129539"/>
+              <a:gd name="connsiteY9" fmla="*/ 0 h 152400"/>
+            </a:gdLst>
+            <a:ahLst/>
+            <a:cxnLst>
+              <a:cxn ang="0">
+                <a:pos x="connsiteX0" y="connsiteY0"/>
+              </a:cxn>
+              <a:cxn ang="0">
+                <a:pos x="connsiteX1" y="connsiteY1"/>
+              </a:cxn>
+              <a:cxn ang="0">
+                <a:pos x="connsiteX2" y="connsiteY2"/>
+              </a:cxn>
+              <a:cxn ang="0">
+                <a:pos x="connsiteX3" y="connsiteY3"/>
+              </a:cxn>
+              <a:cxn ang="0">
+                <a:pos x="connsiteX4" y="connsiteY4"/>
+              </a:cxn>
+              <a:cxn ang="0">
+                <a:pos x="connsiteX5" y="connsiteY5"/>
+              </a:cxn>
+              <a:cxn ang="0">
+                <a:pos x="connsiteX6" y="connsiteY6"/>
+              </a:cxn>
+              <a:cxn ang="0">
+                <a:pos x="connsiteX7" y="connsiteY7"/>
+              </a:cxn>
+              <a:cxn ang="0">
+                <a:pos x="connsiteX8" y="connsiteY8"/>
+              </a:cxn>
+              <a:cxn ang="0">
+                <a:pos x="connsiteX9" y="connsiteY9"/>
+              </a:cxn>
+            </a:cxnLst>
+            <a:rect l="l" t="t" r="r" b="b"/>
+            <a:pathLst>
+              <a:path w="129539" h="152400">
+                <a:moveTo>
+                  <a:pt x="64770" y="68580"/>
+                </a:moveTo>
+                <a:cubicBezTo>
+                  <a:pt x="67056" y="71196"/>
+                  <a:pt x="69432" y="73737"/>
+                  <a:pt x="71895" y="76200"/>
+                </a:cubicBezTo>
+                <a:cubicBezTo>
+                  <a:pt x="69432" y="78638"/>
+                  <a:pt x="67056" y="81178"/>
+                  <a:pt x="64770" y="83820"/>
+                </a:cubicBezTo>
+                <a:cubicBezTo>
+                  <a:pt x="62484" y="81204"/>
+                  <a:pt x="60108" y="78663"/>
+                  <a:pt x="57645" y="76200"/>
+                </a:cubicBezTo>
+                <a:cubicBezTo>
+                  <a:pt x="60108" y="73762"/>
+                  <a:pt x="62484" y="71222"/>
+                  <a:pt x="64770" y="68580"/>
+                </a:cubicBezTo>
+                <a:close/>
+                <a:moveTo>
+                  <a:pt x="64770" y="0"/>
+                </a:moveTo>
+                <a:cubicBezTo>
+                  <a:pt x="55592" y="33772"/>
+                  <a:pt x="31852" y="61701"/>
+                  <a:pt x="0" y="76200"/>
+                </a:cubicBezTo>
+                <a:cubicBezTo>
+                  <a:pt x="31852" y="90699"/>
+                  <a:pt x="55592" y="118628"/>
+                  <a:pt x="64770" y="152400"/>
+                </a:cubicBezTo>
+                <a:cubicBezTo>
+                  <a:pt x="73948" y="118628"/>
+                  <a:pt x="97688" y="90699"/>
+                  <a:pt x="129540" y="76200"/>
+                </a:cubicBezTo>
+                <a:cubicBezTo>
+                  <a:pt x="97688" y="61701"/>
+                  <a:pt x="73948" y="33772"/>
+                  <a:pt x="64770" y="0"/>
+                </a:cubicBezTo>
+                <a:close/>
+              </a:path>
+            </a:pathLst>
+          </a:custGeom>
+          <a:noFill/>
+          <a:ln w="28575" cap="flat">
+            <a:solidFill>
+              <a:srgbClr val="0000FF"/>
+            </a:solidFill>
+            <a:prstDash val="solid"/>
+            <a:miter/>
+          </a:ln>
+        </p:spPr>
+        <p:txBody>
+          <a:bodyPr rtlCol="0" anchor="ctr"/>
+          <a:lstStyle/>
+          <a:p>
+            <a:endParaRPr lang="en-US" dirty="0"/>
+          </a:p>
+        </p:txBody>
+      </p:sp>
+    </p:spTree>
+    <p:extLst>
+      <p:ext uri="{BB962C8B-B14F-4D97-AF65-F5344CB8AC3E}">
+        <p14:creationId xmlns:p14="http://schemas.microsoft.com/office/powerpoint/2010/main" val="259031708"/>
+      </p:ext>
+    </p:extLst>
+  </p:cSld>
+  <p:clrMapOvr>
+    <a:masterClrMapping/>
+  </p:clrMapOvr>
+</p:sld>
+</file>
+
+<file path=ppt/slides/slide6.xml><?xml version="1.0" encoding="utf-8"?>
 <p:sld xmlns:a="http://schemas.openxmlformats.org/drawingml/2006/main" xmlns:r="http://schemas.openxmlformats.org/officeDocument/2006/relationships" xmlns:p="http://schemas.openxmlformats.org/presentationml/2006/main">
   <p:cSld>
     <p:bg>

--- a/FFT of imgs/planets_h16.pptx
+++ b/FFT of imgs/planets_h16.pptx
@@ -3097,28 +3097,23 @@
       </p:grpSpPr>
       <p:grpSp>
         <p:nvGrpSpPr>
-          <p:cNvPr id="5" name="图形 2" descr="太空景观 轮廓">
+          <p:cNvPr id="2" name="Group 1">
             <a:extLst>
               <a:ext uri="{FF2B5EF4-FFF2-40B4-BE49-F238E27FC236}">
-                <a16:creationId xmlns:a16="http://schemas.microsoft.com/office/drawing/2014/main" id="{A57328AE-2453-41A6-8337-75D8D5424DD2}"/>
+                <a16:creationId xmlns:a16="http://schemas.microsoft.com/office/drawing/2014/main" id="{4C3D0FD0-B3A3-E79B-013B-D60B31094322}"/>
               </a:ext>
             </a:extLst>
           </p:cNvPr>
-          <p:cNvGrpSpPr>
-            <a:grpSpLocks noChangeAspect="1"/>
-          </p:cNvGrpSpPr>
+          <p:cNvGrpSpPr/>
           <p:nvPr/>
         </p:nvGrpSpPr>
         <p:grpSpPr>
           <a:xfrm>
-            <a:off x="5587295" y="6264000"/>
-            <a:ext cx="7113410" cy="5760000"/>
-            <a:chOff x="8040117" y="8932668"/>
-            <a:chExt cx="1752612" cy="1486490"/>
+            <a:off x="9670236" y="8203746"/>
+            <a:ext cx="3789214" cy="3361255"/>
+            <a:chOff x="9103995" y="7887888"/>
+            <a:chExt cx="3789214" cy="3361255"/>
           </a:xfrm>
-          <a:solidFill>
-            <a:srgbClr val="000000"/>
-          </a:solidFill>
         </p:grpSpPr>
         <p:sp>
           <p:nvSpPr>
@@ -3134,8 +3129,8 @@
           </p:nvSpPr>
           <p:spPr>
             <a:xfrm>
-              <a:off x="9630575" y="9858495"/>
-              <a:ext cx="91656" cy="91445"/>
+              <a:off x="12235067" y="9851486"/>
+              <a:ext cx="372009" cy="354340"/>
             </a:xfrm>
             <a:custGeom>
               <a:avLst/>
@@ -3279,7 +3274,7 @@
             <a:solidFill>
               <a:srgbClr val="000000"/>
             </a:solidFill>
-            <a:ln w="19050" cap="flat">
+            <a:ln w="12700" cap="flat">
               <a:solidFill>
                 <a:srgbClr val="00FF00"/>
               </a:solidFill>
@@ -3309,8 +3304,8 @@
           </p:nvSpPr>
           <p:spPr>
             <a:xfrm>
-              <a:off x="9506810" y="9568938"/>
-              <a:ext cx="91596" cy="91442"/>
+              <a:off x="11732736" y="8729482"/>
+              <a:ext cx="371765" cy="354329"/>
             </a:xfrm>
             <a:custGeom>
               <a:avLst/>
@@ -3454,7 +3449,7 @@
             <a:solidFill>
               <a:srgbClr val="000000"/>
             </a:solidFill>
-            <a:ln w="19050" cap="flat">
+            <a:ln w="12700" cap="flat">
               <a:solidFill>
                 <a:srgbClr val="00FF00"/>
               </a:solidFill>
@@ -3484,8 +3479,8 @@
           </p:nvSpPr>
           <p:spPr>
             <a:xfrm>
-              <a:off x="9436482" y="9728957"/>
-              <a:ext cx="121919" cy="121920"/>
+              <a:off x="11447292" y="9349539"/>
+              <a:ext cx="494838" cy="472428"/>
             </a:xfrm>
             <a:custGeom>
               <a:avLst/>
@@ -3601,7 +3596,7 @@
             <a:solidFill>
               <a:srgbClr val="000000"/>
             </a:solidFill>
-            <a:ln w="19050" cap="flat">
+            <a:ln w="12700" cap="flat">
               <a:solidFill>
                 <a:srgbClr val="00FF00"/>
               </a:solidFill>
@@ -3631,8 +3626,8 @@
           </p:nvSpPr>
           <p:spPr>
             <a:xfrm>
-              <a:off x="9341232" y="9953747"/>
-              <a:ext cx="175259" cy="175260"/>
+              <a:off x="11060697" y="10220578"/>
+              <a:ext cx="711332" cy="679115"/>
             </a:xfrm>
             <a:custGeom>
               <a:avLst/>
@@ -3758,7 +3753,7 @@
             <a:solidFill>
               <a:srgbClr val="000000"/>
             </a:solidFill>
-            <a:ln w="19050" cap="flat">
+            <a:ln w="12700" cap="flat">
               <a:solidFill>
                 <a:srgbClr val="00FF00"/>
               </a:solidFill>
@@ -3788,8 +3783,8 @@
           </p:nvSpPr>
           <p:spPr>
             <a:xfrm>
-              <a:off x="9282176" y="9479403"/>
-              <a:ext cx="121920" cy="121919"/>
+              <a:off x="10821003" y="8382542"/>
+              <a:ext cx="494843" cy="472424"/>
             </a:xfrm>
             <a:custGeom>
               <a:avLst/>
@@ -3905,7 +3900,7 @@
             <a:solidFill>
               <a:srgbClr val="000000"/>
             </a:solidFill>
-            <a:ln w="19050" cap="flat">
+            <a:ln w="12700" cap="flat">
               <a:solidFill>
                 <a:srgbClr val="00FF00"/>
               </a:solidFill>
@@ -3935,8 +3930,8 @@
           </p:nvSpPr>
           <p:spPr>
             <a:xfrm>
-              <a:off x="9232492" y="9784203"/>
-              <a:ext cx="91594" cy="91443"/>
+              <a:off x="10619348" y="9563612"/>
+              <a:ext cx="371757" cy="354332"/>
             </a:xfrm>
             <a:custGeom>
               <a:avLst/>
@@ -4080,7 +4075,7 @@
             <a:solidFill>
               <a:srgbClr val="000000"/>
             </a:solidFill>
-            <a:ln w="19050" cap="flat">
+            <a:ln w="12700" cap="flat">
               <a:solidFill>
                 <a:srgbClr val="00FF00"/>
               </a:solidFill>
@@ -4110,8 +4105,8 @@
           </p:nvSpPr>
           <p:spPr>
             <a:xfrm>
-              <a:off x="9011667" y="9582272"/>
-              <a:ext cx="175260" cy="175260"/>
+              <a:off x="9723075" y="8781149"/>
+              <a:ext cx="711336" cy="679115"/>
             </a:xfrm>
             <a:custGeom>
               <a:avLst/>
@@ -4227,7 +4222,7 @@
             <a:solidFill>
               <a:srgbClr val="000000"/>
             </a:solidFill>
-            <a:ln w="19050" cap="flat">
+            <a:ln w="12700" cap="flat">
               <a:solidFill>
                 <a:srgbClr val="00FF00"/>
               </a:solidFill>
@@ -4257,8 +4252,8 @@
           </p:nvSpPr>
           <p:spPr>
             <a:xfrm>
-              <a:off x="8969753" y="9858493"/>
-              <a:ext cx="121923" cy="121924"/>
+              <a:off x="9552957" y="9851478"/>
+              <a:ext cx="494855" cy="472443"/>
             </a:xfrm>
             <a:custGeom>
               <a:avLst/>
@@ -4394,7 +4389,7 @@
             <a:solidFill>
               <a:srgbClr val="000000"/>
             </a:solidFill>
-            <a:ln w="19050" cap="flat">
+            <a:ln w="12700" cap="flat">
               <a:solidFill>
                 <a:srgbClr val="00FF00"/>
               </a:solidFill>
@@ -4424,8 +4419,8 @@
           </p:nvSpPr>
           <p:spPr>
             <a:xfrm>
-              <a:off x="8859137" y="9351747"/>
-              <a:ext cx="933592" cy="867443"/>
+              <a:off x="9103995" y="7887888"/>
+              <a:ext cx="3789214" cy="3361255"/>
             </a:xfrm>
             <a:custGeom>
               <a:avLst/>
@@ -4530,7 +4525,7 @@
             <a:solidFill>
               <a:srgbClr val="000000"/>
             </a:solidFill>
-            <a:ln w="19050" cap="flat">
+            <a:ln w="12700" cap="flat">
               <a:solidFill>
                 <a:srgbClr val="00FF00"/>
               </a:solidFill>
@@ -4546,1932 +4541,1824 @@
             </a:p>
           </p:txBody>
         </p:sp>
-        <p:sp>
-          <p:nvSpPr>
-            <p:cNvPr id="15" name="任意多边形: 形状 14">
-              <a:extLst>
-                <a:ext uri="{FF2B5EF4-FFF2-40B4-BE49-F238E27FC236}">
-                  <a16:creationId xmlns:a16="http://schemas.microsoft.com/office/drawing/2014/main" id="{D753D14D-BFE8-CB6E-C5D7-AA0AB3EA2100}"/>
-                </a:ext>
-              </a:extLst>
-            </p:cNvPr>
-            <p:cNvSpPr/>
-            <p:nvPr/>
-          </p:nvSpPr>
-          <p:spPr>
-            <a:xfrm>
-              <a:off x="8040117" y="10002763"/>
-              <a:ext cx="1752600" cy="416394"/>
-            </a:xfrm>
-            <a:custGeom>
-              <a:avLst/>
-              <a:gdLst>
-                <a:gd name="connsiteX0" fmla="*/ 1752600 w 1752600"/>
-                <a:gd name="connsiteY0" fmla="*/ 377114 h 416394"/>
-                <a:gd name="connsiteX1" fmla="*/ 1684211 w 1752600"/>
-                <a:gd name="connsiteY1" fmla="*/ 360026 h 416394"/>
-                <a:gd name="connsiteX2" fmla="*/ 1569530 w 1752600"/>
-                <a:gd name="connsiteY2" fmla="*/ 283559 h 416394"/>
-                <a:gd name="connsiteX3" fmla="*/ 1379030 w 1752600"/>
-                <a:gd name="connsiteY3" fmla="*/ 245459 h 416394"/>
-                <a:gd name="connsiteX4" fmla="*/ 1089832 w 1752600"/>
-                <a:gd name="connsiteY4" fmla="*/ 52673 h 416394"/>
-                <a:gd name="connsiteX5" fmla="*/ 810749 w 1752600"/>
-                <a:gd name="connsiteY5" fmla="*/ 109252 h 416394"/>
-                <a:gd name="connsiteX6" fmla="*/ 748036 w 1752600"/>
-                <a:gd name="connsiteY6" fmla="*/ 114490 h 416394"/>
-                <a:gd name="connsiteX7" fmla="*/ 484156 w 1752600"/>
-                <a:gd name="connsiteY7" fmla="*/ 0 h 416394"/>
-                <a:gd name="connsiteX8" fmla="*/ 337433 w 1752600"/>
-                <a:gd name="connsiteY8" fmla="*/ 91954 h 416394"/>
-                <a:gd name="connsiteX9" fmla="*/ 203778 w 1752600"/>
-                <a:gd name="connsiteY9" fmla="*/ 91954 h 416394"/>
-                <a:gd name="connsiteX10" fmla="*/ 86335 w 1752600"/>
-                <a:gd name="connsiteY10" fmla="*/ 170250 h 416394"/>
-                <a:gd name="connsiteX11" fmla="*/ 0 w 1752600"/>
-                <a:gd name="connsiteY11" fmla="*/ 204787 h 416394"/>
-                <a:gd name="connsiteX12" fmla="*/ 0 w 1752600"/>
-                <a:gd name="connsiteY12" fmla="*/ 245821 h 416394"/>
-                <a:gd name="connsiteX13" fmla="*/ 102318 w 1752600"/>
-                <a:gd name="connsiteY13" fmla="*/ 204902 h 416394"/>
-                <a:gd name="connsiteX14" fmla="*/ 215322 w 1752600"/>
-                <a:gd name="connsiteY14" fmla="*/ 130054 h 416394"/>
-                <a:gd name="connsiteX15" fmla="*/ 348367 w 1752600"/>
-                <a:gd name="connsiteY15" fmla="*/ 130054 h 416394"/>
-                <a:gd name="connsiteX16" fmla="*/ 487394 w 1752600"/>
-                <a:gd name="connsiteY16" fmla="*/ 42939 h 416394"/>
-                <a:gd name="connsiteX17" fmla="*/ 740874 w 1752600"/>
-                <a:gd name="connsiteY17" fmla="*/ 152895 h 416394"/>
-                <a:gd name="connsiteX18" fmla="*/ 825741 w 1752600"/>
-                <a:gd name="connsiteY18" fmla="*/ 256813 h 416394"/>
-                <a:gd name="connsiteX19" fmla="*/ 967950 w 1752600"/>
-                <a:gd name="connsiteY19" fmla="*/ 336690 h 416394"/>
-                <a:gd name="connsiteX20" fmla="*/ 986581 w 1752600"/>
-                <a:gd name="connsiteY20" fmla="*/ 303466 h 416394"/>
-                <a:gd name="connsiteX21" fmla="*/ 850659 w 1752600"/>
-                <a:gd name="connsiteY21" fmla="*/ 227133 h 416394"/>
-                <a:gd name="connsiteX22" fmla="*/ 787222 w 1752600"/>
-                <a:gd name="connsiteY22" fmla="*/ 149447 h 416394"/>
-                <a:gd name="connsiteX23" fmla="*/ 815016 w 1752600"/>
-                <a:gd name="connsiteY23" fmla="*/ 147123 h 416394"/>
-                <a:gd name="connsiteX24" fmla="*/ 1081869 w 1752600"/>
-                <a:gd name="connsiteY24" fmla="*/ 93155 h 416394"/>
-                <a:gd name="connsiteX25" fmla="*/ 1364171 w 1752600"/>
-                <a:gd name="connsiteY25" fmla="*/ 281349 h 416394"/>
-                <a:gd name="connsiteX26" fmla="*/ 1554671 w 1752600"/>
-                <a:gd name="connsiteY26" fmla="*/ 319449 h 416394"/>
-                <a:gd name="connsiteX27" fmla="*/ 1668589 w 1752600"/>
-                <a:gd name="connsiteY27" fmla="*/ 395383 h 416394"/>
-                <a:gd name="connsiteX28" fmla="*/ 1752600 w 1752600"/>
-                <a:gd name="connsiteY28" fmla="*/ 416395 h 416394"/>
-                <a:gd name="connsiteX29" fmla="*/ 1752600 w 1752600"/>
-                <a:gd name="connsiteY29" fmla="*/ 377114 h 416394"/>
-              </a:gdLst>
-              <a:ahLst/>
-              <a:cxnLst>
-                <a:cxn ang="0">
-                  <a:pos x="connsiteX0" y="connsiteY0"/>
-                </a:cxn>
-                <a:cxn ang="0">
-                  <a:pos x="connsiteX1" y="connsiteY1"/>
-                </a:cxn>
-                <a:cxn ang="0">
-                  <a:pos x="connsiteX2" y="connsiteY2"/>
-                </a:cxn>
-                <a:cxn ang="0">
-                  <a:pos x="connsiteX3" y="connsiteY3"/>
-                </a:cxn>
-                <a:cxn ang="0">
-                  <a:pos x="connsiteX4" y="connsiteY4"/>
-                </a:cxn>
-                <a:cxn ang="0">
-                  <a:pos x="connsiteX5" y="connsiteY5"/>
-                </a:cxn>
-                <a:cxn ang="0">
-                  <a:pos x="connsiteX6" y="connsiteY6"/>
-                </a:cxn>
-                <a:cxn ang="0">
-                  <a:pos x="connsiteX7" y="connsiteY7"/>
-                </a:cxn>
-                <a:cxn ang="0">
-                  <a:pos x="connsiteX8" y="connsiteY8"/>
-                </a:cxn>
-                <a:cxn ang="0">
-                  <a:pos x="connsiteX9" y="connsiteY9"/>
-                </a:cxn>
-                <a:cxn ang="0">
-                  <a:pos x="connsiteX10" y="connsiteY10"/>
-                </a:cxn>
-                <a:cxn ang="0">
-                  <a:pos x="connsiteX11" y="connsiteY11"/>
-                </a:cxn>
-                <a:cxn ang="0">
-                  <a:pos x="connsiteX12" y="connsiteY12"/>
-                </a:cxn>
-                <a:cxn ang="0">
-                  <a:pos x="connsiteX13" y="connsiteY13"/>
-                </a:cxn>
-                <a:cxn ang="0">
-                  <a:pos x="connsiteX14" y="connsiteY14"/>
-                </a:cxn>
-                <a:cxn ang="0">
-                  <a:pos x="connsiteX15" y="connsiteY15"/>
-                </a:cxn>
-                <a:cxn ang="0">
-                  <a:pos x="connsiteX16" y="connsiteY16"/>
-                </a:cxn>
-                <a:cxn ang="0">
-                  <a:pos x="connsiteX17" y="connsiteY17"/>
-                </a:cxn>
-                <a:cxn ang="0">
-                  <a:pos x="connsiteX18" y="connsiteY18"/>
-                </a:cxn>
-                <a:cxn ang="0">
-                  <a:pos x="connsiteX19" y="connsiteY19"/>
-                </a:cxn>
-                <a:cxn ang="0">
-                  <a:pos x="connsiteX20" y="connsiteY20"/>
-                </a:cxn>
-                <a:cxn ang="0">
-                  <a:pos x="connsiteX21" y="connsiteY21"/>
-                </a:cxn>
-                <a:cxn ang="0">
-                  <a:pos x="connsiteX22" y="connsiteY22"/>
-                </a:cxn>
-                <a:cxn ang="0">
-                  <a:pos x="connsiteX23" y="connsiteY23"/>
-                </a:cxn>
-                <a:cxn ang="0">
-                  <a:pos x="connsiteX24" y="connsiteY24"/>
-                </a:cxn>
-                <a:cxn ang="0">
-                  <a:pos x="connsiteX25" y="connsiteY25"/>
-                </a:cxn>
-                <a:cxn ang="0">
-                  <a:pos x="connsiteX26" y="connsiteY26"/>
-                </a:cxn>
-                <a:cxn ang="0">
-                  <a:pos x="connsiteX27" y="connsiteY27"/>
-                </a:cxn>
-                <a:cxn ang="0">
-                  <a:pos x="connsiteX28" y="connsiteY28"/>
-                </a:cxn>
-                <a:cxn ang="0">
-                  <a:pos x="connsiteX29" y="connsiteY29"/>
-                </a:cxn>
-              </a:cxnLst>
-              <a:rect l="l" t="t" r="r" b="b"/>
-              <a:pathLst>
-                <a:path w="1752600" h="416394">
-                  <a:moveTo>
-                    <a:pt x="1752600" y="377114"/>
-                  </a:moveTo>
-                  <a:lnTo>
-                    <a:pt x="1684211" y="360026"/>
-                  </a:lnTo>
-                  <a:lnTo>
-                    <a:pt x="1569530" y="283559"/>
-                  </a:lnTo>
-                  <a:lnTo>
-                    <a:pt x="1379030" y="245459"/>
-                  </a:lnTo>
-                  <a:lnTo>
-                    <a:pt x="1089832" y="52673"/>
-                  </a:lnTo>
-                  <a:lnTo>
-                    <a:pt x="810749" y="109252"/>
-                  </a:lnTo>
-                  <a:lnTo>
-                    <a:pt x="748036" y="114490"/>
-                  </a:lnTo>
-                  <a:lnTo>
-                    <a:pt x="484156" y="0"/>
-                  </a:lnTo>
-                  <a:lnTo>
-                    <a:pt x="337433" y="91954"/>
-                  </a:lnTo>
-                  <a:lnTo>
-                    <a:pt x="203778" y="91954"/>
-                  </a:lnTo>
-                  <a:lnTo>
-                    <a:pt x="86335" y="170250"/>
-                  </a:lnTo>
-                  <a:lnTo>
-                    <a:pt x="0" y="204787"/>
-                  </a:lnTo>
-                  <a:lnTo>
-                    <a:pt x="0" y="245821"/>
-                  </a:lnTo>
-                  <a:lnTo>
-                    <a:pt x="102318" y="204902"/>
-                  </a:lnTo>
-                  <a:lnTo>
-                    <a:pt x="215322" y="130054"/>
-                  </a:lnTo>
-                  <a:lnTo>
-                    <a:pt x="348367" y="130054"/>
-                  </a:lnTo>
-                  <a:lnTo>
-                    <a:pt x="487394" y="42939"/>
-                  </a:lnTo>
-                  <a:lnTo>
-                    <a:pt x="740874" y="152895"/>
-                  </a:lnTo>
-                  <a:lnTo>
-                    <a:pt x="825741" y="256813"/>
-                  </a:lnTo>
-                  <a:lnTo>
-                    <a:pt x="967950" y="336690"/>
-                  </a:lnTo>
-                  <a:lnTo>
-                    <a:pt x="986581" y="303466"/>
-                  </a:lnTo>
-                  <a:lnTo>
-                    <a:pt x="850659" y="227133"/>
-                  </a:lnTo>
-                  <a:lnTo>
-                    <a:pt x="787222" y="149447"/>
-                  </a:lnTo>
-                  <a:lnTo>
-                    <a:pt x="815016" y="147123"/>
-                  </a:lnTo>
-                  <a:lnTo>
-                    <a:pt x="1081869" y="93155"/>
-                  </a:lnTo>
-                  <a:lnTo>
-                    <a:pt x="1364171" y="281349"/>
-                  </a:lnTo>
-                  <a:lnTo>
-                    <a:pt x="1554671" y="319449"/>
-                  </a:lnTo>
-                  <a:lnTo>
-                    <a:pt x="1668589" y="395383"/>
-                  </a:lnTo>
-                  <a:lnTo>
-                    <a:pt x="1752600" y="416395"/>
-                  </a:lnTo>
-                  <a:lnTo>
-                    <a:pt x="1752600" y="377114"/>
-                  </a:lnTo>
-                  <a:close/>
-                </a:path>
-              </a:pathLst>
-            </a:custGeom>
-            <a:solidFill>
-              <a:srgbClr val="000000"/>
-            </a:solidFill>
-            <a:ln w="19050" cap="flat">
-              <a:solidFill>
-                <a:srgbClr val="0000FF"/>
-              </a:solidFill>
-              <a:prstDash val="solid"/>
-              <a:miter/>
-            </a:ln>
-          </p:spPr>
-          <p:txBody>
-            <a:bodyPr rtlCol="0" anchor="ctr"/>
-            <a:lstStyle/>
-            <a:p>
-              <a:endParaRPr lang="en-US"/>
-            </a:p>
-          </p:txBody>
-        </p:sp>
-        <p:sp>
-          <p:nvSpPr>
-            <p:cNvPr id="16" name="任意多边形: 形状 15">
-              <a:extLst>
-                <a:ext uri="{FF2B5EF4-FFF2-40B4-BE49-F238E27FC236}">
-                  <a16:creationId xmlns:a16="http://schemas.microsoft.com/office/drawing/2014/main" id="{4C61164E-929E-397A-B0DD-699C28CE29C9}"/>
-                </a:ext>
-              </a:extLst>
-            </p:cNvPr>
-            <p:cNvSpPr/>
-            <p:nvPr/>
-          </p:nvSpPr>
-          <p:spPr>
-            <a:xfrm>
-              <a:off x="8323429" y="9104114"/>
-              <a:ext cx="497737" cy="497738"/>
-            </a:xfrm>
-            <a:custGeom>
-              <a:avLst/>
-              <a:gdLst>
-                <a:gd name="connsiteX0" fmla="*/ 250088 w 497737"/>
-                <a:gd name="connsiteY0" fmla="*/ 3 h 497738"/>
-                <a:gd name="connsiteX1" fmla="*/ 3 w 497737"/>
-                <a:gd name="connsiteY1" fmla="*/ 247649 h 497738"/>
-                <a:gd name="connsiteX2" fmla="*/ 247649 w 497737"/>
-                <a:gd name="connsiteY2" fmla="*/ 497736 h 497738"/>
-                <a:gd name="connsiteX3" fmla="*/ 497734 w 497737"/>
-                <a:gd name="connsiteY3" fmla="*/ 250088 h 497738"/>
-                <a:gd name="connsiteX4" fmla="*/ 497738 w 497737"/>
-                <a:gd name="connsiteY4" fmla="*/ 248853 h 497738"/>
-                <a:gd name="connsiteX5" fmla="*/ 250088 w 497737"/>
-                <a:gd name="connsiteY5" fmla="*/ 3 h 497738"/>
-                <a:gd name="connsiteX6" fmla="*/ 455294 w 497737"/>
-                <a:gd name="connsiteY6" fmla="*/ 206124 h 497738"/>
-                <a:gd name="connsiteX7" fmla="*/ 313448 w 497737"/>
-                <a:gd name="connsiteY7" fmla="*/ 189551 h 497738"/>
-                <a:gd name="connsiteX8" fmla="*/ 211149 w 497737"/>
-                <a:gd name="connsiteY8" fmla="*/ 200085 h 497738"/>
-                <a:gd name="connsiteX9" fmla="*/ 84010 w 497737"/>
-                <a:gd name="connsiteY9" fmla="*/ 212258 h 497738"/>
-                <a:gd name="connsiteX10" fmla="*/ 44348 w 497737"/>
-                <a:gd name="connsiteY10" fmla="*/ 209553 h 497738"/>
-                <a:gd name="connsiteX11" fmla="*/ 80943 w 497737"/>
-                <a:gd name="connsiteY11" fmla="*/ 125028 h 497738"/>
-                <a:gd name="connsiteX12" fmla="*/ 242868 w 497737"/>
-                <a:gd name="connsiteY12" fmla="*/ 132648 h 497738"/>
-                <a:gd name="connsiteX13" fmla="*/ 417899 w 497737"/>
-                <a:gd name="connsiteY13" fmla="*/ 123123 h 497738"/>
-                <a:gd name="connsiteX14" fmla="*/ 455294 w 497737"/>
-                <a:gd name="connsiteY14" fmla="*/ 206124 h 497738"/>
-                <a:gd name="connsiteX15" fmla="*/ 384924 w 497737"/>
-                <a:gd name="connsiteY15" fmla="*/ 87804 h 497738"/>
-                <a:gd name="connsiteX16" fmla="*/ 384964 w 497737"/>
-                <a:gd name="connsiteY16" fmla="*/ 88071 h 497738"/>
-                <a:gd name="connsiteX17" fmla="*/ 384828 w 497737"/>
-                <a:gd name="connsiteY17" fmla="*/ 88147 h 497738"/>
-                <a:gd name="connsiteX18" fmla="*/ 242792 w 497737"/>
-                <a:gd name="connsiteY18" fmla="*/ 94415 h 497738"/>
-                <a:gd name="connsiteX19" fmla="*/ 113613 w 497737"/>
-                <a:gd name="connsiteY19" fmla="*/ 89748 h 497738"/>
-                <a:gd name="connsiteX20" fmla="*/ 113432 w 497737"/>
-                <a:gd name="connsiteY20" fmla="*/ 89511 h 497738"/>
-                <a:gd name="connsiteX21" fmla="*/ 113499 w 497737"/>
-                <a:gd name="connsiteY21" fmla="*/ 89386 h 497738"/>
-                <a:gd name="connsiteX22" fmla="*/ 384924 w 497737"/>
-                <a:gd name="connsiteY22" fmla="*/ 87804 h 497738"/>
-                <a:gd name="connsiteX23" fmla="*/ 250088 w 497737"/>
-                <a:gd name="connsiteY23" fmla="*/ 459622 h 497738"/>
-                <a:gd name="connsiteX24" fmla="*/ 91973 w 497737"/>
-                <a:gd name="connsiteY24" fmla="*/ 386718 h 497738"/>
-                <a:gd name="connsiteX25" fmla="*/ 92034 w 497737"/>
-                <a:gd name="connsiteY25" fmla="*/ 386429 h 497738"/>
-                <a:gd name="connsiteX26" fmla="*/ 92163 w 497737"/>
-                <a:gd name="connsiteY26" fmla="*/ 386394 h 497738"/>
-                <a:gd name="connsiteX27" fmla="*/ 178764 w 497737"/>
-                <a:gd name="connsiteY27" fmla="*/ 396738 h 497738"/>
-                <a:gd name="connsiteX28" fmla="*/ 304742 w 497737"/>
-                <a:gd name="connsiteY28" fmla="*/ 383956 h 497738"/>
-                <a:gd name="connsiteX29" fmla="*/ 393629 w 497737"/>
-                <a:gd name="connsiteY29" fmla="*/ 374050 h 497738"/>
-                <a:gd name="connsiteX30" fmla="*/ 417804 w 497737"/>
-                <a:gd name="connsiteY30" fmla="*/ 374755 h 497738"/>
-                <a:gd name="connsiteX31" fmla="*/ 250088 w 497737"/>
-                <a:gd name="connsiteY31" fmla="*/ 459622 h 497738"/>
-                <a:gd name="connsiteX32" fmla="*/ 439635 w 497737"/>
-                <a:gd name="connsiteY32" fmla="*/ 338122 h 497738"/>
-                <a:gd name="connsiteX33" fmla="*/ 393572 w 497737"/>
-                <a:gd name="connsiteY33" fmla="*/ 335950 h 497738"/>
-                <a:gd name="connsiteX34" fmla="*/ 297446 w 497737"/>
-                <a:gd name="connsiteY34" fmla="*/ 346542 h 497738"/>
-                <a:gd name="connsiteX35" fmla="*/ 178707 w 497737"/>
-                <a:gd name="connsiteY35" fmla="*/ 358638 h 497738"/>
-                <a:gd name="connsiteX36" fmla="*/ 71894 w 497737"/>
-                <a:gd name="connsiteY36" fmla="*/ 343398 h 497738"/>
-                <a:gd name="connsiteX37" fmla="*/ 62102 w 497737"/>
-                <a:gd name="connsiteY37" fmla="*/ 341398 h 497738"/>
-                <a:gd name="connsiteX38" fmla="*/ 40538 w 497737"/>
-                <a:gd name="connsiteY38" fmla="*/ 247501 h 497738"/>
-                <a:gd name="connsiteX39" fmla="*/ 40538 w 497737"/>
-                <a:gd name="connsiteY39" fmla="*/ 247501 h 497738"/>
-                <a:gd name="connsiteX40" fmla="*/ 83934 w 497737"/>
-                <a:gd name="connsiteY40" fmla="*/ 250415 h 497738"/>
-                <a:gd name="connsiteX41" fmla="*/ 217531 w 497737"/>
-                <a:gd name="connsiteY41" fmla="*/ 237690 h 497738"/>
-                <a:gd name="connsiteX42" fmla="*/ 313372 w 497737"/>
-                <a:gd name="connsiteY42" fmla="*/ 227708 h 497738"/>
-                <a:gd name="connsiteX43" fmla="*/ 459409 w 497737"/>
-                <a:gd name="connsiteY43" fmla="*/ 245920 h 497738"/>
-                <a:gd name="connsiteX44" fmla="*/ 459542 w 497737"/>
-                <a:gd name="connsiteY44" fmla="*/ 246091 h 497738"/>
-                <a:gd name="connsiteX45" fmla="*/ 439635 w 497737"/>
-                <a:gd name="connsiteY45" fmla="*/ 338122 h 497738"/>
-              </a:gdLst>
-              <a:ahLst/>
-              <a:cxnLst>
-                <a:cxn ang="0">
-                  <a:pos x="connsiteX0" y="connsiteY0"/>
-                </a:cxn>
-                <a:cxn ang="0">
-                  <a:pos x="connsiteX1" y="connsiteY1"/>
-                </a:cxn>
-                <a:cxn ang="0">
-                  <a:pos x="connsiteX2" y="connsiteY2"/>
-                </a:cxn>
-                <a:cxn ang="0">
-                  <a:pos x="connsiteX3" y="connsiteY3"/>
-                </a:cxn>
-                <a:cxn ang="0">
-                  <a:pos x="connsiteX4" y="connsiteY4"/>
-                </a:cxn>
-                <a:cxn ang="0">
-                  <a:pos x="connsiteX5" y="connsiteY5"/>
-                </a:cxn>
-                <a:cxn ang="0">
-                  <a:pos x="connsiteX6" y="connsiteY6"/>
-                </a:cxn>
-                <a:cxn ang="0">
-                  <a:pos x="connsiteX7" y="connsiteY7"/>
-                </a:cxn>
-                <a:cxn ang="0">
-                  <a:pos x="connsiteX8" y="connsiteY8"/>
-                </a:cxn>
-                <a:cxn ang="0">
-                  <a:pos x="connsiteX9" y="connsiteY9"/>
-                </a:cxn>
-                <a:cxn ang="0">
-                  <a:pos x="connsiteX10" y="connsiteY10"/>
-                </a:cxn>
-                <a:cxn ang="0">
-                  <a:pos x="connsiteX11" y="connsiteY11"/>
-                </a:cxn>
-                <a:cxn ang="0">
-                  <a:pos x="connsiteX12" y="connsiteY12"/>
-                </a:cxn>
-                <a:cxn ang="0">
-                  <a:pos x="connsiteX13" y="connsiteY13"/>
-                </a:cxn>
-                <a:cxn ang="0">
-                  <a:pos x="connsiteX14" y="connsiteY14"/>
-                </a:cxn>
-                <a:cxn ang="0">
-                  <a:pos x="connsiteX15" y="connsiteY15"/>
-                </a:cxn>
-                <a:cxn ang="0">
-                  <a:pos x="connsiteX16" y="connsiteY16"/>
-                </a:cxn>
-                <a:cxn ang="0">
-                  <a:pos x="connsiteX17" y="connsiteY17"/>
-                </a:cxn>
-                <a:cxn ang="0">
-                  <a:pos x="connsiteX18" y="connsiteY18"/>
-                </a:cxn>
-                <a:cxn ang="0">
-                  <a:pos x="connsiteX19" y="connsiteY19"/>
-                </a:cxn>
-                <a:cxn ang="0">
-                  <a:pos x="connsiteX20" y="connsiteY20"/>
-                </a:cxn>
-                <a:cxn ang="0">
-                  <a:pos x="connsiteX21" y="connsiteY21"/>
-                </a:cxn>
-                <a:cxn ang="0">
-                  <a:pos x="connsiteX22" y="connsiteY22"/>
-                </a:cxn>
-                <a:cxn ang="0">
-                  <a:pos x="connsiteX23" y="connsiteY23"/>
-                </a:cxn>
-                <a:cxn ang="0">
-                  <a:pos x="connsiteX24" y="connsiteY24"/>
-                </a:cxn>
-                <a:cxn ang="0">
-                  <a:pos x="connsiteX25" y="connsiteY25"/>
-                </a:cxn>
-                <a:cxn ang="0">
-                  <a:pos x="connsiteX26" y="connsiteY26"/>
-                </a:cxn>
-                <a:cxn ang="0">
-                  <a:pos x="connsiteX27" y="connsiteY27"/>
-                </a:cxn>
-                <a:cxn ang="0">
-                  <a:pos x="connsiteX28" y="connsiteY28"/>
-                </a:cxn>
-                <a:cxn ang="0">
-                  <a:pos x="connsiteX29" y="connsiteY29"/>
-                </a:cxn>
-                <a:cxn ang="0">
-                  <a:pos x="connsiteX30" y="connsiteY30"/>
-                </a:cxn>
-                <a:cxn ang="0">
-                  <a:pos x="connsiteX31" y="connsiteY31"/>
-                </a:cxn>
-                <a:cxn ang="0">
-                  <a:pos x="connsiteX32" y="connsiteY32"/>
-                </a:cxn>
-                <a:cxn ang="0">
-                  <a:pos x="connsiteX33" y="connsiteY33"/>
-                </a:cxn>
-                <a:cxn ang="0">
-                  <a:pos x="connsiteX34" y="connsiteY34"/>
-                </a:cxn>
-                <a:cxn ang="0">
-                  <a:pos x="connsiteX35" y="connsiteY35"/>
-                </a:cxn>
-                <a:cxn ang="0">
-                  <a:pos x="connsiteX36" y="connsiteY36"/>
-                </a:cxn>
-                <a:cxn ang="0">
-                  <a:pos x="connsiteX37" y="connsiteY37"/>
-                </a:cxn>
-                <a:cxn ang="0">
-                  <a:pos x="connsiteX38" y="connsiteY38"/>
-                </a:cxn>
-                <a:cxn ang="0">
-                  <a:pos x="connsiteX39" y="connsiteY39"/>
-                </a:cxn>
-                <a:cxn ang="0">
-                  <a:pos x="connsiteX40" y="connsiteY40"/>
-                </a:cxn>
-                <a:cxn ang="0">
-                  <a:pos x="connsiteX41" y="connsiteY41"/>
-                </a:cxn>
-                <a:cxn ang="0">
-                  <a:pos x="connsiteX42" y="connsiteY42"/>
-                </a:cxn>
-                <a:cxn ang="0">
-                  <a:pos x="connsiteX43" y="connsiteY43"/>
-                </a:cxn>
-                <a:cxn ang="0">
-                  <a:pos x="connsiteX44" y="connsiteY44"/>
-                </a:cxn>
-                <a:cxn ang="0">
-                  <a:pos x="connsiteX45" y="connsiteY45"/>
-                </a:cxn>
-              </a:cxnLst>
-              <a:rect l="l" t="t" r="r" b="b"/>
-              <a:pathLst>
-                <a:path w="497737" h="497738">
-                  <a:moveTo>
-                    <a:pt x="250088" y="3"/>
-                  </a:moveTo>
-                  <a:cubicBezTo>
-                    <a:pt x="112642" y="-669"/>
-                    <a:pt x="676" y="110205"/>
-                    <a:pt x="3" y="247649"/>
-                  </a:cubicBezTo>
-                  <a:cubicBezTo>
-                    <a:pt x="-671" y="385095"/>
-                    <a:pt x="110203" y="497061"/>
-                    <a:pt x="247649" y="497736"/>
-                  </a:cubicBezTo>
-                  <a:cubicBezTo>
-                    <a:pt x="385095" y="498408"/>
-                    <a:pt x="497061" y="387533"/>
-                    <a:pt x="497734" y="250088"/>
-                  </a:cubicBezTo>
-                  <a:cubicBezTo>
-                    <a:pt x="497738" y="249676"/>
-                    <a:pt x="497738" y="249265"/>
-                    <a:pt x="497738" y="248853"/>
-                  </a:cubicBezTo>
-                  <a:cubicBezTo>
-                    <a:pt x="497667" y="111914"/>
-                    <a:pt x="387025" y="736"/>
-                    <a:pt x="250088" y="3"/>
-                  </a:cubicBezTo>
-                  <a:close/>
-                  <a:moveTo>
-                    <a:pt x="455294" y="206124"/>
-                  </a:moveTo>
-                  <a:cubicBezTo>
-                    <a:pt x="408662" y="196016"/>
-                    <a:pt x="361155" y="190467"/>
-                    <a:pt x="313448" y="189551"/>
-                  </a:cubicBezTo>
-                  <a:cubicBezTo>
-                    <a:pt x="279095" y="189869"/>
-                    <a:pt x="244847" y="193395"/>
-                    <a:pt x="211149" y="200085"/>
-                  </a:cubicBezTo>
-                  <a:cubicBezTo>
-                    <a:pt x="169255" y="208193"/>
-                    <a:pt x="126682" y="212270"/>
-                    <a:pt x="84010" y="212258"/>
-                  </a:cubicBezTo>
-                  <a:cubicBezTo>
-                    <a:pt x="70743" y="212252"/>
-                    <a:pt x="57492" y="211349"/>
-                    <a:pt x="44348" y="209553"/>
-                  </a:cubicBezTo>
-                  <a:cubicBezTo>
-                    <a:pt x="50148" y="179020"/>
-                    <a:pt x="62647" y="150151"/>
-                    <a:pt x="80943" y="125028"/>
-                  </a:cubicBezTo>
-                  <a:cubicBezTo>
-                    <a:pt x="134755" y="130276"/>
-                    <a:pt x="188800" y="132820"/>
-                    <a:pt x="242868" y="132648"/>
-                  </a:cubicBezTo>
-                  <a:cubicBezTo>
-                    <a:pt x="301344" y="132722"/>
-                    <a:pt x="359778" y="129543"/>
-                    <a:pt x="417899" y="123123"/>
-                  </a:cubicBezTo>
-                  <a:cubicBezTo>
-                    <a:pt x="436279" y="147724"/>
-                    <a:pt x="449044" y="176057"/>
-                    <a:pt x="455294" y="206124"/>
-                  </a:cubicBezTo>
-                  <a:close/>
-                  <a:moveTo>
-                    <a:pt x="384924" y="87804"/>
-                  </a:moveTo>
-                  <a:cubicBezTo>
-                    <a:pt x="385007" y="87867"/>
-                    <a:pt x="385026" y="87985"/>
-                    <a:pt x="384964" y="88071"/>
-                  </a:cubicBezTo>
-                  <a:cubicBezTo>
-                    <a:pt x="384931" y="88115"/>
-                    <a:pt x="384882" y="88142"/>
-                    <a:pt x="384828" y="88147"/>
-                  </a:cubicBezTo>
-                  <a:cubicBezTo>
-                    <a:pt x="340518" y="92167"/>
-                    <a:pt x="291483" y="94415"/>
-                    <a:pt x="242792" y="94415"/>
-                  </a:cubicBezTo>
-                  <a:cubicBezTo>
-                    <a:pt x="196748" y="94415"/>
-                    <a:pt x="152952" y="92777"/>
-                    <a:pt x="113613" y="89748"/>
-                  </a:cubicBezTo>
-                  <a:cubicBezTo>
-                    <a:pt x="113499" y="89732"/>
-                    <a:pt x="113417" y="89628"/>
-                    <a:pt x="113432" y="89511"/>
-                  </a:cubicBezTo>
-                  <a:cubicBezTo>
-                    <a:pt x="113440" y="89464"/>
-                    <a:pt x="113463" y="89418"/>
-                    <a:pt x="113499" y="89386"/>
-                  </a:cubicBezTo>
-                  <a:cubicBezTo>
-                    <a:pt x="191059" y="21613"/>
-                    <a:pt x="306579" y="20941"/>
-                    <a:pt x="384924" y="87804"/>
-                  </a:cubicBezTo>
-                  <a:close/>
-                  <a:moveTo>
-                    <a:pt x="250088" y="459622"/>
-                  </a:moveTo>
-                  <a:cubicBezTo>
-                    <a:pt x="189274" y="459539"/>
-                    <a:pt x="131526" y="432912"/>
-                    <a:pt x="91973" y="386718"/>
-                  </a:cubicBezTo>
-                  <a:cubicBezTo>
-                    <a:pt x="91910" y="386621"/>
-                    <a:pt x="91936" y="386491"/>
-                    <a:pt x="92034" y="386429"/>
-                  </a:cubicBezTo>
-                  <a:cubicBezTo>
-                    <a:pt x="92072" y="386402"/>
-                    <a:pt x="92117" y="386390"/>
-                    <a:pt x="92163" y="386394"/>
-                  </a:cubicBezTo>
-                  <a:cubicBezTo>
-                    <a:pt x="120645" y="392534"/>
-                    <a:pt x="149639" y="395995"/>
-                    <a:pt x="178764" y="396738"/>
-                  </a:cubicBezTo>
-                  <a:cubicBezTo>
-                    <a:pt x="221095" y="397034"/>
-                    <a:pt x="263333" y="392749"/>
-                    <a:pt x="304742" y="383956"/>
-                  </a:cubicBezTo>
-                  <a:cubicBezTo>
-                    <a:pt x="333927" y="377454"/>
-                    <a:pt x="363730" y="374134"/>
-                    <a:pt x="393629" y="374050"/>
-                  </a:cubicBezTo>
-                  <a:cubicBezTo>
-                    <a:pt x="401649" y="374050"/>
-                    <a:pt x="409746" y="374374"/>
-                    <a:pt x="417804" y="374755"/>
-                  </a:cubicBezTo>
-                  <a:cubicBezTo>
-                    <a:pt x="378517" y="428038"/>
-                    <a:pt x="316288" y="459527"/>
-                    <a:pt x="250088" y="459622"/>
-                  </a:cubicBezTo>
-                  <a:close/>
-                  <a:moveTo>
-                    <a:pt x="439635" y="338122"/>
-                  </a:moveTo>
-                  <a:cubicBezTo>
-                    <a:pt x="424395" y="336826"/>
-                    <a:pt x="408946" y="335950"/>
-                    <a:pt x="393572" y="335950"/>
-                  </a:cubicBezTo>
-                  <a:cubicBezTo>
-                    <a:pt x="361243" y="336028"/>
-                    <a:pt x="329016" y="339579"/>
-                    <a:pt x="297446" y="346542"/>
-                  </a:cubicBezTo>
-                  <a:cubicBezTo>
-                    <a:pt x="258428" y="354901"/>
-                    <a:pt x="218609" y="358956"/>
-                    <a:pt x="178707" y="358638"/>
-                  </a:cubicBezTo>
-                  <a:cubicBezTo>
-                    <a:pt x="142695" y="357000"/>
-                    <a:pt x="106927" y="351897"/>
-                    <a:pt x="71894" y="343398"/>
-                  </a:cubicBezTo>
-                  <a:lnTo>
-                    <a:pt x="62102" y="341398"/>
-                  </a:lnTo>
-                  <a:cubicBezTo>
-                    <a:pt x="47739" y="312191"/>
-                    <a:pt x="40357" y="280048"/>
-                    <a:pt x="40538" y="247501"/>
-                  </a:cubicBezTo>
-                  <a:lnTo>
-                    <a:pt x="40538" y="247501"/>
-                  </a:lnTo>
-                  <a:cubicBezTo>
-                    <a:pt x="54924" y="249408"/>
-                    <a:pt x="69421" y="250381"/>
-                    <a:pt x="83934" y="250415"/>
-                  </a:cubicBezTo>
-                  <a:cubicBezTo>
-                    <a:pt x="128768" y="250406"/>
-                    <a:pt x="173501" y="246144"/>
-                    <a:pt x="217531" y="237690"/>
-                  </a:cubicBezTo>
-                  <a:cubicBezTo>
-                    <a:pt x="249101" y="231407"/>
-                    <a:pt x="281185" y="228066"/>
-                    <a:pt x="313372" y="227708"/>
-                  </a:cubicBezTo>
-                  <a:cubicBezTo>
-                    <a:pt x="362544" y="228794"/>
-                    <a:pt x="411477" y="234895"/>
-                    <a:pt x="459409" y="245920"/>
-                  </a:cubicBezTo>
-                  <a:lnTo>
-                    <a:pt x="459542" y="246091"/>
-                  </a:lnTo>
-                  <a:cubicBezTo>
-                    <a:pt x="459954" y="277880"/>
-                    <a:pt x="453147" y="309346"/>
-                    <a:pt x="439635" y="338122"/>
-                  </a:cubicBezTo>
-                  <a:close/>
-                </a:path>
-              </a:pathLst>
-            </a:custGeom>
-            <a:solidFill>
-              <a:srgbClr val="000000"/>
-            </a:solidFill>
-            <a:ln w="19050" cap="flat">
-              <a:solidFill>
-                <a:srgbClr val="FF0000"/>
-              </a:solidFill>
-              <a:prstDash val="solid"/>
-              <a:miter/>
-            </a:ln>
-          </p:spPr>
-          <p:txBody>
-            <a:bodyPr rtlCol="0" anchor="ctr"/>
-            <a:lstStyle/>
-            <a:p>
-              <a:endParaRPr lang="en-US"/>
-            </a:p>
-          </p:txBody>
-        </p:sp>
-        <p:sp>
-          <p:nvSpPr>
-            <p:cNvPr id="17" name="任意多边形: 形状 16">
-              <a:extLst>
-                <a:ext uri="{FF2B5EF4-FFF2-40B4-BE49-F238E27FC236}">
-                  <a16:creationId xmlns:a16="http://schemas.microsoft.com/office/drawing/2014/main" id="{D60E2491-976E-A4CD-64BC-92C028AC597C}"/>
-                </a:ext>
-              </a:extLst>
-            </p:cNvPr>
-            <p:cNvSpPr/>
-            <p:nvPr/>
-          </p:nvSpPr>
-          <p:spPr>
-            <a:xfrm>
-              <a:off x="8684521" y="9247678"/>
-              <a:ext cx="29299" cy="29299"/>
-            </a:xfrm>
-            <a:custGeom>
-              <a:avLst/>
-              <a:gdLst>
-                <a:gd name="connsiteX0" fmla="*/ 14726 w 29299"/>
-                <a:gd name="connsiteY0" fmla="*/ 0 h 29299"/>
-                <a:gd name="connsiteX1" fmla="*/ 0 w 29299"/>
-                <a:gd name="connsiteY1" fmla="*/ 14573 h 29299"/>
-                <a:gd name="connsiteX2" fmla="*/ 14573 w 29299"/>
-                <a:gd name="connsiteY2" fmla="*/ 29299 h 29299"/>
-                <a:gd name="connsiteX3" fmla="*/ 29299 w 29299"/>
-                <a:gd name="connsiteY3" fmla="*/ 14726 h 29299"/>
-                <a:gd name="connsiteX4" fmla="*/ 29299 w 29299"/>
-                <a:gd name="connsiteY4" fmla="*/ 14631 h 29299"/>
-                <a:gd name="connsiteX5" fmla="*/ 14726 w 29299"/>
-                <a:gd name="connsiteY5" fmla="*/ 0 h 29299"/>
-              </a:gdLst>
-              <a:ahLst/>
-              <a:cxnLst>
-                <a:cxn ang="0">
-                  <a:pos x="connsiteX0" y="connsiteY0"/>
-                </a:cxn>
-                <a:cxn ang="0">
-                  <a:pos x="connsiteX1" y="connsiteY1"/>
-                </a:cxn>
-                <a:cxn ang="0">
-                  <a:pos x="connsiteX2" y="connsiteY2"/>
-                </a:cxn>
-                <a:cxn ang="0">
-                  <a:pos x="connsiteX3" y="connsiteY3"/>
-                </a:cxn>
-                <a:cxn ang="0">
-                  <a:pos x="connsiteX4" y="connsiteY4"/>
-                </a:cxn>
-                <a:cxn ang="0">
-                  <a:pos x="connsiteX5" y="connsiteY5"/>
-                </a:cxn>
-              </a:cxnLst>
-              <a:rect l="l" t="t" r="r" b="b"/>
-              <a:pathLst>
-                <a:path w="29299" h="29299">
-                  <a:moveTo>
-                    <a:pt x="14726" y="0"/>
-                  </a:moveTo>
-                  <a:cubicBezTo>
-                    <a:pt x="6635" y="-42"/>
-                    <a:pt x="42" y="6483"/>
-                    <a:pt x="0" y="14573"/>
-                  </a:cubicBezTo>
-                  <a:cubicBezTo>
-                    <a:pt x="-42" y="22664"/>
-                    <a:pt x="6483" y="29257"/>
-                    <a:pt x="14573" y="29299"/>
-                  </a:cubicBezTo>
-                  <a:cubicBezTo>
-                    <a:pt x="22664" y="29341"/>
-                    <a:pt x="29257" y="22816"/>
-                    <a:pt x="29299" y="14726"/>
-                  </a:cubicBezTo>
-                  <a:cubicBezTo>
-                    <a:pt x="29299" y="14693"/>
-                    <a:pt x="29299" y="14663"/>
-                    <a:pt x="29299" y="14631"/>
-                  </a:cubicBezTo>
-                  <a:cubicBezTo>
-                    <a:pt x="29311" y="6569"/>
-                    <a:pt x="22788" y="21"/>
-                    <a:pt x="14726" y="0"/>
-                  </a:cubicBezTo>
-                  <a:close/>
-                </a:path>
-              </a:pathLst>
-            </a:custGeom>
-            <a:solidFill>
-              <a:srgbClr val="000000"/>
-            </a:solidFill>
-            <a:ln w="19050" cap="flat">
-              <a:solidFill>
-                <a:srgbClr val="FF0000"/>
-              </a:solidFill>
-              <a:prstDash val="solid"/>
-              <a:miter/>
-            </a:ln>
-          </p:spPr>
-          <p:txBody>
-            <a:bodyPr rtlCol="0" anchor="ctr"/>
-            <a:lstStyle/>
-            <a:p>
-              <a:endParaRPr lang="en-US"/>
-            </a:p>
-          </p:txBody>
-        </p:sp>
-        <p:sp>
-          <p:nvSpPr>
-            <p:cNvPr id="18" name="任意多边形: 形状 17">
-              <a:extLst>
-                <a:ext uri="{FF2B5EF4-FFF2-40B4-BE49-F238E27FC236}">
-                  <a16:creationId xmlns:a16="http://schemas.microsoft.com/office/drawing/2014/main" id="{13E28181-BAB4-3C56-D2AB-0F2BEF57D09E}"/>
-                </a:ext>
-              </a:extLst>
-            </p:cNvPr>
-            <p:cNvSpPr/>
-            <p:nvPr/>
-          </p:nvSpPr>
-          <p:spPr>
-            <a:xfrm>
-              <a:off x="8524653" y="9152314"/>
-              <a:ext cx="29299" cy="29299"/>
-            </a:xfrm>
-            <a:custGeom>
-              <a:avLst/>
-              <a:gdLst>
-                <a:gd name="connsiteX0" fmla="*/ 14573 w 29299"/>
-                <a:gd name="connsiteY0" fmla="*/ 29299 h 29299"/>
-                <a:gd name="connsiteX1" fmla="*/ 29299 w 29299"/>
-                <a:gd name="connsiteY1" fmla="*/ 14726 h 29299"/>
-                <a:gd name="connsiteX2" fmla="*/ 14726 w 29299"/>
-                <a:gd name="connsiteY2" fmla="*/ 0 h 29299"/>
-                <a:gd name="connsiteX3" fmla="*/ 0 w 29299"/>
-                <a:gd name="connsiteY3" fmla="*/ 14573 h 29299"/>
-                <a:gd name="connsiteX4" fmla="*/ 0 w 29299"/>
-                <a:gd name="connsiteY4" fmla="*/ 14650 h 29299"/>
-                <a:gd name="connsiteX5" fmla="*/ 14573 w 29299"/>
-                <a:gd name="connsiteY5" fmla="*/ 29299 h 29299"/>
-              </a:gdLst>
-              <a:ahLst/>
-              <a:cxnLst>
-                <a:cxn ang="0">
-                  <a:pos x="connsiteX0" y="connsiteY0"/>
-                </a:cxn>
-                <a:cxn ang="0">
-                  <a:pos x="connsiteX1" y="connsiteY1"/>
-                </a:cxn>
-                <a:cxn ang="0">
-                  <a:pos x="connsiteX2" y="connsiteY2"/>
-                </a:cxn>
-                <a:cxn ang="0">
-                  <a:pos x="connsiteX3" y="connsiteY3"/>
-                </a:cxn>
-                <a:cxn ang="0">
-                  <a:pos x="connsiteX4" y="connsiteY4"/>
-                </a:cxn>
-                <a:cxn ang="0">
-                  <a:pos x="connsiteX5" y="connsiteY5"/>
-                </a:cxn>
-              </a:cxnLst>
-              <a:rect l="l" t="t" r="r" b="b"/>
-              <a:pathLst>
-                <a:path w="29299" h="29299">
-                  <a:moveTo>
-                    <a:pt x="14573" y="29299"/>
-                  </a:moveTo>
-                  <a:cubicBezTo>
-                    <a:pt x="22664" y="29341"/>
-                    <a:pt x="29257" y="22816"/>
-                    <a:pt x="29299" y="14726"/>
-                  </a:cubicBezTo>
-                  <a:cubicBezTo>
-                    <a:pt x="29341" y="6635"/>
-                    <a:pt x="22816" y="42"/>
-                    <a:pt x="14726" y="0"/>
-                  </a:cubicBezTo>
-                  <a:cubicBezTo>
-                    <a:pt x="6635" y="-42"/>
-                    <a:pt x="42" y="6483"/>
-                    <a:pt x="0" y="14573"/>
-                  </a:cubicBezTo>
-                  <a:cubicBezTo>
-                    <a:pt x="0" y="14598"/>
-                    <a:pt x="0" y="14625"/>
-                    <a:pt x="0" y="14650"/>
-                  </a:cubicBezTo>
-                  <a:cubicBezTo>
-                    <a:pt x="-21" y="22719"/>
-                    <a:pt x="6504" y="29278"/>
-                    <a:pt x="14573" y="29299"/>
-                  </a:cubicBezTo>
-                  <a:close/>
-                </a:path>
-              </a:pathLst>
-            </a:custGeom>
-            <a:solidFill>
-              <a:srgbClr val="000000"/>
-            </a:solidFill>
-            <a:ln w="19050" cap="flat">
-              <a:solidFill>
-                <a:srgbClr val="FF0000"/>
-              </a:solidFill>
-              <a:prstDash val="solid"/>
-              <a:miter/>
-            </a:ln>
-          </p:spPr>
-          <p:txBody>
-            <a:bodyPr rtlCol="0" anchor="ctr"/>
-            <a:lstStyle/>
-            <a:p>
-              <a:endParaRPr lang="en-US"/>
-            </a:p>
-          </p:txBody>
-        </p:sp>
-        <p:sp>
-          <p:nvSpPr>
-            <p:cNvPr id="19" name="任意多边形: 形状 18">
-              <a:extLst>
-                <a:ext uri="{FF2B5EF4-FFF2-40B4-BE49-F238E27FC236}">
-                  <a16:creationId xmlns:a16="http://schemas.microsoft.com/office/drawing/2014/main" id="{6C80B3AD-6692-A7E4-09C1-1C22B6268B48}"/>
-                </a:ext>
-              </a:extLst>
-            </p:cNvPr>
-            <p:cNvSpPr/>
-            <p:nvPr/>
-          </p:nvSpPr>
-          <p:spPr>
-            <a:xfrm>
-              <a:off x="8600529" y="9514397"/>
-              <a:ext cx="29299" cy="29299"/>
-            </a:xfrm>
-            <a:custGeom>
-              <a:avLst/>
-              <a:gdLst>
-                <a:gd name="connsiteX0" fmla="*/ 14726 w 29299"/>
-                <a:gd name="connsiteY0" fmla="*/ 0 h 29299"/>
-                <a:gd name="connsiteX1" fmla="*/ 0 w 29299"/>
-                <a:gd name="connsiteY1" fmla="*/ 14573 h 29299"/>
-                <a:gd name="connsiteX2" fmla="*/ 14573 w 29299"/>
-                <a:gd name="connsiteY2" fmla="*/ 29299 h 29299"/>
-                <a:gd name="connsiteX3" fmla="*/ 29299 w 29299"/>
-                <a:gd name="connsiteY3" fmla="*/ 14726 h 29299"/>
-                <a:gd name="connsiteX4" fmla="*/ 29299 w 29299"/>
-                <a:gd name="connsiteY4" fmla="*/ 14631 h 29299"/>
-                <a:gd name="connsiteX5" fmla="*/ 14745 w 29299"/>
-                <a:gd name="connsiteY5" fmla="*/ 0 h 29299"/>
-                <a:gd name="connsiteX6" fmla="*/ 14726 w 29299"/>
-                <a:gd name="connsiteY6" fmla="*/ 0 h 29299"/>
-              </a:gdLst>
-              <a:ahLst/>
-              <a:cxnLst>
-                <a:cxn ang="0">
-                  <a:pos x="connsiteX0" y="connsiteY0"/>
-                </a:cxn>
-                <a:cxn ang="0">
-                  <a:pos x="connsiteX1" y="connsiteY1"/>
-                </a:cxn>
-                <a:cxn ang="0">
-                  <a:pos x="connsiteX2" y="connsiteY2"/>
-                </a:cxn>
-                <a:cxn ang="0">
-                  <a:pos x="connsiteX3" y="connsiteY3"/>
-                </a:cxn>
-                <a:cxn ang="0">
-                  <a:pos x="connsiteX4" y="connsiteY4"/>
-                </a:cxn>
-                <a:cxn ang="0">
-                  <a:pos x="connsiteX5" y="connsiteY5"/>
-                </a:cxn>
-                <a:cxn ang="0">
-                  <a:pos x="connsiteX6" y="connsiteY6"/>
-                </a:cxn>
-              </a:cxnLst>
-              <a:rect l="l" t="t" r="r" b="b"/>
-              <a:pathLst>
-                <a:path w="29299" h="29299">
-                  <a:moveTo>
-                    <a:pt x="14726" y="0"/>
-                  </a:moveTo>
-                  <a:cubicBezTo>
-                    <a:pt x="6635" y="-42"/>
-                    <a:pt x="42" y="6483"/>
-                    <a:pt x="0" y="14573"/>
-                  </a:cubicBezTo>
-                  <a:cubicBezTo>
-                    <a:pt x="-42" y="22664"/>
-                    <a:pt x="6483" y="29257"/>
-                    <a:pt x="14573" y="29299"/>
-                  </a:cubicBezTo>
-                  <a:cubicBezTo>
-                    <a:pt x="22664" y="29341"/>
-                    <a:pt x="29257" y="22816"/>
-                    <a:pt x="29299" y="14726"/>
-                  </a:cubicBezTo>
-                  <a:cubicBezTo>
-                    <a:pt x="29299" y="14693"/>
-                    <a:pt x="29299" y="14663"/>
-                    <a:pt x="29299" y="14631"/>
-                  </a:cubicBezTo>
-                  <a:cubicBezTo>
-                    <a:pt x="29320" y="6571"/>
-                    <a:pt x="22805" y="21"/>
-                    <a:pt x="14745" y="0"/>
-                  </a:cubicBezTo>
-                  <a:cubicBezTo>
-                    <a:pt x="14739" y="0"/>
-                    <a:pt x="14732" y="0"/>
-                    <a:pt x="14726" y="0"/>
-                  </a:cubicBezTo>
-                  <a:close/>
-                </a:path>
-              </a:pathLst>
-            </a:custGeom>
-            <a:solidFill>
-              <a:srgbClr val="000000"/>
-            </a:solidFill>
-            <a:ln w="19050" cap="flat">
-              <a:solidFill>
-                <a:srgbClr val="FF0000"/>
-              </a:solidFill>
-              <a:prstDash val="solid"/>
-              <a:miter/>
-            </a:ln>
-          </p:spPr>
-          <p:txBody>
-            <a:bodyPr rtlCol="0" anchor="ctr"/>
-            <a:lstStyle/>
-            <a:p>
-              <a:endParaRPr lang="en-US"/>
-            </a:p>
-          </p:txBody>
-        </p:sp>
-        <p:sp>
-          <p:nvSpPr>
-            <p:cNvPr id="20" name="任意多边形: 形状 19">
-              <a:extLst>
-                <a:ext uri="{FF2B5EF4-FFF2-40B4-BE49-F238E27FC236}">
-                  <a16:creationId xmlns:a16="http://schemas.microsoft.com/office/drawing/2014/main" id="{FFF0EE0D-C9D1-F35D-34B9-483F64EFBCBE}"/>
-                </a:ext>
-              </a:extLst>
-            </p:cNvPr>
-            <p:cNvSpPr/>
-            <p:nvPr/>
-          </p:nvSpPr>
-          <p:spPr>
-            <a:xfrm>
-              <a:off x="8482381" y="9373255"/>
-              <a:ext cx="60007" cy="60006"/>
-            </a:xfrm>
-            <a:custGeom>
-              <a:avLst/>
-              <a:gdLst>
-                <a:gd name="connsiteX0" fmla="*/ 30176 w 60007"/>
-                <a:gd name="connsiteY0" fmla="*/ 1 h 60006"/>
-                <a:gd name="connsiteX1" fmla="*/ 0 w 60007"/>
-                <a:gd name="connsiteY1" fmla="*/ 29833 h 60006"/>
-                <a:gd name="connsiteX2" fmla="*/ 29833 w 60007"/>
-                <a:gd name="connsiteY2" fmla="*/ 60006 h 60006"/>
-                <a:gd name="connsiteX3" fmla="*/ 60008 w 60007"/>
-                <a:gd name="connsiteY3" fmla="*/ 30176 h 60006"/>
-                <a:gd name="connsiteX4" fmla="*/ 60008 w 60007"/>
-                <a:gd name="connsiteY4" fmla="*/ 29947 h 60006"/>
-                <a:gd name="connsiteX5" fmla="*/ 30176 w 60007"/>
-                <a:gd name="connsiteY5" fmla="*/ 1 h 60006"/>
-              </a:gdLst>
-              <a:ahLst/>
-              <a:cxnLst>
-                <a:cxn ang="0">
-                  <a:pos x="connsiteX0" y="connsiteY0"/>
-                </a:cxn>
-                <a:cxn ang="0">
-                  <a:pos x="connsiteX1" y="connsiteY1"/>
-                </a:cxn>
-                <a:cxn ang="0">
-                  <a:pos x="connsiteX2" y="connsiteY2"/>
-                </a:cxn>
-                <a:cxn ang="0">
-                  <a:pos x="connsiteX3" y="connsiteY3"/>
-                </a:cxn>
-                <a:cxn ang="0">
-                  <a:pos x="connsiteX4" y="connsiteY4"/>
-                </a:cxn>
-                <a:cxn ang="0">
-                  <a:pos x="connsiteX5" y="connsiteY5"/>
-                </a:cxn>
-              </a:cxnLst>
-              <a:rect l="l" t="t" r="r" b="b"/>
-              <a:pathLst>
-                <a:path w="60007" h="60006">
-                  <a:moveTo>
-                    <a:pt x="30176" y="1"/>
-                  </a:moveTo>
-                  <a:cubicBezTo>
-                    <a:pt x="13606" y="-95"/>
-                    <a:pt x="96" y="13261"/>
-                    <a:pt x="0" y="29833"/>
-                  </a:cubicBezTo>
-                  <a:cubicBezTo>
-                    <a:pt x="-93" y="46403"/>
-                    <a:pt x="13263" y="59913"/>
-                    <a:pt x="29833" y="60006"/>
-                  </a:cubicBezTo>
-                  <a:cubicBezTo>
-                    <a:pt x="46402" y="60101"/>
-                    <a:pt x="59913" y="46745"/>
-                    <a:pt x="60008" y="30176"/>
-                  </a:cubicBezTo>
-                  <a:cubicBezTo>
-                    <a:pt x="60008" y="30100"/>
-                    <a:pt x="60008" y="30023"/>
-                    <a:pt x="60008" y="29947"/>
-                  </a:cubicBezTo>
-                  <a:cubicBezTo>
-                    <a:pt x="60019" y="13448"/>
-                    <a:pt x="46675" y="54"/>
-                    <a:pt x="30176" y="1"/>
-                  </a:cubicBezTo>
-                  <a:close/>
-                </a:path>
-              </a:pathLst>
-            </a:custGeom>
-            <a:solidFill>
-              <a:srgbClr val="000000"/>
-            </a:solidFill>
-            <a:ln w="19050" cap="flat">
-              <a:solidFill>
-                <a:srgbClr val="FF0000"/>
-              </a:solidFill>
-              <a:prstDash val="solid"/>
-              <a:miter/>
-            </a:ln>
-          </p:spPr>
-          <p:txBody>
-            <a:bodyPr rtlCol="0" anchor="ctr"/>
-            <a:lstStyle/>
-            <a:p>
-              <a:endParaRPr lang="en-US"/>
-            </a:p>
-          </p:txBody>
-        </p:sp>
-        <p:sp>
-          <p:nvSpPr>
-            <p:cNvPr id="21" name="任意多边形: 形状 20">
-              <a:extLst>
-                <a:ext uri="{FF2B5EF4-FFF2-40B4-BE49-F238E27FC236}">
-                  <a16:creationId xmlns:a16="http://schemas.microsoft.com/office/drawing/2014/main" id="{EFFD8219-2A26-DA10-EFA7-CC0FD6F4AB55}"/>
-                </a:ext>
-              </a:extLst>
-            </p:cNvPr>
-            <p:cNvSpPr/>
-            <p:nvPr/>
-          </p:nvSpPr>
-          <p:spPr>
-            <a:xfrm>
-              <a:off x="8078217" y="8932668"/>
-              <a:ext cx="209550" cy="247650"/>
-            </a:xfrm>
-            <a:custGeom>
-              <a:avLst/>
-              <a:gdLst>
-                <a:gd name="connsiteX0" fmla="*/ 104775 w 209550"/>
-                <a:gd name="connsiteY0" fmla="*/ 85896 h 247650"/>
-                <a:gd name="connsiteX1" fmla="*/ 140170 w 209550"/>
-                <a:gd name="connsiteY1" fmla="*/ 123825 h 247650"/>
-                <a:gd name="connsiteX2" fmla="*/ 104775 w 209550"/>
-                <a:gd name="connsiteY2" fmla="*/ 161754 h 247650"/>
-                <a:gd name="connsiteX3" fmla="*/ 69380 w 209550"/>
-                <a:gd name="connsiteY3" fmla="*/ 123825 h 247650"/>
-                <a:gd name="connsiteX4" fmla="*/ 104775 w 209550"/>
-                <a:gd name="connsiteY4" fmla="*/ 85896 h 247650"/>
-                <a:gd name="connsiteX5" fmla="*/ 104775 w 209550"/>
-                <a:gd name="connsiteY5" fmla="*/ 0 h 247650"/>
-                <a:gd name="connsiteX6" fmla="*/ 0 w 209550"/>
-                <a:gd name="connsiteY6" fmla="*/ 123825 h 247650"/>
-                <a:gd name="connsiteX7" fmla="*/ 104775 w 209550"/>
-                <a:gd name="connsiteY7" fmla="*/ 247650 h 247650"/>
-                <a:gd name="connsiteX8" fmla="*/ 209550 w 209550"/>
-                <a:gd name="connsiteY8" fmla="*/ 123825 h 247650"/>
-                <a:gd name="connsiteX9" fmla="*/ 104775 w 209550"/>
-                <a:gd name="connsiteY9" fmla="*/ 0 h 247650"/>
-              </a:gdLst>
-              <a:ahLst/>
-              <a:cxnLst>
-                <a:cxn ang="0">
-                  <a:pos x="connsiteX0" y="connsiteY0"/>
-                </a:cxn>
-                <a:cxn ang="0">
-                  <a:pos x="connsiteX1" y="connsiteY1"/>
-                </a:cxn>
-                <a:cxn ang="0">
-                  <a:pos x="connsiteX2" y="connsiteY2"/>
-                </a:cxn>
-                <a:cxn ang="0">
-                  <a:pos x="connsiteX3" y="connsiteY3"/>
-                </a:cxn>
-                <a:cxn ang="0">
-                  <a:pos x="connsiteX4" y="connsiteY4"/>
-                </a:cxn>
-                <a:cxn ang="0">
-                  <a:pos x="connsiteX5" y="connsiteY5"/>
-                </a:cxn>
-                <a:cxn ang="0">
-                  <a:pos x="connsiteX6" y="connsiteY6"/>
-                </a:cxn>
-                <a:cxn ang="0">
-                  <a:pos x="connsiteX7" y="connsiteY7"/>
-                </a:cxn>
-                <a:cxn ang="0">
-                  <a:pos x="connsiteX8" y="connsiteY8"/>
-                </a:cxn>
-                <a:cxn ang="0">
-                  <a:pos x="connsiteX9" y="connsiteY9"/>
-                </a:cxn>
-              </a:cxnLst>
-              <a:rect l="l" t="t" r="r" b="b"/>
-              <a:pathLst>
-                <a:path w="209550" h="247650">
-                  <a:moveTo>
-                    <a:pt x="104775" y="85896"/>
-                  </a:moveTo>
-                  <a:cubicBezTo>
-                    <a:pt x="115104" y="99835"/>
-                    <a:pt x="126978" y="112559"/>
-                    <a:pt x="140170" y="123825"/>
-                  </a:cubicBezTo>
-                  <a:cubicBezTo>
-                    <a:pt x="126978" y="135091"/>
-                    <a:pt x="115104" y="147815"/>
-                    <a:pt x="104775" y="161754"/>
-                  </a:cubicBezTo>
-                  <a:cubicBezTo>
-                    <a:pt x="94446" y="147815"/>
-                    <a:pt x="82572" y="135091"/>
-                    <a:pt x="69380" y="123825"/>
-                  </a:cubicBezTo>
-                  <a:cubicBezTo>
-                    <a:pt x="82572" y="112559"/>
-                    <a:pt x="94446" y="99835"/>
-                    <a:pt x="104775" y="85896"/>
-                  </a:cubicBezTo>
-                  <a:close/>
-                  <a:moveTo>
-                    <a:pt x="104775" y="0"/>
-                  </a:moveTo>
-                  <a:cubicBezTo>
-                    <a:pt x="89571" y="54576"/>
-                    <a:pt x="51306" y="99798"/>
-                    <a:pt x="0" y="123825"/>
-                  </a:cubicBezTo>
-                  <a:cubicBezTo>
-                    <a:pt x="51306" y="147853"/>
-                    <a:pt x="89571" y="193074"/>
-                    <a:pt x="104775" y="247650"/>
-                  </a:cubicBezTo>
-                  <a:cubicBezTo>
-                    <a:pt x="119979" y="193074"/>
-                    <a:pt x="158245" y="147853"/>
-                    <a:pt x="209550" y="123825"/>
-                  </a:cubicBezTo>
-                  <a:cubicBezTo>
-                    <a:pt x="158245" y="99798"/>
-                    <a:pt x="119979" y="54576"/>
-                    <a:pt x="104775" y="0"/>
-                  </a:cubicBezTo>
-                  <a:close/>
-                </a:path>
-              </a:pathLst>
-            </a:custGeom>
-            <a:solidFill>
-              <a:srgbClr val="000000"/>
-            </a:solidFill>
-            <a:ln w="19050" cap="flat">
-              <a:solidFill>
-                <a:srgbClr val="0000FF"/>
-              </a:solidFill>
-              <a:prstDash val="solid"/>
-              <a:miter/>
-            </a:ln>
-          </p:spPr>
-          <p:txBody>
-            <a:bodyPr rtlCol="0" anchor="ctr"/>
-            <a:lstStyle/>
-            <a:p>
-              <a:endParaRPr lang="en-US"/>
-            </a:p>
-          </p:txBody>
-        </p:sp>
-        <p:sp>
-          <p:nvSpPr>
-            <p:cNvPr id="22" name="任意多边形: 形状 21">
-              <a:extLst>
-                <a:ext uri="{FF2B5EF4-FFF2-40B4-BE49-F238E27FC236}">
-                  <a16:creationId xmlns:a16="http://schemas.microsoft.com/office/drawing/2014/main" id="{5D000A0F-5DF3-131B-79D0-D248F50976FA}"/>
-                </a:ext>
-              </a:extLst>
-            </p:cNvPr>
-            <p:cNvSpPr/>
-            <p:nvPr/>
-          </p:nvSpPr>
-          <p:spPr>
-            <a:xfrm>
-              <a:off x="8085837" y="9580368"/>
-              <a:ext cx="144779" cy="171450"/>
-            </a:xfrm>
-            <a:custGeom>
-              <a:avLst/>
-              <a:gdLst>
-                <a:gd name="connsiteX0" fmla="*/ 72390 w 144779"/>
-                <a:gd name="connsiteY0" fmla="*/ 74847 h 171450"/>
-                <a:gd name="connsiteX1" fmla="*/ 82467 w 144779"/>
-                <a:gd name="connsiteY1" fmla="*/ 85725 h 171450"/>
-                <a:gd name="connsiteX2" fmla="*/ 72390 w 144779"/>
-                <a:gd name="connsiteY2" fmla="*/ 96603 h 171450"/>
-                <a:gd name="connsiteX3" fmla="*/ 62313 w 144779"/>
-                <a:gd name="connsiteY3" fmla="*/ 85725 h 171450"/>
-                <a:gd name="connsiteX4" fmla="*/ 72390 w 144779"/>
-                <a:gd name="connsiteY4" fmla="*/ 74847 h 171450"/>
-                <a:gd name="connsiteX5" fmla="*/ 72390 w 144779"/>
-                <a:gd name="connsiteY5" fmla="*/ 0 h 171450"/>
-                <a:gd name="connsiteX6" fmla="*/ 0 w 144779"/>
-                <a:gd name="connsiteY6" fmla="*/ 85725 h 171450"/>
-                <a:gd name="connsiteX7" fmla="*/ 72390 w 144779"/>
-                <a:gd name="connsiteY7" fmla="*/ 171450 h 171450"/>
-                <a:gd name="connsiteX8" fmla="*/ 144780 w 144779"/>
-                <a:gd name="connsiteY8" fmla="*/ 85725 h 171450"/>
-                <a:gd name="connsiteX9" fmla="*/ 72390 w 144779"/>
-                <a:gd name="connsiteY9" fmla="*/ 0 h 171450"/>
-              </a:gdLst>
-              <a:ahLst/>
-              <a:cxnLst>
-                <a:cxn ang="0">
-                  <a:pos x="connsiteX0" y="connsiteY0"/>
-                </a:cxn>
-                <a:cxn ang="0">
-                  <a:pos x="connsiteX1" y="connsiteY1"/>
-                </a:cxn>
-                <a:cxn ang="0">
-                  <a:pos x="connsiteX2" y="connsiteY2"/>
-                </a:cxn>
-                <a:cxn ang="0">
-                  <a:pos x="connsiteX3" y="connsiteY3"/>
-                </a:cxn>
-                <a:cxn ang="0">
-                  <a:pos x="connsiteX4" y="connsiteY4"/>
-                </a:cxn>
-                <a:cxn ang="0">
-                  <a:pos x="connsiteX5" y="connsiteY5"/>
-                </a:cxn>
-                <a:cxn ang="0">
-                  <a:pos x="connsiteX6" y="connsiteY6"/>
-                </a:cxn>
-                <a:cxn ang="0">
-                  <a:pos x="connsiteX7" y="connsiteY7"/>
-                </a:cxn>
-                <a:cxn ang="0">
-                  <a:pos x="connsiteX8" y="connsiteY8"/>
-                </a:cxn>
-                <a:cxn ang="0">
-                  <a:pos x="connsiteX9" y="connsiteY9"/>
-                </a:cxn>
-              </a:cxnLst>
-              <a:rect l="l" t="t" r="r" b="b"/>
-              <a:pathLst>
-                <a:path w="144779" h="171450">
-                  <a:moveTo>
-                    <a:pt x="72390" y="74847"/>
-                  </a:moveTo>
-                  <a:cubicBezTo>
-                    <a:pt x="75590" y="78657"/>
-                    <a:pt x="78962" y="82258"/>
-                    <a:pt x="82467" y="85725"/>
-                  </a:cubicBezTo>
-                  <a:cubicBezTo>
-                    <a:pt x="78962" y="89192"/>
-                    <a:pt x="75590" y="92831"/>
-                    <a:pt x="72390" y="96603"/>
-                  </a:cubicBezTo>
-                  <a:cubicBezTo>
-                    <a:pt x="69190" y="92793"/>
-                    <a:pt x="65818" y="89192"/>
-                    <a:pt x="62313" y="85725"/>
-                  </a:cubicBezTo>
-                  <a:cubicBezTo>
-                    <a:pt x="65818" y="82258"/>
-                    <a:pt x="69190" y="78619"/>
-                    <a:pt x="72390" y="74847"/>
-                  </a:cubicBezTo>
-                  <a:close/>
-                  <a:moveTo>
-                    <a:pt x="72390" y="0"/>
-                  </a:moveTo>
-                  <a:cubicBezTo>
-                    <a:pt x="61787" y="37696"/>
-                    <a:pt x="35387" y="68957"/>
-                    <a:pt x="0" y="85725"/>
-                  </a:cubicBezTo>
-                  <a:cubicBezTo>
-                    <a:pt x="35387" y="102493"/>
-                    <a:pt x="61787" y="133754"/>
-                    <a:pt x="72390" y="171450"/>
-                  </a:cubicBezTo>
-                  <a:cubicBezTo>
-                    <a:pt x="82993" y="133754"/>
-                    <a:pt x="109393" y="102493"/>
-                    <a:pt x="144780" y="85725"/>
-                  </a:cubicBezTo>
-                  <a:cubicBezTo>
-                    <a:pt x="109393" y="68957"/>
-                    <a:pt x="82993" y="37696"/>
-                    <a:pt x="72390" y="0"/>
-                  </a:cubicBezTo>
-                  <a:close/>
-                </a:path>
-              </a:pathLst>
-            </a:custGeom>
-            <a:solidFill>
-              <a:srgbClr val="000000"/>
-            </a:solidFill>
-            <a:ln w="19050" cap="flat">
-              <a:solidFill>
-                <a:srgbClr val="00FF00"/>
-              </a:solidFill>
-              <a:prstDash val="solid"/>
-              <a:miter/>
-            </a:ln>
-          </p:spPr>
-          <p:txBody>
-            <a:bodyPr rtlCol="0" anchor="ctr"/>
-            <a:lstStyle/>
-            <a:p>
-              <a:endParaRPr lang="en-US"/>
-            </a:p>
-          </p:txBody>
-        </p:sp>
-        <p:sp>
-          <p:nvSpPr>
-            <p:cNvPr id="23" name="任意多边形: 形状 22">
-              <a:extLst>
-                <a:ext uri="{FF2B5EF4-FFF2-40B4-BE49-F238E27FC236}">
-                  <a16:creationId xmlns:a16="http://schemas.microsoft.com/office/drawing/2014/main" id="{30419BE1-D0DA-A0AE-4B70-11F6F1AE4242}"/>
-                </a:ext>
-              </a:extLst>
-            </p:cNvPr>
-            <p:cNvSpPr/>
-            <p:nvPr/>
-          </p:nvSpPr>
-          <p:spPr>
-            <a:xfrm>
-              <a:off x="9049767" y="9027918"/>
-              <a:ext cx="194309" cy="228600"/>
-            </a:xfrm>
-            <a:custGeom>
-              <a:avLst/>
-              <a:gdLst>
-                <a:gd name="connsiteX0" fmla="*/ 97155 w 194309"/>
-                <a:gd name="connsiteY0" fmla="*/ 82391 h 228600"/>
-                <a:gd name="connsiteX1" fmla="*/ 126511 w 194309"/>
-                <a:gd name="connsiteY1" fmla="*/ 114300 h 228600"/>
-                <a:gd name="connsiteX2" fmla="*/ 97155 w 194309"/>
-                <a:gd name="connsiteY2" fmla="*/ 146209 h 228600"/>
-                <a:gd name="connsiteX3" fmla="*/ 67799 w 194309"/>
-                <a:gd name="connsiteY3" fmla="*/ 114300 h 228600"/>
-                <a:gd name="connsiteX4" fmla="*/ 97155 w 194309"/>
-                <a:gd name="connsiteY4" fmla="*/ 82391 h 228600"/>
-                <a:gd name="connsiteX5" fmla="*/ 97155 w 194309"/>
-                <a:gd name="connsiteY5" fmla="*/ 0 h 228600"/>
-                <a:gd name="connsiteX6" fmla="*/ 0 w 194309"/>
-                <a:gd name="connsiteY6" fmla="*/ 114300 h 228600"/>
-                <a:gd name="connsiteX7" fmla="*/ 97155 w 194309"/>
-                <a:gd name="connsiteY7" fmla="*/ 228600 h 228600"/>
-                <a:gd name="connsiteX8" fmla="*/ 194310 w 194309"/>
-                <a:gd name="connsiteY8" fmla="*/ 114300 h 228600"/>
-                <a:gd name="connsiteX9" fmla="*/ 97155 w 194309"/>
-                <a:gd name="connsiteY9" fmla="*/ 0 h 228600"/>
-              </a:gdLst>
-              <a:ahLst/>
-              <a:cxnLst>
-                <a:cxn ang="0">
-                  <a:pos x="connsiteX0" y="connsiteY0"/>
-                </a:cxn>
-                <a:cxn ang="0">
-                  <a:pos x="connsiteX1" y="connsiteY1"/>
-                </a:cxn>
-                <a:cxn ang="0">
-                  <a:pos x="connsiteX2" y="connsiteY2"/>
-                </a:cxn>
-                <a:cxn ang="0">
-                  <a:pos x="connsiteX3" y="connsiteY3"/>
-                </a:cxn>
-                <a:cxn ang="0">
-                  <a:pos x="connsiteX4" y="connsiteY4"/>
-                </a:cxn>
-                <a:cxn ang="0">
-                  <a:pos x="connsiteX5" y="connsiteY5"/>
-                </a:cxn>
-                <a:cxn ang="0">
-                  <a:pos x="connsiteX6" y="connsiteY6"/>
-                </a:cxn>
-                <a:cxn ang="0">
-                  <a:pos x="connsiteX7" y="connsiteY7"/>
-                </a:cxn>
-                <a:cxn ang="0">
-                  <a:pos x="connsiteX8" y="connsiteY8"/>
-                </a:cxn>
-                <a:cxn ang="0">
-                  <a:pos x="connsiteX9" y="connsiteY9"/>
-                </a:cxn>
-              </a:cxnLst>
-              <a:rect l="l" t="t" r="r" b="b"/>
-              <a:pathLst>
-                <a:path w="194309" h="228600">
-                  <a:moveTo>
-                    <a:pt x="97155" y="82391"/>
-                  </a:moveTo>
-                  <a:cubicBezTo>
-                    <a:pt x="105891" y="93947"/>
-                    <a:pt x="115723" y="104632"/>
-                    <a:pt x="126511" y="114300"/>
-                  </a:cubicBezTo>
-                  <a:cubicBezTo>
-                    <a:pt x="115723" y="123968"/>
-                    <a:pt x="105891" y="134653"/>
-                    <a:pt x="97155" y="146209"/>
-                  </a:cubicBezTo>
-                  <a:cubicBezTo>
-                    <a:pt x="88419" y="134653"/>
-                    <a:pt x="78587" y="123968"/>
-                    <a:pt x="67799" y="114300"/>
-                  </a:cubicBezTo>
-                  <a:cubicBezTo>
-                    <a:pt x="78587" y="104632"/>
-                    <a:pt x="88419" y="93947"/>
-                    <a:pt x="97155" y="82391"/>
-                  </a:cubicBezTo>
-                  <a:close/>
-                  <a:moveTo>
-                    <a:pt x="97155" y="0"/>
-                  </a:moveTo>
-                  <a:cubicBezTo>
-                    <a:pt x="82174" y="50008"/>
-                    <a:pt x="46941" y="91459"/>
-                    <a:pt x="0" y="114300"/>
-                  </a:cubicBezTo>
-                  <a:cubicBezTo>
-                    <a:pt x="46941" y="137141"/>
-                    <a:pt x="82174" y="178592"/>
-                    <a:pt x="97155" y="228600"/>
-                  </a:cubicBezTo>
-                  <a:cubicBezTo>
-                    <a:pt x="112136" y="178592"/>
-                    <a:pt x="147369" y="137141"/>
-                    <a:pt x="194310" y="114300"/>
-                  </a:cubicBezTo>
-                  <a:cubicBezTo>
-                    <a:pt x="147369" y="91459"/>
-                    <a:pt x="112136" y="50008"/>
-                    <a:pt x="97155" y="0"/>
-                  </a:cubicBezTo>
-                  <a:close/>
-                </a:path>
-              </a:pathLst>
-            </a:custGeom>
-            <a:blipFill>
-              <a:blip r:embed="rId2"/>
-              <a:tile tx="0" ty="0" sx="100000" sy="100000" flip="none" algn="tl"/>
-            </a:blipFill>
-            <a:ln w="3175" cap="flat">
-              <a:solidFill>
-                <a:schemeClr val="bg1"/>
-              </a:solidFill>
-              <a:prstDash val="solid"/>
-              <a:miter/>
-            </a:ln>
-          </p:spPr>
-          <p:txBody>
-            <a:bodyPr rtlCol="0" anchor="ctr"/>
-            <a:lstStyle/>
-            <a:p>
-              <a:endParaRPr lang="en-US"/>
-            </a:p>
-          </p:txBody>
-        </p:sp>
-        <p:sp>
-          <p:nvSpPr>
-            <p:cNvPr id="24" name="任意多边形: 形状 23">
-              <a:extLst>
-                <a:ext uri="{FF2B5EF4-FFF2-40B4-BE49-F238E27FC236}">
-                  <a16:creationId xmlns:a16="http://schemas.microsoft.com/office/drawing/2014/main" id="{B27109F0-D42D-FF78-DE16-D823427A8BE5}"/>
-                </a:ext>
-              </a:extLst>
-            </p:cNvPr>
-            <p:cNvSpPr/>
-            <p:nvPr/>
-          </p:nvSpPr>
-          <p:spPr>
-            <a:xfrm>
-              <a:off x="8463027" y="9751818"/>
-              <a:ext cx="129539" cy="152400"/>
-            </a:xfrm>
-            <a:custGeom>
-              <a:avLst/>
-              <a:gdLst>
-                <a:gd name="connsiteX0" fmla="*/ 64770 w 129539"/>
-                <a:gd name="connsiteY0" fmla="*/ 68580 h 152400"/>
-                <a:gd name="connsiteX1" fmla="*/ 71895 w 129539"/>
-                <a:gd name="connsiteY1" fmla="*/ 76200 h 152400"/>
-                <a:gd name="connsiteX2" fmla="*/ 64770 w 129539"/>
-                <a:gd name="connsiteY2" fmla="*/ 83820 h 152400"/>
-                <a:gd name="connsiteX3" fmla="*/ 57645 w 129539"/>
-                <a:gd name="connsiteY3" fmla="*/ 76200 h 152400"/>
-                <a:gd name="connsiteX4" fmla="*/ 64770 w 129539"/>
-                <a:gd name="connsiteY4" fmla="*/ 68580 h 152400"/>
-                <a:gd name="connsiteX5" fmla="*/ 64770 w 129539"/>
-                <a:gd name="connsiteY5" fmla="*/ 0 h 152400"/>
-                <a:gd name="connsiteX6" fmla="*/ 0 w 129539"/>
-                <a:gd name="connsiteY6" fmla="*/ 76200 h 152400"/>
-                <a:gd name="connsiteX7" fmla="*/ 64770 w 129539"/>
-                <a:gd name="connsiteY7" fmla="*/ 152400 h 152400"/>
-                <a:gd name="connsiteX8" fmla="*/ 129540 w 129539"/>
-                <a:gd name="connsiteY8" fmla="*/ 76200 h 152400"/>
-                <a:gd name="connsiteX9" fmla="*/ 64770 w 129539"/>
-                <a:gd name="connsiteY9" fmla="*/ 0 h 152400"/>
-              </a:gdLst>
-              <a:ahLst/>
-              <a:cxnLst>
-                <a:cxn ang="0">
-                  <a:pos x="connsiteX0" y="connsiteY0"/>
-                </a:cxn>
-                <a:cxn ang="0">
-                  <a:pos x="connsiteX1" y="connsiteY1"/>
-                </a:cxn>
-                <a:cxn ang="0">
-                  <a:pos x="connsiteX2" y="connsiteY2"/>
-                </a:cxn>
-                <a:cxn ang="0">
-                  <a:pos x="connsiteX3" y="connsiteY3"/>
-                </a:cxn>
-                <a:cxn ang="0">
-                  <a:pos x="connsiteX4" y="connsiteY4"/>
-                </a:cxn>
-                <a:cxn ang="0">
-                  <a:pos x="connsiteX5" y="connsiteY5"/>
-                </a:cxn>
-                <a:cxn ang="0">
-                  <a:pos x="connsiteX6" y="connsiteY6"/>
-                </a:cxn>
-                <a:cxn ang="0">
-                  <a:pos x="connsiteX7" y="connsiteY7"/>
-                </a:cxn>
-                <a:cxn ang="0">
-                  <a:pos x="connsiteX8" y="connsiteY8"/>
-                </a:cxn>
-                <a:cxn ang="0">
-                  <a:pos x="connsiteX9" y="connsiteY9"/>
-                </a:cxn>
-              </a:cxnLst>
-              <a:rect l="l" t="t" r="r" b="b"/>
-              <a:pathLst>
-                <a:path w="129539" h="152400">
-                  <a:moveTo>
-                    <a:pt x="64770" y="68580"/>
-                  </a:moveTo>
-                  <a:cubicBezTo>
-                    <a:pt x="67056" y="71196"/>
-                    <a:pt x="69432" y="73737"/>
-                    <a:pt x="71895" y="76200"/>
-                  </a:cubicBezTo>
-                  <a:cubicBezTo>
-                    <a:pt x="69432" y="78638"/>
-                    <a:pt x="67056" y="81178"/>
-                    <a:pt x="64770" y="83820"/>
-                  </a:cubicBezTo>
-                  <a:cubicBezTo>
-                    <a:pt x="62484" y="81204"/>
-                    <a:pt x="60108" y="78663"/>
-                    <a:pt x="57645" y="76200"/>
-                  </a:cubicBezTo>
-                  <a:cubicBezTo>
-                    <a:pt x="60108" y="73762"/>
-                    <a:pt x="62484" y="71222"/>
-                    <a:pt x="64770" y="68580"/>
-                  </a:cubicBezTo>
-                  <a:close/>
-                  <a:moveTo>
-                    <a:pt x="64770" y="0"/>
-                  </a:moveTo>
-                  <a:cubicBezTo>
-                    <a:pt x="55592" y="33772"/>
-                    <a:pt x="31852" y="61701"/>
-                    <a:pt x="0" y="76200"/>
-                  </a:cubicBezTo>
-                  <a:cubicBezTo>
-                    <a:pt x="31852" y="90699"/>
-                    <a:pt x="55592" y="118628"/>
-                    <a:pt x="64770" y="152400"/>
-                  </a:cubicBezTo>
-                  <a:cubicBezTo>
-                    <a:pt x="73948" y="118628"/>
-                    <a:pt x="97688" y="90699"/>
-                    <a:pt x="129540" y="76200"/>
-                  </a:cubicBezTo>
-                  <a:cubicBezTo>
-                    <a:pt x="97688" y="61701"/>
-                    <a:pt x="73948" y="33772"/>
-                    <a:pt x="64770" y="0"/>
-                  </a:cubicBezTo>
-                  <a:close/>
-                </a:path>
-              </a:pathLst>
-            </a:custGeom>
-            <a:noFill/>
-            <a:ln w="19050" cap="flat">
-              <a:solidFill>
-                <a:srgbClr val="0000FF"/>
-              </a:solidFill>
-              <a:prstDash val="solid"/>
-              <a:miter/>
-            </a:ln>
-          </p:spPr>
-          <p:txBody>
-            <a:bodyPr rtlCol="0" anchor="ctr"/>
-            <a:lstStyle/>
-            <a:p>
-              <a:endParaRPr lang="en-US"/>
-            </a:p>
-          </p:txBody>
-        </p:sp>
       </p:grpSp>
-      <p:pic>
-        <p:nvPicPr>
-          <p:cNvPr id="3" name="Graphic 2" descr="Uranus outline">
+      <p:sp>
+        <p:nvSpPr>
+          <p:cNvPr id="15" name="任意多边形: 形状 14">
             <a:extLst>
               <a:ext uri="{FF2B5EF4-FFF2-40B4-BE49-F238E27FC236}">
-                <a16:creationId xmlns:a16="http://schemas.microsoft.com/office/drawing/2014/main" id="{D7F6E236-E36E-64C6-B033-BE9CA8EE1D85}"/>
+                <a16:creationId xmlns:a16="http://schemas.microsoft.com/office/drawing/2014/main" id="{D753D14D-BFE8-CB6E-C5D7-AA0AB3EA2100}"/>
               </a:ext>
             </a:extLst>
           </p:cNvPr>
-          <p:cNvPicPr>
-            <a:picLocks noChangeAspect="1"/>
-          </p:cNvPicPr>
+          <p:cNvSpPr/>
           <p:nvPr/>
-        </p:nvPicPr>
-        <p:blipFill>
-          <a:blip r:embed="rId3">
-            <a:extLst>
-              <a:ext uri="{96DAC541-7B7A-43D3-8B79-37D633B846F1}">
-                <asvg:svgBlip xmlns:asvg="http://schemas.microsoft.com/office/drawing/2016/SVG/main" r:embed="rId4"/>
-              </a:ext>
-            </a:extLst>
-          </a:blip>
-          <a:stretch>
-            <a:fillRect/>
-          </a:stretch>
-        </p:blipFill>
+        </p:nvSpPr>
         <p:spPr>
           <a:xfrm>
-            <a:off x="8686800" y="8686800"/>
-            <a:ext cx="914400" cy="914400"/>
+            <a:off x="5924177" y="10410510"/>
+            <a:ext cx="7113361" cy="1613485"/>
           </a:xfrm>
-          <a:prstGeom prst="rect">
+          <a:custGeom>
             <a:avLst/>
-          </a:prstGeom>
+            <a:gdLst>
+              <a:gd name="connsiteX0" fmla="*/ 1752600 w 1752600"/>
+              <a:gd name="connsiteY0" fmla="*/ 377114 h 416394"/>
+              <a:gd name="connsiteX1" fmla="*/ 1684211 w 1752600"/>
+              <a:gd name="connsiteY1" fmla="*/ 360026 h 416394"/>
+              <a:gd name="connsiteX2" fmla="*/ 1569530 w 1752600"/>
+              <a:gd name="connsiteY2" fmla="*/ 283559 h 416394"/>
+              <a:gd name="connsiteX3" fmla="*/ 1379030 w 1752600"/>
+              <a:gd name="connsiteY3" fmla="*/ 245459 h 416394"/>
+              <a:gd name="connsiteX4" fmla="*/ 1089832 w 1752600"/>
+              <a:gd name="connsiteY4" fmla="*/ 52673 h 416394"/>
+              <a:gd name="connsiteX5" fmla="*/ 810749 w 1752600"/>
+              <a:gd name="connsiteY5" fmla="*/ 109252 h 416394"/>
+              <a:gd name="connsiteX6" fmla="*/ 748036 w 1752600"/>
+              <a:gd name="connsiteY6" fmla="*/ 114490 h 416394"/>
+              <a:gd name="connsiteX7" fmla="*/ 484156 w 1752600"/>
+              <a:gd name="connsiteY7" fmla="*/ 0 h 416394"/>
+              <a:gd name="connsiteX8" fmla="*/ 337433 w 1752600"/>
+              <a:gd name="connsiteY8" fmla="*/ 91954 h 416394"/>
+              <a:gd name="connsiteX9" fmla="*/ 203778 w 1752600"/>
+              <a:gd name="connsiteY9" fmla="*/ 91954 h 416394"/>
+              <a:gd name="connsiteX10" fmla="*/ 86335 w 1752600"/>
+              <a:gd name="connsiteY10" fmla="*/ 170250 h 416394"/>
+              <a:gd name="connsiteX11" fmla="*/ 0 w 1752600"/>
+              <a:gd name="connsiteY11" fmla="*/ 204787 h 416394"/>
+              <a:gd name="connsiteX12" fmla="*/ 0 w 1752600"/>
+              <a:gd name="connsiteY12" fmla="*/ 245821 h 416394"/>
+              <a:gd name="connsiteX13" fmla="*/ 102318 w 1752600"/>
+              <a:gd name="connsiteY13" fmla="*/ 204902 h 416394"/>
+              <a:gd name="connsiteX14" fmla="*/ 215322 w 1752600"/>
+              <a:gd name="connsiteY14" fmla="*/ 130054 h 416394"/>
+              <a:gd name="connsiteX15" fmla="*/ 348367 w 1752600"/>
+              <a:gd name="connsiteY15" fmla="*/ 130054 h 416394"/>
+              <a:gd name="connsiteX16" fmla="*/ 487394 w 1752600"/>
+              <a:gd name="connsiteY16" fmla="*/ 42939 h 416394"/>
+              <a:gd name="connsiteX17" fmla="*/ 740874 w 1752600"/>
+              <a:gd name="connsiteY17" fmla="*/ 152895 h 416394"/>
+              <a:gd name="connsiteX18" fmla="*/ 825741 w 1752600"/>
+              <a:gd name="connsiteY18" fmla="*/ 256813 h 416394"/>
+              <a:gd name="connsiteX19" fmla="*/ 967950 w 1752600"/>
+              <a:gd name="connsiteY19" fmla="*/ 336690 h 416394"/>
+              <a:gd name="connsiteX20" fmla="*/ 986581 w 1752600"/>
+              <a:gd name="connsiteY20" fmla="*/ 303466 h 416394"/>
+              <a:gd name="connsiteX21" fmla="*/ 850659 w 1752600"/>
+              <a:gd name="connsiteY21" fmla="*/ 227133 h 416394"/>
+              <a:gd name="connsiteX22" fmla="*/ 787222 w 1752600"/>
+              <a:gd name="connsiteY22" fmla="*/ 149447 h 416394"/>
+              <a:gd name="connsiteX23" fmla="*/ 815016 w 1752600"/>
+              <a:gd name="connsiteY23" fmla="*/ 147123 h 416394"/>
+              <a:gd name="connsiteX24" fmla="*/ 1081869 w 1752600"/>
+              <a:gd name="connsiteY24" fmla="*/ 93155 h 416394"/>
+              <a:gd name="connsiteX25" fmla="*/ 1364171 w 1752600"/>
+              <a:gd name="connsiteY25" fmla="*/ 281349 h 416394"/>
+              <a:gd name="connsiteX26" fmla="*/ 1554671 w 1752600"/>
+              <a:gd name="connsiteY26" fmla="*/ 319449 h 416394"/>
+              <a:gd name="connsiteX27" fmla="*/ 1668589 w 1752600"/>
+              <a:gd name="connsiteY27" fmla="*/ 395383 h 416394"/>
+              <a:gd name="connsiteX28" fmla="*/ 1752600 w 1752600"/>
+              <a:gd name="connsiteY28" fmla="*/ 416395 h 416394"/>
+              <a:gd name="connsiteX29" fmla="*/ 1752600 w 1752600"/>
+              <a:gd name="connsiteY29" fmla="*/ 377114 h 416394"/>
+            </a:gdLst>
+            <a:ahLst/>
+            <a:cxnLst>
+              <a:cxn ang="0">
+                <a:pos x="connsiteX0" y="connsiteY0"/>
+              </a:cxn>
+              <a:cxn ang="0">
+                <a:pos x="connsiteX1" y="connsiteY1"/>
+              </a:cxn>
+              <a:cxn ang="0">
+                <a:pos x="connsiteX2" y="connsiteY2"/>
+              </a:cxn>
+              <a:cxn ang="0">
+                <a:pos x="connsiteX3" y="connsiteY3"/>
+              </a:cxn>
+              <a:cxn ang="0">
+                <a:pos x="connsiteX4" y="connsiteY4"/>
+              </a:cxn>
+              <a:cxn ang="0">
+                <a:pos x="connsiteX5" y="connsiteY5"/>
+              </a:cxn>
+              <a:cxn ang="0">
+                <a:pos x="connsiteX6" y="connsiteY6"/>
+              </a:cxn>
+              <a:cxn ang="0">
+                <a:pos x="connsiteX7" y="connsiteY7"/>
+              </a:cxn>
+              <a:cxn ang="0">
+                <a:pos x="connsiteX8" y="connsiteY8"/>
+              </a:cxn>
+              <a:cxn ang="0">
+                <a:pos x="connsiteX9" y="connsiteY9"/>
+              </a:cxn>
+              <a:cxn ang="0">
+                <a:pos x="connsiteX10" y="connsiteY10"/>
+              </a:cxn>
+              <a:cxn ang="0">
+                <a:pos x="connsiteX11" y="connsiteY11"/>
+              </a:cxn>
+              <a:cxn ang="0">
+                <a:pos x="connsiteX12" y="connsiteY12"/>
+              </a:cxn>
+              <a:cxn ang="0">
+                <a:pos x="connsiteX13" y="connsiteY13"/>
+              </a:cxn>
+              <a:cxn ang="0">
+                <a:pos x="connsiteX14" y="connsiteY14"/>
+              </a:cxn>
+              <a:cxn ang="0">
+                <a:pos x="connsiteX15" y="connsiteY15"/>
+              </a:cxn>
+              <a:cxn ang="0">
+                <a:pos x="connsiteX16" y="connsiteY16"/>
+              </a:cxn>
+              <a:cxn ang="0">
+                <a:pos x="connsiteX17" y="connsiteY17"/>
+              </a:cxn>
+              <a:cxn ang="0">
+                <a:pos x="connsiteX18" y="connsiteY18"/>
+              </a:cxn>
+              <a:cxn ang="0">
+                <a:pos x="connsiteX19" y="connsiteY19"/>
+              </a:cxn>
+              <a:cxn ang="0">
+                <a:pos x="connsiteX20" y="connsiteY20"/>
+              </a:cxn>
+              <a:cxn ang="0">
+                <a:pos x="connsiteX21" y="connsiteY21"/>
+              </a:cxn>
+              <a:cxn ang="0">
+                <a:pos x="connsiteX22" y="connsiteY22"/>
+              </a:cxn>
+              <a:cxn ang="0">
+                <a:pos x="connsiteX23" y="connsiteY23"/>
+              </a:cxn>
+              <a:cxn ang="0">
+                <a:pos x="connsiteX24" y="connsiteY24"/>
+              </a:cxn>
+              <a:cxn ang="0">
+                <a:pos x="connsiteX25" y="connsiteY25"/>
+              </a:cxn>
+              <a:cxn ang="0">
+                <a:pos x="connsiteX26" y="connsiteY26"/>
+              </a:cxn>
+              <a:cxn ang="0">
+                <a:pos x="connsiteX27" y="connsiteY27"/>
+              </a:cxn>
+              <a:cxn ang="0">
+                <a:pos x="connsiteX28" y="connsiteY28"/>
+              </a:cxn>
+              <a:cxn ang="0">
+                <a:pos x="connsiteX29" y="connsiteY29"/>
+              </a:cxn>
+            </a:cxnLst>
+            <a:rect l="l" t="t" r="r" b="b"/>
+            <a:pathLst>
+              <a:path w="1752600" h="416394">
+                <a:moveTo>
+                  <a:pt x="1752600" y="377114"/>
+                </a:moveTo>
+                <a:lnTo>
+                  <a:pt x="1684211" y="360026"/>
+                </a:lnTo>
+                <a:lnTo>
+                  <a:pt x="1569530" y="283559"/>
+                </a:lnTo>
+                <a:lnTo>
+                  <a:pt x="1379030" y="245459"/>
+                </a:lnTo>
+                <a:lnTo>
+                  <a:pt x="1089832" y="52673"/>
+                </a:lnTo>
+                <a:lnTo>
+                  <a:pt x="810749" y="109252"/>
+                </a:lnTo>
+                <a:lnTo>
+                  <a:pt x="748036" y="114490"/>
+                </a:lnTo>
+                <a:lnTo>
+                  <a:pt x="484156" y="0"/>
+                </a:lnTo>
+                <a:lnTo>
+                  <a:pt x="337433" y="91954"/>
+                </a:lnTo>
+                <a:lnTo>
+                  <a:pt x="203778" y="91954"/>
+                </a:lnTo>
+                <a:lnTo>
+                  <a:pt x="86335" y="170250"/>
+                </a:lnTo>
+                <a:lnTo>
+                  <a:pt x="0" y="204787"/>
+                </a:lnTo>
+                <a:lnTo>
+                  <a:pt x="0" y="245821"/>
+                </a:lnTo>
+                <a:lnTo>
+                  <a:pt x="102318" y="204902"/>
+                </a:lnTo>
+                <a:lnTo>
+                  <a:pt x="215322" y="130054"/>
+                </a:lnTo>
+                <a:lnTo>
+                  <a:pt x="348367" y="130054"/>
+                </a:lnTo>
+                <a:lnTo>
+                  <a:pt x="487394" y="42939"/>
+                </a:lnTo>
+                <a:lnTo>
+                  <a:pt x="740874" y="152895"/>
+                </a:lnTo>
+                <a:lnTo>
+                  <a:pt x="825741" y="256813"/>
+                </a:lnTo>
+                <a:lnTo>
+                  <a:pt x="967950" y="336690"/>
+                </a:lnTo>
+                <a:lnTo>
+                  <a:pt x="986581" y="303466"/>
+                </a:lnTo>
+                <a:lnTo>
+                  <a:pt x="850659" y="227133"/>
+                </a:lnTo>
+                <a:lnTo>
+                  <a:pt x="787222" y="149447"/>
+                </a:lnTo>
+                <a:lnTo>
+                  <a:pt x="815016" y="147123"/>
+                </a:lnTo>
+                <a:lnTo>
+                  <a:pt x="1081869" y="93155"/>
+                </a:lnTo>
+                <a:lnTo>
+                  <a:pt x="1364171" y="281349"/>
+                </a:lnTo>
+                <a:lnTo>
+                  <a:pt x="1554671" y="319449"/>
+                </a:lnTo>
+                <a:lnTo>
+                  <a:pt x="1668589" y="395383"/>
+                </a:lnTo>
+                <a:lnTo>
+                  <a:pt x="1752600" y="416395"/>
+                </a:lnTo>
+                <a:lnTo>
+                  <a:pt x="1752600" y="377114"/>
+                </a:lnTo>
+                <a:close/>
+              </a:path>
+            </a:pathLst>
+          </a:custGeom>
+          <a:solidFill>
+            <a:srgbClr val="000000"/>
+          </a:solidFill>
+          <a:ln w="12700" cap="flat">
+            <a:solidFill>
+              <a:srgbClr val="0000FF"/>
+            </a:solidFill>
+            <a:prstDash val="solid"/>
+            <a:miter/>
+          </a:ln>
         </p:spPr>
-      </p:pic>
-      <p:pic>
-        <p:nvPicPr>
-          <p:cNvPr id="25" name="Graphic 24" descr="Mercury outline">
+        <p:txBody>
+          <a:bodyPr rtlCol="0" anchor="ctr"/>
+          <a:lstStyle/>
+          <a:p>
+            <a:endParaRPr lang="en-US"/>
+          </a:p>
+        </p:txBody>
+      </p:sp>
+      <p:sp>
+        <p:nvSpPr>
+          <p:cNvPr id="16" name="任意多边形: 形状 15">
             <a:extLst>
               <a:ext uri="{FF2B5EF4-FFF2-40B4-BE49-F238E27FC236}">
-                <a16:creationId xmlns:a16="http://schemas.microsoft.com/office/drawing/2014/main" id="{A8858AC7-F5B6-9D22-613B-3B1D61262C49}"/>
+                <a16:creationId xmlns:a16="http://schemas.microsoft.com/office/drawing/2014/main" id="{4C61164E-929E-397A-B0DD-699C28CE29C9}"/>
               </a:ext>
             </a:extLst>
           </p:cNvPr>
-          <p:cNvPicPr>
-            <a:picLocks noChangeAspect="1"/>
-          </p:cNvPicPr>
+          <p:cNvSpPr/>
           <p:nvPr/>
-        </p:nvPicPr>
-        <p:blipFill>
-          <a:blip r:embed="rId5">
-            <a:extLst>
-              <a:ext uri="{96DAC541-7B7A-43D3-8B79-37D633B846F1}">
-                <asvg:svgBlip xmlns:asvg="http://schemas.microsoft.com/office/drawing/2016/SVG/main" r:embed="rId6"/>
-              </a:ext>
-            </a:extLst>
-          </a:blip>
-          <a:stretch>
-            <a:fillRect/>
-          </a:stretch>
-        </p:blipFill>
+        </p:nvSpPr>
         <p:spPr>
           <a:xfrm>
-            <a:off x="8836800" y="8836800"/>
-            <a:ext cx="914400" cy="914400"/>
+            <a:off x="6737187" y="6928335"/>
+            <a:ext cx="2020189" cy="1928685"/>
           </a:xfrm>
-          <a:prstGeom prst="rect">
+          <a:custGeom>
             <a:avLst/>
-          </a:prstGeom>
+            <a:gdLst>
+              <a:gd name="connsiteX0" fmla="*/ 250088 w 497737"/>
+              <a:gd name="connsiteY0" fmla="*/ 3 h 497738"/>
+              <a:gd name="connsiteX1" fmla="*/ 3 w 497737"/>
+              <a:gd name="connsiteY1" fmla="*/ 247649 h 497738"/>
+              <a:gd name="connsiteX2" fmla="*/ 247649 w 497737"/>
+              <a:gd name="connsiteY2" fmla="*/ 497736 h 497738"/>
+              <a:gd name="connsiteX3" fmla="*/ 497734 w 497737"/>
+              <a:gd name="connsiteY3" fmla="*/ 250088 h 497738"/>
+              <a:gd name="connsiteX4" fmla="*/ 497738 w 497737"/>
+              <a:gd name="connsiteY4" fmla="*/ 248853 h 497738"/>
+              <a:gd name="connsiteX5" fmla="*/ 250088 w 497737"/>
+              <a:gd name="connsiteY5" fmla="*/ 3 h 497738"/>
+              <a:gd name="connsiteX6" fmla="*/ 455294 w 497737"/>
+              <a:gd name="connsiteY6" fmla="*/ 206124 h 497738"/>
+              <a:gd name="connsiteX7" fmla="*/ 313448 w 497737"/>
+              <a:gd name="connsiteY7" fmla="*/ 189551 h 497738"/>
+              <a:gd name="connsiteX8" fmla="*/ 211149 w 497737"/>
+              <a:gd name="connsiteY8" fmla="*/ 200085 h 497738"/>
+              <a:gd name="connsiteX9" fmla="*/ 84010 w 497737"/>
+              <a:gd name="connsiteY9" fmla="*/ 212258 h 497738"/>
+              <a:gd name="connsiteX10" fmla="*/ 44348 w 497737"/>
+              <a:gd name="connsiteY10" fmla="*/ 209553 h 497738"/>
+              <a:gd name="connsiteX11" fmla="*/ 80943 w 497737"/>
+              <a:gd name="connsiteY11" fmla="*/ 125028 h 497738"/>
+              <a:gd name="connsiteX12" fmla="*/ 242868 w 497737"/>
+              <a:gd name="connsiteY12" fmla="*/ 132648 h 497738"/>
+              <a:gd name="connsiteX13" fmla="*/ 417899 w 497737"/>
+              <a:gd name="connsiteY13" fmla="*/ 123123 h 497738"/>
+              <a:gd name="connsiteX14" fmla="*/ 455294 w 497737"/>
+              <a:gd name="connsiteY14" fmla="*/ 206124 h 497738"/>
+              <a:gd name="connsiteX15" fmla="*/ 384924 w 497737"/>
+              <a:gd name="connsiteY15" fmla="*/ 87804 h 497738"/>
+              <a:gd name="connsiteX16" fmla="*/ 384964 w 497737"/>
+              <a:gd name="connsiteY16" fmla="*/ 88071 h 497738"/>
+              <a:gd name="connsiteX17" fmla="*/ 384828 w 497737"/>
+              <a:gd name="connsiteY17" fmla="*/ 88147 h 497738"/>
+              <a:gd name="connsiteX18" fmla="*/ 242792 w 497737"/>
+              <a:gd name="connsiteY18" fmla="*/ 94415 h 497738"/>
+              <a:gd name="connsiteX19" fmla="*/ 113613 w 497737"/>
+              <a:gd name="connsiteY19" fmla="*/ 89748 h 497738"/>
+              <a:gd name="connsiteX20" fmla="*/ 113432 w 497737"/>
+              <a:gd name="connsiteY20" fmla="*/ 89511 h 497738"/>
+              <a:gd name="connsiteX21" fmla="*/ 113499 w 497737"/>
+              <a:gd name="connsiteY21" fmla="*/ 89386 h 497738"/>
+              <a:gd name="connsiteX22" fmla="*/ 384924 w 497737"/>
+              <a:gd name="connsiteY22" fmla="*/ 87804 h 497738"/>
+              <a:gd name="connsiteX23" fmla="*/ 250088 w 497737"/>
+              <a:gd name="connsiteY23" fmla="*/ 459622 h 497738"/>
+              <a:gd name="connsiteX24" fmla="*/ 91973 w 497737"/>
+              <a:gd name="connsiteY24" fmla="*/ 386718 h 497738"/>
+              <a:gd name="connsiteX25" fmla="*/ 92034 w 497737"/>
+              <a:gd name="connsiteY25" fmla="*/ 386429 h 497738"/>
+              <a:gd name="connsiteX26" fmla="*/ 92163 w 497737"/>
+              <a:gd name="connsiteY26" fmla="*/ 386394 h 497738"/>
+              <a:gd name="connsiteX27" fmla="*/ 178764 w 497737"/>
+              <a:gd name="connsiteY27" fmla="*/ 396738 h 497738"/>
+              <a:gd name="connsiteX28" fmla="*/ 304742 w 497737"/>
+              <a:gd name="connsiteY28" fmla="*/ 383956 h 497738"/>
+              <a:gd name="connsiteX29" fmla="*/ 393629 w 497737"/>
+              <a:gd name="connsiteY29" fmla="*/ 374050 h 497738"/>
+              <a:gd name="connsiteX30" fmla="*/ 417804 w 497737"/>
+              <a:gd name="connsiteY30" fmla="*/ 374755 h 497738"/>
+              <a:gd name="connsiteX31" fmla="*/ 250088 w 497737"/>
+              <a:gd name="connsiteY31" fmla="*/ 459622 h 497738"/>
+              <a:gd name="connsiteX32" fmla="*/ 439635 w 497737"/>
+              <a:gd name="connsiteY32" fmla="*/ 338122 h 497738"/>
+              <a:gd name="connsiteX33" fmla="*/ 393572 w 497737"/>
+              <a:gd name="connsiteY33" fmla="*/ 335950 h 497738"/>
+              <a:gd name="connsiteX34" fmla="*/ 297446 w 497737"/>
+              <a:gd name="connsiteY34" fmla="*/ 346542 h 497738"/>
+              <a:gd name="connsiteX35" fmla="*/ 178707 w 497737"/>
+              <a:gd name="connsiteY35" fmla="*/ 358638 h 497738"/>
+              <a:gd name="connsiteX36" fmla="*/ 71894 w 497737"/>
+              <a:gd name="connsiteY36" fmla="*/ 343398 h 497738"/>
+              <a:gd name="connsiteX37" fmla="*/ 62102 w 497737"/>
+              <a:gd name="connsiteY37" fmla="*/ 341398 h 497738"/>
+              <a:gd name="connsiteX38" fmla="*/ 40538 w 497737"/>
+              <a:gd name="connsiteY38" fmla="*/ 247501 h 497738"/>
+              <a:gd name="connsiteX39" fmla="*/ 40538 w 497737"/>
+              <a:gd name="connsiteY39" fmla="*/ 247501 h 497738"/>
+              <a:gd name="connsiteX40" fmla="*/ 83934 w 497737"/>
+              <a:gd name="connsiteY40" fmla="*/ 250415 h 497738"/>
+              <a:gd name="connsiteX41" fmla="*/ 217531 w 497737"/>
+              <a:gd name="connsiteY41" fmla="*/ 237690 h 497738"/>
+              <a:gd name="connsiteX42" fmla="*/ 313372 w 497737"/>
+              <a:gd name="connsiteY42" fmla="*/ 227708 h 497738"/>
+              <a:gd name="connsiteX43" fmla="*/ 459409 w 497737"/>
+              <a:gd name="connsiteY43" fmla="*/ 245920 h 497738"/>
+              <a:gd name="connsiteX44" fmla="*/ 459542 w 497737"/>
+              <a:gd name="connsiteY44" fmla="*/ 246091 h 497738"/>
+              <a:gd name="connsiteX45" fmla="*/ 439635 w 497737"/>
+              <a:gd name="connsiteY45" fmla="*/ 338122 h 497738"/>
+            </a:gdLst>
+            <a:ahLst/>
+            <a:cxnLst>
+              <a:cxn ang="0">
+                <a:pos x="connsiteX0" y="connsiteY0"/>
+              </a:cxn>
+              <a:cxn ang="0">
+                <a:pos x="connsiteX1" y="connsiteY1"/>
+              </a:cxn>
+              <a:cxn ang="0">
+                <a:pos x="connsiteX2" y="connsiteY2"/>
+              </a:cxn>
+              <a:cxn ang="0">
+                <a:pos x="connsiteX3" y="connsiteY3"/>
+              </a:cxn>
+              <a:cxn ang="0">
+                <a:pos x="connsiteX4" y="connsiteY4"/>
+              </a:cxn>
+              <a:cxn ang="0">
+                <a:pos x="connsiteX5" y="connsiteY5"/>
+              </a:cxn>
+              <a:cxn ang="0">
+                <a:pos x="connsiteX6" y="connsiteY6"/>
+              </a:cxn>
+              <a:cxn ang="0">
+                <a:pos x="connsiteX7" y="connsiteY7"/>
+              </a:cxn>
+              <a:cxn ang="0">
+                <a:pos x="connsiteX8" y="connsiteY8"/>
+              </a:cxn>
+              <a:cxn ang="0">
+                <a:pos x="connsiteX9" y="connsiteY9"/>
+              </a:cxn>
+              <a:cxn ang="0">
+                <a:pos x="connsiteX10" y="connsiteY10"/>
+              </a:cxn>
+              <a:cxn ang="0">
+                <a:pos x="connsiteX11" y="connsiteY11"/>
+              </a:cxn>
+              <a:cxn ang="0">
+                <a:pos x="connsiteX12" y="connsiteY12"/>
+              </a:cxn>
+              <a:cxn ang="0">
+                <a:pos x="connsiteX13" y="connsiteY13"/>
+              </a:cxn>
+              <a:cxn ang="0">
+                <a:pos x="connsiteX14" y="connsiteY14"/>
+              </a:cxn>
+              <a:cxn ang="0">
+                <a:pos x="connsiteX15" y="connsiteY15"/>
+              </a:cxn>
+              <a:cxn ang="0">
+                <a:pos x="connsiteX16" y="connsiteY16"/>
+              </a:cxn>
+              <a:cxn ang="0">
+                <a:pos x="connsiteX17" y="connsiteY17"/>
+              </a:cxn>
+              <a:cxn ang="0">
+                <a:pos x="connsiteX18" y="connsiteY18"/>
+              </a:cxn>
+              <a:cxn ang="0">
+                <a:pos x="connsiteX19" y="connsiteY19"/>
+              </a:cxn>
+              <a:cxn ang="0">
+                <a:pos x="connsiteX20" y="connsiteY20"/>
+              </a:cxn>
+              <a:cxn ang="0">
+                <a:pos x="connsiteX21" y="connsiteY21"/>
+              </a:cxn>
+              <a:cxn ang="0">
+                <a:pos x="connsiteX22" y="connsiteY22"/>
+              </a:cxn>
+              <a:cxn ang="0">
+                <a:pos x="connsiteX23" y="connsiteY23"/>
+              </a:cxn>
+              <a:cxn ang="0">
+                <a:pos x="connsiteX24" y="connsiteY24"/>
+              </a:cxn>
+              <a:cxn ang="0">
+                <a:pos x="connsiteX25" y="connsiteY25"/>
+              </a:cxn>
+              <a:cxn ang="0">
+                <a:pos x="connsiteX26" y="connsiteY26"/>
+              </a:cxn>
+              <a:cxn ang="0">
+                <a:pos x="connsiteX27" y="connsiteY27"/>
+              </a:cxn>
+              <a:cxn ang="0">
+                <a:pos x="connsiteX28" y="connsiteY28"/>
+              </a:cxn>
+              <a:cxn ang="0">
+                <a:pos x="connsiteX29" y="connsiteY29"/>
+              </a:cxn>
+              <a:cxn ang="0">
+                <a:pos x="connsiteX30" y="connsiteY30"/>
+              </a:cxn>
+              <a:cxn ang="0">
+                <a:pos x="connsiteX31" y="connsiteY31"/>
+              </a:cxn>
+              <a:cxn ang="0">
+                <a:pos x="connsiteX32" y="connsiteY32"/>
+              </a:cxn>
+              <a:cxn ang="0">
+                <a:pos x="connsiteX33" y="connsiteY33"/>
+              </a:cxn>
+              <a:cxn ang="0">
+                <a:pos x="connsiteX34" y="connsiteY34"/>
+              </a:cxn>
+              <a:cxn ang="0">
+                <a:pos x="connsiteX35" y="connsiteY35"/>
+              </a:cxn>
+              <a:cxn ang="0">
+                <a:pos x="connsiteX36" y="connsiteY36"/>
+              </a:cxn>
+              <a:cxn ang="0">
+                <a:pos x="connsiteX37" y="connsiteY37"/>
+              </a:cxn>
+              <a:cxn ang="0">
+                <a:pos x="connsiteX38" y="connsiteY38"/>
+              </a:cxn>
+              <a:cxn ang="0">
+                <a:pos x="connsiteX39" y="connsiteY39"/>
+              </a:cxn>
+              <a:cxn ang="0">
+                <a:pos x="connsiteX40" y="connsiteY40"/>
+              </a:cxn>
+              <a:cxn ang="0">
+                <a:pos x="connsiteX41" y="connsiteY41"/>
+              </a:cxn>
+              <a:cxn ang="0">
+                <a:pos x="connsiteX42" y="connsiteY42"/>
+              </a:cxn>
+              <a:cxn ang="0">
+                <a:pos x="connsiteX43" y="connsiteY43"/>
+              </a:cxn>
+              <a:cxn ang="0">
+                <a:pos x="connsiteX44" y="connsiteY44"/>
+              </a:cxn>
+              <a:cxn ang="0">
+                <a:pos x="connsiteX45" y="connsiteY45"/>
+              </a:cxn>
+            </a:cxnLst>
+            <a:rect l="l" t="t" r="r" b="b"/>
+            <a:pathLst>
+              <a:path w="497737" h="497738">
+                <a:moveTo>
+                  <a:pt x="250088" y="3"/>
+                </a:moveTo>
+                <a:cubicBezTo>
+                  <a:pt x="112642" y="-669"/>
+                  <a:pt x="676" y="110205"/>
+                  <a:pt x="3" y="247649"/>
+                </a:cubicBezTo>
+                <a:cubicBezTo>
+                  <a:pt x="-671" y="385095"/>
+                  <a:pt x="110203" y="497061"/>
+                  <a:pt x="247649" y="497736"/>
+                </a:cubicBezTo>
+                <a:cubicBezTo>
+                  <a:pt x="385095" y="498408"/>
+                  <a:pt x="497061" y="387533"/>
+                  <a:pt x="497734" y="250088"/>
+                </a:cubicBezTo>
+                <a:cubicBezTo>
+                  <a:pt x="497738" y="249676"/>
+                  <a:pt x="497738" y="249265"/>
+                  <a:pt x="497738" y="248853"/>
+                </a:cubicBezTo>
+                <a:cubicBezTo>
+                  <a:pt x="497667" y="111914"/>
+                  <a:pt x="387025" y="736"/>
+                  <a:pt x="250088" y="3"/>
+                </a:cubicBezTo>
+                <a:close/>
+                <a:moveTo>
+                  <a:pt x="455294" y="206124"/>
+                </a:moveTo>
+                <a:cubicBezTo>
+                  <a:pt x="408662" y="196016"/>
+                  <a:pt x="361155" y="190467"/>
+                  <a:pt x="313448" y="189551"/>
+                </a:cubicBezTo>
+                <a:cubicBezTo>
+                  <a:pt x="279095" y="189869"/>
+                  <a:pt x="244847" y="193395"/>
+                  <a:pt x="211149" y="200085"/>
+                </a:cubicBezTo>
+                <a:cubicBezTo>
+                  <a:pt x="169255" y="208193"/>
+                  <a:pt x="126682" y="212270"/>
+                  <a:pt x="84010" y="212258"/>
+                </a:cubicBezTo>
+                <a:cubicBezTo>
+                  <a:pt x="70743" y="212252"/>
+                  <a:pt x="57492" y="211349"/>
+                  <a:pt x="44348" y="209553"/>
+                </a:cubicBezTo>
+                <a:cubicBezTo>
+                  <a:pt x="50148" y="179020"/>
+                  <a:pt x="62647" y="150151"/>
+                  <a:pt x="80943" y="125028"/>
+                </a:cubicBezTo>
+                <a:cubicBezTo>
+                  <a:pt x="134755" y="130276"/>
+                  <a:pt x="188800" y="132820"/>
+                  <a:pt x="242868" y="132648"/>
+                </a:cubicBezTo>
+                <a:cubicBezTo>
+                  <a:pt x="301344" y="132722"/>
+                  <a:pt x="359778" y="129543"/>
+                  <a:pt x="417899" y="123123"/>
+                </a:cubicBezTo>
+                <a:cubicBezTo>
+                  <a:pt x="436279" y="147724"/>
+                  <a:pt x="449044" y="176057"/>
+                  <a:pt x="455294" y="206124"/>
+                </a:cubicBezTo>
+                <a:close/>
+                <a:moveTo>
+                  <a:pt x="384924" y="87804"/>
+                </a:moveTo>
+                <a:cubicBezTo>
+                  <a:pt x="385007" y="87867"/>
+                  <a:pt x="385026" y="87985"/>
+                  <a:pt x="384964" y="88071"/>
+                </a:cubicBezTo>
+                <a:cubicBezTo>
+                  <a:pt x="384931" y="88115"/>
+                  <a:pt x="384882" y="88142"/>
+                  <a:pt x="384828" y="88147"/>
+                </a:cubicBezTo>
+                <a:cubicBezTo>
+                  <a:pt x="340518" y="92167"/>
+                  <a:pt x="291483" y="94415"/>
+                  <a:pt x="242792" y="94415"/>
+                </a:cubicBezTo>
+                <a:cubicBezTo>
+                  <a:pt x="196748" y="94415"/>
+                  <a:pt x="152952" y="92777"/>
+                  <a:pt x="113613" y="89748"/>
+                </a:cubicBezTo>
+                <a:cubicBezTo>
+                  <a:pt x="113499" y="89732"/>
+                  <a:pt x="113417" y="89628"/>
+                  <a:pt x="113432" y="89511"/>
+                </a:cubicBezTo>
+                <a:cubicBezTo>
+                  <a:pt x="113440" y="89464"/>
+                  <a:pt x="113463" y="89418"/>
+                  <a:pt x="113499" y="89386"/>
+                </a:cubicBezTo>
+                <a:cubicBezTo>
+                  <a:pt x="191059" y="21613"/>
+                  <a:pt x="306579" y="20941"/>
+                  <a:pt x="384924" y="87804"/>
+                </a:cubicBezTo>
+                <a:close/>
+                <a:moveTo>
+                  <a:pt x="250088" y="459622"/>
+                </a:moveTo>
+                <a:cubicBezTo>
+                  <a:pt x="189274" y="459539"/>
+                  <a:pt x="131526" y="432912"/>
+                  <a:pt x="91973" y="386718"/>
+                </a:cubicBezTo>
+                <a:cubicBezTo>
+                  <a:pt x="91910" y="386621"/>
+                  <a:pt x="91936" y="386491"/>
+                  <a:pt x="92034" y="386429"/>
+                </a:cubicBezTo>
+                <a:cubicBezTo>
+                  <a:pt x="92072" y="386402"/>
+                  <a:pt x="92117" y="386390"/>
+                  <a:pt x="92163" y="386394"/>
+                </a:cubicBezTo>
+                <a:cubicBezTo>
+                  <a:pt x="120645" y="392534"/>
+                  <a:pt x="149639" y="395995"/>
+                  <a:pt x="178764" y="396738"/>
+                </a:cubicBezTo>
+                <a:cubicBezTo>
+                  <a:pt x="221095" y="397034"/>
+                  <a:pt x="263333" y="392749"/>
+                  <a:pt x="304742" y="383956"/>
+                </a:cubicBezTo>
+                <a:cubicBezTo>
+                  <a:pt x="333927" y="377454"/>
+                  <a:pt x="363730" y="374134"/>
+                  <a:pt x="393629" y="374050"/>
+                </a:cubicBezTo>
+                <a:cubicBezTo>
+                  <a:pt x="401649" y="374050"/>
+                  <a:pt x="409746" y="374374"/>
+                  <a:pt x="417804" y="374755"/>
+                </a:cubicBezTo>
+                <a:cubicBezTo>
+                  <a:pt x="378517" y="428038"/>
+                  <a:pt x="316288" y="459527"/>
+                  <a:pt x="250088" y="459622"/>
+                </a:cubicBezTo>
+                <a:close/>
+                <a:moveTo>
+                  <a:pt x="439635" y="338122"/>
+                </a:moveTo>
+                <a:cubicBezTo>
+                  <a:pt x="424395" y="336826"/>
+                  <a:pt x="408946" y="335950"/>
+                  <a:pt x="393572" y="335950"/>
+                </a:cubicBezTo>
+                <a:cubicBezTo>
+                  <a:pt x="361243" y="336028"/>
+                  <a:pt x="329016" y="339579"/>
+                  <a:pt x="297446" y="346542"/>
+                </a:cubicBezTo>
+                <a:cubicBezTo>
+                  <a:pt x="258428" y="354901"/>
+                  <a:pt x="218609" y="358956"/>
+                  <a:pt x="178707" y="358638"/>
+                </a:cubicBezTo>
+                <a:cubicBezTo>
+                  <a:pt x="142695" y="357000"/>
+                  <a:pt x="106927" y="351897"/>
+                  <a:pt x="71894" y="343398"/>
+                </a:cubicBezTo>
+                <a:lnTo>
+                  <a:pt x="62102" y="341398"/>
+                </a:lnTo>
+                <a:cubicBezTo>
+                  <a:pt x="47739" y="312191"/>
+                  <a:pt x="40357" y="280048"/>
+                  <a:pt x="40538" y="247501"/>
+                </a:cubicBezTo>
+                <a:lnTo>
+                  <a:pt x="40538" y="247501"/>
+                </a:lnTo>
+                <a:cubicBezTo>
+                  <a:pt x="54924" y="249408"/>
+                  <a:pt x="69421" y="250381"/>
+                  <a:pt x="83934" y="250415"/>
+                </a:cubicBezTo>
+                <a:cubicBezTo>
+                  <a:pt x="128768" y="250406"/>
+                  <a:pt x="173501" y="246144"/>
+                  <a:pt x="217531" y="237690"/>
+                </a:cubicBezTo>
+                <a:cubicBezTo>
+                  <a:pt x="249101" y="231407"/>
+                  <a:pt x="281185" y="228066"/>
+                  <a:pt x="313372" y="227708"/>
+                </a:cubicBezTo>
+                <a:cubicBezTo>
+                  <a:pt x="362544" y="228794"/>
+                  <a:pt x="411477" y="234895"/>
+                  <a:pt x="459409" y="245920"/>
+                </a:cubicBezTo>
+                <a:lnTo>
+                  <a:pt x="459542" y="246091"/>
+                </a:lnTo>
+                <a:cubicBezTo>
+                  <a:pt x="459954" y="277880"/>
+                  <a:pt x="453147" y="309346"/>
+                  <a:pt x="439635" y="338122"/>
+                </a:cubicBezTo>
+                <a:close/>
+              </a:path>
+            </a:pathLst>
+          </a:custGeom>
+          <a:solidFill>
+            <a:srgbClr val="000000"/>
+          </a:solidFill>
+          <a:ln w="12700" cap="flat">
+            <a:solidFill>
+              <a:srgbClr val="FF0000"/>
+            </a:solidFill>
+            <a:prstDash val="solid"/>
+            <a:miter/>
+          </a:ln>
         </p:spPr>
-      </p:pic>
-      <p:pic>
-        <p:nvPicPr>
-          <p:cNvPr id="27" name="Graphic 26" descr="Mars outline">
+        <p:txBody>
+          <a:bodyPr rtlCol="0" anchor="ctr"/>
+          <a:lstStyle/>
+          <a:p>
+            <a:endParaRPr lang="en-US"/>
+          </a:p>
+        </p:txBody>
+      </p:sp>
+      <p:sp>
+        <p:nvSpPr>
+          <p:cNvPr id="17" name="任意多边形: 形状 16">
             <a:extLst>
               <a:ext uri="{FF2B5EF4-FFF2-40B4-BE49-F238E27FC236}">
-                <a16:creationId xmlns:a16="http://schemas.microsoft.com/office/drawing/2014/main" id="{33313522-2855-C628-1D39-DF0F049104D0}"/>
+                <a16:creationId xmlns:a16="http://schemas.microsoft.com/office/drawing/2014/main" id="{D60E2491-976E-A4CD-64BC-92C028AC597C}"/>
               </a:ext>
             </a:extLst>
           </p:cNvPr>
-          <p:cNvPicPr>
-            <a:picLocks noChangeAspect="1"/>
-          </p:cNvPicPr>
+          <p:cNvSpPr/>
           <p:nvPr/>
-        </p:nvPicPr>
-        <p:blipFill>
-          <a:blip r:embed="rId7">
+        </p:nvSpPr>
+        <p:spPr>
+          <a:xfrm>
+            <a:off x="8202768" y="7484631"/>
+            <a:ext cx="118917" cy="113531"/>
+          </a:xfrm>
+          <a:custGeom>
+            <a:avLst/>
+            <a:gdLst>
+              <a:gd name="connsiteX0" fmla="*/ 14726 w 29299"/>
+              <a:gd name="connsiteY0" fmla="*/ 0 h 29299"/>
+              <a:gd name="connsiteX1" fmla="*/ 0 w 29299"/>
+              <a:gd name="connsiteY1" fmla="*/ 14573 h 29299"/>
+              <a:gd name="connsiteX2" fmla="*/ 14573 w 29299"/>
+              <a:gd name="connsiteY2" fmla="*/ 29299 h 29299"/>
+              <a:gd name="connsiteX3" fmla="*/ 29299 w 29299"/>
+              <a:gd name="connsiteY3" fmla="*/ 14726 h 29299"/>
+              <a:gd name="connsiteX4" fmla="*/ 29299 w 29299"/>
+              <a:gd name="connsiteY4" fmla="*/ 14631 h 29299"/>
+              <a:gd name="connsiteX5" fmla="*/ 14726 w 29299"/>
+              <a:gd name="connsiteY5" fmla="*/ 0 h 29299"/>
+            </a:gdLst>
+            <a:ahLst/>
+            <a:cxnLst>
+              <a:cxn ang="0">
+                <a:pos x="connsiteX0" y="connsiteY0"/>
+              </a:cxn>
+              <a:cxn ang="0">
+                <a:pos x="connsiteX1" y="connsiteY1"/>
+              </a:cxn>
+              <a:cxn ang="0">
+                <a:pos x="connsiteX2" y="connsiteY2"/>
+              </a:cxn>
+              <a:cxn ang="0">
+                <a:pos x="connsiteX3" y="connsiteY3"/>
+              </a:cxn>
+              <a:cxn ang="0">
+                <a:pos x="connsiteX4" y="connsiteY4"/>
+              </a:cxn>
+              <a:cxn ang="0">
+                <a:pos x="connsiteX5" y="connsiteY5"/>
+              </a:cxn>
+            </a:cxnLst>
+            <a:rect l="l" t="t" r="r" b="b"/>
+            <a:pathLst>
+              <a:path w="29299" h="29299">
+                <a:moveTo>
+                  <a:pt x="14726" y="0"/>
+                </a:moveTo>
+                <a:cubicBezTo>
+                  <a:pt x="6635" y="-42"/>
+                  <a:pt x="42" y="6483"/>
+                  <a:pt x="0" y="14573"/>
+                </a:cubicBezTo>
+                <a:cubicBezTo>
+                  <a:pt x="-42" y="22664"/>
+                  <a:pt x="6483" y="29257"/>
+                  <a:pt x="14573" y="29299"/>
+                </a:cubicBezTo>
+                <a:cubicBezTo>
+                  <a:pt x="22664" y="29341"/>
+                  <a:pt x="29257" y="22816"/>
+                  <a:pt x="29299" y="14726"/>
+                </a:cubicBezTo>
+                <a:cubicBezTo>
+                  <a:pt x="29299" y="14693"/>
+                  <a:pt x="29299" y="14663"/>
+                  <a:pt x="29299" y="14631"/>
+                </a:cubicBezTo>
+                <a:cubicBezTo>
+                  <a:pt x="29311" y="6569"/>
+                  <a:pt x="22788" y="21"/>
+                  <a:pt x="14726" y="0"/>
+                </a:cubicBezTo>
+                <a:close/>
+              </a:path>
+            </a:pathLst>
+          </a:custGeom>
+          <a:solidFill>
+            <a:srgbClr val="000000"/>
+          </a:solidFill>
+          <a:ln w="12700" cap="flat">
+            <a:solidFill>
+              <a:srgbClr val="FF0000"/>
+            </a:solidFill>
+            <a:prstDash val="solid"/>
+            <a:miter/>
+          </a:ln>
+        </p:spPr>
+        <p:txBody>
+          <a:bodyPr rtlCol="0" anchor="ctr"/>
+          <a:lstStyle/>
+          <a:p>
+            <a:endParaRPr lang="en-US"/>
+          </a:p>
+        </p:txBody>
+      </p:sp>
+      <p:sp>
+        <p:nvSpPr>
+          <p:cNvPr id="18" name="任意多边形: 形状 17">
             <a:extLst>
-              <a:ext uri="{96DAC541-7B7A-43D3-8B79-37D633B846F1}">
-                <asvg:svgBlip xmlns:asvg="http://schemas.microsoft.com/office/drawing/2016/SVG/main" r:embed="rId8"/>
+              <a:ext uri="{FF2B5EF4-FFF2-40B4-BE49-F238E27FC236}">
+                <a16:creationId xmlns:a16="http://schemas.microsoft.com/office/drawing/2014/main" id="{13E28181-BAB4-3C56-D2AB-0F2BEF57D09E}"/>
               </a:ext>
             </a:extLst>
-          </a:blip>
-          <a:stretch>
-            <a:fillRect/>
-          </a:stretch>
-        </p:blipFill>
+          </p:cNvPr>
+          <p:cNvSpPr/>
+          <p:nvPr/>
+        </p:nvSpPr>
         <p:spPr>
           <a:xfrm>
-            <a:off x="8986800" y="8986800"/>
-            <a:ext cx="914400" cy="914400"/>
+            <a:off x="7553904" y="7115105"/>
+            <a:ext cx="118917" cy="113531"/>
           </a:xfrm>
-          <a:prstGeom prst="rect">
+          <a:custGeom>
             <a:avLst/>
-          </a:prstGeom>
+            <a:gdLst>
+              <a:gd name="connsiteX0" fmla="*/ 14573 w 29299"/>
+              <a:gd name="connsiteY0" fmla="*/ 29299 h 29299"/>
+              <a:gd name="connsiteX1" fmla="*/ 29299 w 29299"/>
+              <a:gd name="connsiteY1" fmla="*/ 14726 h 29299"/>
+              <a:gd name="connsiteX2" fmla="*/ 14726 w 29299"/>
+              <a:gd name="connsiteY2" fmla="*/ 0 h 29299"/>
+              <a:gd name="connsiteX3" fmla="*/ 0 w 29299"/>
+              <a:gd name="connsiteY3" fmla="*/ 14573 h 29299"/>
+              <a:gd name="connsiteX4" fmla="*/ 0 w 29299"/>
+              <a:gd name="connsiteY4" fmla="*/ 14650 h 29299"/>
+              <a:gd name="connsiteX5" fmla="*/ 14573 w 29299"/>
+              <a:gd name="connsiteY5" fmla="*/ 29299 h 29299"/>
+            </a:gdLst>
+            <a:ahLst/>
+            <a:cxnLst>
+              <a:cxn ang="0">
+                <a:pos x="connsiteX0" y="connsiteY0"/>
+              </a:cxn>
+              <a:cxn ang="0">
+                <a:pos x="connsiteX1" y="connsiteY1"/>
+              </a:cxn>
+              <a:cxn ang="0">
+                <a:pos x="connsiteX2" y="connsiteY2"/>
+              </a:cxn>
+              <a:cxn ang="0">
+                <a:pos x="connsiteX3" y="connsiteY3"/>
+              </a:cxn>
+              <a:cxn ang="0">
+                <a:pos x="connsiteX4" y="connsiteY4"/>
+              </a:cxn>
+              <a:cxn ang="0">
+                <a:pos x="connsiteX5" y="connsiteY5"/>
+              </a:cxn>
+            </a:cxnLst>
+            <a:rect l="l" t="t" r="r" b="b"/>
+            <a:pathLst>
+              <a:path w="29299" h="29299">
+                <a:moveTo>
+                  <a:pt x="14573" y="29299"/>
+                </a:moveTo>
+                <a:cubicBezTo>
+                  <a:pt x="22664" y="29341"/>
+                  <a:pt x="29257" y="22816"/>
+                  <a:pt x="29299" y="14726"/>
+                </a:cubicBezTo>
+                <a:cubicBezTo>
+                  <a:pt x="29341" y="6635"/>
+                  <a:pt x="22816" y="42"/>
+                  <a:pt x="14726" y="0"/>
+                </a:cubicBezTo>
+                <a:cubicBezTo>
+                  <a:pt x="6635" y="-42"/>
+                  <a:pt x="42" y="6483"/>
+                  <a:pt x="0" y="14573"/>
+                </a:cubicBezTo>
+                <a:cubicBezTo>
+                  <a:pt x="0" y="14598"/>
+                  <a:pt x="0" y="14625"/>
+                  <a:pt x="0" y="14650"/>
+                </a:cubicBezTo>
+                <a:cubicBezTo>
+                  <a:pt x="-21" y="22719"/>
+                  <a:pt x="6504" y="29278"/>
+                  <a:pt x="14573" y="29299"/>
+                </a:cubicBezTo>
+                <a:close/>
+              </a:path>
+            </a:pathLst>
+          </a:custGeom>
+          <a:solidFill>
+            <a:srgbClr val="000000"/>
+          </a:solidFill>
+          <a:ln w="12700" cap="flat">
+            <a:solidFill>
+              <a:srgbClr val="FF0000"/>
+            </a:solidFill>
+            <a:prstDash val="solid"/>
+            <a:miter/>
+          </a:ln>
         </p:spPr>
-      </p:pic>
+        <p:txBody>
+          <a:bodyPr rtlCol="0" anchor="ctr"/>
+          <a:lstStyle/>
+          <a:p>
+            <a:endParaRPr lang="en-US"/>
+          </a:p>
+        </p:txBody>
+      </p:sp>
+      <p:sp>
+        <p:nvSpPr>
+          <p:cNvPr id="19" name="任意多边形: 形状 18">
+            <a:extLst>
+              <a:ext uri="{FF2B5EF4-FFF2-40B4-BE49-F238E27FC236}">
+                <a16:creationId xmlns:a16="http://schemas.microsoft.com/office/drawing/2014/main" id="{6C80B3AD-6692-A7E4-09C1-1C22B6268B48}"/>
+              </a:ext>
+            </a:extLst>
+          </p:cNvPr>
+          <p:cNvSpPr/>
+          <p:nvPr/>
+        </p:nvSpPr>
+        <p:spPr>
+          <a:xfrm>
+            <a:off x="7861866" y="8518141"/>
+            <a:ext cx="118917" cy="113531"/>
+          </a:xfrm>
+          <a:custGeom>
+            <a:avLst/>
+            <a:gdLst>
+              <a:gd name="connsiteX0" fmla="*/ 14726 w 29299"/>
+              <a:gd name="connsiteY0" fmla="*/ 0 h 29299"/>
+              <a:gd name="connsiteX1" fmla="*/ 0 w 29299"/>
+              <a:gd name="connsiteY1" fmla="*/ 14573 h 29299"/>
+              <a:gd name="connsiteX2" fmla="*/ 14573 w 29299"/>
+              <a:gd name="connsiteY2" fmla="*/ 29299 h 29299"/>
+              <a:gd name="connsiteX3" fmla="*/ 29299 w 29299"/>
+              <a:gd name="connsiteY3" fmla="*/ 14726 h 29299"/>
+              <a:gd name="connsiteX4" fmla="*/ 29299 w 29299"/>
+              <a:gd name="connsiteY4" fmla="*/ 14631 h 29299"/>
+              <a:gd name="connsiteX5" fmla="*/ 14745 w 29299"/>
+              <a:gd name="connsiteY5" fmla="*/ 0 h 29299"/>
+              <a:gd name="connsiteX6" fmla="*/ 14726 w 29299"/>
+              <a:gd name="connsiteY6" fmla="*/ 0 h 29299"/>
+            </a:gdLst>
+            <a:ahLst/>
+            <a:cxnLst>
+              <a:cxn ang="0">
+                <a:pos x="connsiteX0" y="connsiteY0"/>
+              </a:cxn>
+              <a:cxn ang="0">
+                <a:pos x="connsiteX1" y="connsiteY1"/>
+              </a:cxn>
+              <a:cxn ang="0">
+                <a:pos x="connsiteX2" y="connsiteY2"/>
+              </a:cxn>
+              <a:cxn ang="0">
+                <a:pos x="connsiteX3" y="connsiteY3"/>
+              </a:cxn>
+              <a:cxn ang="0">
+                <a:pos x="connsiteX4" y="connsiteY4"/>
+              </a:cxn>
+              <a:cxn ang="0">
+                <a:pos x="connsiteX5" y="connsiteY5"/>
+              </a:cxn>
+              <a:cxn ang="0">
+                <a:pos x="connsiteX6" y="connsiteY6"/>
+              </a:cxn>
+            </a:cxnLst>
+            <a:rect l="l" t="t" r="r" b="b"/>
+            <a:pathLst>
+              <a:path w="29299" h="29299">
+                <a:moveTo>
+                  <a:pt x="14726" y="0"/>
+                </a:moveTo>
+                <a:cubicBezTo>
+                  <a:pt x="6635" y="-42"/>
+                  <a:pt x="42" y="6483"/>
+                  <a:pt x="0" y="14573"/>
+                </a:cubicBezTo>
+                <a:cubicBezTo>
+                  <a:pt x="-42" y="22664"/>
+                  <a:pt x="6483" y="29257"/>
+                  <a:pt x="14573" y="29299"/>
+                </a:cubicBezTo>
+                <a:cubicBezTo>
+                  <a:pt x="22664" y="29341"/>
+                  <a:pt x="29257" y="22816"/>
+                  <a:pt x="29299" y="14726"/>
+                </a:cubicBezTo>
+                <a:cubicBezTo>
+                  <a:pt x="29299" y="14693"/>
+                  <a:pt x="29299" y="14663"/>
+                  <a:pt x="29299" y="14631"/>
+                </a:cubicBezTo>
+                <a:cubicBezTo>
+                  <a:pt x="29320" y="6571"/>
+                  <a:pt x="22805" y="21"/>
+                  <a:pt x="14745" y="0"/>
+                </a:cubicBezTo>
+                <a:cubicBezTo>
+                  <a:pt x="14739" y="0"/>
+                  <a:pt x="14732" y="0"/>
+                  <a:pt x="14726" y="0"/>
+                </a:cubicBezTo>
+                <a:close/>
+              </a:path>
+            </a:pathLst>
+          </a:custGeom>
+          <a:solidFill>
+            <a:srgbClr val="000000"/>
+          </a:solidFill>
+          <a:ln w="12700" cap="flat">
+            <a:solidFill>
+              <a:srgbClr val="FF0000"/>
+            </a:solidFill>
+            <a:prstDash val="solid"/>
+            <a:miter/>
+          </a:ln>
+        </p:spPr>
+        <p:txBody>
+          <a:bodyPr rtlCol="0" anchor="ctr"/>
+          <a:lstStyle/>
+          <a:p>
+            <a:endParaRPr lang="en-US"/>
+          </a:p>
+        </p:txBody>
+      </p:sp>
+      <p:sp>
+        <p:nvSpPr>
+          <p:cNvPr id="20" name="任意多边形: 形状 19">
+            <a:extLst>
+              <a:ext uri="{FF2B5EF4-FFF2-40B4-BE49-F238E27FC236}">
+                <a16:creationId xmlns:a16="http://schemas.microsoft.com/office/drawing/2014/main" id="{FFF0EE0D-C9D1-F35D-34B9-483F64EFBCBE}"/>
+              </a:ext>
+            </a:extLst>
+          </p:cNvPr>
+          <p:cNvSpPr/>
+          <p:nvPr/>
+        </p:nvSpPr>
+        <p:spPr>
+          <a:xfrm>
+            <a:off x="7382333" y="7971229"/>
+            <a:ext cx="243553" cy="232517"/>
+          </a:xfrm>
+          <a:custGeom>
+            <a:avLst/>
+            <a:gdLst>
+              <a:gd name="connsiteX0" fmla="*/ 30176 w 60007"/>
+              <a:gd name="connsiteY0" fmla="*/ 1 h 60006"/>
+              <a:gd name="connsiteX1" fmla="*/ 0 w 60007"/>
+              <a:gd name="connsiteY1" fmla="*/ 29833 h 60006"/>
+              <a:gd name="connsiteX2" fmla="*/ 29833 w 60007"/>
+              <a:gd name="connsiteY2" fmla="*/ 60006 h 60006"/>
+              <a:gd name="connsiteX3" fmla="*/ 60008 w 60007"/>
+              <a:gd name="connsiteY3" fmla="*/ 30176 h 60006"/>
+              <a:gd name="connsiteX4" fmla="*/ 60008 w 60007"/>
+              <a:gd name="connsiteY4" fmla="*/ 29947 h 60006"/>
+              <a:gd name="connsiteX5" fmla="*/ 30176 w 60007"/>
+              <a:gd name="connsiteY5" fmla="*/ 1 h 60006"/>
+            </a:gdLst>
+            <a:ahLst/>
+            <a:cxnLst>
+              <a:cxn ang="0">
+                <a:pos x="connsiteX0" y="connsiteY0"/>
+              </a:cxn>
+              <a:cxn ang="0">
+                <a:pos x="connsiteX1" y="connsiteY1"/>
+              </a:cxn>
+              <a:cxn ang="0">
+                <a:pos x="connsiteX2" y="connsiteY2"/>
+              </a:cxn>
+              <a:cxn ang="0">
+                <a:pos x="connsiteX3" y="connsiteY3"/>
+              </a:cxn>
+              <a:cxn ang="0">
+                <a:pos x="connsiteX4" y="connsiteY4"/>
+              </a:cxn>
+              <a:cxn ang="0">
+                <a:pos x="connsiteX5" y="connsiteY5"/>
+              </a:cxn>
+            </a:cxnLst>
+            <a:rect l="l" t="t" r="r" b="b"/>
+            <a:pathLst>
+              <a:path w="60007" h="60006">
+                <a:moveTo>
+                  <a:pt x="30176" y="1"/>
+                </a:moveTo>
+                <a:cubicBezTo>
+                  <a:pt x="13606" y="-95"/>
+                  <a:pt x="96" y="13261"/>
+                  <a:pt x="0" y="29833"/>
+                </a:cubicBezTo>
+                <a:cubicBezTo>
+                  <a:pt x="-93" y="46403"/>
+                  <a:pt x="13263" y="59913"/>
+                  <a:pt x="29833" y="60006"/>
+                </a:cubicBezTo>
+                <a:cubicBezTo>
+                  <a:pt x="46402" y="60101"/>
+                  <a:pt x="59913" y="46745"/>
+                  <a:pt x="60008" y="30176"/>
+                </a:cubicBezTo>
+                <a:cubicBezTo>
+                  <a:pt x="60008" y="30100"/>
+                  <a:pt x="60008" y="30023"/>
+                  <a:pt x="60008" y="29947"/>
+                </a:cubicBezTo>
+                <a:cubicBezTo>
+                  <a:pt x="60019" y="13448"/>
+                  <a:pt x="46675" y="54"/>
+                  <a:pt x="30176" y="1"/>
+                </a:cubicBezTo>
+                <a:close/>
+              </a:path>
+            </a:pathLst>
+          </a:custGeom>
+          <a:solidFill>
+            <a:srgbClr val="000000"/>
+          </a:solidFill>
+          <a:ln w="12700" cap="flat">
+            <a:solidFill>
+              <a:srgbClr val="FF0000"/>
+            </a:solidFill>
+            <a:prstDash val="solid"/>
+            <a:miter/>
+          </a:ln>
+        </p:spPr>
+        <p:txBody>
+          <a:bodyPr rtlCol="0" anchor="ctr"/>
+          <a:lstStyle/>
+          <a:p>
+            <a:endParaRPr lang="en-US"/>
+          </a:p>
+        </p:txBody>
+      </p:sp>
+      <p:sp>
+        <p:nvSpPr>
+          <p:cNvPr id="21" name="任意多边形: 形状 20">
+            <a:extLst>
+              <a:ext uri="{FF2B5EF4-FFF2-40B4-BE49-F238E27FC236}">
+                <a16:creationId xmlns:a16="http://schemas.microsoft.com/office/drawing/2014/main" id="{EFFD8219-2A26-DA10-EFA7-CC0FD6F4AB55}"/>
+              </a:ext>
+            </a:extLst>
+          </p:cNvPr>
+          <p:cNvSpPr/>
+          <p:nvPr/>
+        </p:nvSpPr>
+        <p:spPr>
+          <a:xfrm>
+            <a:off x="5741933" y="6263999"/>
+            <a:ext cx="850511" cy="959619"/>
+          </a:xfrm>
+          <a:custGeom>
+            <a:avLst/>
+            <a:gdLst>
+              <a:gd name="connsiteX0" fmla="*/ 104775 w 209550"/>
+              <a:gd name="connsiteY0" fmla="*/ 85896 h 247650"/>
+              <a:gd name="connsiteX1" fmla="*/ 140170 w 209550"/>
+              <a:gd name="connsiteY1" fmla="*/ 123825 h 247650"/>
+              <a:gd name="connsiteX2" fmla="*/ 104775 w 209550"/>
+              <a:gd name="connsiteY2" fmla="*/ 161754 h 247650"/>
+              <a:gd name="connsiteX3" fmla="*/ 69380 w 209550"/>
+              <a:gd name="connsiteY3" fmla="*/ 123825 h 247650"/>
+              <a:gd name="connsiteX4" fmla="*/ 104775 w 209550"/>
+              <a:gd name="connsiteY4" fmla="*/ 85896 h 247650"/>
+              <a:gd name="connsiteX5" fmla="*/ 104775 w 209550"/>
+              <a:gd name="connsiteY5" fmla="*/ 0 h 247650"/>
+              <a:gd name="connsiteX6" fmla="*/ 0 w 209550"/>
+              <a:gd name="connsiteY6" fmla="*/ 123825 h 247650"/>
+              <a:gd name="connsiteX7" fmla="*/ 104775 w 209550"/>
+              <a:gd name="connsiteY7" fmla="*/ 247650 h 247650"/>
+              <a:gd name="connsiteX8" fmla="*/ 209550 w 209550"/>
+              <a:gd name="connsiteY8" fmla="*/ 123825 h 247650"/>
+              <a:gd name="connsiteX9" fmla="*/ 104775 w 209550"/>
+              <a:gd name="connsiteY9" fmla="*/ 0 h 247650"/>
+            </a:gdLst>
+            <a:ahLst/>
+            <a:cxnLst>
+              <a:cxn ang="0">
+                <a:pos x="connsiteX0" y="connsiteY0"/>
+              </a:cxn>
+              <a:cxn ang="0">
+                <a:pos x="connsiteX1" y="connsiteY1"/>
+              </a:cxn>
+              <a:cxn ang="0">
+                <a:pos x="connsiteX2" y="connsiteY2"/>
+              </a:cxn>
+              <a:cxn ang="0">
+                <a:pos x="connsiteX3" y="connsiteY3"/>
+              </a:cxn>
+              <a:cxn ang="0">
+                <a:pos x="connsiteX4" y="connsiteY4"/>
+              </a:cxn>
+              <a:cxn ang="0">
+                <a:pos x="connsiteX5" y="connsiteY5"/>
+              </a:cxn>
+              <a:cxn ang="0">
+                <a:pos x="connsiteX6" y="connsiteY6"/>
+              </a:cxn>
+              <a:cxn ang="0">
+                <a:pos x="connsiteX7" y="connsiteY7"/>
+              </a:cxn>
+              <a:cxn ang="0">
+                <a:pos x="connsiteX8" y="connsiteY8"/>
+              </a:cxn>
+              <a:cxn ang="0">
+                <a:pos x="connsiteX9" y="connsiteY9"/>
+              </a:cxn>
+            </a:cxnLst>
+            <a:rect l="l" t="t" r="r" b="b"/>
+            <a:pathLst>
+              <a:path w="209550" h="247650">
+                <a:moveTo>
+                  <a:pt x="104775" y="85896"/>
+                </a:moveTo>
+                <a:cubicBezTo>
+                  <a:pt x="115104" y="99835"/>
+                  <a:pt x="126978" y="112559"/>
+                  <a:pt x="140170" y="123825"/>
+                </a:cubicBezTo>
+                <a:cubicBezTo>
+                  <a:pt x="126978" y="135091"/>
+                  <a:pt x="115104" y="147815"/>
+                  <a:pt x="104775" y="161754"/>
+                </a:cubicBezTo>
+                <a:cubicBezTo>
+                  <a:pt x="94446" y="147815"/>
+                  <a:pt x="82572" y="135091"/>
+                  <a:pt x="69380" y="123825"/>
+                </a:cubicBezTo>
+                <a:cubicBezTo>
+                  <a:pt x="82572" y="112559"/>
+                  <a:pt x="94446" y="99835"/>
+                  <a:pt x="104775" y="85896"/>
+                </a:cubicBezTo>
+                <a:close/>
+                <a:moveTo>
+                  <a:pt x="104775" y="0"/>
+                </a:moveTo>
+                <a:cubicBezTo>
+                  <a:pt x="89571" y="54576"/>
+                  <a:pt x="51306" y="99798"/>
+                  <a:pt x="0" y="123825"/>
+                </a:cubicBezTo>
+                <a:cubicBezTo>
+                  <a:pt x="51306" y="147853"/>
+                  <a:pt x="89571" y="193074"/>
+                  <a:pt x="104775" y="247650"/>
+                </a:cubicBezTo>
+                <a:cubicBezTo>
+                  <a:pt x="119979" y="193074"/>
+                  <a:pt x="158245" y="147853"/>
+                  <a:pt x="209550" y="123825"/>
+                </a:cubicBezTo>
+                <a:cubicBezTo>
+                  <a:pt x="158245" y="99798"/>
+                  <a:pt x="119979" y="54576"/>
+                  <a:pt x="104775" y="0"/>
+                </a:cubicBezTo>
+                <a:close/>
+              </a:path>
+            </a:pathLst>
+          </a:custGeom>
+          <a:solidFill>
+            <a:srgbClr val="000000"/>
+          </a:solidFill>
+          <a:ln w="12700" cap="flat">
+            <a:solidFill>
+              <a:srgbClr val="0000FF"/>
+            </a:solidFill>
+            <a:prstDash val="solid"/>
+            <a:miter/>
+          </a:ln>
+        </p:spPr>
+        <p:txBody>
+          <a:bodyPr rtlCol="0" anchor="ctr"/>
+          <a:lstStyle/>
+          <a:p>
+            <a:endParaRPr lang="en-US"/>
+          </a:p>
+        </p:txBody>
+      </p:sp>
+      <p:sp>
+        <p:nvSpPr>
+          <p:cNvPr id="22" name="任意多边形: 形状 21">
+            <a:extLst>
+              <a:ext uri="{FF2B5EF4-FFF2-40B4-BE49-F238E27FC236}">
+                <a16:creationId xmlns:a16="http://schemas.microsoft.com/office/drawing/2014/main" id="{5D000A0F-5DF3-131B-79D0-D248F50976FA}"/>
+              </a:ext>
+            </a:extLst>
+          </p:cNvPr>
+          <p:cNvSpPr/>
+          <p:nvPr/>
+        </p:nvSpPr>
+        <p:spPr>
+          <a:xfrm>
+            <a:off x="5772861" y="8773772"/>
+            <a:ext cx="587621" cy="664352"/>
+          </a:xfrm>
+          <a:custGeom>
+            <a:avLst/>
+            <a:gdLst>
+              <a:gd name="connsiteX0" fmla="*/ 72390 w 144779"/>
+              <a:gd name="connsiteY0" fmla="*/ 74847 h 171450"/>
+              <a:gd name="connsiteX1" fmla="*/ 82467 w 144779"/>
+              <a:gd name="connsiteY1" fmla="*/ 85725 h 171450"/>
+              <a:gd name="connsiteX2" fmla="*/ 72390 w 144779"/>
+              <a:gd name="connsiteY2" fmla="*/ 96603 h 171450"/>
+              <a:gd name="connsiteX3" fmla="*/ 62313 w 144779"/>
+              <a:gd name="connsiteY3" fmla="*/ 85725 h 171450"/>
+              <a:gd name="connsiteX4" fmla="*/ 72390 w 144779"/>
+              <a:gd name="connsiteY4" fmla="*/ 74847 h 171450"/>
+              <a:gd name="connsiteX5" fmla="*/ 72390 w 144779"/>
+              <a:gd name="connsiteY5" fmla="*/ 0 h 171450"/>
+              <a:gd name="connsiteX6" fmla="*/ 0 w 144779"/>
+              <a:gd name="connsiteY6" fmla="*/ 85725 h 171450"/>
+              <a:gd name="connsiteX7" fmla="*/ 72390 w 144779"/>
+              <a:gd name="connsiteY7" fmla="*/ 171450 h 171450"/>
+              <a:gd name="connsiteX8" fmla="*/ 144780 w 144779"/>
+              <a:gd name="connsiteY8" fmla="*/ 85725 h 171450"/>
+              <a:gd name="connsiteX9" fmla="*/ 72390 w 144779"/>
+              <a:gd name="connsiteY9" fmla="*/ 0 h 171450"/>
+            </a:gdLst>
+            <a:ahLst/>
+            <a:cxnLst>
+              <a:cxn ang="0">
+                <a:pos x="connsiteX0" y="connsiteY0"/>
+              </a:cxn>
+              <a:cxn ang="0">
+                <a:pos x="connsiteX1" y="connsiteY1"/>
+              </a:cxn>
+              <a:cxn ang="0">
+                <a:pos x="connsiteX2" y="connsiteY2"/>
+              </a:cxn>
+              <a:cxn ang="0">
+                <a:pos x="connsiteX3" y="connsiteY3"/>
+              </a:cxn>
+              <a:cxn ang="0">
+                <a:pos x="connsiteX4" y="connsiteY4"/>
+              </a:cxn>
+              <a:cxn ang="0">
+                <a:pos x="connsiteX5" y="connsiteY5"/>
+              </a:cxn>
+              <a:cxn ang="0">
+                <a:pos x="connsiteX6" y="connsiteY6"/>
+              </a:cxn>
+              <a:cxn ang="0">
+                <a:pos x="connsiteX7" y="connsiteY7"/>
+              </a:cxn>
+              <a:cxn ang="0">
+                <a:pos x="connsiteX8" y="connsiteY8"/>
+              </a:cxn>
+              <a:cxn ang="0">
+                <a:pos x="connsiteX9" y="connsiteY9"/>
+              </a:cxn>
+            </a:cxnLst>
+            <a:rect l="l" t="t" r="r" b="b"/>
+            <a:pathLst>
+              <a:path w="144779" h="171450">
+                <a:moveTo>
+                  <a:pt x="72390" y="74847"/>
+                </a:moveTo>
+                <a:cubicBezTo>
+                  <a:pt x="75590" y="78657"/>
+                  <a:pt x="78962" y="82258"/>
+                  <a:pt x="82467" y="85725"/>
+                </a:cubicBezTo>
+                <a:cubicBezTo>
+                  <a:pt x="78962" y="89192"/>
+                  <a:pt x="75590" y="92831"/>
+                  <a:pt x="72390" y="96603"/>
+                </a:cubicBezTo>
+                <a:cubicBezTo>
+                  <a:pt x="69190" y="92793"/>
+                  <a:pt x="65818" y="89192"/>
+                  <a:pt x="62313" y="85725"/>
+                </a:cubicBezTo>
+                <a:cubicBezTo>
+                  <a:pt x="65818" y="82258"/>
+                  <a:pt x="69190" y="78619"/>
+                  <a:pt x="72390" y="74847"/>
+                </a:cubicBezTo>
+                <a:close/>
+                <a:moveTo>
+                  <a:pt x="72390" y="0"/>
+                </a:moveTo>
+                <a:cubicBezTo>
+                  <a:pt x="61787" y="37696"/>
+                  <a:pt x="35387" y="68957"/>
+                  <a:pt x="0" y="85725"/>
+                </a:cubicBezTo>
+                <a:cubicBezTo>
+                  <a:pt x="35387" y="102493"/>
+                  <a:pt x="61787" y="133754"/>
+                  <a:pt x="72390" y="171450"/>
+                </a:cubicBezTo>
+                <a:cubicBezTo>
+                  <a:pt x="82993" y="133754"/>
+                  <a:pt x="109393" y="102493"/>
+                  <a:pt x="144780" y="85725"/>
+                </a:cubicBezTo>
+                <a:cubicBezTo>
+                  <a:pt x="109393" y="68957"/>
+                  <a:pt x="82993" y="37696"/>
+                  <a:pt x="72390" y="0"/>
+                </a:cubicBezTo>
+                <a:close/>
+              </a:path>
+            </a:pathLst>
+          </a:custGeom>
+          <a:solidFill>
+            <a:srgbClr val="000000"/>
+          </a:solidFill>
+          <a:ln w="12700" cap="flat">
+            <a:solidFill>
+              <a:srgbClr val="00FF00"/>
+            </a:solidFill>
+            <a:prstDash val="solid"/>
+            <a:miter/>
+          </a:ln>
+        </p:spPr>
+        <p:txBody>
+          <a:bodyPr rtlCol="0" anchor="ctr"/>
+          <a:lstStyle/>
+          <a:p>
+            <a:endParaRPr lang="en-US"/>
+          </a:p>
+        </p:txBody>
+      </p:sp>
+      <p:sp>
+        <p:nvSpPr>
+          <p:cNvPr id="23" name="任意多边形: 形状 22">
+            <a:extLst>
+              <a:ext uri="{FF2B5EF4-FFF2-40B4-BE49-F238E27FC236}">
+                <a16:creationId xmlns:a16="http://schemas.microsoft.com/office/drawing/2014/main" id="{30419BE1-D0DA-A0AE-4B70-11F6F1AE4242}"/>
+              </a:ext>
+            </a:extLst>
+          </p:cNvPr>
+          <p:cNvSpPr/>
+          <p:nvPr/>
+        </p:nvSpPr>
+        <p:spPr>
+          <a:xfrm>
+            <a:off x="8741975" y="8701099"/>
+            <a:ext cx="788651" cy="885802"/>
+          </a:xfrm>
+          <a:custGeom>
+            <a:avLst/>
+            <a:gdLst>
+              <a:gd name="connsiteX0" fmla="*/ 97155 w 194309"/>
+              <a:gd name="connsiteY0" fmla="*/ 82391 h 228600"/>
+              <a:gd name="connsiteX1" fmla="*/ 126511 w 194309"/>
+              <a:gd name="connsiteY1" fmla="*/ 114300 h 228600"/>
+              <a:gd name="connsiteX2" fmla="*/ 97155 w 194309"/>
+              <a:gd name="connsiteY2" fmla="*/ 146209 h 228600"/>
+              <a:gd name="connsiteX3" fmla="*/ 67799 w 194309"/>
+              <a:gd name="connsiteY3" fmla="*/ 114300 h 228600"/>
+              <a:gd name="connsiteX4" fmla="*/ 97155 w 194309"/>
+              <a:gd name="connsiteY4" fmla="*/ 82391 h 228600"/>
+              <a:gd name="connsiteX5" fmla="*/ 97155 w 194309"/>
+              <a:gd name="connsiteY5" fmla="*/ 0 h 228600"/>
+              <a:gd name="connsiteX6" fmla="*/ 0 w 194309"/>
+              <a:gd name="connsiteY6" fmla="*/ 114300 h 228600"/>
+              <a:gd name="connsiteX7" fmla="*/ 97155 w 194309"/>
+              <a:gd name="connsiteY7" fmla="*/ 228600 h 228600"/>
+              <a:gd name="connsiteX8" fmla="*/ 194310 w 194309"/>
+              <a:gd name="connsiteY8" fmla="*/ 114300 h 228600"/>
+              <a:gd name="connsiteX9" fmla="*/ 97155 w 194309"/>
+              <a:gd name="connsiteY9" fmla="*/ 0 h 228600"/>
+            </a:gdLst>
+            <a:ahLst/>
+            <a:cxnLst>
+              <a:cxn ang="0">
+                <a:pos x="connsiteX0" y="connsiteY0"/>
+              </a:cxn>
+              <a:cxn ang="0">
+                <a:pos x="connsiteX1" y="connsiteY1"/>
+              </a:cxn>
+              <a:cxn ang="0">
+                <a:pos x="connsiteX2" y="connsiteY2"/>
+              </a:cxn>
+              <a:cxn ang="0">
+                <a:pos x="connsiteX3" y="connsiteY3"/>
+              </a:cxn>
+              <a:cxn ang="0">
+                <a:pos x="connsiteX4" y="connsiteY4"/>
+              </a:cxn>
+              <a:cxn ang="0">
+                <a:pos x="connsiteX5" y="connsiteY5"/>
+              </a:cxn>
+              <a:cxn ang="0">
+                <a:pos x="connsiteX6" y="connsiteY6"/>
+              </a:cxn>
+              <a:cxn ang="0">
+                <a:pos x="connsiteX7" y="connsiteY7"/>
+              </a:cxn>
+              <a:cxn ang="0">
+                <a:pos x="connsiteX8" y="connsiteY8"/>
+              </a:cxn>
+              <a:cxn ang="0">
+                <a:pos x="connsiteX9" y="connsiteY9"/>
+              </a:cxn>
+            </a:cxnLst>
+            <a:rect l="l" t="t" r="r" b="b"/>
+            <a:pathLst>
+              <a:path w="194309" h="228600">
+                <a:moveTo>
+                  <a:pt x="97155" y="82391"/>
+                </a:moveTo>
+                <a:cubicBezTo>
+                  <a:pt x="105891" y="93947"/>
+                  <a:pt x="115723" y="104632"/>
+                  <a:pt x="126511" y="114300"/>
+                </a:cubicBezTo>
+                <a:cubicBezTo>
+                  <a:pt x="115723" y="123968"/>
+                  <a:pt x="105891" y="134653"/>
+                  <a:pt x="97155" y="146209"/>
+                </a:cubicBezTo>
+                <a:cubicBezTo>
+                  <a:pt x="88419" y="134653"/>
+                  <a:pt x="78587" y="123968"/>
+                  <a:pt x="67799" y="114300"/>
+                </a:cubicBezTo>
+                <a:cubicBezTo>
+                  <a:pt x="78587" y="104632"/>
+                  <a:pt x="88419" y="93947"/>
+                  <a:pt x="97155" y="82391"/>
+                </a:cubicBezTo>
+                <a:close/>
+                <a:moveTo>
+                  <a:pt x="97155" y="0"/>
+                </a:moveTo>
+                <a:cubicBezTo>
+                  <a:pt x="82174" y="50008"/>
+                  <a:pt x="46941" y="91459"/>
+                  <a:pt x="0" y="114300"/>
+                </a:cubicBezTo>
+                <a:cubicBezTo>
+                  <a:pt x="46941" y="137141"/>
+                  <a:pt x="82174" y="178592"/>
+                  <a:pt x="97155" y="228600"/>
+                </a:cubicBezTo>
+                <a:cubicBezTo>
+                  <a:pt x="112136" y="178592"/>
+                  <a:pt x="147369" y="137141"/>
+                  <a:pt x="194310" y="114300"/>
+                </a:cubicBezTo>
+                <a:cubicBezTo>
+                  <a:pt x="147369" y="91459"/>
+                  <a:pt x="112136" y="50008"/>
+                  <a:pt x="97155" y="0"/>
+                </a:cubicBezTo>
+                <a:close/>
+              </a:path>
+            </a:pathLst>
+          </a:custGeom>
+          <a:blipFill>
+            <a:blip r:embed="rId2"/>
+            <a:tile tx="0" ty="0" sx="100000" sy="100000" flip="none" algn="tl"/>
+          </a:blipFill>
+          <a:ln w="12700" cap="flat">
+            <a:solidFill>
+              <a:schemeClr val="bg1"/>
+            </a:solidFill>
+            <a:prstDash val="solid"/>
+            <a:miter/>
+          </a:ln>
+        </p:spPr>
+        <p:txBody>
+          <a:bodyPr rtlCol="0" anchor="ctr"/>
+          <a:lstStyle/>
+          <a:p>
+            <a:endParaRPr lang="en-US"/>
+          </a:p>
+        </p:txBody>
+      </p:sp>
+      <p:sp>
+        <p:nvSpPr>
+          <p:cNvPr id="24" name="任意多边形: 形状 23">
+            <a:extLst>
+              <a:ext uri="{FF2B5EF4-FFF2-40B4-BE49-F238E27FC236}">
+                <a16:creationId xmlns:a16="http://schemas.microsoft.com/office/drawing/2014/main" id="{B27109F0-D42D-FF78-DE16-D823427A8BE5}"/>
+              </a:ext>
+            </a:extLst>
+          </p:cNvPr>
+          <p:cNvSpPr/>
+          <p:nvPr/>
+        </p:nvSpPr>
+        <p:spPr>
+          <a:xfrm>
+            <a:off x="7303780" y="9438123"/>
+            <a:ext cx="525766" cy="590535"/>
+          </a:xfrm>
+          <a:custGeom>
+            <a:avLst/>
+            <a:gdLst>
+              <a:gd name="connsiteX0" fmla="*/ 64770 w 129539"/>
+              <a:gd name="connsiteY0" fmla="*/ 68580 h 152400"/>
+              <a:gd name="connsiteX1" fmla="*/ 71895 w 129539"/>
+              <a:gd name="connsiteY1" fmla="*/ 76200 h 152400"/>
+              <a:gd name="connsiteX2" fmla="*/ 64770 w 129539"/>
+              <a:gd name="connsiteY2" fmla="*/ 83820 h 152400"/>
+              <a:gd name="connsiteX3" fmla="*/ 57645 w 129539"/>
+              <a:gd name="connsiteY3" fmla="*/ 76200 h 152400"/>
+              <a:gd name="connsiteX4" fmla="*/ 64770 w 129539"/>
+              <a:gd name="connsiteY4" fmla="*/ 68580 h 152400"/>
+              <a:gd name="connsiteX5" fmla="*/ 64770 w 129539"/>
+              <a:gd name="connsiteY5" fmla="*/ 0 h 152400"/>
+              <a:gd name="connsiteX6" fmla="*/ 0 w 129539"/>
+              <a:gd name="connsiteY6" fmla="*/ 76200 h 152400"/>
+              <a:gd name="connsiteX7" fmla="*/ 64770 w 129539"/>
+              <a:gd name="connsiteY7" fmla="*/ 152400 h 152400"/>
+              <a:gd name="connsiteX8" fmla="*/ 129540 w 129539"/>
+              <a:gd name="connsiteY8" fmla="*/ 76200 h 152400"/>
+              <a:gd name="connsiteX9" fmla="*/ 64770 w 129539"/>
+              <a:gd name="connsiteY9" fmla="*/ 0 h 152400"/>
+            </a:gdLst>
+            <a:ahLst/>
+            <a:cxnLst>
+              <a:cxn ang="0">
+                <a:pos x="connsiteX0" y="connsiteY0"/>
+              </a:cxn>
+              <a:cxn ang="0">
+                <a:pos x="connsiteX1" y="connsiteY1"/>
+              </a:cxn>
+              <a:cxn ang="0">
+                <a:pos x="connsiteX2" y="connsiteY2"/>
+              </a:cxn>
+              <a:cxn ang="0">
+                <a:pos x="connsiteX3" y="connsiteY3"/>
+              </a:cxn>
+              <a:cxn ang="0">
+                <a:pos x="connsiteX4" y="connsiteY4"/>
+              </a:cxn>
+              <a:cxn ang="0">
+                <a:pos x="connsiteX5" y="connsiteY5"/>
+              </a:cxn>
+              <a:cxn ang="0">
+                <a:pos x="connsiteX6" y="connsiteY6"/>
+              </a:cxn>
+              <a:cxn ang="0">
+                <a:pos x="connsiteX7" y="connsiteY7"/>
+              </a:cxn>
+              <a:cxn ang="0">
+                <a:pos x="connsiteX8" y="connsiteY8"/>
+              </a:cxn>
+              <a:cxn ang="0">
+                <a:pos x="connsiteX9" y="connsiteY9"/>
+              </a:cxn>
+            </a:cxnLst>
+            <a:rect l="l" t="t" r="r" b="b"/>
+            <a:pathLst>
+              <a:path w="129539" h="152400">
+                <a:moveTo>
+                  <a:pt x="64770" y="68580"/>
+                </a:moveTo>
+                <a:cubicBezTo>
+                  <a:pt x="67056" y="71196"/>
+                  <a:pt x="69432" y="73737"/>
+                  <a:pt x="71895" y="76200"/>
+                </a:cubicBezTo>
+                <a:cubicBezTo>
+                  <a:pt x="69432" y="78638"/>
+                  <a:pt x="67056" y="81178"/>
+                  <a:pt x="64770" y="83820"/>
+                </a:cubicBezTo>
+                <a:cubicBezTo>
+                  <a:pt x="62484" y="81204"/>
+                  <a:pt x="60108" y="78663"/>
+                  <a:pt x="57645" y="76200"/>
+                </a:cubicBezTo>
+                <a:cubicBezTo>
+                  <a:pt x="60108" y="73762"/>
+                  <a:pt x="62484" y="71222"/>
+                  <a:pt x="64770" y="68580"/>
+                </a:cubicBezTo>
+                <a:close/>
+                <a:moveTo>
+                  <a:pt x="64770" y="0"/>
+                </a:moveTo>
+                <a:cubicBezTo>
+                  <a:pt x="55592" y="33772"/>
+                  <a:pt x="31852" y="61701"/>
+                  <a:pt x="0" y="76200"/>
+                </a:cubicBezTo>
+                <a:cubicBezTo>
+                  <a:pt x="31852" y="90699"/>
+                  <a:pt x="55592" y="118628"/>
+                  <a:pt x="64770" y="152400"/>
+                </a:cubicBezTo>
+                <a:cubicBezTo>
+                  <a:pt x="73948" y="118628"/>
+                  <a:pt x="97688" y="90699"/>
+                  <a:pt x="129540" y="76200"/>
+                </a:cubicBezTo>
+                <a:cubicBezTo>
+                  <a:pt x="97688" y="61701"/>
+                  <a:pt x="73948" y="33772"/>
+                  <a:pt x="64770" y="0"/>
+                </a:cubicBezTo>
+                <a:close/>
+              </a:path>
+            </a:pathLst>
+          </a:custGeom>
+          <a:noFill/>
+          <a:ln w="12700" cap="flat">
+            <a:solidFill>
+              <a:srgbClr val="0000FF"/>
+            </a:solidFill>
+            <a:prstDash val="solid"/>
+            <a:miter/>
+          </a:ln>
+        </p:spPr>
+        <p:txBody>
+          <a:bodyPr rtlCol="0" anchor="ctr"/>
+          <a:lstStyle/>
+          <a:p>
+            <a:endParaRPr lang="en-US"/>
+          </a:p>
+        </p:txBody>
+      </p:sp>
     </p:spTree>
     <p:extLst>
       <p:ext uri="{BB962C8B-B14F-4D97-AF65-F5344CB8AC3E}">
@@ -6532,8 +6419,8 @@
         </p:nvGrpSpPr>
         <p:grpSpPr>
           <a:xfrm>
-            <a:off x="5104685" y="6327088"/>
-            <a:ext cx="7303198" cy="6098446"/>
+            <a:off x="144378" y="2019773"/>
+            <a:ext cx="18000000" cy="15030661"/>
             <a:chOff x="5706264" y="6712098"/>
             <a:chExt cx="6208047" cy="5183953"/>
           </a:xfrm>
@@ -9159,7 +9046,7 @@
           </p:nvSpPr>
           <p:spPr>
             <a:xfrm>
-              <a:off x="8789761" y="8727654"/>
+              <a:off x="8461873" y="8777998"/>
               <a:ext cx="696569" cy="782376"/>
             </a:xfrm>
             <a:custGeom>
